--- a/Checkers/images/מצגת קוד.pptx
+++ b/Checkers/images/מצגת קוד.pptx
@@ -106,6 +106,11 @@
       </a:defRPr>
     </a:lvl9pPr>
   </p:defaultTextStyle>
+  <p:extLst>
+    <p:ext uri="{EFAFB233-063F-42B5-8137-9DF3F51BA10A}">
+      <p15:sldGuideLst xmlns:p15="http://schemas.microsoft.com/office/powerpoint/2012/main"/>
+    </p:ext>
+  </p:extLst>
 </p:presentation>
 </file>
 
@@ -1264,7 +1269,7 @@
       </dgm:spPr>
     </dgm:pt>
     <dgm:pt modelId="{479CD954-348B-4C2D-A7FC-68EFAEF598AB}" type="pres">
-      <dgm:prSet presAssocID="{391F10EC-D682-4093-AECC-16D99797BE79}" presName="text" presStyleLbl="fgAcc0" presStyleIdx="0" presStyleCnt="1">
+      <dgm:prSet presAssocID="{391F10EC-D682-4093-AECC-16D99797BE79}" presName="text" presStyleLbl="fgAcc0" presStyleIdx="0" presStyleCnt="1" custLinFactX="-17307" custLinFactNeighborX="-100000" custLinFactNeighborY="848">
         <dgm:presLayoutVars>
           <dgm:chPref val="3"/>
         </dgm:presLayoutVars>
@@ -1294,7 +1299,7 @@
       </dgm:spPr>
     </dgm:pt>
     <dgm:pt modelId="{8D2DAB22-E3C1-4511-AE4B-B420C6267551}" type="pres">
-      <dgm:prSet presAssocID="{0BE9C46A-AF7D-4764-805E-F6CEDE2CD447}" presName="text2" presStyleLbl="fgAcc2" presStyleIdx="0" presStyleCnt="5" custScaleX="94553" custLinFactNeighborX="12589" custLinFactNeighborY="96910">
+      <dgm:prSet presAssocID="{0BE9C46A-AF7D-4764-805E-F6CEDE2CD447}" presName="text2" presStyleLbl="fgAcc2" presStyleIdx="0" presStyleCnt="5" custScaleX="94553" custLinFactY="67072" custLinFactNeighborX="12589" custLinFactNeighborY="100000">
         <dgm:presLayoutVars>
           <dgm:chPref val="3"/>
         </dgm:presLayoutVars>
@@ -1324,7 +1329,7 @@
       </dgm:spPr>
     </dgm:pt>
     <dgm:pt modelId="{1EF5734D-CBF8-4A4E-9FDD-90B87FCEB6F2}" type="pres">
-      <dgm:prSet presAssocID="{9EC0159F-5232-4D33-9612-BA51EBF4BB51}" presName="text2" presStyleLbl="fgAcc2" presStyleIdx="1" presStyleCnt="5" custScaleX="94553" custLinFactNeighborX="9309" custLinFactNeighborY="96910">
+      <dgm:prSet presAssocID="{9EC0159F-5232-4D33-9612-BA51EBF4BB51}" presName="text2" presStyleLbl="fgAcc2" presStyleIdx="1" presStyleCnt="5" custScaleX="94553" custLinFactY="67072" custLinFactNeighborX="9309" custLinFactNeighborY="100000">
         <dgm:presLayoutVars>
           <dgm:chPref val="3"/>
         </dgm:presLayoutVars>
@@ -1354,7 +1359,7 @@
       </dgm:spPr>
     </dgm:pt>
     <dgm:pt modelId="{64FEDDA8-38F1-4F83-8855-305B6F4CAB3B}" type="pres">
-      <dgm:prSet presAssocID="{B0E681AA-8415-420F-815A-0DB9058D654A}" presName="text2" presStyleLbl="fgAcc2" presStyleIdx="2" presStyleCnt="5" custScaleX="94553" custLinFactNeighborX="-3487" custLinFactNeighborY="96910">
+      <dgm:prSet presAssocID="{B0E681AA-8415-420F-815A-0DB9058D654A}" presName="text2" presStyleLbl="fgAcc2" presStyleIdx="2" presStyleCnt="5" custScaleX="94553" custLinFactY="67072" custLinFactNeighborX="-3487" custLinFactNeighborY="100000">
         <dgm:presLayoutVars>
           <dgm:chPref val="3"/>
         </dgm:presLayoutVars>
@@ -1384,7 +1389,7 @@
       </dgm:spPr>
     </dgm:pt>
     <dgm:pt modelId="{93D07BB6-F29A-43EC-BFE6-776450E96F8B}" type="pres">
-      <dgm:prSet presAssocID="{7E20D712-3E03-4381-8184-4F68211A9B50}" presName="text2" presStyleLbl="fgAcc2" presStyleIdx="3" presStyleCnt="5" custScaleX="94553" custLinFactNeighborX="-21040" custLinFactNeighborY="96910">
+      <dgm:prSet presAssocID="{7E20D712-3E03-4381-8184-4F68211A9B50}" presName="text2" presStyleLbl="fgAcc2" presStyleIdx="3" presStyleCnt="5" custScaleX="94553" custLinFactY="67072" custLinFactNeighborX="-21040" custLinFactNeighborY="100000">
         <dgm:presLayoutVars>
           <dgm:chPref val="3"/>
         </dgm:presLayoutVars>
@@ -1440,7 +1445,7 @@
       <dgm:spPr/>
     </dgm:pt>
     <dgm:pt modelId="{AAAC3685-F895-4742-8CA9-EF1679BD1DD2}" type="pres">
-      <dgm:prSet presAssocID="{DA487EAA-B28C-4DC9-85A7-0432B23EBDD8}" presName="text3" presStyleLbl="fgAcc3" presStyleIdx="0" presStyleCnt="3" custLinFactX="100000" custLinFactNeighborX="119857" custLinFactNeighborY="-18805">
+      <dgm:prSet presAssocID="{DA487EAA-B28C-4DC9-85A7-0432B23EBDD8}" presName="text3" presStyleLbl="fgAcc3" presStyleIdx="0" presStyleCnt="3" custLinFactX="100000" custLinFactNeighborX="118243" custLinFactNeighborY="22853">
         <dgm:presLayoutVars>
           <dgm:chPref val="3"/>
         </dgm:presLayoutVars>
@@ -1726,7 +1731,7 @@
       <dsp:spPr>
         <a:xfrm>
           <a:off x="7586048" y="3122030"/>
-          <a:ext cx="2003927" cy="267243"/>
+          <a:ext cx="1978765" cy="679638"/>
         </a:xfrm>
         <a:custGeom>
           <a:avLst/>
@@ -1740,13 +1745,13 @@
                 <a:pt x="0" y="0"/>
               </a:moveTo>
               <a:lnTo>
-                <a:pt x="0" y="122820"/>
+                <a:pt x="0" y="535215"/>
               </a:lnTo>
               <a:lnTo>
-                <a:pt x="2003927" y="122820"/>
+                <a:pt x="1978765" y="535215"/>
               </a:lnTo>
               <a:lnTo>
-                <a:pt x="2003927" y="267243"/>
+                <a:pt x="1978765" y="679638"/>
               </a:lnTo>
             </a:path>
           </a:pathLst>
@@ -1786,8 +1791,8 @@
       </dsp:nvSpPr>
       <dsp:spPr>
         <a:xfrm>
-          <a:off x="4426857" y="1678673"/>
-          <a:ext cx="3159190" cy="453403"/>
+          <a:off x="2598062" y="1687067"/>
+          <a:ext cx="4987985" cy="445009"/>
         </a:xfrm>
         <a:custGeom>
           <a:avLst/>
@@ -1801,13 +1806,13 @@
                 <a:pt x="0" y="0"/>
               </a:moveTo>
               <a:lnTo>
-                <a:pt x="0" y="308981"/>
+                <a:pt x="0" y="300586"/>
               </a:lnTo>
               <a:lnTo>
-                <a:pt x="3159190" y="308981"/>
+                <a:pt x="4987985" y="300586"/>
               </a:lnTo>
               <a:lnTo>
-                <a:pt x="3159190" y="453403"/>
+                <a:pt x="4987985" y="445009"/>
               </a:lnTo>
             </a:path>
           </a:pathLst>
@@ -1847,8 +1852,8 @@
       </dsp:nvSpPr>
       <dsp:spPr>
         <a:xfrm>
-          <a:off x="4426857" y="1678673"/>
-          <a:ext cx="1450036" cy="1412767"/>
+          <a:off x="2598062" y="1687067"/>
+          <a:ext cx="3278831" cy="2098944"/>
         </a:xfrm>
         <a:custGeom>
           <a:avLst/>
@@ -1862,13 +1867,13 @@
                 <a:pt x="0" y="0"/>
               </a:moveTo>
               <a:lnTo>
-                <a:pt x="0" y="1268345"/>
+                <a:pt x="0" y="1954522"/>
               </a:lnTo>
               <a:lnTo>
-                <a:pt x="1450036" y="1268345"/>
+                <a:pt x="3278831" y="1954522"/>
               </a:lnTo>
               <a:lnTo>
-                <a:pt x="1450036" y="1412767"/>
+                <a:pt x="3278831" y="2098944"/>
               </a:lnTo>
             </a:path>
           </a:pathLst>
@@ -1908,8 +1913,8 @@
       </dsp:nvSpPr>
       <dsp:spPr>
         <a:xfrm>
-          <a:off x="4330037" y="1678673"/>
-          <a:ext cx="96820" cy="1412767"/>
+          <a:off x="2598062" y="1687067"/>
+          <a:ext cx="1731974" cy="2098944"/>
         </a:xfrm>
         <a:custGeom>
           <a:avLst/>
@@ -1920,16 +1925,16 @@
           <a:pathLst>
             <a:path>
               <a:moveTo>
-                <a:pt x="96820" y="0"/>
+                <a:pt x="0" y="0"/>
               </a:moveTo>
               <a:lnTo>
-                <a:pt x="96820" y="1268345"/>
+                <a:pt x="0" y="1954522"/>
               </a:lnTo>
               <a:lnTo>
-                <a:pt x="0" y="1268345"/>
+                <a:pt x="1731974" y="1954522"/>
               </a:lnTo>
               <a:lnTo>
-                <a:pt x="0" y="1412767"/>
+                <a:pt x="1731974" y="2098944"/>
               </a:lnTo>
             </a:path>
           </a:pathLst>
@@ -1969,8 +1974,8 @@
       </dsp:nvSpPr>
       <dsp:spPr>
         <a:xfrm>
-          <a:off x="2709019" y="1678673"/>
-          <a:ext cx="1717837" cy="1412767"/>
+          <a:off x="2598062" y="1687067"/>
+          <a:ext cx="110957" cy="2098944"/>
         </a:xfrm>
         <a:custGeom>
           <a:avLst/>
@@ -1981,16 +1986,16 @@
           <a:pathLst>
             <a:path>
               <a:moveTo>
-                <a:pt x="1717837" y="0"/>
+                <a:pt x="0" y="0"/>
               </a:moveTo>
               <a:lnTo>
-                <a:pt x="1717837" y="1268345"/>
+                <a:pt x="0" y="1954522"/>
               </a:lnTo>
               <a:lnTo>
-                <a:pt x="0" y="1268345"/>
+                <a:pt x="110957" y="1954522"/>
               </a:lnTo>
               <a:lnTo>
-                <a:pt x="0" y="1412767"/>
+                <a:pt x="110957" y="2098944"/>
               </a:lnTo>
             </a:path>
           </a:pathLst>
@@ -2030,8 +2035,8 @@
       </dsp:nvSpPr>
       <dsp:spPr>
         <a:xfrm>
-          <a:off x="939649" y="1678673"/>
-          <a:ext cx="3487208" cy="1412767"/>
+          <a:off x="939649" y="1687067"/>
+          <a:ext cx="1658413" cy="2098944"/>
         </a:xfrm>
         <a:custGeom>
           <a:avLst/>
@@ -2042,16 +2047,16 @@
           <a:pathLst>
             <a:path>
               <a:moveTo>
-                <a:pt x="3487208" y="0"/>
+                <a:pt x="1658413" y="0"/>
               </a:moveTo>
               <a:lnTo>
-                <a:pt x="3487208" y="1268345"/>
+                <a:pt x="1658413" y="1954522"/>
               </a:lnTo>
               <a:lnTo>
-                <a:pt x="0" y="1268345"/>
+                <a:pt x="0" y="1954522"/>
               </a:lnTo>
               <a:lnTo>
-                <a:pt x="0" y="1412767"/>
+                <a:pt x="0" y="2098944"/>
               </a:lnTo>
             </a:path>
           </a:pathLst>
@@ -2091,7 +2096,7 @@
       </dsp:nvSpPr>
       <dsp:spPr>
         <a:xfrm>
-          <a:off x="3647366" y="688719"/>
+          <a:off x="1818571" y="697114"/>
           <a:ext cx="1558982" cy="989953"/>
         </a:xfrm>
         <a:prstGeom prst="roundRect">
@@ -2135,7 +2140,7 @@
       </dsp:nvSpPr>
       <dsp:spPr>
         <a:xfrm>
-          <a:off x="3820586" y="853278"/>
+          <a:off x="1991791" y="861673"/>
           <a:ext cx="1558982" cy="989953"/>
         </a:xfrm>
         <a:prstGeom prst="roundRect">
@@ -2199,7 +2204,7 @@
         </a:p>
       </dsp:txBody>
       <dsp:txXfrm>
-        <a:off x="3849581" y="882273"/>
+        <a:off x="2020786" y="890668"/>
         <a:ext cx="1500992" cy="931963"/>
       </dsp:txXfrm>
     </dsp:sp>
@@ -2210,7 +2215,7 @@
       </dsp:nvSpPr>
       <dsp:spPr>
         <a:xfrm>
-          <a:off x="202617" y="3091441"/>
+          <a:off x="202617" y="3786012"/>
           <a:ext cx="1474064" cy="989953"/>
         </a:xfrm>
         <a:prstGeom prst="roundRect">
@@ -2254,7 +2259,7 @@
       </dsp:nvSpPr>
       <dsp:spPr>
         <a:xfrm>
-          <a:off x="375837" y="3256000"/>
+          <a:off x="375837" y="3950571"/>
           <a:ext cx="1474064" cy="989953"/>
         </a:xfrm>
         <a:prstGeom prst="roundRect">
@@ -2322,7 +2327,7 @@
         </a:p>
       </dsp:txBody>
       <dsp:txXfrm>
-        <a:off x="404832" y="3284995"/>
+        <a:off x="404832" y="3979566"/>
         <a:ext cx="1416074" cy="931963"/>
       </dsp:txXfrm>
     </dsp:sp>
@@ -2333,7 +2338,7 @@
       </dsp:nvSpPr>
       <dsp:spPr>
         <a:xfrm>
-          <a:off x="1971987" y="3091441"/>
+          <a:off x="1971987" y="3786012"/>
           <a:ext cx="1474064" cy="989953"/>
         </a:xfrm>
         <a:prstGeom prst="roundRect">
@@ -2377,7 +2382,7 @@
       </dsp:nvSpPr>
       <dsp:spPr>
         <a:xfrm>
-          <a:off x="2145207" y="3256000"/>
+          <a:off x="2145207" y="3950571"/>
           <a:ext cx="1474064" cy="989953"/>
         </a:xfrm>
         <a:prstGeom prst="roundRect">
@@ -2445,7 +2450,7 @@
         </a:p>
       </dsp:txBody>
       <dsp:txXfrm>
-        <a:off x="2174202" y="3284995"/>
+        <a:off x="2174202" y="3979566"/>
         <a:ext cx="1416074" cy="931963"/>
       </dsp:txXfrm>
     </dsp:sp>
@@ -2456,7 +2461,7 @@
       </dsp:nvSpPr>
       <dsp:spPr>
         <a:xfrm>
-          <a:off x="3593004" y="3091441"/>
+          <a:off x="3593004" y="3786012"/>
           <a:ext cx="1474064" cy="989953"/>
         </a:xfrm>
         <a:prstGeom prst="roundRect">
@@ -2500,7 +2505,7 @@
       </dsp:nvSpPr>
       <dsp:spPr>
         <a:xfrm>
-          <a:off x="3766225" y="3256000"/>
+          <a:off x="3766225" y="3950571"/>
           <a:ext cx="1474064" cy="989953"/>
         </a:xfrm>
         <a:prstGeom prst="roundRect">
@@ -2568,7 +2573,7 @@
         </a:p>
       </dsp:txBody>
       <dsp:txXfrm>
-        <a:off x="3795220" y="3284995"/>
+        <a:off x="3795220" y="3979566"/>
         <a:ext cx="1416074" cy="931963"/>
       </dsp:txXfrm>
     </dsp:sp>
@@ -2579,7 +2584,7 @@
       </dsp:nvSpPr>
       <dsp:spPr>
         <a:xfrm>
-          <a:off x="5139861" y="3091441"/>
+          <a:off x="5139861" y="3786012"/>
           <a:ext cx="1474064" cy="989953"/>
         </a:xfrm>
         <a:prstGeom prst="roundRect">
@@ -2623,7 +2628,7 @@
       </dsp:nvSpPr>
       <dsp:spPr>
         <a:xfrm>
-          <a:off x="5313081" y="3256000"/>
+          <a:off x="5313081" y="3950571"/>
           <a:ext cx="1474064" cy="989953"/>
         </a:xfrm>
         <a:prstGeom prst="roundRect">
@@ -2691,7 +2696,7 @@
         </a:p>
       </dsp:txBody>
       <dsp:txXfrm>
-        <a:off x="5342076" y="3284995"/>
+        <a:off x="5342076" y="3979566"/>
         <a:ext cx="1416074" cy="931963"/>
       </dsp:txXfrm>
     </dsp:sp>
@@ -2832,7 +2837,7 @@
       </dsp:nvSpPr>
       <dsp:spPr>
         <a:xfrm>
-          <a:off x="8810484" y="3389273"/>
+          <a:off x="8785322" y="3801668"/>
           <a:ext cx="1558982" cy="989953"/>
         </a:xfrm>
         <a:prstGeom prst="roundRect">
@@ -2883,7 +2888,7 @@
       </dsp:nvSpPr>
       <dsp:spPr>
         <a:xfrm>
-          <a:off x="8983704" y="3553833"/>
+          <a:off x="8958542" y="3966227"/>
           <a:ext cx="1558982" cy="989953"/>
         </a:xfrm>
         <a:prstGeom prst="roundRect">
@@ -2951,7 +2956,7 @@
         </a:p>
       </dsp:txBody>
       <dsp:txXfrm>
-        <a:off x="9012699" y="3582828"/>
+        <a:off x="8987537" y="3995222"/>
         <a:ext cx="1500992" cy="931963"/>
       </dsp:txXfrm>
     </dsp:sp>
@@ -4979,7 +4984,7 @@
           <a:p>
             <a:fld id="{1160EA64-D806-43AC-9DF2-F8C432F32B4C}" type="datetimeFigureOut">
               <a:rPr lang="en-US" dirty="0"/>
-              <a:t>5/2/2022</a:t>
+              <a:t>5/3/2022</a:t>
             </a:fld>
             <a:endParaRPr lang="en-US" dirty="0"/>
           </a:p>
@@ -5145,7 +5150,7 @@
           <a:p>
             <a:fld id="{E9F9C37B-1D36-470B-8223-D6C91242EC14}" type="datetimeFigureOut">
               <a:rPr lang="en-US" dirty="0"/>
-              <a:t>5/2/2022</a:t>
+              <a:t>5/3/2022</a:t>
             </a:fld>
             <a:endParaRPr lang="en-US" dirty="0"/>
           </a:p>
@@ -5320,7 +5325,7 @@
           <a:p>
             <a:fld id="{67C6F52A-A82B-47A2-A83A-8C4C91F2D59F}" type="datetimeFigureOut">
               <a:rPr lang="en-US" dirty="0"/>
-              <a:t>5/2/2022</a:t>
+              <a:t>5/3/2022</a:t>
             </a:fld>
             <a:endParaRPr lang="en-US" dirty="0"/>
           </a:p>
@@ -5485,7 +5490,7 @@
           <a:p>
             <a:fld id="{F070A7B3-6521-4DCA-87E5-044747A908C1}" type="datetimeFigureOut">
               <a:rPr lang="en-US" dirty="0"/>
-              <a:t>5/2/2022</a:t>
+              <a:t>5/3/2022</a:t>
             </a:fld>
             <a:endParaRPr lang="en-US" dirty="0"/>
           </a:p>
@@ -5749,7 +5754,7 @@
           <a:p>
             <a:fld id="{1160EA64-D806-43AC-9DF2-F8C432F32B4C}" type="datetimeFigureOut">
               <a:rPr lang="en-US" dirty="0"/>
-              <a:t>5/2/2022</a:t>
+              <a:t>5/3/2022</a:t>
             </a:fld>
             <a:endParaRPr lang="en-US" dirty="0"/>
           </a:p>
@@ -5977,7 +5982,7 @@
           <a:p>
             <a:fld id="{AB134690-1557-4C89-A502-4959FE7FAD70}" type="datetimeFigureOut">
               <a:rPr lang="en-US" dirty="0"/>
-              <a:t>5/2/2022</a:t>
+              <a:t>5/3/2022</a:t>
             </a:fld>
             <a:endParaRPr lang="en-US" dirty="0"/>
           </a:p>
@@ -6331,7 +6336,7 @@
           <a:p>
             <a:fld id="{4F7D4976-E339-4826-83B7-FBD03F55ECF8}" type="datetimeFigureOut">
               <a:rPr lang="en-US" dirty="0"/>
-              <a:t>5/2/2022</a:t>
+              <a:t>5/3/2022</a:t>
             </a:fld>
             <a:endParaRPr lang="en-US" dirty="0"/>
           </a:p>
@@ -6467,7 +6472,7 @@
           <a:p>
             <a:fld id="{E1037C31-9E7A-4F99-8774-A0E530DE1A42}" type="datetimeFigureOut">
               <a:rPr lang="en-US" dirty="0"/>
-              <a:t>5/2/2022</a:t>
+              <a:t>5/3/2022</a:t>
             </a:fld>
             <a:endParaRPr lang="en-US" dirty="0"/>
           </a:p>
@@ -6557,7 +6562,7 @@
           <a:p>
             <a:fld id="{C278504F-A551-4DE0-9316-4DCD1D8CC752}" type="datetimeFigureOut">
               <a:rPr lang="en-US" dirty="0"/>
-              <a:t>5/2/2022</a:t>
+              <a:t>5/3/2022</a:t>
             </a:fld>
             <a:endParaRPr lang="en-US" dirty="0"/>
           </a:p>
@@ -6909,7 +6914,7 @@
           <a:p>
             <a:fld id="{D1BE4249-C0D0-4B06-8692-E8BB871AF643}" type="datetimeFigureOut">
               <a:rPr lang="en-US" dirty="0"/>
-              <a:t>5/2/2022</a:t>
+              <a:t>5/3/2022</a:t>
             </a:fld>
             <a:endParaRPr lang="en-US" dirty="0"/>
           </a:p>
@@ -7261,7 +7266,7 @@
           <a:p>
             <a:fld id="{042B0DB6-F5C7-45FB-8CF3-31B45F9C2DAC}" type="datetimeFigureOut">
               <a:rPr lang="en-US" dirty="0"/>
-              <a:t>5/2/2022</a:t>
+              <a:t>5/3/2022</a:t>
             </a:fld>
             <a:endParaRPr lang="en-US" dirty="0"/>
           </a:p>
@@ -7498,7 +7503,7 @@
           <a:p>
             <a:fld id="{1160EA64-D806-43AC-9DF2-F8C432F32B4C}" type="datetimeFigureOut">
               <a:rPr lang="en-US" dirty="0"/>
-              <a:t>5/2/2022</a:t>
+              <a:t>5/3/2022</a:t>
             </a:fld>
             <a:endParaRPr lang="en-US" dirty="0"/>
           </a:p>
@@ -8582,7 +8587,7 @@
             <a:avLst/>
           </a:prstGeom>
           <a:solidFill>
-            <a:srgbClr val="00B0F0"/>
+            <a:srgbClr val="92D050"/>
           </a:solidFill>
         </p:spPr>
         <p:style>
@@ -8635,7 +8640,7 @@
             <a:avLst/>
           </a:prstGeom>
           <a:solidFill>
-            <a:srgbClr val="00B0F0"/>
+            <a:srgbClr val="92D050"/>
           </a:solidFill>
         </p:spPr>
         <p:style>
@@ -8687,6 +8692,9 @@
           <a:prstGeom prst="roundRect">
             <a:avLst/>
           </a:prstGeom>
+          <a:solidFill>
+            <a:srgbClr val="92D050"/>
+          </a:solidFill>
         </p:spPr>
         <p:style>
           <a:lnRef idx="2">
@@ -10037,10 +10045,10 @@
       </p:grpSpPr>
       <p:sp>
         <p:nvSpPr>
-          <p:cNvPr id="4" name="מלבן: פינות מעוגלות 3">
+          <p:cNvPr id="71" name="מלבן: פינות מעוגלות 70">
             <a:extLst>
               <a:ext uri="{FF2B5EF4-FFF2-40B4-BE49-F238E27FC236}">
-                <a16:creationId xmlns:a16="http://schemas.microsoft.com/office/drawing/2014/main" id="{CC27475A-1256-5B88-1BB5-361BA83A2B3F}"/>
+                <a16:creationId xmlns:a16="http://schemas.microsoft.com/office/drawing/2014/main" id="{1B82B0F7-A770-7532-2D32-F4E336F05B05}"/>
               </a:ext>
             </a:extLst>
           </p:cNvPr>
@@ -10049,7 +10057,7 @@
         </p:nvSpPr>
         <p:spPr>
           <a:xfrm>
-            <a:off x="3995638" y="98299"/>
+            <a:off x="7455746" y="5439559"/>
             <a:ext cx="3074214" cy="427608"/>
           </a:xfrm>
           <a:prstGeom prst="roundRect">
@@ -10081,6 +10089,174 @@
           <a:p>
             <a:pPr algn="ctr"/>
             <a:r>
+              <a:rPr lang="en-US" sz="1600" dirty="0">
+                <a:solidFill>
+                  <a:schemeClr val="tx1"/>
+                </a:solidFill>
+              </a:rPr>
+              <a:t>Mark cells</a:t>
+            </a:r>
+            <a:endParaRPr lang="he-IL" sz="1600" dirty="0">
+              <a:solidFill>
+                <a:schemeClr val="tx1"/>
+              </a:solidFill>
+            </a:endParaRPr>
+          </a:p>
+        </p:txBody>
+      </p:sp>
+      <p:sp>
+        <p:nvSpPr>
+          <p:cNvPr id="80" name="חץ: למטה 79">
+            <a:extLst>
+              <a:ext uri="{FF2B5EF4-FFF2-40B4-BE49-F238E27FC236}">
+                <a16:creationId xmlns:a16="http://schemas.microsoft.com/office/drawing/2014/main" id="{FAE17466-6112-33F5-C13B-EEF61B43EDAD}"/>
+              </a:ext>
+            </a:extLst>
+          </p:cNvPr>
+          <p:cNvSpPr/>
+          <p:nvPr/>
+        </p:nvSpPr>
+        <p:spPr>
+          <a:xfrm>
+            <a:off x="7929042" y="5176006"/>
+            <a:ext cx="319596" cy="324139"/>
+          </a:xfrm>
+          <a:prstGeom prst="downArrow">
+            <a:avLst/>
+          </a:prstGeom>
+        </p:spPr>
+        <p:style>
+          <a:lnRef idx="2">
+            <a:schemeClr val="accent1">
+              <a:shade val="50000"/>
+            </a:schemeClr>
+          </a:lnRef>
+          <a:fillRef idx="1">
+            <a:schemeClr val="accent1"/>
+          </a:fillRef>
+          <a:effectRef idx="0">
+            <a:schemeClr val="accent1"/>
+          </a:effectRef>
+          <a:fontRef idx="minor">
+            <a:schemeClr val="lt1"/>
+          </a:fontRef>
+        </p:style>
+        <p:txBody>
+          <a:bodyPr rtlCol="1" anchor="ctr"/>
+          <a:lstStyle/>
+          <a:p>
+            <a:pPr algn="ctr"/>
+            <a:endParaRPr lang="he-IL" sz="1600"/>
+          </a:p>
+        </p:txBody>
+      </p:sp>
+      <p:sp>
+        <p:nvSpPr>
+          <p:cNvPr id="65" name="מלבן: פינות מעוגלות 64">
+            <a:extLst>
+              <a:ext uri="{FF2B5EF4-FFF2-40B4-BE49-F238E27FC236}">
+                <a16:creationId xmlns:a16="http://schemas.microsoft.com/office/drawing/2014/main" id="{8D679559-E97F-8ABD-98C4-3C2D376227C3}"/>
+              </a:ext>
+            </a:extLst>
+          </p:cNvPr>
+          <p:cNvSpPr/>
+          <p:nvPr/>
+        </p:nvSpPr>
+        <p:spPr>
+          <a:xfrm>
+            <a:off x="1695560" y="5439559"/>
+            <a:ext cx="3074214" cy="427608"/>
+          </a:xfrm>
+          <a:prstGeom prst="roundRect">
+            <a:avLst/>
+          </a:prstGeom>
+          <a:solidFill>
+            <a:srgbClr val="92D050"/>
+          </a:solidFill>
+        </p:spPr>
+        <p:style>
+          <a:lnRef idx="2">
+            <a:schemeClr val="accent2">
+              <a:shade val="50000"/>
+            </a:schemeClr>
+          </a:lnRef>
+          <a:fillRef idx="1">
+            <a:schemeClr val="accent2"/>
+          </a:fillRef>
+          <a:effectRef idx="0">
+            <a:schemeClr val="accent2"/>
+          </a:effectRef>
+          <a:fontRef idx="minor">
+            <a:schemeClr val="lt1"/>
+          </a:fontRef>
+        </p:style>
+        <p:txBody>
+          <a:bodyPr rtlCol="1" anchor="ctr"/>
+          <a:lstStyle/>
+          <a:p>
+            <a:pPr algn="ctr"/>
+            <a:r>
+              <a:rPr lang="en-US" sz="1600" dirty="0">
+                <a:solidFill>
+                  <a:schemeClr val="tx1"/>
+                </a:solidFill>
+              </a:rPr>
+              <a:t>Mark cells</a:t>
+            </a:r>
+            <a:endParaRPr lang="he-IL" sz="1600" dirty="0">
+              <a:solidFill>
+                <a:schemeClr val="tx1"/>
+              </a:solidFill>
+            </a:endParaRPr>
+          </a:p>
+        </p:txBody>
+      </p:sp>
+      <p:sp>
+        <p:nvSpPr>
+          <p:cNvPr id="4" name="מלבן: פינות מעוגלות 3">
+            <a:extLst>
+              <a:ext uri="{FF2B5EF4-FFF2-40B4-BE49-F238E27FC236}">
+                <a16:creationId xmlns:a16="http://schemas.microsoft.com/office/drawing/2014/main" id="{CC27475A-1256-5B88-1BB5-361BA83A2B3F}"/>
+              </a:ext>
+            </a:extLst>
+          </p:cNvPr>
+          <p:cNvSpPr/>
+          <p:nvPr/>
+        </p:nvSpPr>
+        <p:spPr>
+          <a:xfrm>
+            <a:off x="3611296" y="82920"/>
+            <a:ext cx="3867325" cy="911450"/>
+          </a:xfrm>
+          <a:prstGeom prst="roundRect">
+            <a:avLst/>
+          </a:prstGeom>
+          <a:solidFill>
+            <a:srgbClr val="92D050"/>
+          </a:solidFill>
+        </p:spPr>
+        <p:style>
+          <a:lnRef idx="2">
+            <a:schemeClr val="accent2">
+              <a:shade val="50000"/>
+            </a:schemeClr>
+          </a:lnRef>
+          <a:fillRef idx="1">
+            <a:schemeClr val="accent2"/>
+          </a:fillRef>
+          <a:effectRef idx="0">
+            <a:schemeClr val="accent2"/>
+          </a:effectRef>
+          <a:fontRef idx="minor">
+            <a:schemeClr val="lt1"/>
+          </a:fontRef>
+        </p:style>
+        <p:txBody>
+          <a:bodyPr rtlCol="1" anchor="ctr"/>
+          <a:lstStyle/>
+          <a:p>
+            <a:pPr algn="ctr"/>
+            <a:r>
               <a:rPr lang="en-US" sz="1600" dirty="0" err="1">
                 <a:solidFill>
                   <a:schemeClr val="tx1"/>
@@ -10095,6 +10271,17 @@
                 </a:solidFill>
               </a:rPr>
               <a:t>( )</a:t>
+            </a:r>
+          </a:p>
+          <a:p>
+            <a:pPr algn="ctr"/>
+            <a:r>
+              <a:rPr lang="en-US" sz="1600" dirty="0">
+                <a:solidFill>
+                  <a:schemeClr val="tx1"/>
+                </a:solidFill>
+              </a:rPr>
+              <a:t>Called possible moves and to check If a unit can eat</a:t>
             </a:r>
             <a:endParaRPr lang="he-IL" sz="1600" dirty="0">
               <a:solidFill>
@@ -10118,7 +10305,7 @@
         </p:nvSpPr>
         <p:spPr>
           <a:xfrm>
-            <a:off x="1811338" y="1446998"/>
+            <a:off x="1811338" y="1690279"/>
             <a:ext cx="2201663" cy="559071"/>
           </a:xfrm>
           <a:prstGeom prst="roundRect">
@@ -10168,8 +10355,8 @@
         </p:nvSpPr>
         <p:spPr>
           <a:xfrm>
-            <a:off x="5385161" y="2577432"/>
-            <a:ext cx="319596" cy="307777"/>
+            <a:off x="2275258" y="4318947"/>
+            <a:ext cx="319596" cy="383324"/>
           </a:xfrm>
           <a:prstGeom prst="downArrow">
             <a:avLst/>
@@ -10214,7 +10401,7 @@
         </p:nvSpPr>
         <p:spPr>
           <a:xfrm>
-            <a:off x="5934190" y="2757313"/>
+            <a:off x="3862397" y="3562822"/>
             <a:ext cx="927717" cy="338554"/>
           </a:xfrm>
           <a:prstGeom prst="rect">
@@ -10231,318 +10418,6 @@
             <a:r>
               <a:rPr lang="en-US" sz="1600" dirty="0"/>
               <a:t>YES</a:t>
-            </a:r>
-            <a:endParaRPr lang="he-IL" sz="1600" dirty="0"/>
-          </a:p>
-        </p:txBody>
-      </p:sp>
-      <p:sp>
-        <p:nvSpPr>
-          <p:cNvPr id="14" name="מלבן: פינות מעוגלות 13">
-            <a:extLst>
-              <a:ext uri="{FF2B5EF4-FFF2-40B4-BE49-F238E27FC236}">
-                <a16:creationId xmlns:a16="http://schemas.microsoft.com/office/drawing/2014/main" id="{365009F5-0793-3D35-9782-0B4394B8B864}"/>
-              </a:ext>
-            </a:extLst>
-          </p:cNvPr>
-          <p:cNvSpPr/>
-          <p:nvPr/>
-        </p:nvSpPr>
-        <p:spPr>
-          <a:xfrm>
-            <a:off x="6071031" y="3519956"/>
-            <a:ext cx="1095737" cy="466304"/>
-          </a:xfrm>
-          <a:prstGeom prst="roundRect">
-            <a:avLst/>
-          </a:prstGeom>
-          <a:solidFill>
-            <a:srgbClr val="00B0F0"/>
-          </a:solidFill>
-        </p:spPr>
-        <p:style>
-          <a:lnRef idx="2">
-            <a:schemeClr val="accent2">
-              <a:shade val="50000"/>
-            </a:schemeClr>
-          </a:lnRef>
-          <a:fillRef idx="1">
-            <a:schemeClr val="accent2"/>
-          </a:fillRef>
-          <a:effectRef idx="0">
-            <a:schemeClr val="accent2"/>
-          </a:effectRef>
-          <a:fontRef idx="minor">
-            <a:schemeClr val="lt1"/>
-          </a:fontRef>
-        </p:style>
-        <p:txBody>
-          <a:bodyPr rtlCol="1" anchor="ctr"/>
-          <a:lstStyle/>
-          <a:p>
-            <a:pPr algn="ctr"/>
-            <a:r>
-              <a:rPr lang="en-US" sz="1600" dirty="0"/>
-              <a:t>Move the piece</a:t>
-            </a:r>
-            <a:endParaRPr lang="he-IL" sz="1600" dirty="0"/>
-          </a:p>
-        </p:txBody>
-      </p:sp>
-      <p:sp>
-        <p:nvSpPr>
-          <p:cNvPr id="16" name="מלבן: פינות מעוגלות 15">
-            <a:extLst>
-              <a:ext uri="{FF2B5EF4-FFF2-40B4-BE49-F238E27FC236}">
-                <a16:creationId xmlns:a16="http://schemas.microsoft.com/office/drawing/2014/main" id="{F868998D-73C9-3555-FF76-75B86ECD278D}"/>
-              </a:ext>
-            </a:extLst>
-          </p:cNvPr>
-          <p:cNvSpPr/>
-          <p:nvPr/>
-        </p:nvSpPr>
-        <p:spPr>
-          <a:xfrm>
-            <a:off x="7268043" y="3314756"/>
-            <a:ext cx="1025384" cy="676724"/>
-          </a:xfrm>
-          <a:prstGeom prst="roundRect">
-            <a:avLst/>
-          </a:prstGeom>
-          <a:solidFill>
-            <a:srgbClr val="00B0F0"/>
-          </a:solidFill>
-        </p:spPr>
-        <p:style>
-          <a:lnRef idx="2">
-            <a:schemeClr val="accent2">
-              <a:shade val="50000"/>
-            </a:schemeClr>
-          </a:lnRef>
-          <a:fillRef idx="1">
-            <a:schemeClr val="accent2"/>
-          </a:fillRef>
-          <a:effectRef idx="0">
-            <a:schemeClr val="accent2"/>
-          </a:effectRef>
-          <a:fontRef idx="minor">
-            <a:schemeClr val="lt1"/>
-          </a:fontRef>
-        </p:style>
-        <p:txBody>
-          <a:bodyPr rtlCol="1" anchor="ctr"/>
-          <a:lstStyle/>
-          <a:p>
-            <a:pPr algn="ctr"/>
-            <a:r>
-              <a:rPr lang="en-US" sz="1600" dirty="0"/>
-              <a:t>If unit reached the end</a:t>
-            </a:r>
-            <a:endParaRPr lang="he-IL" sz="1600" dirty="0"/>
-          </a:p>
-        </p:txBody>
-      </p:sp>
-      <p:sp>
-        <p:nvSpPr>
-          <p:cNvPr id="17" name="מלבן: פינות מעוגלות 16">
-            <a:extLst>
-              <a:ext uri="{FF2B5EF4-FFF2-40B4-BE49-F238E27FC236}">
-                <a16:creationId xmlns:a16="http://schemas.microsoft.com/office/drawing/2014/main" id="{EC4E143F-27BA-0B63-52E2-417EE026C139}"/>
-              </a:ext>
-            </a:extLst>
-          </p:cNvPr>
-          <p:cNvSpPr/>
-          <p:nvPr/>
-        </p:nvSpPr>
-        <p:spPr>
-          <a:xfrm>
-            <a:off x="7092193" y="5180940"/>
-            <a:ext cx="1812760" cy="369334"/>
-          </a:xfrm>
-          <a:prstGeom prst="roundRect">
-            <a:avLst/>
-          </a:prstGeom>
-        </p:spPr>
-        <p:style>
-          <a:lnRef idx="2">
-            <a:schemeClr val="accent2">
-              <a:shade val="50000"/>
-            </a:schemeClr>
-          </a:lnRef>
-          <a:fillRef idx="1">
-            <a:schemeClr val="accent2"/>
-          </a:fillRef>
-          <a:effectRef idx="0">
-            <a:schemeClr val="accent2"/>
-          </a:effectRef>
-          <a:fontRef idx="minor">
-            <a:schemeClr val="lt1"/>
-          </a:fontRef>
-        </p:style>
-        <p:txBody>
-          <a:bodyPr rtlCol="1" anchor="ctr"/>
-          <a:lstStyle/>
-          <a:p>
-            <a:pPr algn="ctr"/>
-            <a:r>
-              <a:rPr lang="en-US" sz="1600" dirty="0"/>
-              <a:t>Can I eat another?</a:t>
-            </a:r>
-            <a:endParaRPr lang="he-IL" sz="1600" dirty="0"/>
-          </a:p>
-        </p:txBody>
-      </p:sp>
-      <p:sp>
-        <p:nvSpPr>
-          <p:cNvPr id="18" name="מלבן: פינות מעוגלות 17">
-            <a:extLst>
-              <a:ext uri="{FF2B5EF4-FFF2-40B4-BE49-F238E27FC236}">
-                <a16:creationId xmlns:a16="http://schemas.microsoft.com/office/drawing/2014/main" id="{6E9527EA-A04B-CA5E-E93F-1FACA10EAFFF}"/>
-              </a:ext>
-            </a:extLst>
-          </p:cNvPr>
-          <p:cNvSpPr/>
-          <p:nvPr/>
-        </p:nvSpPr>
-        <p:spPr>
-          <a:xfrm>
-            <a:off x="9240807" y="5715000"/>
-            <a:ext cx="1564353" cy="462701"/>
-          </a:xfrm>
-          <a:prstGeom prst="roundRect">
-            <a:avLst/>
-          </a:prstGeom>
-          <a:solidFill>
-            <a:srgbClr val="00B0F0"/>
-          </a:solidFill>
-        </p:spPr>
-        <p:style>
-          <a:lnRef idx="2">
-            <a:schemeClr val="accent2">
-              <a:shade val="50000"/>
-            </a:schemeClr>
-          </a:lnRef>
-          <a:fillRef idx="1">
-            <a:schemeClr val="accent2"/>
-          </a:fillRef>
-          <a:effectRef idx="0">
-            <a:schemeClr val="accent2"/>
-          </a:effectRef>
-          <a:fontRef idx="minor">
-            <a:schemeClr val="lt1"/>
-          </a:fontRef>
-        </p:style>
-        <p:txBody>
-          <a:bodyPr rtlCol="1" anchor="ctr"/>
-          <a:lstStyle/>
-          <a:p>
-            <a:pPr algn="ctr"/>
-            <a:r>
-              <a:rPr lang="en-US" sz="1600" dirty="0"/>
-              <a:t>Continue the combo</a:t>
-            </a:r>
-            <a:endParaRPr lang="he-IL" sz="1600" dirty="0"/>
-          </a:p>
-        </p:txBody>
-      </p:sp>
-      <p:sp>
-        <p:nvSpPr>
-          <p:cNvPr id="19" name="מלבן: פינות מעוגלות 18">
-            <a:extLst>
-              <a:ext uri="{FF2B5EF4-FFF2-40B4-BE49-F238E27FC236}">
-                <a16:creationId xmlns:a16="http://schemas.microsoft.com/office/drawing/2014/main" id="{2BF03638-CF16-8F93-46FE-15623A2FFC13}"/>
-              </a:ext>
-            </a:extLst>
-          </p:cNvPr>
-          <p:cNvSpPr/>
-          <p:nvPr/>
-        </p:nvSpPr>
-        <p:spPr>
-          <a:xfrm>
-            <a:off x="4523041" y="5744359"/>
-            <a:ext cx="2201664" cy="527124"/>
-          </a:xfrm>
-          <a:prstGeom prst="roundRect">
-            <a:avLst/>
-          </a:prstGeom>
-          <a:solidFill>
-            <a:srgbClr val="00B0F0"/>
-          </a:solidFill>
-        </p:spPr>
-        <p:style>
-          <a:lnRef idx="2">
-            <a:schemeClr val="accent2">
-              <a:shade val="50000"/>
-            </a:schemeClr>
-          </a:lnRef>
-          <a:fillRef idx="1">
-            <a:schemeClr val="accent2"/>
-          </a:fillRef>
-          <a:effectRef idx="0">
-            <a:schemeClr val="accent2"/>
-          </a:effectRef>
-          <a:fontRef idx="minor">
-            <a:schemeClr val="lt1"/>
-          </a:fontRef>
-        </p:style>
-        <p:txBody>
-          <a:bodyPr rtlCol="1" anchor="ctr"/>
-          <a:lstStyle/>
-          <a:p>
-            <a:pPr algn="ctr"/>
-            <a:r>
-              <a:rPr lang="en-US" sz="1600" dirty="0"/>
-              <a:t>Change player &amp; End turn</a:t>
-            </a:r>
-            <a:endParaRPr lang="he-IL" sz="1600" dirty="0"/>
-          </a:p>
-        </p:txBody>
-      </p:sp>
-      <p:sp>
-        <p:nvSpPr>
-          <p:cNvPr id="21" name="מלבן: פינות מעוגלות 20">
-            <a:extLst>
-              <a:ext uri="{FF2B5EF4-FFF2-40B4-BE49-F238E27FC236}">
-                <a16:creationId xmlns:a16="http://schemas.microsoft.com/office/drawing/2014/main" id="{EAA0F557-14EE-E922-9783-3372DA4EBDF0}"/>
-              </a:ext>
-            </a:extLst>
-          </p:cNvPr>
-          <p:cNvSpPr/>
-          <p:nvPr/>
-        </p:nvSpPr>
-        <p:spPr>
-          <a:xfrm>
-            <a:off x="3072384" y="4982282"/>
-            <a:ext cx="2730481" cy="386033"/>
-          </a:xfrm>
-          <a:prstGeom prst="roundRect">
-            <a:avLst/>
-          </a:prstGeom>
-        </p:spPr>
-        <p:style>
-          <a:lnRef idx="2">
-            <a:schemeClr val="accent2">
-              <a:shade val="50000"/>
-            </a:schemeClr>
-          </a:lnRef>
-          <a:fillRef idx="1">
-            <a:schemeClr val="accent2"/>
-          </a:fillRef>
-          <a:effectRef idx="0">
-            <a:schemeClr val="accent2"/>
-          </a:effectRef>
-          <a:fontRef idx="minor">
-            <a:schemeClr val="lt1"/>
-          </a:fontRef>
-        </p:style>
-        <p:txBody>
-          <a:bodyPr rtlCol="1" anchor="ctr"/>
-          <a:lstStyle/>
-          <a:p>
-            <a:pPr algn="ctr"/>
-            <a:r>
-              <a:rPr lang="en-US" sz="1600" dirty="0"/>
-              <a:t>Change player &amp; End turn</a:t>
             </a:r>
             <a:endParaRPr lang="he-IL" sz="1600" dirty="0"/>
           </a:p>
@@ -10561,9 +10436,9 @@
           <p:nvPr/>
         </p:nvSpPr>
         <p:spPr>
-          <a:xfrm rot="10800000">
-            <a:off x="6761919" y="5550274"/>
-            <a:ext cx="1216242" cy="596764"/>
+          <a:xfrm rot="5400000">
+            <a:off x="3386083" y="4431044"/>
+            <a:ext cx="1637205" cy="596764"/>
           </a:xfrm>
           <a:prstGeom prst="bentArrow">
             <a:avLst/>
@@ -10600,10 +10475,10 @@
       </p:sp>
       <p:sp>
         <p:nvSpPr>
-          <p:cNvPr id="25" name="חץ: מכופף למעלה 24">
+          <p:cNvPr id="35" name="חץ: למטה 34">
             <a:extLst>
               <a:ext uri="{FF2B5EF4-FFF2-40B4-BE49-F238E27FC236}">
-                <a16:creationId xmlns:a16="http://schemas.microsoft.com/office/drawing/2014/main" id="{8780844F-922A-C2AD-3CA9-C481D6716E93}"/>
+                <a16:creationId xmlns:a16="http://schemas.microsoft.com/office/drawing/2014/main" id="{D0090CA8-F8A8-1254-217A-A790147BD938}"/>
               </a:ext>
             </a:extLst>
           </p:cNvPr>
@@ -10611,91 +10486,9 @@
           <p:nvPr/>
         </p:nvSpPr>
         <p:spPr>
-          <a:xfrm rot="5400000">
-            <a:off x="8427951" y="5334186"/>
-            <a:ext cx="588506" cy="1037206"/>
-          </a:xfrm>
-          <a:prstGeom prst="bentUpArrow">
-            <a:avLst/>
-          </a:prstGeom>
-        </p:spPr>
-        <p:style>
-          <a:lnRef idx="2">
-            <a:schemeClr val="accent1">
-              <a:shade val="50000"/>
-            </a:schemeClr>
-          </a:lnRef>
-          <a:fillRef idx="1">
-            <a:schemeClr val="accent1"/>
-          </a:fillRef>
-          <a:effectRef idx="0">
-            <a:schemeClr val="accent1"/>
-          </a:effectRef>
-          <a:fontRef idx="minor">
-            <a:schemeClr val="lt1"/>
-          </a:fontRef>
-        </p:style>
-        <p:txBody>
-          <a:bodyPr rtlCol="1" anchor="ctr"/>
-          <a:lstStyle/>
-          <a:p>
-            <a:pPr algn="ctr"/>
-            <a:endParaRPr lang="he-IL" sz="1600" dirty="0"/>
-          </a:p>
-        </p:txBody>
-      </p:sp>
-      <p:sp>
-        <p:nvSpPr>
-          <p:cNvPr id="28" name="תיבת טקסט 27">
-            <a:extLst>
-              <a:ext uri="{FF2B5EF4-FFF2-40B4-BE49-F238E27FC236}">
-                <a16:creationId xmlns:a16="http://schemas.microsoft.com/office/drawing/2014/main" id="{26F1B0D2-48F0-7A98-9717-4DEC305D74FA}"/>
-              </a:ext>
-            </a:extLst>
-          </p:cNvPr>
-          <p:cNvSpPr txBox="1"/>
-          <p:nvPr/>
-        </p:nvSpPr>
-        <p:spPr>
           <a:xfrm>
-            <a:off x="5623873" y="3694603"/>
-            <a:ext cx="736849" cy="338554"/>
-          </a:xfrm>
-          <a:prstGeom prst="rect">
-            <a:avLst/>
-          </a:prstGeom>
-          <a:noFill/>
-        </p:spPr>
-        <p:txBody>
-          <a:bodyPr wrap="square" rtlCol="1">
-            <a:spAutoFit/>
-          </a:bodyPr>
-          <a:lstStyle/>
-          <a:p>
-            <a:r>
-              <a:rPr lang="en-US" sz="1600" dirty="0"/>
-              <a:t>YES</a:t>
-            </a:r>
-            <a:endParaRPr lang="he-IL" sz="1600" dirty="0"/>
-          </a:p>
-        </p:txBody>
-      </p:sp>
-      <p:sp>
-        <p:nvSpPr>
-          <p:cNvPr id="29" name="חץ: למטה 28">
-            <a:extLst>
-              <a:ext uri="{FF2B5EF4-FFF2-40B4-BE49-F238E27FC236}">
-                <a16:creationId xmlns:a16="http://schemas.microsoft.com/office/drawing/2014/main" id="{9C744158-20ED-0C64-5B71-93BE69754B69}"/>
-              </a:ext>
-            </a:extLst>
-          </p:cNvPr>
-          <p:cNvSpPr/>
-          <p:nvPr/>
-        </p:nvSpPr>
-        <p:spPr>
-          <a:xfrm rot="5400000">
-            <a:off x="2934346" y="3821938"/>
-            <a:ext cx="319596" cy="619309"/>
+            <a:off x="2275258" y="2258303"/>
+            <a:ext cx="319596" cy="241218"/>
           </a:xfrm>
           <a:prstGeom prst="downArrow">
             <a:avLst/>
@@ -10722,52 +10515,16 @@
           <a:lstStyle/>
           <a:p>
             <a:pPr algn="ctr"/>
-            <a:endParaRPr lang="he-IL" sz="1600" dirty="0"/>
-          </a:p>
-        </p:txBody>
-      </p:sp>
-      <p:sp>
-        <p:nvSpPr>
-          <p:cNvPr id="30" name="תיבת טקסט 29">
+            <a:endParaRPr lang="he-IL" sz="1600"/>
+          </a:p>
+        </p:txBody>
+      </p:sp>
+      <p:sp>
+        <p:nvSpPr>
+          <p:cNvPr id="43" name="חץ: למטה 42">
             <a:extLst>
               <a:ext uri="{FF2B5EF4-FFF2-40B4-BE49-F238E27FC236}">
-                <a16:creationId xmlns:a16="http://schemas.microsoft.com/office/drawing/2014/main" id="{F68800B0-24A2-86A3-10C4-0214C7DF94D9}"/>
-              </a:ext>
-            </a:extLst>
-          </p:cNvPr>
-          <p:cNvSpPr txBox="1"/>
-          <p:nvPr/>
-        </p:nvSpPr>
-        <p:spPr>
-          <a:xfrm>
-            <a:off x="2912170" y="3777736"/>
-            <a:ext cx="927717" cy="338554"/>
-          </a:xfrm>
-          <a:prstGeom prst="rect">
-            <a:avLst/>
-          </a:prstGeom>
-          <a:noFill/>
-        </p:spPr>
-        <p:txBody>
-          <a:bodyPr wrap="square" rtlCol="1">
-            <a:spAutoFit/>
-          </a:bodyPr>
-          <a:lstStyle/>
-          <a:p>
-            <a:r>
-              <a:rPr lang="en-US" sz="1600" dirty="0"/>
-              <a:t>NO</a:t>
-            </a:r>
-            <a:endParaRPr lang="he-IL" sz="1600" dirty="0"/>
-          </a:p>
-        </p:txBody>
-      </p:sp>
-      <p:sp>
-        <p:nvSpPr>
-          <p:cNvPr id="35" name="חץ: למטה 34">
-            <a:extLst>
-              <a:ext uri="{FF2B5EF4-FFF2-40B4-BE49-F238E27FC236}">
-                <a16:creationId xmlns:a16="http://schemas.microsoft.com/office/drawing/2014/main" id="{D0090CA8-F8A8-1254-217A-A790147BD938}"/>
+                <a16:creationId xmlns:a16="http://schemas.microsoft.com/office/drawing/2014/main" id="{5553A020-11A0-5CC7-1B9E-8FC2F0FAFCCB}"/>
               </a:ext>
             </a:extLst>
           </p:cNvPr>
@@ -10776,11 +10533,14 @@
         </p:nvSpPr>
         <p:spPr>
           <a:xfrm>
-            <a:off x="2275258" y="2015022"/>
-            <a:ext cx="319596" cy="559071"/>
+            <a:off x="2275258" y="3303597"/>
+            <a:ext cx="319596" cy="307545"/>
           </a:xfrm>
           <a:prstGeom prst="downArrow">
-            <a:avLst/>
+            <a:avLst>
+              <a:gd name="adj1" fmla="val 50000"/>
+              <a:gd name="adj2" fmla="val 46754"/>
+            </a:avLst>
           </a:prstGeom>
         </p:spPr>
         <p:style>
@@ -10810,732 +10570,6 @@
       </p:sp>
       <p:sp>
         <p:nvSpPr>
-          <p:cNvPr id="40" name="מלבן: פינות מעוגלות 39">
-            <a:extLst>
-              <a:ext uri="{FF2B5EF4-FFF2-40B4-BE49-F238E27FC236}">
-                <a16:creationId xmlns:a16="http://schemas.microsoft.com/office/drawing/2014/main" id="{79A4D43A-B1CF-6CD2-8738-70CE71907768}"/>
-              </a:ext>
-            </a:extLst>
-          </p:cNvPr>
-          <p:cNvSpPr/>
-          <p:nvPr/>
-        </p:nvSpPr>
-        <p:spPr>
-          <a:xfrm>
-            <a:off x="9692940" y="1107975"/>
-            <a:ext cx="1479673" cy="1041289"/>
-          </a:xfrm>
-          <a:prstGeom prst="roundRect">
-            <a:avLst/>
-          </a:prstGeom>
-        </p:spPr>
-        <p:style>
-          <a:lnRef idx="2">
-            <a:schemeClr val="accent2">
-              <a:shade val="50000"/>
-            </a:schemeClr>
-          </a:lnRef>
-          <a:fillRef idx="1">
-            <a:schemeClr val="accent2"/>
-          </a:fillRef>
-          <a:effectRef idx="0">
-            <a:schemeClr val="accent2"/>
-          </a:effectRef>
-          <a:fontRef idx="minor">
-            <a:schemeClr val="lt1"/>
-          </a:fontRef>
-        </p:style>
-        <p:txBody>
-          <a:bodyPr rtlCol="1" anchor="ctr"/>
-          <a:lstStyle/>
-          <a:p>
-            <a:pPr algn="ctr"/>
-            <a:r>
-              <a:rPr lang="en-US" sz="1600" dirty="0"/>
-              <a:t>Select this cell</a:t>
-            </a:r>
-            <a:br>
-              <a:rPr lang="en-US" sz="1600" dirty="0"/>
-            </a:br>
-            <a:r>
-              <a:rPr lang="en-US" sz="1600" dirty="0"/>
-              <a:t>&amp; show it’s moves</a:t>
-            </a:r>
-            <a:endParaRPr lang="he-IL" sz="1600" dirty="0"/>
-          </a:p>
-        </p:txBody>
-      </p:sp>
-      <p:sp>
-        <p:nvSpPr>
-          <p:cNvPr id="41" name="חץ: מכופף למעלה 40">
-            <a:extLst>
-              <a:ext uri="{FF2B5EF4-FFF2-40B4-BE49-F238E27FC236}">
-                <a16:creationId xmlns:a16="http://schemas.microsoft.com/office/drawing/2014/main" id="{FF92FF2E-9517-176F-33B8-585358206AF0}"/>
-              </a:ext>
-            </a:extLst>
-          </p:cNvPr>
-          <p:cNvSpPr/>
-          <p:nvPr/>
-        </p:nvSpPr>
-        <p:spPr>
-          <a:xfrm>
-            <a:off x="7051543" y="2994155"/>
-            <a:ext cx="2005480" cy="373706"/>
-          </a:xfrm>
-          <a:prstGeom prst="bentUpArrow">
-            <a:avLst/>
-          </a:prstGeom>
-        </p:spPr>
-        <p:style>
-          <a:lnRef idx="2">
-            <a:schemeClr val="accent1">
-              <a:shade val="50000"/>
-            </a:schemeClr>
-          </a:lnRef>
-          <a:fillRef idx="1">
-            <a:schemeClr val="accent1"/>
-          </a:fillRef>
-          <a:effectRef idx="0">
-            <a:schemeClr val="accent1"/>
-          </a:effectRef>
-          <a:fontRef idx="minor">
-            <a:schemeClr val="lt1"/>
-          </a:fontRef>
-        </p:style>
-        <p:txBody>
-          <a:bodyPr rtlCol="1" anchor="ctr"/>
-          <a:lstStyle/>
-          <a:p>
-            <a:pPr algn="ctr"/>
-            <a:endParaRPr lang="he-IL" sz="1600" dirty="0"/>
-          </a:p>
-        </p:txBody>
-      </p:sp>
-      <p:sp>
-        <p:nvSpPr>
-          <p:cNvPr id="42" name="חץ: למטה 41">
-            <a:extLst>
-              <a:ext uri="{FF2B5EF4-FFF2-40B4-BE49-F238E27FC236}">
-                <a16:creationId xmlns:a16="http://schemas.microsoft.com/office/drawing/2014/main" id="{9C4C015B-F654-93EE-855A-E0BC85A25E73}"/>
-              </a:ext>
-            </a:extLst>
-          </p:cNvPr>
-          <p:cNvSpPr/>
-          <p:nvPr/>
-        </p:nvSpPr>
-        <p:spPr>
-          <a:xfrm rot="16200000">
-            <a:off x="10172840" y="2632498"/>
-            <a:ext cx="319596" cy="619309"/>
-          </a:xfrm>
-          <a:prstGeom prst="downArrow">
-            <a:avLst/>
-          </a:prstGeom>
-        </p:spPr>
-        <p:style>
-          <a:lnRef idx="2">
-            <a:schemeClr val="accent1">
-              <a:shade val="50000"/>
-            </a:schemeClr>
-          </a:lnRef>
-          <a:fillRef idx="1">
-            <a:schemeClr val="accent1"/>
-          </a:fillRef>
-          <a:effectRef idx="0">
-            <a:schemeClr val="accent1"/>
-          </a:effectRef>
-          <a:fontRef idx="minor">
-            <a:schemeClr val="lt1"/>
-          </a:fontRef>
-        </p:style>
-        <p:txBody>
-          <a:bodyPr rtlCol="1" anchor="ctr"/>
-          <a:lstStyle/>
-          <a:p>
-            <a:pPr algn="ctr"/>
-            <a:endParaRPr lang="he-IL" sz="1600" dirty="0"/>
-          </a:p>
-        </p:txBody>
-      </p:sp>
-      <p:sp>
-        <p:nvSpPr>
-          <p:cNvPr id="39" name="מקבילית 38">
-            <a:extLst>
-              <a:ext uri="{FF2B5EF4-FFF2-40B4-BE49-F238E27FC236}">
-                <a16:creationId xmlns:a16="http://schemas.microsoft.com/office/drawing/2014/main" id="{268630F4-6390-42B7-403A-302C73FFC88C}"/>
-              </a:ext>
-            </a:extLst>
-          </p:cNvPr>
-          <p:cNvSpPr/>
-          <p:nvPr/>
-        </p:nvSpPr>
-        <p:spPr>
-          <a:xfrm>
-            <a:off x="4586341" y="1478305"/>
-            <a:ext cx="1602774" cy="506479"/>
-          </a:xfrm>
-          <a:prstGeom prst="parallelogram">
-            <a:avLst/>
-          </a:prstGeom>
-        </p:spPr>
-        <p:style>
-          <a:lnRef idx="2">
-            <a:schemeClr val="accent1">
-              <a:shade val="50000"/>
-            </a:schemeClr>
-          </a:lnRef>
-          <a:fillRef idx="1">
-            <a:schemeClr val="accent1"/>
-          </a:fillRef>
-          <a:effectRef idx="0">
-            <a:schemeClr val="accent1"/>
-          </a:effectRef>
-          <a:fontRef idx="minor">
-            <a:schemeClr val="lt1"/>
-          </a:fontRef>
-        </p:style>
-        <p:txBody>
-          <a:bodyPr rtlCol="1" anchor="ctr"/>
-          <a:lstStyle/>
-          <a:p>
-            <a:pPr algn="ctr"/>
-            <a:r>
-              <a:rPr lang="en-US" sz="1600" dirty="0"/>
-              <a:t>What type was clicked?</a:t>
-            </a:r>
-            <a:endParaRPr lang="he-IL" sz="1600" dirty="0"/>
-          </a:p>
-        </p:txBody>
-      </p:sp>
-      <p:sp>
-        <p:nvSpPr>
-          <p:cNvPr id="44" name="חץ: מכופף 43">
-            <a:extLst>
-              <a:ext uri="{FF2B5EF4-FFF2-40B4-BE49-F238E27FC236}">
-                <a16:creationId xmlns:a16="http://schemas.microsoft.com/office/drawing/2014/main" id="{8EB3D077-B1B7-2FD5-41BE-503A909DE20F}"/>
-              </a:ext>
-            </a:extLst>
-          </p:cNvPr>
-          <p:cNvSpPr/>
-          <p:nvPr/>
-        </p:nvSpPr>
-        <p:spPr>
-          <a:xfrm rot="5400000">
-            <a:off x="6720389" y="2845432"/>
-            <a:ext cx="383323" cy="2636048"/>
-          </a:xfrm>
-          <a:prstGeom prst="bentArrow">
-            <a:avLst/>
-          </a:prstGeom>
-        </p:spPr>
-        <p:style>
-          <a:lnRef idx="2">
-            <a:schemeClr val="accent1">
-              <a:shade val="50000"/>
-            </a:schemeClr>
-          </a:lnRef>
-          <a:fillRef idx="1">
-            <a:schemeClr val="accent1"/>
-          </a:fillRef>
-          <a:effectRef idx="0">
-            <a:schemeClr val="accent1"/>
-          </a:effectRef>
-          <a:fontRef idx="minor">
-            <a:schemeClr val="lt1"/>
-          </a:fontRef>
-        </p:style>
-        <p:txBody>
-          <a:bodyPr rtlCol="1" anchor="ctr"/>
-          <a:lstStyle/>
-          <a:p>
-            <a:pPr algn="ctr"/>
-            <a:endParaRPr lang="he-IL" sz="1600">
-              <a:solidFill>
-                <a:schemeClr val="tx1"/>
-              </a:solidFill>
-            </a:endParaRPr>
-          </a:p>
-        </p:txBody>
-      </p:sp>
-      <p:sp>
-        <p:nvSpPr>
-          <p:cNvPr id="45" name="חץ: מכופף למעלה 44">
-            <a:extLst>
-              <a:ext uri="{FF2B5EF4-FFF2-40B4-BE49-F238E27FC236}">
-                <a16:creationId xmlns:a16="http://schemas.microsoft.com/office/drawing/2014/main" id="{FF2C6A1F-FD2E-0780-A1A0-4B52CB3F98BF}"/>
-              </a:ext>
-            </a:extLst>
-          </p:cNvPr>
-          <p:cNvSpPr/>
-          <p:nvPr/>
-        </p:nvSpPr>
-        <p:spPr>
-          <a:xfrm rot="10800000">
-            <a:off x="5062758" y="4609949"/>
-            <a:ext cx="2104010" cy="347709"/>
-          </a:xfrm>
-          <a:prstGeom prst="bentUpArrow">
-            <a:avLst/>
-          </a:prstGeom>
-        </p:spPr>
-        <p:style>
-          <a:lnRef idx="2">
-            <a:schemeClr val="accent1">
-              <a:shade val="50000"/>
-            </a:schemeClr>
-          </a:lnRef>
-          <a:fillRef idx="1">
-            <a:schemeClr val="accent1"/>
-          </a:fillRef>
-          <a:effectRef idx="0">
-            <a:schemeClr val="accent1"/>
-          </a:effectRef>
-          <a:fontRef idx="minor">
-            <a:schemeClr val="lt1"/>
-          </a:fontRef>
-        </p:style>
-        <p:txBody>
-          <a:bodyPr rtlCol="1" anchor="ctr"/>
-          <a:lstStyle/>
-          <a:p>
-            <a:pPr algn="ctr"/>
-            <a:endParaRPr lang="he-IL" sz="1600" dirty="0"/>
-          </a:p>
-        </p:txBody>
-      </p:sp>
-      <p:sp>
-        <p:nvSpPr>
-          <p:cNvPr id="46" name="תיבת טקסט 45">
-            <a:extLst>
-              <a:ext uri="{FF2B5EF4-FFF2-40B4-BE49-F238E27FC236}">
-                <a16:creationId xmlns:a16="http://schemas.microsoft.com/office/drawing/2014/main" id="{6D88EEFF-5627-1F09-CEA1-0450B2411474}"/>
-              </a:ext>
-            </a:extLst>
-          </p:cNvPr>
-          <p:cNvSpPr txBox="1"/>
-          <p:nvPr/>
-        </p:nvSpPr>
-        <p:spPr>
-          <a:xfrm>
-            <a:off x="5847953" y="4372433"/>
-            <a:ext cx="1147895" cy="338554"/>
-          </a:xfrm>
-          <a:prstGeom prst="rect">
-            <a:avLst/>
-          </a:prstGeom>
-          <a:noFill/>
-        </p:spPr>
-        <p:txBody>
-          <a:bodyPr wrap="square" rtlCol="1">
-            <a:spAutoFit/>
-          </a:bodyPr>
-          <a:lstStyle/>
-          <a:p>
-            <a:r>
-              <a:rPr lang="en-US" sz="1600" dirty="0"/>
-              <a:t>Didn’t eat</a:t>
-            </a:r>
-            <a:endParaRPr lang="he-IL" sz="1600" dirty="0"/>
-          </a:p>
-        </p:txBody>
-      </p:sp>
-      <p:sp>
-        <p:nvSpPr>
-          <p:cNvPr id="47" name="חץ: למטה 46">
-            <a:extLst>
-              <a:ext uri="{FF2B5EF4-FFF2-40B4-BE49-F238E27FC236}">
-                <a16:creationId xmlns:a16="http://schemas.microsoft.com/office/drawing/2014/main" id="{BA0863FB-6102-E04E-1002-F7C3A2994D95}"/>
-              </a:ext>
-            </a:extLst>
-          </p:cNvPr>
-          <p:cNvSpPr/>
-          <p:nvPr/>
-        </p:nvSpPr>
-        <p:spPr>
-          <a:xfrm>
-            <a:off x="7747302" y="4738439"/>
-            <a:ext cx="319596" cy="392038"/>
-          </a:xfrm>
-          <a:prstGeom prst="downArrow">
-            <a:avLst/>
-          </a:prstGeom>
-        </p:spPr>
-        <p:style>
-          <a:lnRef idx="2">
-            <a:schemeClr val="accent1">
-              <a:shade val="50000"/>
-            </a:schemeClr>
-          </a:lnRef>
-          <a:fillRef idx="1">
-            <a:schemeClr val="accent1"/>
-          </a:fillRef>
-          <a:effectRef idx="0">
-            <a:schemeClr val="accent1"/>
-          </a:effectRef>
-          <a:fontRef idx="minor">
-            <a:schemeClr val="lt1"/>
-          </a:fontRef>
-        </p:style>
-        <p:txBody>
-          <a:bodyPr rtlCol="1" anchor="ctr"/>
-          <a:lstStyle/>
-          <a:p>
-            <a:pPr algn="ctr"/>
-            <a:endParaRPr lang="he-IL" sz="1600"/>
-          </a:p>
-        </p:txBody>
-      </p:sp>
-      <p:sp>
-        <p:nvSpPr>
-          <p:cNvPr id="48" name="תיבת טקסט 47">
-            <a:extLst>
-              <a:ext uri="{FF2B5EF4-FFF2-40B4-BE49-F238E27FC236}">
-                <a16:creationId xmlns:a16="http://schemas.microsoft.com/office/drawing/2014/main" id="{BAADA55B-21E0-5408-B392-6747BE719169}"/>
-              </a:ext>
-            </a:extLst>
-          </p:cNvPr>
-          <p:cNvSpPr txBox="1"/>
-          <p:nvPr/>
-        </p:nvSpPr>
-        <p:spPr>
-          <a:xfrm>
-            <a:off x="8041236" y="4783804"/>
-            <a:ext cx="1037205" cy="338554"/>
-          </a:xfrm>
-          <a:prstGeom prst="rect">
-            <a:avLst/>
-          </a:prstGeom>
-          <a:noFill/>
-        </p:spPr>
-        <p:txBody>
-          <a:bodyPr wrap="square" rtlCol="1">
-            <a:spAutoFit/>
-          </a:bodyPr>
-          <a:lstStyle/>
-          <a:p>
-            <a:r>
-              <a:rPr lang="en-US" sz="1600" dirty="0"/>
-              <a:t>Ate a unit</a:t>
-            </a:r>
-            <a:endParaRPr lang="he-IL" sz="1600" dirty="0"/>
-          </a:p>
-        </p:txBody>
-      </p:sp>
-      <p:sp>
-        <p:nvSpPr>
-          <p:cNvPr id="49" name="תיבת טקסט 48">
-            <a:extLst>
-              <a:ext uri="{FF2B5EF4-FFF2-40B4-BE49-F238E27FC236}">
-                <a16:creationId xmlns:a16="http://schemas.microsoft.com/office/drawing/2014/main" id="{A287DD3E-D067-6BA7-03CF-496C3620D907}"/>
-              </a:ext>
-            </a:extLst>
-          </p:cNvPr>
-          <p:cNvSpPr txBox="1"/>
-          <p:nvPr/>
-        </p:nvSpPr>
-        <p:spPr>
-          <a:xfrm>
-            <a:off x="7087657" y="5619666"/>
-            <a:ext cx="927717" cy="338554"/>
-          </a:xfrm>
-          <a:prstGeom prst="rect">
-            <a:avLst/>
-          </a:prstGeom>
-          <a:noFill/>
-        </p:spPr>
-        <p:txBody>
-          <a:bodyPr wrap="square" rtlCol="1">
-            <a:spAutoFit/>
-          </a:bodyPr>
-          <a:lstStyle/>
-          <a:p>
-            <a:r>
-              <a:rPr lang="en-US" sz="1600" dirty="0"/>
-              <a:t>NO</a:t>
-            </a:r>
-            <a:endParaRPr lang="he-IL" sz="1600" dirty="0"/>
-          </a:p>
-        </p:txBody>
-      </p:sp>
-      <p:sp>
-        <p:nvSpPr>
-          <p:cNvPr id="50" name="תיבת טקסט 49">
-            <a:extLst>
-              <a:ext uri="{FF2B5EF4-FFF2-40B4-BE49-F238E27FC236}">
-                <a16:creationId xmlns:a16="http://schemas.microsoft.com/office/drawing/2014/main" id="{7ED5A171-2FE3-A8CB-B4F9-3FE250241B4E}"/>
-              </a:ext>
-            </a:extLst>
-          </p:cNvPr>
-          <p:cNvSpPr txBox="1"/>
-          <p:nvPr/>
-        </p:nvSpPr>
-        <p:spPr>
-          <a:xfrm>
-            <a:off x="8434437" y="5619185"/>
-            <a:ext cx="736849" cy="338554"/>
-          </a:xfrm>
-          <a:prstGeom prst="rect">
-            <a:avLst/>
-          </a:prstGeom>
-          <a:noFill/>
-        </p:spPr>
-        <p:txBody>
-          <a:bodyPr wrap="square" rtlCol="1">
-            <a:spAutoFit/>
-          </a:bodyPr>
-          <a:lstStyle/>
-          <a:p>
-            <a:r>
-              <a:rPr lang="en-US" sz="1600" dirty="0"/>
-              <a:t>YES</a:t>
-            </a:r>
-            <a:endParaRPr lang="he-IL" sz="1600" dirty="0"/>
-          </a:p>
-        </p:txBody>
-      </p:sp>
-      <p:sp>
-        <p:nvSpPr>
-          <p:cNvPr id="51" name="חץ: למטה 50">
-            <a:extLst>
-              <a:ext uri="{FF2B5EF4-FFF2-40B4-BE49-F238E27FC236}">
-                <a16:creationId xmlns:a16="http://schemas.microsoft.com/office/drawing/2014/main" id="{3D78D457-8678-9B7F-8E08-5350AAD5028D}"/>
-              </a:ext>
-            </a:extLst>
-          </p:cNvPr>
-          <p:cNvSpPr/>
-          <p:nvPr/>
-        </p:nvSpPr>
-        <p:spPr>
-          <a:xfrm>
-            <a:off x="4382437" y="3623912"/>
-            <a:ext cx="319596" cy="210318"/>
-          </a:xfrm>
-          <a:prstGeom prst="downArrow">
-            <a:avLst/>
-          </a:prstGeom>
-        </p:spPr>
-        <p:style>
-          <a:lnRef idx="2">
-            <a:schemeClr val="accent1">
-              <a:shade val="50000"/>
-            </a:schemeClr>
-          </a:lnRef>
-          <a:fillRef idx="1">
-            <a:schemeClr val="accent1"/>
-          </a:fillRef>
-          <a:effectRef idx="0">
-            <a:schemeClr val="accent1"/>
-          </a:effectRef>
-          <a:fontRef idx="minor">
-            <a:schemeClr val="lt1"/>
-          </a:fontRef>
-        </p:style>
-        <p:txBody>
-          <a:bodyPr rtlCol="1" anchor="ctr"/>
-          <a:lstStyle/>
-          <a:p>
-            <a:pPr algn="ctr"/>
-            <a:endParaRPr lang="he-IL" sz="1600"/>
-          </a:p>
-        </p:txBody>
-      </p:sp>
-      <p:sp>
-        <p:nvSpPr>
-          <p:cNvPr id="52" name="מלבן: פינות מעוגלות 51">
-            <a:extLst>
-              <a:ext uri="{FF2B5EF4-FFF2-40B4-BE49-F238E27FC236}">
-                <a16:creationId xmlns:a16="http://schemas.microsoft.com/office/drawing/2014/main" id="{A97EF62A-3E83-7BFE-A49D-9D547C1E1CF9}"/>
-              </a:ext>
-            </a:extLst>
-          </p:cNvPr>
-          <p:cNvSpPr/>
-          <p:nvPr/>
-        </p:nvSpPr>
-        <p:spPr>
-          <a:xfrm>
-            <a:off x="2275258" y="5808367"/>
-            <a:ext cx="1817296" cy="369334"/>
-          </a:xfrm>
-          <a:prstGeom prst="roundRect">
-            <a:avLst/>
-          </a:prstGeom>
-          <a:solidFill>
-            <a:srgbClr val="00B0F0"/>
-          </a:solidFill>
-        </p:spPr>
-        <p:style>
-          <a:lnRef idx="2">
-            <a:schemeClr val="accent2">
-              <a:shade val="50000"/>
-            </a:schemeClr>
-          </a:lnRef>
-          <a:fillRef idx="1">
-            <a:schemeClr val="accent2"/>
-          </a:fillRef>
-          <a:effectRef idx="0">
-            <a:schemeClr val="accent2"/>
-          </a:effectRef>
-          <a:fontRef idx="minor">
-            <a:schemeClr val="lt1"/>
-          </a:fontRef>
-        </p:style>
-        <p:txBody>
-          <a:bodyPr rtlCol="1" anchor="ctr"/>
-          <a:lstStyle/>
-          <a:p>
-            <a:pPr algn="ctr"/>
-            <a:r>
-              <a:rPr lang="en-US" sz="1600" dirty="0"/>
-              <a:t>Did I Win?</a:t>
-            </a:r>
-            <a:endParaRPr lang="he-IL" sz="1600" dirty="0"/>
-          </a:p>
-        </p:txBody>
-      </p:sp>
-      <p:sp>
-        <p:nvSpPr>
-          <p:cNvPr id="53" name="חץ: למטה 52">
-            <a:extLst>
-              <a:ext uri="{FF2B5EF4-FFF2-40B4-BE49-F238E27FC236}">
-                <a16:creationId xmlns:a16="http://schemas.microsoft.com/office/drawing/2014/main" id="{931DD972-AC5A-0193-D752-5ADDE71E6270}"/>
-              </a:ext>
-            </a:extLst>
-          </p:cNvPr>
-          <p:cNvSpPr/>
-          <p:nvPr/>
-        </p:nvSpPr>
-        <p:spPr>
-          <a:xfrm rot="5400000">
-            <a:off x="4143348" y="5785953"/>
-            <a:ext cx="319596" cy="402577"/>
-          </a:xfrm>
-          <a:prstGeom prst="downArrow">
-            <a:avLst/>
-          </a:prstGeom>
-        </p:spPr>
-        <p:style>
-          <a:lnRef idx="2">
-            <a:schemeClr val="accent1">
-              <a:shade val="50000"/>
-            </a:schemeClr>
-          </a:lnRef>
-          <a:fillRef idx="1">
-            <a:schemeClr val="accent1"/>
-          </a:fillRef>
-          <a:effectRef idx="0">
-            <a:schemeClr val="accent1"/>
-          </a:effectRef>
-          <a:fontRef idx="minor">
-            <a:schemeClr val="lt1"/>
-          </a:fontRef>
-        </p:style>
-        <p:txBody>
-          <a:bodyPr rtlCol="1" anchor="ctr"/>
-          <a:lstStyle/>
-          <a:p>
-            <a:pPr algn="ctr"/>
-            <a:endParaRPr lang="he-IL" sz="1600" dirty="0"/>
-          </a:p>
-        </p:txBody>
-      </p:sp>
-      <p:sp>
-        <p:nvSpPr>
-          <p:cNvPr id="55" name="מקבילית 54">
-            <a:extLst>
-              <a:ext uri="{FF2B5EF4-FFF2-40B4-BE49-F238E27FC236}">
-                <a16:creationId xmlns:a16="http://schemas.microsoft.com/office/drawing/2014/main" id="{32A0CA52-F8F6-97E8-FD07-87F84B768517}"/>
-              </a:ext>
-            </a:extLst>
-          </p:cNvPr>
-          <p:cNvSpPr/>
-          <p:nvPr/>
-        </p:nvSpPr>
-        <p:spPr>
-          <a:xfrm>
-            <a:off x="6979347" y="4307739"/>
-            <a:ext cx="1925605" cy="506479"/>
-          </a:xfrm>
-          <a:prstGeom prst="parallelogram">
-            <a:avLst/>
-          </a:prstGeom>
-        </p:spPr>
-        <p:style>
-          <a:lnRef idx="2">
-            <a:schemeClr val="accent1">
-              <a:shade val="50000"/>
-            </a:schemeClr>
-          </a:lnRef>
-          <a:fillRef idx="1">
-            <a:schemeClr val="accent1"/>
-          </a:fillRef>
-          <a:effectRef idx="0">
-            <a:schemeClr val="accent1"/>
-          </a:effectRef>
-          <a:fontRef idx="minor">
-            <a:schemeClr val="lt1"/>
-          </a:fontRef>
-        </p:style>
-        <p:txBody>
-          <a:bodyPr rtlCol="1" anchor="ctr"/>
-          <a:lstStyle/>
-          <a:p>
-            <a:pPr algn="ctr"/>
-            <a:r>
-              <a:rPr lang="en-US" sz="1600" dirty="0"/>
-              <a:t>Did I eat a unit?</a:t>
-            </a:r>
-            <a:endParaRPr lang="he-IL" sz="1600" dirty="0"/>
-          </a:p>
-        </p:txBody>
-      </p:sp>
-      <p:sp>
-        <p:nvSpPr>
-          <p:cNvPr id="43" name="חץ: למטה 42">
-            <a:extLst>
-              <a:ext uri="{FF2B5EF4-FFF2-40B4-BE49-F238E27FC236}">
-                <a16:creationId xmlns:a16="http://schemas.microsoft.com/office/drawing/2014/main" id="{5553A020-11A0-5CC7-1B9E-8FC2F0FAFCCB}"/>
-              </a:ext>
-            </a:extLst>
-          </p:cNvPr>
-          <p:cNvSpPr/>
-          <p:nvPr/>
-        </p:nvSpPr>
-        <p:spPr>
-          <a:xfrm>
-            <a:off x="4400596" y="2719769"/>
-            <a:ext cx="319596" cy="398681"/>
-          </a:xfrm>
-          <a:prstGeom prst="downArrow">
-            <a:avLst/>
-          </a:prstGeom>
-        </p:spPr>
-        <p:style>
-          <a:lnRef idx="2">
-            <a:schemeClr val="accent1">
-              <a:shade val="50000"/>
-            </a:schemeClr>
-          </a:lnRef>
-          <a:fillRef idx="1">
-            <a:schemeClr val="accent1"/>
-          </a:fillRef>
-          <a:effectRef idx="0">
-            <a:schemeClr val="accent1"/>
-          </a:effectRef>
-          <a:fontRef idx="minor">
-            <a:schemeClr val="lt1"/>
-          </a:fontRef>
-        </p:style>
-        <p:txBody>
-          <a:bodyPr rtlCol="1" anchor="ctr"/>
-          <a:lstStyle/>
-          <a:p>
-            <a:pPr algn="ctr"/>
-            <a:endParaRPr lang="he-IL" sz="1600"/>
-          </a:p>
-        </p:txBody>
-      </p:sp>
-      <p:sp>
-        <p:nvSpPr>
           <p:cNvPr id="54" name="מלבן: פינות מעוגלות 53">
             <a:extLst>
               <a:ext uri="{FF2B5EF4-FFF2-40B4-BE49-F238E27FC236}">
@@ -11548,7 +10582,7 @@
         </p:nvSpPr>
         <p:spPr>
           <a:xfrm>
-            <a:off x="5802864" y="572891"/>
+            <a:off x="3049528" y="1150896"/>
             <a:ext cx="2310315" cy="294916"/>
           </a:xfrm>
           <a:prstGeom prst="roundRect">
@@ -11610,7 +10644,7 @@
         </p:nvSpPr>
         <p:spPr>
           <a:xfrm>
-            <a:off x="5837908" y="964506"/>
+            <a:off x="5424235" y="1148035"/>
             <a:ext cx="3064262" cy="294916"/>
           </a:xfrm>
           <a:prstGeom prst="roundRect">
@@ -11648,7 +10682,7 @@
             <a:pPr algn="ctr"/>
             <a:r>
               <a:rPr lang="en-US" sz="1600" dirty="0"/>
-              <a:t>direction white=1 / black = -1</a:t>
+              <a:t>direction white= 1 / black = -1</a:t>
             </a:r>
             <a:endParaRPr lang="he-IL" sz="1600" dirty="0"/>
           </a:p>
@@ -11668,8 +10702,8 @@
         </p:nvSpPr>
         <p:spPr>
           <a:xfrm>
-            <a:off x="5225363" y="514537"/>
-            <a:ext cx="319596" cy="959640"/>
+            <a:off x="5225363" y="995300"/>
+            <a:ext cx="319596" cy="755714"/>
           </a:xfrm>
           <a:prstGeom prst="downArrow">
             <a:avLst/>
@@ -11714,7 +10748,7 @@
         </p:nvSpPr>
         <p:spPr>
           <a:xfrm>
-            <a:off x="7102769" y="1455951"/>
+            <a:off x="7102769" y="1724399"/>
             <a:ext cx="2201663" cy="559071"/>
           </a:xfrm>
           <a:prstGeom prst="roundRect">
@@ -11764,7 +10798,7 @@
         </p:nvSpPr>
         <p:spPr>
           <a:xfrm>
-            <a:off x="7755461" y="3921331"/>
+            <a:off x="1811338" y="4685968"/>
             <a:ext cx="1817296" cy="369334"/>
           </a:xfrm>
           <a:prstGeom prst="roundRect">
@@ -11797,7 +10831,7 @@
             <a:pPr algn="ctr"/>
             <a:r>
               <a:rPr lang="en-US" sz="1600" dirty="0"/>
-              <a:t>Can I eat?</a:t>
+              <a:t>Add move forward</a:t>
             </a:r>
             <a:endParaRPr lang="he-IL" sz="1600" dirty="0"/>
           </a:p>
@@ -11817,7 +10851,7 @@
         </p:nvSpPr>
         <p:spPr>
           <a:xfrm>
-            <a:off x="1811338" y="2572646"/>
+            <a:off x="1785726" y="2482147"/>
             <a:ext cx="1817296" cy="369334"/>
           </a:xfrm>
           <a:prstGeom prst="roundRect">
@@ -11850,7 +10884,891 @@
             <a:pPr algn="ctr"/>
             <a:r>
               <a:rPr lang="en-US" sz="1600" dirty="0"/>
-              <a:t>Add I eat?</a:t>
+              <a:t>Add eat forward</a:t>
+            </a:r>
+            <a:endParaRPr lang="he-IL" sz="1600" dirty="0"/>
+          </a:p>
+        </p:txBody>
+      </p:sp>
+      <p:sp>
+        <p:nvSpPr>
+          <p:cNvPr id="57" name="חץ: למטה 56">
+            <a:extLst>
+              <a:ext uri="{FF2B5EF4-FFF2-40B4-BE49-F238E27FC236}">
+                <a16:creationId xmlns:a16="http://schemas.microsoft.com/office/drawing/2014/main" id="{66434810-5DF2-E480-D078-3C949E3AD1C6}"/>
+              </a:ext>
+            </a:extLst>
+          </p:cNvPr>
+          <p:cNvSpPr/>
+          <p:nvPr/>
+        </p:nvSpPr>
+        <p:spPr>
+          <a:xfrm rot="5400000">
+            <a:off x="4205802" y="1559855"/>
+            <a:ext cx="319596" cy="849028"/>
+          </a:xfrm>
+          <a:prstGeom prst="downArrow">
+            <a:avLst/>
+          </a:prstGeom>
+        </p:spPr>
+        <p:style>
+          <a:lnRef idx="2">
+            <a:schemeClr val="accent1">
+              <a:shade val="50000"/>
+            </a:schemeClr>
+          </a:lnRef>
+          <a:fillRef idx="1">
+            <a:schemeClr val="accent1"/>
+          </a:fillRef>
+          <a:effectRef idx="0">
+            <a:schemeClr val="accent1"/>
+          </a:effectRef>
+          <a:fontRef idx="minor">
+            <a:schemeClr val="lt1"/>
+          </a:fontRef>
+        </p:style>
+        <p:txBody>
+          <a:bodyPr rtlCol="1" anchor="ctr"/>
+          <a:lstStyle/>
+          <a:p>
+            <a:pPr algn="ctr"/>
+            <a:endParaRPr lang="he-IL" sz="1600" dirty="0"/>
+          </a:p>
+        </p:txBody>
+      </p:sp>
+      <p:sp>
+        <p:nvSpPr>
+          <p:cNvPr id="62" name="חץ: למטה 61">
+            <a:extLst>
+              <a:ext uri="{FF2B5EF4-FFF2-40B4-BE49-F238E27FC236}">
+                <a16:creationId xmlns:a16="http://schemas.microsoft.com/office/drawing/2014/main" id="{14097303-2624-AC98-0B5E-5F9F7BE2EC5F}"/>
+              </a:ext>
+            </a:extLst>
+          </p:cNvPr>
+          <p:cNvSpPr/>
+          <p:nvPr/>
+        </p:nvSpPr>
+        <p:spPr>
+          <a:xfrm rot="16200000">
+            <a:off x="6455097" y="1432496"/>
+            <a:ext cx="319596" cy="1103746"/>
+          </a:xfrm>
+          <a:prstGeom prst="downArrow">
+            <a:avLst/>
+          </a:prstGeom>
+        </p:spPr>
+        <p:style>
+          <a:lnRef idx="2">
+            <a:schemeClr val="accent1">
+              <a:shade val="50000"/>
+            </a:schemeClr>
+          </a:lnRef>
+          <a:fillRef idx="1">
+            <a:schemeClr val="accent1"/>
+          </a:fillRef>
+          <a:effectRef idx="0">
+            <a:schemeClr val="accent1"/>
+          </a:effectRef>
+          <a:fontRef idx="minor">
+            <a:schemeClr val="lt1"/>
+          </a:fontRef>
+        </p:style>
+        <p:txBody>
+          <a:bodyPr rtlCol="1" anchor="ctr"/>
+          <a:lstStyle/>
+          <a:p>
+            <a:pPr algn="ctr"/>
+            <a:endParaRPr lang="he-IL" sz="1600" dirty="0"/>
+          </a:p>
+        </p:txBody>
+      </p:sp>
+      <p:sp>
+        <p:nvSpPr>
+          <p:cNvPr id="63" name="מלבן: פינות מעוגלות 62">
+            <a:extLst>
+              <a:ext uri="{FF2B5EF4-FFF2-40B4-BE49-F238E27FC236}">
+                <a16:creationId xmlns:a16="http://schemas.microsoft.com/office/drawing/2014/main" id="{F4093F3A-BDBB-8282-4D6F-305F681C0339}"/>
+              </a:ext>
+            </a:extLst>
+          </p:cNvPr>
+          <p:cNvSpPr/>
+          <p:nvPr/>
+        </p:nvSpPr>
+        <p:spPr>
+          <a:xfrm>
+            <a:off x="1835136" y="3581568"/>
+            <a:ext cx="2084831" cy="746557"/>
+          </a:xfrm>
+          <a:prstGeom prst="roundRect">
+            <a:avLst/>
+          </a:prstGeom>
+        </p:spPr>
+        <p:style>
+          <a:lnRef idx="2">
+            <a:schemeClr val="accent2">
+              <a:shade val="50000"/>
+            </a:schemeClr>
+          </a:lnRef>
+          <a:fillRef idx="1">
+            <a:schemeClr val="accent2"/>
+          </a:fillRef>
+          <a:effectRef idx="0">
+            <a:schemeClr val="accent2"/>
+          </a:effectRef>
+          <a:fontRef idx="minor">
+            <a:schemeClr val="lt1"/>
+          </a:fontRef>
+        </p:style>
+        <p:txBody>
+          <a:bodyPr rtlCol="1" anchor="ctr"/>
+          <a:lstStyle/>
+          <a:p>
+            <a:pPr algn="ctr"/>
+            <a:r>
+              <a:rPr lang="en-US" sz="1600" dirty="0"/>
+              <a:t>Can Any of my units eat an enemy?</a:t>
+            </a:r>
+            <a:endParaRPr lang="he-IL" sz="1600" dirty="0"/>
+          </a:p>
+        </p:txBody>
+      </p:sp>
+      <p:sp>
+        <p:nvSpPr>
+          <p:cNvPr id="39" name="מקבילית 38">
+            <a:extLst>
+              <a:ext uri="{FF2B5EF4-FFF2-40B4-BE49-F238E27FC236}">
+                <a16:creationId xmlns:a16="http://schemas.microsoft.com/office/drawing/2014/main" id="{268630F4-6390-42B7-403A-302C73FFC88C}"/>
+              </a:ext>
+            </a:extLst>
+          </p:cNvPr>
+          <p:cNvSpPr/>
+          <p:nvPr/>
+        </p:nvSpPr>
+        <p:spPr>
+          <a:xfrm>
+            <a:off x="4586341" y="1746753"/>
+            <a:ext cx="1602774" cy="506479"/>
+          </a:xfrm>
+          <a:prstGeom prst="parallelogram">
+            <a:avLst/>
+          </a:prstGeom>
+        </p:spPr>
+        <p:style>
+          <a:lnRef idx="2">
+            <a:schemeClr val="accent1">
+              <a:shade val="50000"/>
+            </a:schemeClr>
+          </a:lnRef>
+          <a:fillRef idx="1">
+            <a:schemeClr val="accent1"/>
+          </a:fillRef>
+          <a:effectRef idx="0">
+            <a:schemeClr val="accent1"/>
+          </a:effectRef>
+          <a:fontRef idx="minor">
+            <a:schemeClr val="lt1"/>
+          </a:fontRef>
+        </p:style>
+        <p:txBody>
+          <a:bodyPr rtlCol="1" anchor="ctr"/>
+          <a:lstStyle/>
+          <a:p>
+            <a:pPr algn="ctr"/>
+            <a:r>
+              <a:rPr lang="en-US" sz="1600" dirty="0"/>
+              <a:t>What type was clicked?</a:t>
+            </a:r>
+            <a:endParaRPr lang="he-IL" sz="1600" dirty="0"/>
+          </a:p>
+        </p:txBody>
+      </p:sp>
+      <p:sp>
+        <p:nvSpPr>
+          <p:cNvPr id="66" name="מלבן: פינות מעוגלות 65">
+            <a:extLst>
+              <a:ext uri="{FF2B5EF4-FFF2-40B4-BE49-F238E27FC236}">
+                <a16:creationId xmlns:a16="http://schemas.microsoft.com/office/drawing/2014/main" id="{AF46EA2D-7F2E-7F76-F235-852043FA6A56}"/>
+              </a:ext>
+            </a:extLst>
+          </p:cNvPr>
+          <p:cNvSpPr/>
+          <p:nvPr/>
+        </p:nvSpPr>
+        <p:spPr>
+          <a:xfrm>
+            <a:off x="1695560" y="5876614"/>
+            <a:ext cx="3074214" cy="427608"/>
+          </a:xfrm>
+          <a:prstGeom prst="roundRect">
+            <a:avLst/>
+          </a:prstGeom>
+          <a:solidFill>
+            <a:srgbClr val="92D050"/>
+          </a:solidFill>
+        </p:spPr>
+        <p:style>
+          <a:lnRef idx="2">
+            <a:schemeClr val="accent2">
+              <a:shade val="50000"/>
+            </a:schemeClr>
+          </a:lnRef>
+          <a:fillRef idx="1">
+            <a:schemeClr val="accent2"/>
+          </a:fillRef>
+          <a:effectRef idx="0">
+            <a:schemeClr val="accent2"/>
+          </a:effectRef>
+          <a:fontRef idx="minor">
+            <a:schemeClr val="lt1"/>
+          </a:fontRef>
+        </p:style>
+        <p:txBody>
+          <a:bodyPr rtlCol="1" anchor="ctr"/>
+          <a:lstStyle/>
+          <a:p>
+            <a:pPr algn="ctr"/>
+            <a:r>
+              <a:rPr lang="en-US" sz="1600" dirty="0">
+                <a:solidFill>
+                  <a:schemeClr val="tx1"/>
+                </a:solidFill>
+              </a:rPr>
+              <a:t>return </a:t>
+            </a:r>
+            <a:r>
+              <a:rPr lang="en-US" sz="1600" dirty="0" err="1">
+                <a:solidFill>
+                  <a:schemeClr val="tx1"/>
+                </a:solidFill>
+              </a:rPr>
+              <a:t>legalMoves</a:t>
+            </a:r>
+            <a:endParaRPr lang="he-IL" sz="1600" dirty="0">
+              <a:solidFill>
+                <a:schemeClr val="tx1"/>
+              </a:solidFill>
+            </a:endParaRPr>
+          </a:p>
+        </p:txBody>
+      </p:sp>
+      <p:sp>
+        <p:nvSpPr>
+          <p:cNvPr id="67" name="תיבת טקסט 66">
+            <a:extLst>
+              <a:ext uri="{FF2B5EF4-FFF2-40B4-BE49-F238E27FC236}">
+                <a16:creationId xmlns:a16="http://schemas.microsoft.com/office/drawing/2014/main" id="{6C9E4C32-D391-B2D8-A96A-D817D13D7610}"/>
+              </a:ext>
+            </a:extLst>
+          </p:cNvPr>
+          <p:cNvSpPr txBox="1"/>
+          <p:nvPr/>
+        </p:nvSpPr>
+        <p:spPr>
+          <a:xfrm>
+            <a:off x="2543744" y="4306376"/>
+            <a:ext cx="736849" cy="338554"/>
+          </a:xfrm>
+          <a:prstGeom prst="rect">
+            <a:avLst/>
+          </a:prstGeom>
+          <a:noFill/>
+        </p:spPr>
+        <p:txBody>
+          <a:bodyPr wrap="square" rtlCol="1">
+            <a:spAutoFit/>
+          </a:bodyPr>
+          <a:lstStyle/>
+          <a:p>
+            <a:r>
+              <a:rPr lang="en-US" sz="1600" dirty="0"/>
+              <a:t>NO</a:t>
+            </a:r>
+            <a:endParaRPr lang="he-IL" sz="1600" dirty="0"/>
+          </a:p>
+        </p:txBody>
+      </p:sp>
+      <p:sp>
+        <p:nvSpPr>
+          <p:cNvPr id="68" name="חץ: למטה 67">
+            <a:extLst>
+              <a:ext uri="{FF2B5EF4-FFF2-40B4-BE49-F238E27FC236}">
+                <a16:creationId xmlns:a16="http://schemas.microsoft.com/office/drawing/2014/main" id="{49E1DC47-98D3-C9F1-CDBC-BCE9F2492E57}"/>
+              </a:ext>
+            </a:extLst>
+          </p:cNvPr>
+          <p:cNvSpPr/>
+          <p:nvPr/>
+        </p:nvSpPr>
+        <p:spPr>
+          <a:xfrm>
+            <a:off x="2277914" y="5070086"/>
+            <a:ext cx="319596" cy="430060"/>
+          </a:xfrm>
+          <a:prstGeom prst="downArrow">
+            <a:avLst/>
+          </a:prstGeom>
+        </p:spPr>
+        <p:style>
+          <a:lnRef idx="2">
+            <a:schemeClr val="accent1">
+              <a:shade val="50000"/>
+            </a:schemeClr>
+          </a:lnRef>
+          <a:fillRef idx="1">
+            <a:schemeClr val="accent1"/>
+          </a:fillRef>
+          <a:effectRef idx="0">
+            <a:schemeClr val="accent1"/>
+          </a:effectRef>
+          <a:fontRef idx="minor">
+            <a:schemeClr val="lt1"/>
+          </a:fontRef>
+        </p:style>
+        <p:txBody>
+          <a:bodyPr rtlCol="1" anchor="ctr"/>
+          <a:lstStyle/>
+          <a:p>
+            <a:pPr algn="ctr"/>
+            <a:endParaRPr lang="he-IL" sz="1600"/>
+          </a:p>
+        </p:txBody>
+      </p:sp>
+      <p:sp>
+        <p:nvSpPr>
+          <p:cNvPr id="70" name="מלבן: פינות מעוגלות 69">
+            <a:extLst>
+              <a:ext uri="{FF2B5EF4-FFF2-40B4-BE49-F238E27FC236}">
+                <a16:creationId xmlns:a16="http://schemas.microsoft.com/office/drawing/2014/main" id="{B0BBE67E-7698-9B49-2ED5-AB097924E8E4}"/>
+              </a:ext>
+            </a:extLst>
+          </p:cNvPr>
+          <p:cNvSpPr/>
+          <p:nvPr/>
+        </p:nvSpPr>
+        <p:spPr>
+          <a:xfrm>
+            <a:off x="1611627" y="2866542"/>
+            <a:ext cx="2102145" cy="427608"/>
+          </a:xfrm>
+          <a:prstGeom prst="roundRect">
+            <a:avLst/>
+          </a:prstGeom>
+          <a:solidFill>
+            <a:srgbClr val="00B0F0"/>
+          </a:solidFill>
+        </p:spPr>
+        <p:style>
+          <a:lnRef idx="2">
+            <a:schemeClr val="accent2">
+              <a:shade val="50000"/>
+            </a:schemeClr>
+          </a:lnRef>
+          <a:fillRef idx="1">
+            <a:schemeClr val="accent2"/>
+          </a:fillRef>
+          <a:effectRef idx="0">
+            <a:schemeClr val="accent2"/>
+          </a:effectRef>
+          <a:fontRef idx="minor">
+            <a:schemeClr val="lt1"/>
+          </a:fontRef>
+        </p:style>
+        <p:txBody>
+          <a:bodyPr rtlCol="1" anchor="ctr"/>
+          <a:lstStyle/>
+          <a:p>
+            <a:pPr algn="ctr"/>
+            <a:r>
+              <a:rPr lang="en-US" sz="1600" dirty="0"/>
+              <a:t>If I just ate add eat backwards</a:t>
+            </a:r>
+            <a:endParaRPr lang="he-IL" sz="1600" dirty="0"/>
+          </a:p>
+        </p:txBody>
+      </p:sp>
+      <p:sp>
+        <p:nvSpPr>
+          <p:cNvPr id="72" name="חץ: למטה 71">
+            <a:extLst>
+              <a:ext uri="{FF2B5EF4-FFF2-40B4-BE49-F238E27FC236}">
+                <a16:creationId xmlns:a16="http://schemas.microsoft.com/office/drawing/2014/main" id="{8577BDDB-DBA1-614D-E135-F6A09626670B}"/>
+              </a:ext>
+            </a:extLst>
+          </p:cNvPr>
+          <p:cNvSpPr/>
+          <p:nvPr/>
+        </p:nvSpPr>
+        <p:spPr>
+          <a:xfrm>
+            <a:off x="7928483" y="4203927"/>
+            <a:ext cx="319596" cy="383324"/>
+          </a:xfrm>
+          <a:prstGeom prst="downArrow">
+            <a:avLst/>
+          </a:prstGeom>
+        </p:spPr>
+        <p:style>
+          <a:lnRef idx="2">
+            <a:schemeClr val="accent1">
+              <a:shade val="50000"/>
+            </a:schemeClr>
+          </a:lnRef>
+          <a:fillRef idx="1">
+            <a:schemeClr val="accent1"/>
+          </a:fillRef>
+          <a:effectRef idx="0">
+            <a:schemeClr val="accent1"/>
+          </a:effectRef>
+          <a:fontRef idx="minor">
+            <a:schemeClr val="lt1"/>
+          </a:fontRef>
+        </p:style>
+        <p:txBody>
+          <a:bodyPr rtlCol="1" anchor="ctr"/>
+          <a:lstStyle/>
+          <a:p>
+            <a:pPr algn="ctr"/>
+            <a:endParaRPr lang="he-IL" sz="1600"/>
+          </a:p>
+        </p:txBody>
+      </p:sp>
+      <p:sp>
+        <p:nvSpPr>
+          <p:cNvPr id="73" name="תיבת טקסט 72">
+            <a:extLst>
+              <a:ext uri="{FF2B5EF4-FFF2-40B4-BE49-F238E27FC236}">
+                <a16:creationId xmlns:a16="http://schemas.microsoft.com/office/drawing/2014/main" id="{C6D30779-3969-DE33-2810-B8F30ADECE26}"/>
+              </a:ext>
+            </a:extLst>
+          </p:cNvPr>
+          <p:cNvSpPr txBox="1"/>
+          <p:nvPr/>
+        </p:nvSpPr>
+        <p:spPr>
+          <a:xfrm>
+            <a:off x="9548086" y="3505827"/>
+            <a:ext cx="927717" cy="338554"/>
+          </a:xfrm>
+          <a:prstGeom prst="rect">
+            <a:avLst/>
+          </a:prstGeom>
+          <a:noFill/>
+        </p:spPr>
+        <p:txBody>
+          <a:bodyPr wrap="square" rtlCol="1">
+            <a:spAutoFit/>
+          </a:bodyPr>
+          <a:lstStyle/>
+          <a:p>
+            <a:r>
+              <a:rPr lang="en-US" sz="1600" dirty="0"/>
+              <a:t>YES</a:t>
+            </a:r>
+            <a:endParaRPr lang="he-IL" sz="1600" dirty="0"/>
+          </a:p>
+        </p:txBody>
+      </p:sp>
+      <p:sp>
+        <p:nvSpPr>
+          <p:cNvPr id="74" name="חץ: מכופף 73">
+            <a:extLst>
+              <a:ext uri="{FF2B5EF4-FFF2-40B4-BE49-F238E27FC236}">
+                <a16:creationId xmlns:a16="http://schemas.microsoft.com/office/drawing/2014/main" id="{30EE0317-7D68-E70B-BED7-74090C37CAFF}"/>
+              </a:ext>
+            </a:extLst>
+          </p:cNvPr>
+          <p:cNvSpPr/>
+          <p:nvPr/>
+        </p:nvSpPr>
+        <p:spPr>
+          <a:xfrm rot="5400000">
+            <a:off x="8968577" y="4388115"/>
+            <a:ext cx="1755784" cy="596764"/>
+          </a:xfrm>
+          <a:prstGeom prst="bentArrow">
+            <a:avLst/>
+          </a:prstGeom>
+        </p:spPr>
+        <p:style>
+          <a:lnRef idx="2">
+            <a:schemeClr val="accent1">
+              <a:shade val="50000"/>
+            </a:schemeClr>
+          </a:lnRef>
+          <a:fillRef idx="1">
+            <a:schemeClr val="accent1"/>
+          </a:fillRef>
+          <a:effectRef idx="0">
+            <a:schemeClr val="accent1"/>
+          </a:effectRef>
+          <a:fontRef idx="minor">
+            <a:schemeClr val="lt1"/>
+          </a:fontRef>
+        </p:style>
+        <p:txBody>
+          <a:bodyPr rtlCol="1" anchor="ctr"/>
+          <a:lstStyle/>
+          <a:p>
+            <a:pPr algn="ctr"/>
+            <a:endParaRPr lang="he-IL" sz="1600">
+              <a:solidFill>
+                <a:schemeClr val="tx1"/>
+              </a:solidFill>
+            </a:endParaRPr>
+          </a:p>
+        </p:txBody>
+      </p:sp>
+      <p:sp>
+        <p:nvSpPr>
+          <p:cNvPr id="77" name="מלבן: פינות מעוגלות 76">
+            <a:extLst>
+              <a:ext uri="{FF2B5EF4-FFF2-40B4-BE49-F238E27FC236}">
+                <a16:creationId xmlns:a16="http://schemas.microsoft.com/office/drawing/2014/main" id="{90CD9068-9711-D669-EDCA-D42082D8D943}"/>
+              </a:ext>
+            </a:extLst>
+          </p:cNvPr>
+          <p:cNvSpPr/>
+          <p:nvPr/>
+        </p:nvSpPr>
+        <p:spPr>
+          <a:xfrm>
+            <a:off x="7463255" y="3451778"/>
+            <a:ext cx="2084831" cy="746557"/>
+          </a:xfrm>
+          <a:prstGeom prst="roundRect">
+            <a:avLst/>
+          </a:prstGeom>
+        </p:spPr>
+        <p:style>
+          <a:lnRef idx="2">
+            <a:schemeClr val="accent2">
+              <a:shade val="50000"/>
+            </a:schemeClr>
+          </a:lnRef>
+          <a:fillRef idx="1">
+            <a:schemeClr val="accent2"/>
+          </a:fillRef>
+          <a:effectRef idx="0">
+            <a:schemeClr val="accent2"/>
+          </a:effectRef>
+          <a:fontRef idx="minor">
+            <a:schemeClr val="lt1"/>
+          </a:fontRef>
+        </p:style>
+        <p:txBody>
+          <a:bodyPr rtlCol="1" anchor="ctr"/>
+          <a:lstStyle/>
+          <a:p>
+            <a:pPr algn="ctr"/>
+            <a:r>
+              <a:rPr lang="en-US" sz="1600" dirty="0"/>
+              <a:t>Can Any of my units eat an enemy?</a:t>
+            </a:r>
+            <a:endParaRPr lang="he-IL" sz="1600" dirty="0"/>
+          </a:p>
+        </p:txBody>
+      </p:sp>
+      <p:sp>
+        <p:nvSpPr>
+          <p:cNvPr id="75" name="חץ: למטה 74">
+            <a:extLst>
+              <a:ext uri="{FF2B5EF4-FFF2-40B4-BE49-F238E27FC236}">
+                <a16:creationId xmlns:a16="http://schemas.microsoft.com/office/drawing/2014/main" id="{9EA81D74-1112-E6C2-46D1-60D8303073D7}"/>
+              </a:ext>
+            </a:extLst>
+          </p:cNvPr>
+          <p:cNvSpPr/>
+          <p:nvPr/>
+        </p:nvSpPr>
+        <p:spPr>
+          <a:xfrm>
+            <a:off x="7926386" y="2995447"/>
+            <a:ext cx="319596" cy="523013"/>
+          </a:xfrm>
+          <a:prstGeom prst="downArrow">
+            <a:avLst>
+              <a:gd name="adj1" fmla="val 50000"/>
+              <a:gd name="adj2" fmla="val 46754"/>
+            </a:avLst>
+          </a:prstGeom>
+        </p:spPr>
+        <p:style>
+          <a:lnRef idx="2">
+            <a:schemeClr val="accent1">
+              <a:shade val="50000"/>
+            </a:schemeClr>
+          </a:lnRef>
+          <a:fillRef idx="1">
+            <a:schemeClr val="accent1"/>
+          </a:fillRef>
+          <a:effectRef idx="0">
+            <a:schemeClr val="accent1"/>
+          </a:effectRef>
+          <a:fontRef idx="minor">
+            <a:schemeClr val="lt1"/>
+          </a:fontRef>
+        </p:style>
+        <p:txBody>
+          <a:bodyPr rtlCol="1" anchor="ctr"/>
+          <a:lstStyle/>
+          <a:p>
+            <a:pPr algn="ctr"/>
+            <a:endParaRPr lang="he-IL" sz="1600"/>
+          </a:p>
+        </p:txBody>
+      </p:sp>
+      <p:sp>
+        <p:nvSpPr>
+          <p:cNvPr id="76" name="מלבן: פינות מעוגלות 75">
+            <a:extLst>
+              <a:ext uri="{FF2B5EF4-FFF2-40B4-BE49-F238E27FC236}">
+                <a16:creationId xmlns:a16="http://schemas.microsoft.com/office/drawing/2014/main" id="{55FCE645-15E9-928E-92E9-618A9E1BA7BC}"/>
+              </a:ext>
+            </a:extLst>
+          </p:cNvPr>
+          <p:cNvSpPr/>
+          <p:nvPr/>
+        </p:nvSpPr>
+        <p:spPr>
+          <a:xfrm>
+            <a:off x="7024739" y="4576950"/>
+            <a:ext cx="2279693" cy="593464"/>
+          </a:xfrm>
+          <a:prstGeom prst="roundRect">
+            <a:avLst/>
+          </a:prstGeom>
+          <a:solidFill>
+            <a:srgbClr val="00B0F0"/>
+          </a:solidFill>
+        </p:spPr>
+        <p:style>
+          <a:lnRef idx="2">
+            <a:schemeClr val="accent2">
+              <a:shade val="50000"/>
+            </a:schemeClr>
+          </a:lnRef>
+          <a:fillRef idx="1">
+            <a:schemeClr val="accent2"/>
+          </a:fillRef>
+          <a:effectRef idx="0">
+            <a:schemeClr val="accent2"/>
+          </a:effectRef>
+          <a:fontRef idx="minor">
+            <a:schemeClr val="lt1"/>
+          </a:fontRef>
+        </p:style>
+        <p:txBody>
+          <a:bodyPr rtlCol="1" anchor="ctr"/>
+          <a:lstStyle/>
+          <a:p>
+            <a:pPr algn="ctr"/>
+            <a:r>
+              <a:rPr lang="en-US" sz="1600" dirty="0"/>
+              <a:t>Add move all directions any distance </a:t>
+            </a:r>
+            <a:endParaRPr lang="he-IL" sz="1600" dirty="0"/>
+          </a:p>
+        </p:txBody>
+      </p:sp>
+      <p:sp>
+        <p:nvSpPr>
+          <p:cNvPr id="78" name="מלבן: פינות מעוגלות 77">
+            <a:extLst>
+              <a:ext uri="{FF2B5EF4-FFF2-40B4-BE49-F238E27FC236}">
+                <a16:creationId xmlns:a16="http://schemas.microsoft.com/office/drawing/2014/main" id="{E3E3871F-8C14-1725-C432-C395BADD37B0}"/>
+              </a:ext>
+            </a:extLst>
+          </p:cNvPr>
+          <p:cNvSpPr/>
+          <p:nvPr/>
+        </p:nvSpPr>
+        <p:spPr>
+          <a:xfrm>
+            <a:off x="7455746" y="5876614"/>
+            <a:ext cx="3074214" cy="427608"/>
+          </a:xfrm>
+          <a:prstGeom prst="roundRect">
+            <a:avLst/>
+          </a:prstGeom>
+          <a:solidFill>
+            <a:srgbClr val="92D050"/>
+          </a:solidFill>
+        </p:spPr>
+        <p:style>
+          <a:lnRef idx="2">
+            <a:schemeClr val="accent2">
+              <a:shade val="50000"/>
+            </a:schemeClr>
+          </a:lnRef>
+          <a:fillRef idx="1">
+            <a:schemeClr val="accent2"/>
+          </a:fillRef>
+          <a:effectRef idx="0">
+            <a:schemeClr val="accent2"/>
+          </a:effectRef>
+          <a:fontRef idx="minor">
+            <a:schemeClr val="lt1"/>
+          </a:fontRef>
+        </p:style>
+        <p:txBody>
+          <a:bodyPr rtlCol="1" anchor="ctr"/>
+          <a:lstStyle/>
+          <a:p>
+            <a:pPr algn="ctr"/>
+            <a:r>
+              <a:rPr lang="en-US" sz="1600" dirty="0">
+                <a:solidFill>
+                  <a:schemeClr val="tx1"/>
+                </a:solidFill>
+              </a:rPr>
+              <a:t>return </a:t>
+            </a:r>
+            <a:r>
+              <a:rPr lang="en-US" sz="1600" dirty="0" err="1">
+                <a:solidFill>
+                  <a:schemeClr val="tx1"/>
+                </a:solidFill>
+              </a:rPr>
+              <a:t>legalMoves</a:t>
+            </a:r>
+            <a:endParaRPr lang="he-IL" sz="1600" dirty="0">
+              <a:solidFill>
+                <a:schemeClr val="tx1"/>
+              </a:solidFill>
+            </a:endParaRPr>
+          </a:p>
+        </p:txBody>
+      </p:sp>
+      <p:sp>
+        <p:nvSpPr>
+          <p:cNvPr id="79" name="תיבת טקסט 78">
+            <a:extLst>
+              <a:ext uri="{FF2B5EF4-FFF2-40B4-BE49-F238E27FC236}">
+                <a16:creationId xmlns:a16="http://schemas.microsoft.com/office/drawing/2014/main" id="{78ACD7FD-2B56-8B3C-0529-8BC102AD2004}"/>
+              </a:ext>
+            </a:extLst>
+          </p:cNvPr>
+          <p:cNvSpPr txBox="1"/>
+          <p:nvPr/>
+        </p:nvSpPr>
+        <p:spPr>
+          <a:xfrm>
+            <a:off x="8203600" y="4194480"/>
+            <a:ext cx="736849" cy="338554"/>
+          </a:xfrm>
+          <a:prstGeom prst="rect">
+            <a:avLst/>
+          </a:prstGeom>
+          <a:noFill/>
+        </p:spPr>
+        <p:txBody>
+          <a:bodyPr wrap="square" rtlCol="1">
+            <a:spAutoFit/>
+          </a:bodyPr>
+          <a:lstStyle/>
+          <a:p>
+            <a:r>
+              <a:rPr lang="en-US" sz="1600" dirty="0"/>
+              <a:t>NO</a:t>
+            </a:r>
+            <a:endParaRPr lang="he-IL" sz="1600" dirty="0"/>
+          </a:p>
+        </p:txBody>
+      </p:sp>
+      <p:sp>
+        <p:nvSpPr>
+          <p:cNvPr id="81" name="חץ: למטה 80">
+            <a:extLst>
+              <a:ext uri="{FF2B5EF4-FFF2-40B4-BE49-F238E27FC236}">
+                <a16:creationId xmlns:a16="http://schemas.microsoft.com/office/drawing/2014/main" id="{82A34502-898D-FD88-0809-7F8CEA100840}"/>
+              </a:ext>
+            </a:extLst>
+          </p:cNvPr>
+          <p:cNvSpPr/>
+          <p:nvPr/>
+        </p:nvSpPr>
+        <p:spPr>
+          <a:xfrm>
+            <a:off x="7917343" y="2292917"/>
+            <a:ext cx="319596" cy="241218"/>
+          </a:xfrm>
+          <a:prstGeom prst="downArrow">
+            <a:avLst/>
+          </a:prstGeom>
+        </p:spPr>
+        <p:style>
+          <a:lnRef idx="2">
+            <a:schemeClr val="accent1">
+              <a:shade val="50000"/>
+            </a:schemeClr>
+          </a:lnRef>
+          <a:fillRef idx="1">
+            <a:schemeClr val="accent1"/>
+          </a:fillRef>
+          <a:effectRef idx="0">
+            <a:schemeClr val="accent1"/>
+          </a:effectRef>
+          <a:fontRef idx="minor">
+            <a:schemeClr val="lt1"/>
+          </a:fontRef>
+        </p:style>
+        <p:txBody>
+          <a:bodyPr rtlCol="1" anchor="ctr"/>
+          <a:lstStyle/>
+          <a:p>
+            <a:pPr algn="ctr"/>
+            <a:endParaRPr lang="he-IL" sz="1600"/>
+          </a:p>
+        </p:txBody>
+      </p:sp>
+      <p:sp>
+        <p:nvSpPr>
+          <p:cNvPr id="69" name="מלבן: פינות מעוגלות 68">
+            <a:extLst>
+              <a:ext uri="{FF2B5EF4-FFF2-40B4-BE49-F238E27FC236}">
+                <a16:creationId xmlns:a16="http://schemas.microsoft.com/office/drawing/2014/main" id="{73997586-1CD4-5CA3-72A5-DB41745EB858}"/>
+              </a:ext>
+            </a:extLst>
+          </p:cNvPr>
+          <p:cNvSpPr/>
+          <p:nvPr/>
+        </p:nvSpPr>
+        <p:spPr>
+          <a:xfrm>
+            <a:off x="6995848" y="2564918"/>
+            <a:ext cx="2460093" cy="523013"/>
+          </a:xfrm>
+          <a:prstGeom prst="roundRect">
+            <a:avLst/>
+          </a:prstGeom>
+          <a:solidFill>
+            <a:srgbClr val="00B0F0"/>
+          </a:solidFill>
+        </p:spPr>
+        <p:style>
+          <a:lnRef idx="2">
+            <a:schemeClr val="accent2">
+              <a:shade val="50000"/>
+            </a:schemeClr>
+          </a:lnRef>
+          <a:fillRef idx="1">
+            <a:schemeClr val="accent2"/>
+          </a:fillRef>
+          <a:effectRef idx="0">
+            <a:schemeClr val="accent2"/>
+          </a:effectRef>
+          <a:fontRef idx="minor">
+            <a:schemeClr val="lt1"/>
+          </a:fontRef>
+        </p:style>
+        <p:txBody>
+          <a:bodyPr rtlCol="1" anchor="ctr"/>
+          <a:lstStyle/>
+          <a:p>
+            <a:pPr algn="ctr"/>
+            <a:r>
+              <a:rPr lang="en-US" sz="1600" dirty="0"/>
+              <a:t>Add eat all directions any distance</a:t>
             </a:r>
             <a:endParaRPr lang="he-IL" sz="1600" dirty="0"/>
           </a:p>
@@ -11899,7 +11817,7 @@
           <p:nvPr>
             <p:extLst>
               <p:ext uri="{D42A27DB-BD31-4B8C-83A1-F6EECF244321}">
-                <p14:modId xmlns:p14="http://schemas.microsoft.com/office/powerpoint/2010/main" val="1044632423"/>
+                <p14:modId xmlns:p14="http://schemas.microsoft.com/office/powerpoint/2010/main" val="942648740"/>
               </p:ext>
             </p:extLst>
           </p:nvPr>
@@ -11928,7 +11846,7 @@
         </p:nvSpPr>
         <p:spPr>
           <a:xfrm>
-            <a:off x="3337560" y="793928"/>
+            <a:off x="1786740" y="610924"/>
             <a:ext cx="4407408" cy="461665"/>
           </a:xfrm>
           <a:prstGeom prst="rect">
@@ -11958,6 +11876,157 @@
           </a:p>
         </p:txBody>
       </p:sp>
+      <p:sp>
+        <p:nvSpPr>
+          <p:cNvPr id="2" name="תיבת טקסט 1">
+            <a:extLst>
+              <a:ext uri="{FF2B5EF4-FFF2-40B4-BE49-F238E27FC236}">
+                <a16:creationId xmlns:a16="http://schemas.microsoft.com/office/drawing/2014/main" id="{5266EAAA-66AA-9F09-86B5-BF49944E48C5}"/>
+              </a:ext>
+            </a:extLst>
+          </p:cNvPr>
+          <p:cNvSpPr txBox="1"/>
+          <p:nvPr/>
+        </p:nvSpPr>
+        <p:spPr>
+          <a:xfrm>
+            <a:off x="6096000" y="5633646"/>
+            <a:ext cx="1518408" cy="646331"/>
+          </a:xfrm>
+          <a:prstGeom prst="rect">
+            <a:avLst/>
+          </a:prstGeom>
+          <a:noFill/>
+        </p:spPr>
+        <p:txBody>
+          <a:bodyPr wrap="square" rtlCol="1">
+            <a:spAutoFit/>
+          </a:bodyPr>
+          <a:lstStyle/>
+          <a:p>
+            <a:r>
+              <a:rPr lang="en-US" dirty="0"/>
+              <a:t>Did a player win?</a:t>
+            </a:r>
+            <a:endParaRPr lang="he-IL" dirty="0"/>
+          </a:p>
+        </p:txBody>
+      </p:sp>
+      <p:sp>
+        <p:nvSpPr>
+          <p:cNvPr id="6" name="תיבת טקסט 5">
+            <a:extLst>
+              <a:ext uri="{FF2B5EF4-FFF2-40B4-BE49-F238E27FC236}">
+                <a16:creationId xmlns:a16="http://schemas.microsoft.com/office/drawing/2014/main" id="{FD21D578-ABCF-14C3-EF35-9DA9A0FA860F}"/>
+              </a:ext>
+            </a:extLst>
+          </p:cNvPr>
+          <p:cNvSpPr txBox="1"/>
+          <p:nvPr/>
+        </p:nvSpPr>
+        <p:spPr>
+          <a:xfrm>
+            <a:off x="4460846" y="5587068"/>
+            <a:ext cx="1518408" cy="923330"/>
+          </a:xfrm>
+          <a:prstGeom prst="rect">
+            <a:avLst/>
+          </a:prstGeom>
+          <a:noFill/>
+        </p:spPr>
+        <p:txBody>
+          <a:bodyPr wrap="square" rtlCol="1">
+            <a:spAutoFit/>
+          </a:bodyPr>
+          <a:lstStyle/>
+          <a:p>
+            <a:r>
+              <a:rPr lang="en-US" dirty="0"/>
+              <a:t>Can any of</a:t>
+            </a:r>
+            <a:br>
+              <a:rPr lang="en-US" dirty="0"/>
+            </a:br>
+            <a:r>
+              <a:rPr lang="en-US" dirty="0"/>
+              <a:t>my units </a:t>
+            </a:r>
+            <a:br>
+              <a:rPr lang="en-US" dirty="0"/>
+            </a:br>
+            <a:r>
+              <a:rPr lang="en-US" dirty="0"/>
+              <a:t>eat an enemy?</a:t>
+            </a:r>
+          </a:p>
+        </p:txBody>
+      </p:sp>
+      <p:sp>
+        <p:nvSpPr>
+          <p:cNvPr id="7" name="תיבת טקסט 6">
+            <a:extLst>
+              <a:ext uri="{FF2B5EF4-FFF2-40B4-BE49-F238E27FC236}">
+                <a16:creationId xmlns:a16="http://schemas.microsoft.com/office/drawing/2014/main" id="{070C970B-4B04-2862-BB3B-D97FC873B001}"/>
+              </a:ext>
+            </a:extLst>
+          </p:cNvPr>
+          <p:cNvSpPr txBox="1"/>
+          <p:nvPr/>
+        </p:nvSpPr>
+        <p:spPr>
+          <a:xfrm>
+            <a:off x="2912378" y="5587068"/>
+            <a:ext cx="1518408" cy="646331"/>
+          </a:xfrm>
+          <a:prstGeom prst="rect">
+            <a:avLst/>
+          </a:prstGeom>
+          <a:noFill/>
+        </p:spPr>
+        <p:txBody>
+          <a:bodyPr wrap="square" rtlCol="1">
+            <a:spAutoFit/>
+          </a:bodyPr>
+          <a:lstStyle/>
+          <a:p>
+            <a:r>
+              <a:rPr lang="en-US" dirty="0"/>
+              <a:t>Did I just eat an enemy?</a:t>
+            </a:r>
+            <a:endParaRPr lang="he-IL" dirty="0"/>
+          </a:p>
+        </p:txBody>
+      </p:sp>
+      <p:pic>
+        <p:nvPicPr>
+          <p:cNvPr id="14" name="תמונה 13">
+            <a:extLst>
+              <a:ext uri="{FF2B5EF4-FFF2-40B4-BE49-F238E27FC236}">
+                <a16:creationId xmlns:a16="http://schemas.microsoft.com/office/drawing/2014/main" id="{E434A63B-B3DE-7EC7-22D4-5C5DD205F61A}"/>
+              </a:ext>
+            </a:extLst>
+          </p:cNvPr>
+          <p:cNvPicPr>
+            <a:picLocks noChangeAspect="1"/>
+          </p:cNvPicPr>
+          <p:nvPr/>
+        </p:nvPicPr>
+        <p:blipFill>
+          <a:blip r:embed="rId7"/>
+          <a:stretch>
+            <a:fillRect/>
+          </a:stretch>
+        </p:blipFill>
+        <p:spPr>
+          <a:xfrm>
+            <a:off x="7614408" y="897473"/>
+            <a:ext cx="1744381" cy="1489863"/>
+          </a:xfrm>
+          <a:prstGeom prst="rect">
+            <a:avLst/>
+          </a:prstGeom>
+        </p:spPr>
+      </p:pic>
     </p:spTree>
     <p:extLst>
       <p:ext uri="{BB962C8B-B14F-4D97-AF65-F5344CB8AC3E}">

--- a/Checkers/images/מצגת קוד.pptx
+++ b/Checkers/images/מצגת קוד.pptx
@@ -2,12 +2,17 @@
 <file path=ppt/presentation.xml><?xml version="1.0" encoding="utf-8"?>
 <p:presentation xmlns:a="http://schemas.openxmlformats.org/drawingml/2006/main" xmlns:r="http://schemas.openxmlformats.org/officeDocument/2006/relationships" xmlns:p="http://schemas.openxmlformats.org/presentationml/2006/main" autoCompressPictures="0">
   <p:sldMasterIdLst>
-    <p:sldMasterId id="2147483696" r:id="rId1"/>
+    <p:sldMasterId id="2147483744" r:id="rId1"/>
   </p:sldMasterIdLst>
   <p:sldIdLst>
-    <p:sldId id="261" r:id="rId2"/>
-    <p:sldId id="264" r:id="rId3"/>
-    <p:sldId id="262" r:id="rId4"/>
+    <p:sldId id="265" r:id="rId2"/>
+    <p:sldId id="266" r:id="rId3"/>
+    <p:sldId id="268" r:id="rId4"/>
+    <p:sldId id="270" r:id="rId5"/>
+    <p:sldId id="269" r:id="rId6"/>
+    <p:sldId id="262" r:id="rId7"/>
+    <p:sldId id="261" r:id="rId8"/>
+    <p:sldId id="264" r:id="rId9"/>
   </p:sldIdLst>
   <p:sldSz cx="12192000" cy="6858000"/>
   <p:notesSz cx="6858000" cy="9144000"/>
@@ -1242,6 +1247,46 @@
         </a:p>
       </dgm:t>
     </dgm:pt>
+    <dgm:pt modelId="{AAFECDF7-30FE-4634-8826-6AE553FDF72C}">
+      <dgm:prSet phldrT="[טקסט]"/>
+      <dgm:spPr/>
+      <dgm:t>
+        <a:bodyPr/>
+        <a:lstStyle/>
+        <a:p>
+          <a:pPr rtl="1"/>
+          <a:r>
+            <a:rPr lang="en-US" dirty="0"/>
+            <a:t>settings</a:t>
+          </a:r>
+          <a:endParaRPr lang="he-IL" dirty="0"/>
+        </a:p>
+      </dgm:t>
+    </dgm:pt>
+    <dgm:pt modelId="{AE419B0A-B479-4250-84B3-AE4ECE279895}" type="parTrans" cxnId="{AC22F601-4FDB-4E54-BA15-4AF0590B9257}">
+      <dgm:prSet/>
+      <dgm:spPr/>
+      <dgm:t>
+        <a:bodyPr/>
+        <a:lstStyle/>
+        <a:p>
+          <a:pPr rtl="1"/>
+          <a:endParaRPr lang="he-IL"/>
+        </a:p>
+      </dgm:t>
+    </dgm:pt>
+    <dgm:pt modelId="{ECAB24A9-F6E8-4B7E-81B4-51CBF55E3D89}" type="sibTrans" cxnId="{AC22F601-4FDB-4E54-BA15-4AF0590B9257}">
+      <dgm:prSet/>
+      <dgm:spPr/>
+      <dgm:t>
+        <a:bodyPr/>
+        <a:lstStyle/>
+        <a:p>
+          <a:pPr rtl="1"/>
+          <a:endParaRPr lang="he-IL"/>
+        </a:p>
+      </dgm:t>
+    </dgm:pt>
     <dgm:pt modelId="{DDA40F46-09AC-4F33-A5DF-92F74824E22A}" type="pres">
       <dgm:prSet presAssocID="{A6C4C061-2F63-4F2B-B330-F248B5ECA8E2}" presName="hierChild1" presStyleCnt="0">
         <dgm:presLayoutVars>
@@ -1281,7 +1326,7 @@
       <dgm:spPr/>
     </dgm:pt>
     <dgm:pt modelId="{23DCF52E-AE4C-404C-8942-B906003AF882}" type="pres">
-      <dgm:prSet presAssocID="{3CC0849C-F8DD-4B00-9793-02BA409B67F8}" presName="Name10" presStyleLbl="parChTrans1D2" presStyleIdx="0" presStyleCnt="5"/>
+      <dgm:prSet presAssocID="{3CC0849C-F8DD-4B00-9793-02BA409B67F8}" presName="Name10" presStyleLbl="parChTrans1D2" presStyleIdx="0" presStyleCnt="6"/>
       <dgm:spPr/>
     </dgm:pt>
     <dgm:pt modelId="{9D8B8683-F12E-496E-A729-B49FEBB23B19}" type="pres">
@@ -1293,13 +1338,13 @@
       <dgm:spPr/>
     </dgm:pt>
     <dgm:pt modelId="{238F4B04-DDBE-4D53-98DE-C537B294D7CD}" type="pres">
-      <dgm:prSet presAssocID="{0BE9C46A-AF7D-4764-805E-F6CEDE2CD447}" presName="background2" presStyleLbl="node2" presStyleIdx="0" presStyleCnt="5"/>
+      <dgm:prSet presAssocID="{0BE9C46A-AF7D-4764-805E-F6CEDE2CD447}" presName="background2" presStyleLbl="node2" presStyleIdx="0" presStyleCnt="6"/>
       <dgm:spPr>
         <a:noFill/>
       </dgm:spPr>
     </dgm:pt>
     <dgm:pt modelId="{8D2DAB22-E3C1-4511-AE4B-B420C6267551}" type="pres">
-      <dgm:prSet presAssocID="{0BE9C46A-AF7D-4764-805E-F6CEDE2CD447}" presName="text2" presStyleLbl="fgAcc2" presStyleIdx="0" presStyleCnt="5" custScaleX="94553" custLinFactY="67072" custLinFactNeighborX="12589" custLinFactNeighborY="100000">
+      <dgm:prSet presAssocID="{0BE9C46A-AF7D-4764-805E-F6CEDE2CD447}" presName="text2" presStyleLbl="fgAcc2" presStyleIdx="0" presStyleCnt="6" custScaleX="94710" custScaleY="99753" custLinFactX="37941" custLinFactY="89156" custLinFactNeighborX="100000" custLinFactNeighborY="100000">
         <dgm:presLayoutVars>
           <dgm:chPref val="3"/>
         </dgm:presLayoutVars>
@@ -1310,8 +1355,38 @@
       <dgm:prSet presAssocID="{0BE9C46A-AF7D-4764-805E-F6CEDE2CD447}" presName="hierChild3" presStyleCnt="0"/>
       <dgm:spPr/>
     </dgm:pt>
+    <dgm:pt modelId="{5999B4D5-5C13-43E5-BF4C-B6254F5F340C}" type="pres">
+      <dgm:prSet presAssocID="{AE419B0A-B479-4250-84B3-AE4ECE279895}" presName="Name10" presStyleLbl="parChTrans1D2" presStyleIdx="1" presStyleCnt="6"/>
+      <dgm:spPr/>
+    </dgm:pt>
+    <dgm:pt modelId="{08E4DEF6-9E7A-4FB6-9587-ABA8AC2CDFD6}" type="pres">
+      <dgm:prSet presAssocID="{AAFECDF7-30FE-4634-8826-6AE553FDF72C}" presName="hierRoot2" presStyleCnt="0"/>
+      <dgm:spPr/>
+    </dgm:pt>
+    <dgm:pt modelId="{6A0545DA-B420-4C8B-BC30-783C8769EAAA}" type="pres">
+      <dgm:prSet presAssocID="{AAFECDF7-30FE-4634-8826-6AE553FDF72C}" presName="composite2" presStyleCnt="0"/>
+      <dgm:spPr/>
+    </dgm:pt>
+    <dgm:pt modelId="{E646B5EB-8A0E-4F42-97AD-21D2A94FD4AA}" type="pres">
+      <dgm:prSet presAssocID="{AAFECDF7-30FE-4634-8826-6AE553FDF72C}" presName="background2" presStyleLbl="node2" presStyleIdx="1" presStyleCnt="6"/>
+      <dgm:spPr>
+        <a:noFill/>
+      </dgm:spPr>
+    </dgm:pt>
+    <dgm:pt modelId="{C3F29EAB-148A-417F-AE52-3BAF0DE39FC6}" type="pres">
+      <dgm:prSet presAssocID="{AAFECDF7-30FE-4634-8826-6AE553FDF72C}" presName="text2" presStyleLbl="fgAcc2" presStyleIdx="1" presStyleCnt="6" custScaleX="94710" custScaleY="99753" custLinFactY="89156" custLinFactNeighborX="-96557" custLinFactNeighborY="100000">
+        <dgm:presLayoutVars>
+          <dgm:chPref val="3"/>
+        </dgm:presLayoutVars>
+      </dgm:prSet>
+      <dgm:spPr/>
+    </dgm:pt>
+    <dgm:pt modelId="{61A51D4D-DAF1-4A45-A3FA-00DF3744F845}" type="pres">
+      <dgm:prSet presAssocID="{AAFECDF7-30FE-4634-8826-6AE553FDF72C}" presName="hierChild3" presStyleCnt="0"/>
+      <dgm:spPr/>
+    </dgm:pt>
     <dgm:pt modelId="{60914356-248F-4805-87AC-69BF03C37D6D}" type="pres">
-      <dgm:prSet presAssocID="{4E8B23C2-5D26-428F-AF4E-EE061825C3BE}" presName="Name10" presStyleLbl="parChTrans1D2" presStyleIdx="1" presStyleCnt="5"/>
+      <dgm:prSet presAssocID="{4E8B23C2-5D26-428F-AF4E-EE061825C3BE}" presName="Name10" presStyleLbl="parChTrans1D2" presStyleIdx="2" presStyleCnt="6"/>
       <dgm:spPr/>
     </dgm:pt>
     <dgm:pt modelId="{2317E98D-467E-45FF-B6FF-2978754FFE11}" type="pres">
@@ -1323,13 +1398,13 @@
       <dgm:spPr/>
     </dgm:pt>
     <dgm:pt modelId="{737293AB-E751-45F9-8683-79016277C6B6}" type="pres">
-      <dgm:prSet presAssocID="{9EC0159F-5232-4D33-9612-BA51EBF4BB51}" presName="background2" presStyleLbl="node2" presStyleIdx="1" presStyleCnt="5"/>
+      <dgm:prSet presAssocID="{9EC0159F-5232-4D33-9612-BA51EBF4BB51}" presName="background2" presStyleLbl="node2" presStyleIdx="2" presStyleCnt="6"/>
       <dgm:spPr>
         <a:noFill/>
       </dgm:spPr>
     </dgm:pt>
     <dgm:pt modelId="{1EF5734D-CBF8-4A4E-9FDD-90B87FCEB6F2}" type="pres">
-      <dgm:prSet presAssocID="{9EC0159F-5232-4D33-9612-BA51EBF4BB51}" presName="text2" presStyleLbl="fgAcc2" presStyleIdx="1" presStyleCnt="5" custScaleX="94553" custLinFactY="67072" custLinFactNeighborX="9309" custLinFactNeighborY="100000">
+      <dgm:prSet presAssocID="{9EC0159F-5232-4D33-9612-BA51EBF4BB51}" presName="text2" presStyleLbl="fgAcc2" presStyleIdx="2" presStyleCnt="6" custScaleX="94710" custScaleY="99753" custLinFactY="89156" custLinFactNeighborX="9309" custLinFactNeighborY="100000">
         <dgm:presLayoutVars>
           <dgm:chPref val="3"/>
         </dgm:presLayoutVars>
@@ -1341,7 +1416,7 @@
       <dgm:spPr/>
     </dgm:pt>
     <dgm:pt modelId="{F8FC5FFC-FBC8-4910-8F19-174B434F4C70}" type="pres">
-      <dgm:prSet presAssocID="{7E285B3E-CF7B-4B33-A8F4-A5E4BD07210A}" presName="Name10" presStyleLbl="parChTrans1D2" presStyleIdx="2" presStyleCnt="5"/>
+      <dgm:prSet presAssocID="{7E285B3E-CF7B-4B33-A8F4-A5E4BD07210A}" presName="Name10" presStyleLbl="parChTrans1D2" presStyleIdx="3" presStyleCnt="6"/>
       <dgm:spPr/>
     </dgm:pt>
     <dgm:pt modelId="{EC1DBDA5-D19D-49C8-B2BC-D1C84C6BB187}" type="pres">
@@ -1353,13 +1428,13 @@
       <dgm:spPr/>
     </dgm:pt>
     <dgm:pt modelId="{EF6182FB-C62C-473C-982F-01611A1D5886}" type="pres">
-      <dgm:prSet presAssocID="{B0E681AA-8415-420F-815A-0DB9058D654A}" presName="background2" presStyleLbl="node2" presStyleIdx="2" presStyleCnt="5"/>
+      <dgm:prSet presAssocID="{B0E681AA-8415-420F-815A-0DB9058D654A}" presName="background2" presStyleLbl="node2" presStyleIdx="3" presStyleCnt="6"/>
       <dgm:spPr>
         <a:noFill/>
       </dgm:spPr>
     </dgm:pt>
     <dgm:pt modelId="{64FEDDA8-38F1-4F83-8855-305B6F4CAB3B}" type="pres">
-      <dgm:prSet presAssocID="{B0E681AA-8415-420F-815A-0DB9058D654A}" presName="text2" presStyleLbl="fgAcc2" presStyleIdx="2" presStyleCnt="5" custScaleX="94553" custLinFactY="67072" custLinFactNeighborX="-3487" custLinFactNeighborY="100000">
+      <dgm:prSet presAssocID="{B0E681AA-8415-420F-815A-0DB9058D654A}" presName="text2" presStyleLbl="fgAcc2" presStyleIdx="3" presStyleCnt="6" custScaleX="94710" custScaleY="99753" custLinFactX="24259" custLinFactY="89156" custLinFactNeighborX="100000" custLinFactNeighborY="100000">
         <dgm:presLayoutVars>
           <dgm:chPref val="3"/>
         </dgm:presLayoutVars>
@@ -1371,7 +1446,7 @@
       <dgm:spPr/>
     </dgm:pt>
     <dgm:pt modelId="{6D0BD89B-9F61-4653-806D-9FC61B5F5B68}" type="pres">
-      <dgm:prSet presAssocID="{0CA398FF-E96B-4CD2-A4C0-68D2BE54CCC1}" presName="Name10" presStyleLbl="parChTrans1D2" presStyleIdx="3" presStyleCnt="5"/>
+      <dgm:prSet presAssocID="{0CA398FF-E96B-4CD2-A4C0-68D2BE54CCC1}" presName="Name10" presStyleLbl="parChTrans1D2" presStyleIdx="4" presStyleCnt="6"/>
       <dgm:spPr/>
     </dgm:pt>
     <dgm:pt modelId="{17B05B5C-C4A6-4B58-9552-7650998F7D8A}" type="pres">
@@ -1383,13 +1458,13 @@
       <dgm:spPr/>
     </dgm:pt>
     <dgm:pt modelId="{64BBD7E7-CD20-4C20-8C3C-D0980066B89E}" type="pres">
-      <dgm:prSet presAssocID="{7E20D712-3E03-4381-8184-4F68211A9B50}" presName="background2" presStyleLbl="node2" presStyleIdx="3" presStyleCnt="5"/>
+      <dgm:prSet presAssocID="{7E20D712-3E03-4381-8184-4F68211A9B50}" presName="background2" presStyleLbl="node2" presStyleIdx="4" presStyleCnt="6"/>
       <dgm:spPr>
         <a:noFill/>
       </dgm:spPr>
     </dgm:pt>
     <dgm:pt modelId="{93D07BB6-F29A-43EC-BFE6-776450E96F8B}" type="pres">
-      <dgm:prSet presAssocID="{7E20D712-3E03-4381-8184-4F68211A9B50}" presName="text2" presStyleLbl="fgAcc2" presStyleIdx="3" presStyleCnt="5" custScaleX="94553" custLinFactY="67072" custLinFactNeighborX="-21040" custLinFactNeighborY="100000">
+      <dgm:prSet presAssocID="{7E20D712-3E03-4381-8184-4F68211A9B50}" presName="text2" presStyleLbl="fgAcc2" presStyleIdx="4" presStyleCnt="6" custScaleX="94710" custScaleY="99753" custLinFactX="-15721" custLinFactY="89156" custLinFactNeighborX="-100000" custLinFactNeighborY="100000">
         <dgm:presLayoutVars>
           <dgm:chPref val="3"/>
         </dgm:presLayoutVars>
@@ -1401,7 +1476,7 @@
       <dgm:spPr/>
     </dgm:pt>
     <dgm:pt modelId="{779279A0-2E6D-4274-BCAA-EB815D7AC7C3}" type="pres">
-      <dgm:prSet presAssocID="{1A2664DB-D548-445F-B5EF-14F9E211D57F}" presName="Name10" presStyleLbl="parChTrans1D2" presStyleIdx="4" presStyleCnt="5"/>
+      <dgm:prSet presAssocID="{1A2664DB-D548-445F-B5EF-14F9E211D57F}" presName="Name10" presStyleLbl="parChTrans1D2" presStyleIdx="5" presStyleCnt="6"/>
       <dgm:spPr/>
     </dgm:pt>
     <dgm:pt modelId="{A5304FDE-2C3A-457E-82D3-A9A67DB3907A}" type="pres">
@@ -1413,11 +1488,11 @@
       <dgm:spPr/>
     </dgm:pt>
     <dgm:pt modelId="{900C9740-87C2-4AAD-8E46-8849214422A8}" type="pres">
-      <dgm:prSet presAssocID="{5CFEF2BE-8FE3-4923-957A-C92D8384EBCE}" presName="background2" presStyleLbl="node2" presStyleIdx="4" presStyleCnt="5"/>
+      <dgm:prSet presAssocID="{5CFEF2BE-8FE3-4923-957A-C92D8384EBCE}" presName="background2" presStyleLbl="node2" presStyleIdx="5" presStyleCnt="6"/>
       <dgm:spPr/>
     </dgm:pt>
     <dgm:pt modelId="{B1BE37E1-1BBD-49E3-973E-DD1E89F69E97}" type="pres">
-      <dgm:prSet presAssocID="{5CFEF2BE-8FE3-4923-957A-C92D8384EBCE}" presName="text2" presStyleLbl="fgAcc2" presStyleIdx="4" presStyleCnt="5" custLinFactNeighborX="-30906">
+      <dgm:prSet presAssocID="{5CFEF2BE-8FE3-4923-957A-C92D8384EBCE}" presName="text2" presStyleLbl="fgAcc2" presStyleIdx="5" presStyleCnt="6" custLinFactNeighborX="-30906">
         <dgm:presLayoutVars>
           <dgm:chPref val="3"/>
         </dgm:presLayoutVars>
@@ -1514,7 +1589,8 @@
     </dgm:pt>
   </dgm:ptLst>
   <dgm:cxnLst>
-    <dgm:cxn modelId="{00836F08-D5E2-4890-AC30-0C4B684BAF12}" srcId="{391F10EC-D682-4093-AECC-16D99797BE79}" destId="{B0E681AA-8415-420F-815A-0DB9058D654A}" srcOrd="2" destOrd="0" parTransId="{7E285B3E-CF7B-4B33-A8F4-A5E4BD07210A}" sibTransId="{EBF3F6F0-85CB-45C9-83F4-7D49BC9ECA1B}"/>
+    <dgm:cxn modelId="{AC22F601-4FDB-4E54-BA15-4AF0590B9257}" srcId="{391F10EC-D682-4093-AECC-16D99797BE79}" destId="{AAFECDF7-30FE-4634-8826-6AE553FDF72C}" srcOrd="1" destOrd="0" parTransId="{AE419B0A-B479-4250-84B3-AE4ECE279895}" sibTransId="{ECAB24A9-F6E8-4B7E-81B4-51CBF55E3D89}"/>
+    <dgm:cxn modelId="{00836F08-D5E2-4890-AC30-0C4B684BAF12}" srcId="{391F10EC-D682-4093-AECC-16D99797BE79}" destId="{B0E681AA-8415-420F-815A-0DB9058D654A}" srcOrd="3" destOrd="0" parTransId="{7E285B3E-CF7B-4B33-A8F4-A5E4BD07210A}" sibTransId="{EBF3F6F0-85CB-45C9-83F4-7D49BC9ECA1B}"/>
     <dgm:cxn modelId="{0B7D9209-B45C-43ED-B56B-4AEC00EF824B}" srcId="{A6C4C061-2F63-4F2B-B330-F248B5ECA8E2}" destId="{391F10EC-D682-4093-AECC-16D99797BE79}" srcOrd="0" destOrd="0" parTransId="{DC12B167-C2D9-400E-AE30-F7615657BF8E}" sibTransId="{DC964FF8-34EF-42E6-878B-27B0E5E4A07A}"/>
     <dgm:cxn modelId="{825B3227-5B8C-4860-A579-2EB31AB7AD60}" srcId="{5CFEF2BE-8FE3-4923-957A-C92D8384EBCE}" destId="{DA487EAA-B28C-4DC9-85A7-0432B23EBDD8}" srcOrd="0" destOrd="0" parTransId="{6CB46B23-4078-4EF8-A191-992E8F025A97}" sibTransId="{79A38640-67EE-41C3-B243-81A63736036A}"/>
     <dgm:cxn modelId="{36988628-31F8-493B-B524-E16A12568580}" type="presOf" srcId="{5CFEF2BE-8FE3-4923-957A-C92D8384EBCE}" destId="{B1BE37E1-1BBD-49E3-973E-DD1E89F69E97}" srcOrd="0" destOrd="0" presId="urn:microsoft.com/office/officeart/2005/8/layout/hierarchy1"/>
@@ -1522,13 +1598,14 @@
     <dgm:cxn modelId="{00BAF135-4E86-4B14-8D21-3C6E8FF5C39C}" srcId="{391F10EC-D682-4093-AECC-16D99797BE79}" destId="{0BE9C46A-AF7D-4764-805E-F6CEDE2CD447}" srcOrd="0" destOrd="0" parTransId="{3CC0849C-F8DD-4B00-9793-02BA409B67F8}" sibTransId="{5676E4B9-B85F-4687-8B2F-40644079D369}"/>
     <dgm:cxn modelId="{8423243A-E11B-412F-8974-FBF1F1EF810F}" type="presOf" srcId="{B0E681AA-8415-420F-815A-0DB9058D654A}" destId="{64FEDDA8-38F1-4F83-8855-305B6F4CAB3B}" srcOrd="0" destOrd="0" presId="urn:microsoft.com/office/officeart/2005/8/layout/hierarchy1"/>
     <dgm:cxn modelId="{D20BE93D-AE23-47AB-8D75-DB98B01B1181}" type="presOf" srcId="{6CB46B23-4078-4EF8-A191-992E8F025A97}" destId="{FB35EDA0-B988-4E4D-A918-7322C0FC1C79}" srcOrd="0" destOrd="0" presId="urn:microsoft.com/office/officeart/2005/8/layout/hierarchy1"/>
-    <dgm:cxn modelId="{BA0CC65C-4CFD-43BF-B800-0919AE732173}" srcId="{391F10EC-D682-4093-AECC-16D99797BE79}" destId="{7E20D712-3E03-4381-8184-4F68211A9B50}" srcOrd="3" destOrd="0" parTransId="{0CA398FF-E96B-4CD2-A4C0-68D2BE54CCC1}" sibTransId="{CD73F864-BE0C-4F49-88A9-3163CEE6E695}"/>
+    <dgm:cxn modelId="{BA0CC65C-4CFD-43BF-B800-0919AE732173}" srcId="{391F10EC-D682-4093-AECC-16D99797BE79}" destId="{7E20D712-3E03-4381-8184-4F68211A9B50}" srcOrd="4" destOrd="0" parTransId="{0CA398FF-E96B-4CD2-A4C0-68D2BE54CCC1}" sibTransId="{CD73F864-BE0C-4F49-88A9-3163CEE6E695}"/>
     <dgm:cxn modelId="{C7566961-BB88-4D74-AB2B-D6F014DB8941}" type="presOf" srcId="{DA487EAA-B28C-4DC9-85A7-0432B23EBDD8}" destId="{AAAC3685-F895-4742-8CA9-EF1679BD1DD2}" srcOrd="0" destOrd="0" presId="urn:microsoft.com/office/officeart/2005/8/layout/hierarchy1"/>
-    <dgm:cxn modelId="{2BB21D63-82CB-4A85-AA9E-54C362A1C323}" srcId="{391F10EC-D682-4093-AECC-16D99797BE79}" destId="{5CFEF2BE-8FE3-4923-957A-C92D8384EBCE}" srcOrd="4" destOrd="0" parTransId="{1A2664DB-D548-445F-B5EF-14F9E211D57F}" sibTransId="{15BD541F-98C1-4A17-9F2E-1B3F051A4575}"/>
+    <dgm:cxn modelId="{2BB21D63-82CB-4A85-AA9E-54C362A1C323}" srcId="{391F10EC-D682-4093-AECC-16D99797BE79}" destId="{5CFEF2BE-8FE3-4923-957A-C92D8384EBCE}" srcOrd="5" destOrd="0" parTransId="{1A2664DB-D548-445F-B5EF-14F9E211D57F}" sibTransId="{15BD541F-98C1-4A17-9F2E-1B3F051A4575}"/>
     <dgm:cxn modelId="{E78D8745-EB29-4BD2-8597-2A0A39EDF6E4}" type="presOf" srcId="{4E8B23C2-5D26-428F-AF4E-EE061825C3BE}" destId="{60914356-248F-4805-87AC-69BF03C37D6D}" srcOrd="0" destOrd="0" presId="urn:microsoft.com/office/officeart/2005/8/layout/hierarchy1"/>
     <dgm:cxn modelId="{B5002A47-4280-485A-9B8D-AFF8E0E30D04}" type="presOf" srcId="{A6C4C061-2F63-4F2B-B330-F248B5ECA8E2}" destId="{DDA40F46-09AC-4F33-A5DF-92F74824E22A}" srcOrd="0" destOrd="0" presId="urn:microsoft.com/office/officeart/2005/8/layout/hierarchy1"/>
     <dgm:cxn modelId="{CBDF1E48-4EF8-4092-A783-1DC1EF684761}" type="presOf" srcId="{9EC0159F-5232-4D33-9612-BA51EBF4BB51}" destId="{1EF5734D-CBF8-4A4E-9FDD-90B87FCEB6F2}" srcOrd="0" destOrd="0" presId="urn:microsoft.com/office/officeart/2005/8/layout/hierarchy1"/>
     <dgm:cxn modelId="{6C4B656E-7C83-4829-AD35-62635753F1F5}" srcId="{5CFEF2BE-8FE3-4923-957A-C92D8384EBCE}" destId="{F36D7BD8-2C7D-4853-9176-F5D8560B01AC}" srcOrd="2" destOrd="0" parTransId="{D3EBCD05-1A10-42FF-B26A-E4532D4DBEEE}" sibTransId="{A0C67F1B-9136-483A-93FE-12FF7EDC42B5}"/>
+    <dgm:cxn modelId="{B9E27150-8087-4D2A-A879-08950186D054}" type="presOf" srcId="{AAFECDF7-30FE-4634-8826-6AE553FDF72C}" destId="{C3F29EAB-148A-417F-AE52-3BAF0DE39FC6}" srcOrd="0" destOrd="0" presId="urn:microsoft.com/office/officeart/2005/8/layout/hierarchy1"/>
     <dgm:cxn modelId="{F3D00182-BABF-48FA-A92C-16CDE5DBAFAE}" type="presOf" srcId="{3CC0849C-F8DD-4B00-9793-02BA409B67F8}" destId="{23DCF52E-AE4C-404C-8942-B906003AF882}" srcOrd="0" destOrd="0" presId="urn:microsoft.com/office/officeart/2005/8/layout/hierarchy1"/>
     <dgm:cxn modelId="{B0D2F385-CEF3-4438-AD9D-82B881219E7E}" type="presOf" srcId="{D3EBCD05-1A10-42FF-B26A-E4532D4DBEEE}" destId="{F9DEFE4B-EB8E-41CC-BA28-A742714B58C2}" srcOrd="0" destOrd="0" presId="urn:microsoft.com/office/officeart/2005/8/layout/hierarchy1"/>
     <dgm:cxn modelId="{697E9893-E839-4140-8207-FF47CF395FA9}" type="presOf" srcId="{391F10EC-D682-4093-AECC-16D99797BE79}" destId="{479CD954-348B-4C2D-A7FC-68EFAEF598AB}" srcOrd="0" destOrd="0" presId="urn:microsoft.com/office/officeart/2005/8/layout/hierarchy1"/>
@@ -1539,8 +1616,9 @@
     <dgm:cxn modelId="{938A99BB-DC5B-4162-9923-F9162E5EE165}" srcId="{5CFEF2BE-8FE3-4923-957A-C92D8384EBCE}" destId="{B1733035-18CE-423E-BD4E-BD7BACE44329}" srcOrd="1" destOrd="0" parTransId="{7836AECE-D769-4ED9-A8C0-A74E06588333}" sibTransId="{18472BE0-639B-48EB-9590-B3ABE10D7341}"/>
     <dgm:cxn modelId="{673E3AC0-9F6F-41BC-8A37-E88B89526E7B}" type="presOf" srcId="{F36D7BD8-2C7D-4853-9176-F5D8560B01AC}" destId="{B32819DB-3735-402E-ACF0-48593673F3EE}" srcOrd="0" destOrd="0" presId="urn:microsoft.com/office/officeart/2005/8/layout/hierarchy1"/>
     <dgm:cxn modelId="{B5A930C4-21C4-496C-8EDB-547AFA749FBE}" type="presOf" srcId="{7836AECE-D769-4ED9-A8C0-A74E06588333}" destId="{30131651-C9DC-44D7-9EAC-6DD6BC0F9892}" srcOrd="0" destOrd="0" presId="urn:microsoft.com/office/officeart/2005/8/layout/hierarchy1"/>
-    <dgm:cxn modelId="{F7D37BE2-44A9-41B2-AA5E-5777228C69BB}" srcId="{391F10EC-D682-4093-AECC-16D99797BE79}" destId="{9EC0159F-5232-4D33-9612-BA51EBF4BB51}" srcOrd="1" destOrd="0" parTransId="{4E8B23C2-5D26-428F-AF4E-EE061825C3BE}" sibTransId="{E3335000-D16A-4AC2-8BA0-48B5FA0A8570}"/>
+    <dgm:cxn modelId="{F7D37BE2-44A9-41B2-AA5E-5777228C69BB}" srcId="{391F10EC-D682-4093-AECC-16D99797BE79}" destId="{9EC0159F-5232-4D33-9612-BA51EBF4BB51}" srcOrd="2" destOrd="0" parTransId="{4E8B23C2-5D26-428F-AF4E-EE061825C3BE}" sibTransId="{E3335000-D16A-4AC2-8BA0-48B5FA0A8570}"/>
     <dgm:cxn modelId="{FDB7EEE2-DE7E-48E7-B949-E1C931C282A7}" type="presOf" srcId="{0CA398FF-E96B-4CD2-A4C0-68D2BE54CCC1}" destId="{6D0BD89B-9F61-4653-806D-9FC61B5F5B68}" srcOrd="0" destOrd="0" presId="urn:microsoft.com/office/officeart/2005/8/layout/hierarchy1"/>
+    <dgm:cxn modelId="{CBD762FF-0987-4378-A9D8-59E3D08589E6}" type="presOf" srcId="{AE419B0A-B479-4250-84B3-AE4ECE279895}" destId="{5999B4D5-5C13-43E5-BF4C-B6254F5F340C}" srcOrd="0" destOrd="0" presId="urn:microsoft.com/office/officeart/2005/8/layout/hierarchy1"/>
     <dgm:cxn modelId="{0C7BB3CF-33F0-45C9-9772-72CF95F55EE5}" type="presParOf" srcId="{DDA40F46-09AC-4F33-A5DF-92F74824E22A}" destId="{E98A2902-6D66-44BB-B9F3-FD559F72C952}" srcOrd="0" destOrd="0" presId="urn:microsoft.com/office/officeart/2005/8/layout/hierarchy1"/>
     <dgm:cxn modelId="{4859710B-81C9-4624-A996-D7168F5A7D05}" type="presParOf" srcId="{E98A2902-6D66-44BB-B9F3-FD559F72C952}" destId="{A23B8F96-96A1-44F8-A12E-772D8DA5AE7D}" srcOrd="0" destOrd="0" presId="urn:microsoft.com/office/officeart/2005/8/layout/hierarchy1"/>
     <dgm:cxn modelId="{2F7F9484-5937-47DC-9EAB-D704A7CF9445}" type="presParOf" srcId="{A23B8F96-96A1-44F8-A12E-772D8DA5AE7D}" destId="{7F4D294A-7EF0-475C-801D-2B5E8BD44321}" srcOrd="0" destOrd="0" presId="urn:microsoft.com/office/officeart/2005/8/layout/hierarchy1"/>
@@ -1552,26 +1630,32 @@
     <dgm:cxn modelId="{BE03CBBC-E66A-476F-BD2D-472335D386BD}" type="presParOf" srcId="{D5CC83BE-5DE0-430C-BACD-2273DBECF585}" destId="{238F4B04-DDBE-4D53-98DE-C537B294D7CD}" srcOrd="0" destOrd="0" presId="urn:microsoft.com/office/officeart/2005/8/layout/hierarchy1"/>
     <dgm:cxn modelId="{9E0A05E8-8DAC-4295-80DE-73DAE1859662}" type="presParOf" srcId="{D5CC83BE-5DE0-430C-BACD-2273DBECF585}" destId="{8D2DAB22-E3C1-4511-AE4B-B420C6267551}" srcOrd="1" destOrd="0" presId="urn:microsoft.com/office/officeart/2005/8/layout/hierarchy1"/>
     <dgm:cxn modelId="{71A66AD8-38AC-4936-BE22-44C92F55DD74}" type="presParOf" srcId="{9D8B8683-F12E-496E-A729-B49FEBB23B19}" destId="{6AC64EED-017A-44B4-9E74-2192BF46689A}" srcOrd="1" destOrd="0" presId="urn:microsoft.com/office/officeart/2005/8/layout/hierarchy1"/>
-    <dgm:cxn modelId="{2BCC4307-CD4E-4FD9-B41C-826D035E6F82}" type="presParOf" srcId="{6F7AD983-B516-4B58-9766-AA3BBC1DF7A7}" destId="{60914356-248F-4805-87AC-69BF03C37D6D}" srcOrd="2" destOrd="0" presId="urn:microsoft.com/office/officeart/2005/8/layout/hierarchy1"/>
-    <dgm:cxn modelId="{F4341BCE-3D2A-4C38-B51A-3E9885CE1258}" type="presParOf" srcId="{6F7AD983-B516-4B58-9766-AA3BBC1DF7A7}" destId="{2317E98D-467E-45FF-B6FF-2978754FFE11}" srcOrd="3" destOrd="0" presId="urn:microsoft.com/office/officeart/2005/8/layout/hierarchy1"/>
+    <dgm:cxn modelId="{9BE5F743-A5E5-4416-8E73-74ADF4052460}" type="presParOf" srcId="{6F7AD983-B516-4B58-9766-AA3BBC1DF7A7}" destId="{5999B4D5-5C13-43E5-BF4C-B6254F5F340C}" srcOrd="2" destOrd="0" presId="urn:microsoft.com/office/officeart/2005/8/layout/hierarchy1"/>
+    <dgm:cxn modelId="{C4538B81-81CA-4026-810F-27A2B371319E}" type="presParOf" srcId="{6F7AD983-B516-4B58-9766-AA3BBC1DF7A7}" destId="{08E4DEF6-9E7A-4FB6-9587-ABA8AC2CDFD6}" srcOrd="3" destOrd="0" presId="urn:microsoft.com/office/officeart/2005/8/layout/hierarchy1"/>
+    <dgm:cxn modelId="{E3CFF5BC-2B1F-43FB-937F-CD4500D1A4B5}" type="presParOf" srcId="{08E4DEF6-9E7A-4FB6-9587-ABA8AC2CDFD6}" destId="{6A0545DA-B420-4C8B-BC30-783C8769EAAA}" srcOrd="0" destOrd="0" presId="urn:microsoft.com/office/officeart/2005/8/layout/hierarchy1"/>
+    <dgm:cxn modelId="{5FFC09A5-0213-420E-BCF0-8DD92A38370A}" type="presParOf" srcId="{6A0545DA-B420-4C8B-BC30-783C8769EAAA}" destId="{E646B5EB-8A0E-4F42-97AD-21D2A94FD4AA}" srcOrd="0" destOrd="0" presId="urn:microsoft.com/office/officeart/2005/8/layout/hierarchy1"/>
+    <dgm:cxn modelId="{3F8977AE-C7D3-48BB-AC38-BB188C95B751}" type="presParOf" srcId="{6A0545DA-B420-4C8B-BC30-783C8769EAAA}" destId="{C3F29EAB-148A-417F-AE52-3BAF0DE39FC6}" srcOrd="1" destOrd="0" presId="urn:microsoft.com/office/officeart/2005/8/layout/hierarchy1"/>
+    <dgm:cxn modelId="{1D10DA8E-377D-4D3C-B3B8-21FA243BE613}" type="presParOf" srcId="{08E4DEF6-9E7A-4FB6-9587-ABA8AC2CDFD6}" destId="{61A51D4D-DAF1-4A45-A3FA-00DF3744F845}" srcOrd="1" destOrd="0" presId="urn:microsoft.com/office/officeart/2005/8/layout/hierarchy1"/>
+    <dgm:cxn modelId="{2BCC4307-CD4E-4FD9-B41C-826D035E6F82}" type="presParOf" srcId="{6F7AD983-B516-4B58-9766-AA3BBC1DF7A7}" destId="{60914356-248F-4805-87AC-69BF03C37D6D}" srcOrd="4" destOrd="0" presId="urn:microsoft.com/office/officeart/2005/8/layout/hierarchy1"/>
+    <dgm:cxn modelId="{F4341BCE-3D2A-4C38-B51A-3E9885CE1258}" type="presParOf" srcId="{6F7AD983-B516-4B58-9766-AA3BBC1DF7A7}" destId="{2317E98D-467E-45FF-B6FF-2978754FFE11}" srcOrd="5" destOrd="0" presId="urn:microsoft.com/office/officeart/2005/8/layout/hierarchy1"/>
     <dgm:cxn modelId="{132BABA9-C8C2-43BC-8E4B-9CD789FD79F3}" type="presParOf" srcId="{2317E98D-467E-45FF-B6FF-2978754FFE11}" destId="{BB873D79-4DF6-43AE-BDA7-96ECBC80B381}" srcOrd="0" destOrd="0" presId="urn:microsoft.com/office/officeart/2005/8/layout/hierarchy1"/>
     <dgm:cxn modelId="{299DB95E-4FEE-47AA-8804-AB336B9E35C8}" type="presParOf" srcId="{BB873D79-4DF6-43AE-BDA7-96ECBC80B381}" destId="{737293AB-E751-45F9-8683-79016277C6B6}" srcOrd="0" destOrd="0" presId="urn:microsoft.com/office/officeart/2005/8/layout/hierarchy1"/>
     <dgm:cxn modelId="{898DD1A2-DB1A-4791-AB24-0B9F56B8E0C5}" type="presParOf" srcId="{BB873D79-4DF6-43AE-BDA7-96ECBC80B381}" destId="{1EF5734D-CBF8-4A4E-9FDD-90B87FCEB6F2}" srcOrd="1" destOrd="0" presId="urn:microsoft.com/office/officeart/2005/8/layout/hierarchy1"/>
     <dgm:cxn modelId="{86503C00-0634-4A0A-8D55-12CEB1A1043B}" type="presParOf" srcId="{2317E98D-467E-45FF-B6FF-2978754FFE11}" destId="{209591D3-E8CA-48D2-94E0-4065C49A821F}" srcOrd="1" destOrd="0" presId="urn:microsoft.com/office/officeart/2005/8/layout/hierarchy1"/>
-    <dgm:cxn modelId="{48B9952E-9ED2-47A5-9964-FC125AE05ED8}" type="presParOf" srcId="{6F7AD983-B516-4B58-9766-AA3BBC1DF7A7}" destId="{F8FC5FFC-FBC8-4910-8F19-174B434F4C70}" srcOrd="4" destOrd="0" presId="urn:microsoft.com/office/officeart/2005/8/layout/hierarchy1"/>
-    <dgm:cxn modelId="{7351EA4E-CBD2-4ABB-B369-0AB0B7704F1A}" type="presParOf" srcId="{6F7AD983-B516-4B58-9766-AA3BBC1DF7A7}" destId="{EC1DBDA5-D19D-49C8-B2BC-D1C84C6BB187}" srcOrd="5" destOrd="0" presId="urn:microsoft.com/office/officeart/2005/8/layout/hierarchy1"/>
+    <dgm:cxn modelId="{48B9952E-9ED2-47A5-9964-FC125AE05ED8}" type="presParOf" srcId="{6F7AD983-B516-4B58-9766-AA3BBC1DF7A7}" destId="{F8FC5FFC-FBC8-4910-8F19-174B434F4C70}" srcOrd="6" destOrd="0" presId="urn:microsoft.com/office/officeart/2005/8/layout/hierarchy1"/>
+    <dgm:cxn modelId="{7351EA4E-CBD2-4ABB-B369-0AB0B7704F1A}" type="presParOf" srcId="{6F7AD983-B516-4B58-9766-AA3BBC1DF7A7}" destId="{EC1DBDA5-D19D-49C8-B2BC-D1C84C6BB187}" srcOrd="7" destOrd="0" presId="urn:microsoft.com/office/officeart/2005/8/layout/hierarchy1"/>
     <dgm:cxn modelId="{551B5580-8BFD-45B9-BB05-C58FECC484A1}" type="presParOf" srcId="{EC1DBDA5-D19D-49C8-B2BC-D1C84C6BB187}" destId="{70688425-7AAF-4FB4-ADEA-711B70E9C676}" srcOrd="0" destOrd="0" presId="urn:microsoft.com/office/officeart/2005/8/layout/hierarchy1"/>
     <dgm:cxn modelId="{F85F71F5-80B0-4829-AD7C-F9AB1127E259}" type="presParOf" srcId="{70688425-7AAF-4FB4-ADEA-711B70E9C676}" destId="{EF6182FB-C62C-473C-982F-01611A1D5886}" srcOrd="0" destOrd="0" presId="urn:microsoft.com/office/officeart/2005/8/layout/hierarchy1"/>
     <dgm:cxn modelId="{17FCC3CF-9AFF-46CF-AE84-C8F62BB7F482}" type="presParOf" srcId="{70688425-7AAF-4FB4-ADEA-711B70E9C676}" destId="{64FEDDA8-38F1-4F83-8855-305B6F4CAB3B}" srcOrd="1" destOrd="0" presId="urn:microsoft.com/office/officeart/2005/8/layout/hierarchy1"/>
     <dgm:cxn modelId="{145B80C5-2D27-4B12-A3CE-B7A33F09CB02}" type="presParOf" srcId="{EC1DBDA5-D19D-49C8-B2BC-D1C84C6BB187}" destId="{D35A6667-AB94-4E05-9087-C683AA5C993D}" srcOrd="1" destOrd="0" presId="urn:microsoft.com/office/officeart/2005/8/layout/hierarchy1"/>
-    <dgm:cxn modelId="{762E8E1B-CC18-493A-B1C1-FD3D61231178}" type="presParOf" srcId="{6F7AD983-B516-4B58-9766-AA3BBC1DF7A7}" destId="{6D0BD89B-9F61-4653-806D-9FC61B5F5B68}" srcOrd="6" destOrd="0" presId="urn:microsoft.com/office/officeart/2005/8/layout/hierarchy1"/>
-    <dgm:cxn modelId="{5AA7E26C-53D8-4E6E-A086-BDAEC7D5A9AC}" type="presParOf" srcId="{6F7AD983-B516-4B58-9766-AA3BBC1DF7A7}" destId="{17B05B5C-C4A6-4B58-9552-7650998F7D8A}" srcOrd="7" destOrd="0" presId="urn:microsoft.com/office/officeart/2005/8/layout/hierarchy1"/>
+    <dgm:cxn modelId="{762E8E1B-CC18-493A-B1C1-FD3D61231178}" type="presParOf" srcId="{6F7AD983-B516-4B58-9766-AA3BBC1DF7A7}" destId="{6D0BD89B-9F61-4653-806D-9FC61B5F5B68}" srcOrd="8" destOrd="0" presId="urn:microsoft.com/office/officeart/2005/8/layout/hierarchy1"/>
+    <dgm:cxn modelId="{5AA7E26C-53D8-4E6E-A086-BDAEC7D5A9AC}" type="presParOf" srcId="{6F7AD983-B516-4B58-9766-AA3BBC1DF7A7}" destId="{17B05B5C-C4A6-4B58-9552-7650998F7D8A}" srcOrd="9" destOrd="0" presId="urn:microsoft.com/office/officeart/2005/8/layout/hierarchy1"/>
     <dgm:cxn modelId="{2F4ECA73-18F1-43DD-AD31-E39CF606103F}" type="presParOf" srcId="{17B05B5C-C4A6-4B58-9552-7650998F7D8A}" destId="{BF74751B-3997-4F45-A296-DD18DAF9BDCC}" srcOrd="0" destOrd="0" presId="urn:microsoft.com/office/officeart/2005/8/layout/hierarchy1"/>
     <dgm:cxn modelId="{F0DD696B-D7DF-40B1-9F24-E7821C2E58A4}" type="presParOf" srcId="{BF74751B-3997-4F45-A296-DD18DAF9BDCC}" destId="{64BBD7E7-CD20-4C20-8C3C-D0980066B89E}" srcOrd="0" destOrd="0" presId="urn:microsoft.com/office/officeart/2005/8/layout/hierarchy1"/>
     <dgm:cxn modelId="{93B2D4B9-7FDC-425A-8F14-B165F8366F58}" type="presParOf" srcId="{BF74751B-3997-4F45-A296-DD18DAF9BDCC}" destId="{93D07BB6-F29A-43EC-BFE6-776450E96F8B}" srcOrd="1" destOrd="0" presId="urn:microsoft.com/office/officeart/2005/8/layout/hierarchy1"/>
     <dgm:cxn modelId="{2E71EA39-26B1-4FA9-A52C-733B0B5A02A3}" type="presParOf" srcId="{17B05B5C-C4A6-4B58-9552-7650998F7D8A}" destId="{9B4D8BD9-3523-4676-8940-FB0511125213}" srcOrd="1" destOrd="0" presId="urn:microsoft.com/office/officeart/2005/8/layout/hierarchy1"/>
-    <dgm:cxn modelId="{1C1CCC6E-4E9D-4E28-AE03-E24D09D4BC22}" type="presParOf" srcId="{6F7AD983-B516-4B58-9766-AA3BBC1DF7A7}" destId="{779279A0-2E6D-4274-BCAA-EB815D7AC7C3}" srcOrd="8" destOrd="0" presId="urn:microsoft.com/office/officeart/2005/8/layout/hierarchy1"/>
-    <dgm:cxn modelId="{B5FC7BDB-AE30-4591-A60B-BB79F4E04348}" type="presParOf" srcId="{6F7AD983-B516-4B58-9766-AA3BBC1DF7A7}" destId="{A5304FDE-2C3A-457E-82D3-A9A67DB3907A}" srcOrd="9" destOrd="0" presId="urn:microsoft.com/office/officeart/2005/8/layout/hierarchy1"/>
+    <dgm:cxn modelId="{1C1CCC6E-4E9D-4E28-AE03-E24D09D4BC22}" type="presParOf" srcId="{6F7AD983-B516-4B58-9766-AA3BBC1DF7A7}" destId="{779279A0-2E6D-4274-BCAA-EB815D7AC7C3}" srcOrd="10" destOrd="0" presId="urn:microsoft.com/office/officeart/2005/8/layout/hierarchy1"/>
+    <dgm:cxn modelId="{B5FC7BDB-AE30-4591-A60B-BB79F4E04348}" type="presParOf" srcId="{6F7AD983-B516-4B58-9766-AA3BBC1DF7A7}" destId="{A5304FDE-2C3A-457E-82D3-A9A67DB3907A}" srcOrd="11" destOrd="0" presId="urn:microsoft.com/office/officeart/2005/8/layout/hierarchy1"/>
     <dgm:cxn modelId="{D9CCCACD-AE8A-4814-850A-EF0AA5D8BF52}" type="presParOf" srcId="{A5304FDE-2C3A-457E-82D3-A9A67DB3907A}" destId="{A279D275-A01C-4809-8B92-3DD405E068CF}" srcOrd="0" destOrd="0" presId="urn:microsoft.com/office/officeart/2005/8/layout/hierarchy1"/>
     <dgm:cxn modelId="{BA2B4CAA-0910-43DB-B15C-9CC42CBA2B01}" type="presParOf" srcId="{A279D275-A01C-4809-8B92-3DD405E068CF}" destId="{900C9740-87C2-4AAD-8E46-8849214422A8}" srcOrd="0" destOrd="0" presId="urn:microsoft.com/office/officeart/2005/8/layout/hierarchy1"/>
     <dgm:cxn modelId="{D2D5976B-A70D-4726-84BB-5649B63F3BFE}" type="presParOf" srcId="{A279D275-A01C-4809-8B92-3DD405E068CF}" destId="{B1BE37E1-1BBD-49E3-973E-DD1E89F69E97}" srcOrd="1" destOrd="0" presId="urn:microsoft.com/office/officeart/2005/8/layout/hierarchy1"/>
@@ -1620,8 +1704,8 @@
       </dsp:nvSpPr>
       <dsp:spPr>
         <a:xfrm>
-          <a:off x="7586048" y="903490"/>
-          <a:ext cx="1993021" cy="2218540"/>
+          <a:off x="8067334" y="1162263"/>
+          <a:ext cx="1707426" cy="1900629"/>
         </a:xfrm>
         <a:custGeom>
           <a:avLst/>
@@ -1632,10 +1716,10 @@
           <a:pathLst>
             <a:path>
               <a:moveTo>
-                <a:pt x="0" y="2218540"/>
+                <a:pt x="0" y="1900629"/>
               </a:moveTo>
               <a:lnTo>
-                <a:pt x="1993021" y="0"/>
+                <a:pt x="1707426" y="0"/>
               </a:lnTo>
             </a:path>
           </a:pathLst>
@@ -1675,8 +1759,8 @@
       </dsp:nvSpPr>
       <dsp:spPr>
         <a:xfrm>
-          <a:off x="7586048" y="2162810"/>
-          <a:ext cx="1938251" cy="959220"/>
+          <a:off x="8067334" y="2241125"/>
+          <a:ext cx="1660504" cy="821766"/>
         </a:xfrm>
         <a:custGeom>
           <a:avLst/>
@@ -1687,10 +1771,10 @@
           <a:pathLst>
             <a:path>
               <a:moveTo>
-                <a:pt x="0" y="959220"/>
+                <a:pt x="0" y="821766"/>
               </a:moveTo>
               <a:lnTo>
-                <a:pt x="1938251" y="0"/>
+                <a:pt x="1660504" y="0"/>
               </a:lnTo>
             </a:path>
           </a:pathLst>
@@ -1730,8 +1814,8 @@
       </dsp:nvSpPr>
       <dsp:spPr>
         <a:xfrm>
-          <a:off x="7586048" y="3122030"/>
-          <a:ext cx="1978765" cy="679638"/>
+          <a:off x="8067334" y="3062892"/>
+          <a:ext cx="1695213" cy="582247"/>
         </a:xfrm>
         <a:custGeom>
           <a:avLst/>
@@ -1745,13 +1829,13 @@
                 <a:pt x="0" y="0"/>
               </a:moveTo>
               <a:lnTo>
-                <a:pt x="0" y="535215"/>
+                <a:pt x="0" y="458520"/>
               </a:lnTo>
               <a:lnTo>
-                <a:pt x="1978765" y="535215"/>
+                <a:pt x="1695213" y="458520"/>
               </a:lnTo>
               <a:lnTo>
-                <a:pt x="1978765" y="679638"/>
+                <a:pt x="1695213" y="582247"/>
               </a:lnTo>
             </a:path>
           </a:pathLst>
@@ -1791,8 +1875,8 @@
       </dsp:nvSpPr>
       <dsp:spPr>
         <a:xfrm>
-          <a:off x="2598062" y="1687067"/>
-          <a:ext cx="4987985" cy="445009"/>
+          <a:off x="3009056" y="1833555"/>
+          <a:ext cx="5058277" cy="381240"/>
         </a:xfrm>
         <a:custGeom>
           <a:avLst/>
@@ -1806,13 +1890,13 @@
                 <a:pt x="0" y="0"/>
               </a:moveTo>
               <a:lnTo>
-                <a:pt x="0" y="300586"/>
+                <a:pt x="0" y="257513"/>
               </a:lnTo>
               <a:lnTo>
-                <a:pt x="4987985" y="300586"/>
+                <a:pt x="5058277" y="257513"/>
               </a:lnTo>
               <a:lnTo>
-                <a:pt x="4987985" y="445009"/>
+                <a:pt x="5058277" y="381240"/>
               </a:lnTo>
             </a:path>
           </a:pathLst>
@@ -1852,8 +1936,8 @@
       </dsp:nvSpPr>
       <dsp:spPr>
         <a:xfrm>
-          <a:off x="2598062" y="1687067"/>
-          <a:ext cx="3278831" cy="2098944"/>
+          <a:off x="3009056" y="1833555"/>
+          <a:ext cx="2328448" cy="1985464"/>
         </a:xfrm>
         <a:custGeom>
           <a:avLst/>
@@ -1867,13 +1951,13 @@
                 <a:pt x="0" y="0"/>
               </a:moveTo>
               <a:lnTo>
-                <a:pt x="0" y="1954522"/>
+                <a:pt x="0" y="1861737"/>
               </a:lnTo>
               <a:lnTo>
-                <a:pt x="3278831" y="1954522"/>
+                <a:pt x="2328448" y="1861737"/>
               </a:lnTo>
               <a:lnTo>
-                <a:pt x="3278831" y="2098944"/>
+                <a:pt x="2328448" y="1985464"/>
               </a:lnTo>
             </a:path>
           </a:pathLst>
@@ -1913,8 +1997,8 @@
       </dsp:nvSpPr>
       <dsp:spPr>
         <a:xfrm>
-          <a:off x="2598062" y="1687067"/>
-          <a:ext cx="1731974" cy="2098944"/>
+          <a:off x="3009056" y="1833555"/>
+          <a:ext cx="3971854" cy="1985464"/>
         </a:xfrm>
         <a:custGeom>
           <a:avLst/>
@@ -1928,13 +2012,13 @@
                 <a:pt x="0" y="0"/>
               </a:moveTo>
               <a:lnTo>
-                <a:pt x="0" y="1954522"/>
+                <a:pt x="0" y="1861737"/>
               </a:lnTo>
               <a:lnTo>
-                <a:pt x="1731974" y="1954522"/>
+                <a:pt x="3971854" y="1861737"/>
               </a:lnTo>
               <a:lnTo>
-                <a:pt x="1731974" y="2098944"/>
+                <a:pt x="3971854" y="1985464"/>
               </a:lnTo>
             </a:path>
           </a:pathLst>
@@ -1974,8 +2058,8 @@
       </dsp:nvSpPr>
       <dsp:spPr>
         <a:xfrm>
-          <a:off x="2598062" y="1687067"/>
-          <a:ext cx="110957" cy="2098944"/>
+          <a:off x="3009056" y="1833555"/>
+          <a:ext cx="874872" cy="1985464"/>
         </a:xfrm>
         <a:custGeom>
           <a:avLst/>
@@ -1989,13 +2073,74 @@
                 <a:pt x="0" y="0"/>
               </a:moveTo>
               <a:lnTo>
-                <a:pt x="0" y="1954522"/>
+                <a:pt x="0" y="1861737"/>
               </a:lnTo>
               <a:lnTo>
-                <a:pt x="110957" y="1954522"/>
+                <a:pt x="874872" y="1861737"/>
               </a:lnTo>
               <a:lnTo>
-                <a:pt x="110957" y="2098944"/>
+                <a:pt x="874872" y="1985464"/>
+              </a:lnTo>
+            </a:path>
+          </a:pathLst>
+        </a:custGeom>
+        <a:noFill/>
+        <a:ln w="12700" cap="flat" cmpd="sng" algn="ctr">
+          <a:solidFill>
+            <a:schemeClr val="accent1">
+              <a:shade val="60000"/>
+              <a:hueOff val="0"/>
+              <a:satOff val="0"/>
+              <a:lumOff val="0"/>
+              <a:alphaOff val="0"/>
+            </a:schemeClr>
+          </a:solidFill>
+          <a:prstDash val="solid"/>
+        </a:ln>
+        <a:effectLst/>
+      </dsp:spPr>
+      <dsp:style>
+        <a:lnRef idx="2">
+          <a:scrgbClr r="0" g="0" b="0"/>
+        </a:lnRef>
+        <a:fillRef idx="0">
+          <a:scrgbClr r="0" g="0" b="0"/>
+        </a:fillRef>
+        <a:effectRef idx="0">
+          <a:scrgbClr r="0" g="0" b="0"/>
+        </a:effectRef>
+        <a:fontRef idx="minor"/>
+      </dsp:style>
+    </dsp:sp>
+    <dsp:sp modelId="{5999B4D5-5C13-43E5-BF4C-B6254F5F340C}">
+      <dsp:nvSpPr>
+        <dsp:cNvPr id="0" name=""/>
+        <dsp:cNvSpPr/>
+      </dsp:nvSpPr>
+      <dsp:spPr>
+        <a:xfrm>
+          <a:off x="908271" y="1833555"/>
+          <a:ext cx="2100784" cy="1985464"/>
+        </a:xfrm>
+        <a:custGeom>
+          <a:avLst/>
+          <a:gdLst/>
+          <a:ahLst/>
+          <a:cxnLst/>
+          <a:rect l="0" t="0" r="0" b="0"/>
+          <a:pathLst>
+            <a:path>
+              <a:moveTo>
+                <a:pt x="2100784" y="0"/>
+              </a:moveTo>
+              <a:lnTo>
+                <a:pt x="2100784" y="1861737"/>
+              </a:lnTo>
+              <a:lnTo>
+                <a:pt x="0" y="1861737"/>
+              </a:lnTo>
+              <a:lnTo>
+                <a:pt x="0" y="1985464"/>
               </a:lnTo>
             </a:path>
           </a:pathLst>
@@ -2035,8 +2180,8 @@
       </dsp:nvSpPr>
       <dsp:spPr>
         <a:xfrm>
-          <a:off x="939649" y="1687067"/>
-          <a:ext cx="1658413" cy="2098944"/>
+          <a:off x="2478461" y="1833555"/>
+          <a:ext cx="530594" cy="1985464"/>
         </a:xfrm>
         <a:custGeom>
           <a:avLst/>
@@ -2047,16 +2192,16 @@
           <a:pathLst>
             <a:path>
               <a:moveTo>
-                <a:pt x="1658413" y="0"/>
+                <a:pt x="530594" y="0"/>
               </a:moveTo>
               <a:lnTo>
-                <a:pt x="1658413" y="1954522"/>
+                <a:pt x="530594" y="1861737"/>
               </a:lnTo>
               <a:lnTo>
-                <a:pt x="0" y="1954522"/>
+                <a:pt x="0" y="1861737"/>
               </a:lnTo>
               <a:lnTo>
-                <a:pt x="0" y="2098944"/>
+                <a:pt x="0" y="1985464"/>
               </a:lnTo>
             </a:path>
           </a:pathLst>
@@ -2096,8 +2241,8 @@
       </dsp:nvSpPr>
       <dsp:spPr>
         <a:xfrm>
-          <a:off x="1818571" y="697114"/>
-          <a:ext cx="1558982" cy="989953"/>
+          <a:off x="2341264" y="985460"/>
+          <a:ext cx="1335583" cy="848095"/>
         </a:xfrm>
         <a:prstGeom prst="roundRect">
           <a:avLst>
@@ -2140,8 +2285,8 @@
       </dsp:nvSpPr>
       <dsp:spPr>
         <a:xfrm>
-          <a:off x="1991791" y="861673"/>
-          <a:ext cx="1558982" cy="989953"/>
+          <a:off x="2489662" y="1126438"/>
+          <a:ext cx="1335583" cy="848095"/>
         </a:xfrm>
         <a:prstGeom prst="roundRect">
           <a:avLst>
@@ -2204,8 +2349,8 @@
         </a:p>
       </dsp:txBody>
       <dsp:txXfrm>
-        <a:off x="2020786" y="890668"/>
-        <a:ext cx="1500992" cy="931963"/>
+        <a:off x="2514502" y="1151278"/>
+        <a:ext cx="1285903" cy="798415"/>
       </dsp:txXfrm>
     </dsp:sp>
     <dsp:sp modelId="{238F4B04-DDBE-4D53-98DE-C537B294D7CD}">
@@ -2215,8 +2360,8 @@
       </dsp:nvSpPr>
       <dsp:spPr>
         <a:xfrm>
-          <a:off x="202617" y="3786012"/>
-          <a:ext cx="1474064" cy="989953"/>
+          <a:off x="1845995" y="3819020"/>
+          <a:ext cx="1264931" cy="846001"/>
         </a:xfrm>
         <a:prstGeom prst="roundRect">
           <a:avLst>
@@ -2259,8 +2404,8 @@
       </dsp:nvSpPr>
       <dsp:spPr>
         <a:xfrm>
-          <a:off x="375837" y="3950571"/>
-          <a:ext cx="1474064" cy="989953"/>
+          <a:off x="1994393" y="3959998"/>
+          <a:ext cx="1264931" cy="846001"/>
         </a:xfrm>
         <a:prstGeom prst="roundRect">
           <a:avLst>
@@ -2302,12 +2447,12 @@
         <a:fontRef idx="minor"/>
       </dsp:style>
       <dsp:txBody>
-        <a:bodyPr spcFirstLastPara="0" vert="horz" wrap="square" lIns="68580" tIns="68580" rIns="68580" bIns="68580" numCol="1" spcCol="1270" anchor="ctr" anchorCtr="0">
+        <a:bodyPr spcFirstLastPara="0" vert="horz" wrap="square" lIns="57150" tIns="57150" rIns="57150" bIns="57150" numCol="1" spcCol="1270" anchor="ctr" anchorCtr="0">
           <a:noAutofit/>
         </a:bodyPr>
         <a:lstStyle/>
         <a:p>
-          <a:pPr marL="0" lvl="0" indent="0" algn="ctr" defTabSz="800100" rtl="1">
+          <a:pPr marL="0" lvl="0" indent="0" algn="ctr" defTabSz="666750" rtl="1">
             <a:lnSpc>
               <a:spcPct val="90000"/>
             </a:lnSpc>
@@ -2320,15 +2465,138 @@
             <a:buNone/>
           </a:pPr>
           <a:r>
-            <a:rPr lang="en-US" sz="1800" kern="1200" dirty="0" err="1"/>
+            <a:rPr lang="en-US" sz="1500" kern="1200" dirty="0" err="1"/>
             <a:t>currentPlayer</a:t>
           </a:r>
-          <a:endParaRPr lang="he-IL" sz="1800" kern="1200" dirty="0"/>
+          <a:endParaRPr lang="he-IL" sz="1500" kern="1200" dirty="0"/>
         </a:p>
       </dsp:txBody>
       <dsp:txXfrm>
-        <a:off x="404832" y="3979566"/>
-        <a:ext cx="1416074" cy="931963"/>
+        <a:off x="2019172" y="3984777"/>
+        <a:ext cx="1215373" cy="796443"/>
+      </dsp:txXfrm>
+    </dsp:sp>
+    <dsp:sp modelId="{E646B5EB-8A0E-4F42-97AD-21D2A94FD4AA}">
+      <dsp:nvSpPr>
+        <dsp:cNvPr id="0" name=""/>
+        <dsp:cNvSpPr/>
+      </dsp:nvSpPr>
+      <dsp:spPr>
+        <a:xfrm>
+          <a:off x="275805" y="3819020"/>
+          <a:ext cx="1264931" cy="846001"/>
+        </a:xfrm>
+        <a:prstGeom prst="roundRect">
+          <a:avLst>
+            <a:gd name="adj" fmla="val 10000"/>
+          </a:avLst>
+        </a:prstGeom>
+        <a:noFill/>
+        <a:ln w="12700" cap="flat" cmpd="sng" algn="ctr">
+          <a:solidFill>
+            <a:schemeClr val="lt1">
+              <a:hueOff val="0"/>
+              <a:satOff val="0"/>
+              <a:lumOff val="0"/>
+              <a:alphaOff val="0"/>
+            </a:schemeClr>
+          </a:solidFill>
+          <a:prstDash val="solid"/>
+        </a:ln>
+        <a:effectLst/>
+      </dsp:spPr>
+      <dsp:style>
+        <a:lnRef idx="2">
+          <a:scrgbClr r="0" g="0" b="0"/>
+        </a:lnRef>
+        <a:fillRef idx="1">
+          <a:scrgbClr r="0" g="0" b="0"/>
+        </a:fillRef>
+        <a:effectRef idx="0">
+          <a:scrgbClr r="0" g="0" b="0"/>
+        </a:effectRef>
+        <a:fontRef idx="minor">
+          <a:schemeClr val="lt1"/>
+        </a:fontRef>
+      </dsp:style>
+    </dsp:sp>
+    <dsp:sp modelId="{C3F29EAB-148A-417F-AE52-3BAF0DE39FC6}">
+      <dsp:nvSpPr>
+        <dsp:cNvPr id="0" name=""/>
+        <dsp:cNvSpPr/>
+      </dsp:nvSpPr>
+      <dsp:spPr>
+        <a:xfrm>
+          <a:off x="424204" y="3959998"/>
+          <a:ext cx="1264931" cy="846001"/>
+        </a:xfrm>
+        <a:prstGeom prst="roundRect">
+          <a:avLst>
+            <a:gd name="adj" fmla="val 10000"/>
+          </a:avLst>
+        </a:prstGeom>
+        <a:solidFill>
+          <a:schemeClr val="lt1">
+            <a:alpha val="90000"/>
+            <a:hueOff val="0"/>
+            <a:satOff val="0"/>
+            <a:lumOff val="0"/>
+            <a:alphaOff val="0"/>
+          </a:schemeClr>
+        </a:solidFill>
+        <a:ln w="12700" cap="flat" cmpd="sng" algn="ctr">
+          <a:solidFill>
+            <a:schemeClr val="accent1">
+              <a:hueOff val="0"/>
+              <a:satOff val="0"/>
+              <a:lumOff val="0"/>
+              <a:alphaOff val="0"/>
+            </a:schemeClr>
+          </a:solidFill>
+          <a:prstDash val="solid"/>
+        </a:ln>
+        <a:effectLst/>
+      </dsp:spPr>
+      <dsp:style>
+        <a:lnRef idx="2">
+          <a:scrgbClr r="0" g="0" b="0"/>
+        </a:lnRef>
+        <a:fillRef idx="1">
+          <a:scrgbClr r="0" g="0" b="0"/>
+        </a:fillRef>
+        <a:effectRef idx="0">
+          <a:scrgbClr r="0" g="0" b="0"/>
+        </a:effectRef>
+        <a:fontRef idx="minor"/>
+      </dsp:style>
+      <dsp:txBody>
+        <a:bodyPr spcFirstLastPara="0" vert="horz" wrap="square" lIns="57150" tIns="57150" rIns="57150" bIns="57150" numCol="1" spcCol="1270" anchor="ctr" anchorCtr="0">
+          <a:noAutofit/>
+        </a:bodyPr>
+        <a:lstStyle/>
+        <a:p>
+          <a:pPr marL="0" lvl="0" indent="0" algn="ctr" defTabSz="666750" rtl="1">
+            <a:lnSpc>
+              <a:spcPct val="90000"/>
+            </a:lnSpc>
+            <a:spcBef>
+              <a:spcPct val="0"/>
+            </a:spcBef>
+            <a:spcAft>
+              <a:spcPct val="35000"/>
+            </a:spcAft>
+            <a:buNone/>
+          </a:pPr>
+          <a:r>
+            <a:rPr lang="en-US" sz="1500" kern="1200" dirty="0"/>
+            <a:t>settings</a:t>
+          </a:r>
+          <a:endParaRPr lang="he-IL" sz="1500" kern="1200" dirty="0"/>
+        </a:p>
+      </dsp:txBody>
+      <dsp:txXfrm>
+        <a:off x="448983" y="3984777"/>
+        <a:ext cx="1215373" cy="796443"/>
       </dsp:txXfrm>
     </dsp:sp>
     <dsp:sp modelId="{737293AB-E751-45F9-8683-79016277C6B6}">
@@ -2338,8 +2606,8 @@
       </dsp:nvSpPr>
       <dsp:spPr>
         <a:xfrm>
-          <a:off x="1971987" y="3786012"/>
-          <a:ext cx="1474064" cy="989953"/>
+          <a:off x="3251463" y="3819020"/>
+          <a:ext cx="1264931" cy="846001"/>
         </a:xfrm>
         <a:prstGeom prst="roundRect">
           <a:avLst>
@@ -2382,8 +2650,8 @@
       </dsp:nvSpPr>
       <dsp:spPr>
         <a:xfrm>
-          <a:off x="2145207" y="3950571"/>
-          <a:ext cx="1474064" cy="989953"/>
+          <a:off x="3399861" y="3959998"/>
+          <a:ext cx="1264931" cy="846001"/>
         </a:xfrm>
         <a:prstGeom prst="roundRect">
           <a:avLst>
@@ -2425,12 +2693,12 @@
         <a:fontRef idx="minor"/>
       </dsp:style>
       <dsp:txBody>
-        <a:bodyPr spcFirstLastPara="0" vert="horz" wrap="square" lIns="68580" tIns="68580" rIns="68580" bIns="68580" numCol="1" spcCol="1270" anchor="ctr" anchorCtr="0">
+        <a:bodyPr spcFirstLastPara="0" vert="horz" wrap="square" lIns="57150" tIns="57150" rIns="57150" bIns="57150" numCol="1" spcCol="1270" anchor="ctr" anchorCtr="0">
           <a:noAutofit/>
         </a:bodyPr>
         <a:lstStyle/>
         <a:p>
-          <a:pPr marL="0" lvl="0" indent="0" algn="ctr" defTabSz="800100" rtl="1">
+          <a:pPr marL="0" lvl="0" indent="0" algn="ctr" defTabSz="666750" rtl="1">
             <a:lnSpc>
               <a:spcPct val="90000"/>
             </a:lnSpc>
@@ -2443,15 +2711,15 @@
             <a:buNone/>
           </a:pPr>
           <a:r>
-            <a:rPr lang="en-US" sz="1800" kern="1200" dirty="0"/>
+            <a:rPr lang="en-US" sz="1500" kern="1200" dirty="0"/>
             <a:t>Combo</a:t>
           </a:r>
-          <a:endParaRPr lang="he-IL" sz="1800" kern="1200" dirty="0"/>
+          <a:endParaRPr lang="he-IL" sz="1500" kern="1200" dirty="0"/>
         </a:p>
       </dsp:txBody>
       <dsp:txXfrm>
-        <a:off x="2174202" y="3979566"/>
-        <a:ext cx="1416074" cy="931963"/>
+        <a:off x="3424640" y="3984777"/>
+        <a:ext cx="1215373" cy="796443"/>
       </dsp:txXfrm>
     </dsp:sp>
     <dsp:sp modelId="{EF6182FB-C62C-473C-982F-01611A1D5886}">
@@ -2461,8 +2729,8 @@
       </dsp:nvSpPr>
       <dsp:spPr>
         <a:xfrm>
-          <a:off x="3593004" y="3786012"/>
-          <a:ext cx="1474064" cy="989953"/>
+          <a:off x="6348444" y="3819020"/>
+          <a:ext cx="1264931" cy="846001"/>
         </a:xfrm>
         <a:prstGeom prst="roundRect">
           <a:avLst>
@@ -2505,8 +2773,8 @@
       </dsp:nvSpPr>
       <dsp:spPr>
         <a:xfrm>
-          <a:off x="3766225" y="3950571"/>
-          <a:ext cx="1474064" cy="989953"/>
+          <a:off x="6496843" y="3959998"/>
+          <a:ext cx="1264931" cy="846001"/>
         </a:xfrm>
         <a:prstGeom prst="roundRect">
           <a:avLst>
@@ -2548,12 +2816,12 @@
         <a:fontRef idx="minor"/>
       </dsp:style>
       <dsp:txBody>
-        <a:bodyPr spcFirstLastPara="0" vert="horz" wrap="square" lIns="68580" tIns="68580" rIns="68580" bIns="68580" numCol="1" spcCol="1270" anchor="ctr" anchorCtr="0">
+        <a:bodyPr spcFirstLastPara="0" vert="horz" wrap="square" lIns="57150" tIns="57150" rIns="57150" bIns="57150" numCol="1" spcCol="1270" anchor="ctr" anchorCtr="0">
           <a:noAutofit/>
         </a:bodyPr>
         <a:lstStyle/>
         <a:p>
-          <a:pPr marL="0" lvl="0" indent="0" algn="ctr" defTabSz="800100" rtl="1">
+          <a:pPr marL="0" lvl="0" indent="0" algn="ctr" defTabSz="666750" rtl="1">
             <a:lnSpc>
               <a:spcPct val="90000"/>
             </a:lnSpc>
@@ -2566,15 +2834,15 @@
             <a:buNone/>
           </a:pPr>
           <a:r>
-            <a:rPr lang="en-US" sz="1800" kern="1200" dirty="0" err="1"/>
+            <a:rPr lang="en-US" sz="1500" kern="1200" dirty="0" err="1"/>
             <a:t>canEat</a:t>
           </a:r>
-          <a:endParaRPr lang="he-IL" sz="1800" kern="1200" dirty="0"/>
+          <a:endParaRPr lang="he-IL" sz="1500" kern="1200" dirty="0"/>
         </a:p>
       </dsp:txBody>
       <dsp:txXfrm>
-        <a:off x="3795220" y="3979566"/>
-        <a:ext cx="1416074" cy="931963"/>
+        <a:off x="6521622" y="3984777"/>
+        <a:ext cx="1215373" cy="796443"/>
       </dsp:txXfrm>
     </dsp:sp>
     <dsp:sp modelId="{64BBD7E7-CD20-4C20-8C3C-D0980066B89E}">
@@ -2584,8 +2852,8 @@
       </dsp:nvSpPr>
       <dsp:spPr>
         <a:xfrm>
-          <a:off x="5139861" y="3786012"/>
-          <a:ext cx="1474064" cy="989953"/>
+          <a:off x="4705038" y="3819020"/>
+          <a:ext cx="1264931" cy="846001"/>
         </a:xfrm>
         <a:prstGeom prst="roundRect">
           <a:avLst>
@@ -2628,8 +2896,8 @@
       </dsp:nvSpPr>
       <dsp:spPr>
         <a:xfrm>
-          <a:off x="5313081" y="3950571"/>
-          <a:ext cx="1474064" cy="989953"/>
+          <a:off x="4853436" y="3959998"/>
+          <a:ext cx="1264931" cy="846001"/>
         </a:xfrm>
         <a:prstGeom prst="roundRect">
           <a:avLst>
@@ -2671,12 +2939,12 @@
         <a:fontRef idx="minor"/>
       </dsp:style>
       <dsp:txBody>
-        <a:bodyPr spcFirstLastPara="0" vert="horz" wrap="square" lIns="68580" tIns="68580" rIns="68580" bIns="68580" numCol="1" spcCol="1270" anchor="ctr" anchorCtr="0">
+        <a:bodyPr spcFirstLastPara="0" vert="horz" wrap="square" lIns="57150" tIns="57150" rIns="57150" bIns="57150" numCol="1" spcCol="1270" anchor="ctr" anchorCtr="0">
           <a:noAutofit/>
         </a:bodyPr>
         <a:lstStyle/>
         <a:p>
-          <a:pPr marL="0" lvl="0" indent="0" algn="ctr" defTabSz="800100" rtl="1">
+          <a:pPr marL="0" lvl="0" indent="0" algn="ctr" defTabSz="666750" rtl="1">
             <a:lnSpc>
               <a:spcPct val="90000"/>
             </a:lnSpc>
@@ -2689,15 +2957,15 @@
             <a:buNone/>
           </a:pPr>
           <a:r>
-            <a:rPr lang="en-US" sz="1800" kern="1200" dirty="0" err="1"/>
+            <a:rPr lang="en-US" sz="1500" kern="1200" dirty="0" err="1"/>
             <a:t>endGame</a:t>
           </a:r>
-          <a:endParaRPr lang="he-IL" sz="1800" kern="1200" dirty="0"/>
+          <a:endParaRPr lang="he-IL" sz="1500" kern="1200" dirty="0"/>
         </a:p>
       </dsp:txBody>
       <dsp:txXfrm>
-        <a:off x="5342076" y="3979566"/>
-        <a:ext cx="1416074" cy="931963"/>
+        <a:off x="4878215" y="3984777"/>
+        <a:ext cx="1215373" cy="796443"/>
       </dsp:txXfrm>
     </dsp:sp>
     <dsp:sp modelId="{900C9740-87C2-4AAD-8E46-8849214422A8}">
@@ -2707,8 +2975,8 @@
       </dsp:nvSpPr>
       <dsp:spPr>
         <a:xfrm>
-          <a:off x="6806557" y="2132077"/>
-          <a:ext cx="1558982" cy="989953"/>
+          <a:off x="7399542" y="2214796"/>
+          <a:ext cx="1335583" cy="848095"/>
         </a:xfrm>
         <a:prstGeom prst="roundRect">
           <a:avLst>
@@ -2758,8 +3026,8 @@
       </dsp:nvSpPr>
       <dsp:spPr>
         <a:xfrm>
-          <a:off x="6979777" y="2296636"/>
-          <a:ext cx="1558982" cy="989953"/>
+          <a:off x="7547940" y="2355774"/>
+          <a:ext cx="1335583" cy="848095"/>
         </a:xfrm>
         <a:prstGeom prst="roundRect">
           <a:avLst>
@@ -2801,12 +3069,12 @@
         <a:fontRef idx="minor"/>
       </dsp:style>
       <dsp:txBody>
-        <a:bodyPr spcFirstLastPara="0" vert="horz" wrap="square" lIns="68580" tIns="68580" rIns="68580" bIns="68580" numCol="1" spcCol="1270" anchor="ctr" anchorCtr="0">
+        <a:bodyPr spcFirstLastPara="0" vert="horz" wrap="square" lIns="57150" tIns="57150" rIns="57150" bIns="57150" numCol="1" spcCol="1270" anchor="ctr" anchorCtr="0">
           <a:noAutofit/>
         </a:bodyPr>
         <a:lstStyle/>
         <a:p>
-          <a:pPr marL="0" lvl="0" indent="0" algn="ctr" defTabSz="800100" rtl="1">
+          <a:pPr marL="0" lvl="0" indent="0" algn="ctr" defTabSz="666750" rtl="1">
             <a:lnSpc>
               <a:spcPct val="90000"/>
             </a:lnSpc>
@@ -2819,15 +3087,15 @@
             <a:buNone/>
           </a:pPr>
           <a:r>
-            <a:rPr lang="en-US" sz="1800" kern="1200" dirty="0"/>
+            <a:rPr lang="en-US" sz="1500" kern="1200" dirty="0"/>
             <a:t>Board</a:t>
           </a:r>
-          <a:endParaRPr lang="he-IL" sz="1800" kern="1200" dirty="0"/>
+          <a:endParaRPr lang="he-IL" sz="1500" kern="1200" dirty="0"/>
         </a:p>
       </dsp:txBody>
       <dsp:txXfrm>
-        <a:off x="7008772" y="2325631"/>
-        <a:ext cx="1500992" cy="931963"/>
+        <a:off x="7572780" y="2380614"/>
+        <a:ext cx="1285903" cy="798415"/>
       </dsp:txXfrm>
     </dsp:sp>
     <dsp:sp modelId="{B747F315-8E1F-41CD-BE97-8CEC86B6E69A}">
@@ -2837,8 +3105,8 @@
       </dsp:nvSpPr>
       <dsp:spPr>
         <a:xfrm>
-          <a:off x="8785322" y="3801668"/>
-          <a:ext cx="1558982" cy="989953"/>
+          <a:off x="9094755" y="3645139"/>
+          <a:ext cx="1335583" cy="848095"/>
         </a:xfrm>
         <a:prstGeom prst="roundRect">
           <a:avLst>
@@ -2888,8 +3156,8 @@
       </dsp:nvSpPr>
       <dsp:spPr>
         <a:xfrm>
-          <a:off x="8958542" y="3966227"/>
-          <a:ext cx="1558982" cy="989953"/>
+          <a:off x="9243154" y="3786118"/>
+          <a:ext cx="1335583" cy="848095"/>
         </a:xfrm>
         <a:prstGeom prst="roundRect">
           <a:avLst>
@@ -2931,12 +3199,12 @@
         <a:fontRef idx="minor"/>
       </dsp:style>
       <dsp:txBody>
-        <a:bodyPr spcFirstLastPara="0" vert="horz" wrap="square" lIns="68580" tIns="68580" rIns="68580" bIns="68580" numCol="1" spcCol="1270" anchor="ctr" anchorCtr="0">
+        <a:bodyPr spcFirstLastPara="0" vert="horz" wrap="square" lIns="57150" tIns="57150" rIns="57150" bIns="57150" numCol="1" spcCol="1270" anchor="ctr" anchorCtr="0">
           <a:noAutofit/>
         </a:bodyPr>
         <a:lstStyle/>
         <a:p>
-          <a:pPr marL="0" lvl="0" indent="0" algn="ctr" defTabSz="800100" rtl="1">
+          <a:pPr marL="0" lvl="0" indent="0" algn="ctr" defTabSz="666750" rtl="1">
             <a:lnSpc>
               <a:spcPct val="90000"/>
             </a:lnSpc>
@@ -2949,15 +3217,15 @@
             <a:buNone/>
           </a:pPr>
           <a:r>
-            <a:rPr lang="en-US" sz="1800" kern="1200" dirty="0"/>
+            <a:rPr lang="en-US" sz="1500" kern="1200" dirty="0"/>
             <a:t>row[0]</a:t>
           </a:r>
-          <a:endParaRPr lang="he-IL" sz="1800" kern="1200" dirty="0"/>
+          <a:endParaRPr lang="he-IL" sz="1500" kern="1200" dirty="0"/>
         </a:p>
       </dsp:txBody>
       <dsp:txXfrm>
-        <a:off x="8987537" y="3995222"/>
-        <a:ext cx="1500992" cy="931963"/>
+        <a:off x="9267994" y="3810958"/>
+        <a:ext cx="1285903" cy="798415"/>
       </dsp:txXfrm>
     </dsp:sp>
     <dsp:sp modelId="{C5A5B7CA-C0A2-4B23-BBDE-9A273B84939A}">
@@ -2967,8 +3235,8 @@
       </dsp:nvSpPr>
       <dsp:spPr>
         <a:xfrm>
-          <a:off x="8744808" y="2162810"/>
-          <a:ext cx="1558982" cy="989953"/>
+          <a:off x="9060046" y="2241125"/>
+          <a:ext cx="1335583" cy="848095"/>
         </a:xfrm>
         <a:prstGeom prst="roundRect">
           <a:avLst>
@@ -3018,8 +3286,8 @@
       </dsp:nvSpPr>
       <dsp:spPr>
         <a:xfrm>
-          <a:off x="8918028" y="2327369"/>
-          <a:ext cx="1558982" cy="989953"/>
+          <a:off x="9208445" y="2382104"/>
+          <a:ext cx="1335583" cy="848095"/>
         </a:xfrm>
         <a:prstGeom prst="roundRect">
           <a:avLst>
@@ -3061,12 +3329,12 @@
         <a:fontRef idx="minor"/>
       </dsp:style>
       <dsp:txBody>
-        <a:bodyPr spcFirstLastPara="0" vert="horz" wrap="square" lIns="68580" tIns="68580" rIns="68580" bIns="68580" numCol="1" spcCol="1270" anchor="ctr" anchorCtr="0">
+        <a:bodyPr spcFirstLastPara="0" vert="horz" wrap="square" lIns="57150" tIns="57150" rIns="57150" bIns="57150" numCol="1" spcCol="1270" anchor="ctr" anchorCtr="0">
           <a:noAutofit/>
         </a:bodyPr>
         <a:lstStyle/>
         <a:p>
-          <a:pPr marL="0" lvl="0" indent="0" algn="ctr" defTabSz="800100" rtl="1">
+          <a:pPr marL="0" lvl="0" indent="0" algn="ctr" defTabSz="666750" rtl="1">
             <a:lnSpc>
               <a:spcPct val="90000"/>
             </a:lnSpc>
@@ -3079,15 +3347,15 @@
             <a:buNone/>
           </a:pPr>
           <a:r>
-            <a:rPr lang="en-US" sz="1800" kern="1200" dirty="0"/>
+            <a:rPr lang="en-US" sz="1500" kern="1200" dirty="0"/>
             <a:t>row[…]</a:t>
           </a:r>
-          <a:endParaRPr lang="he-IL" sz="1800" kern="1200" dirty="0"/>
+          <a:endParaRPr lang="he-IL" sz="1500" kern="1200" dirty="0"/>
         </a:p>
       </dsp:txBody>
       <dsp:txXfrm>
-        <a:off x="8947023" y="2356364"/>
-        <a:ext cx="1500992" cy="931963"/>
+        <a:off x="9233285" y="2406944"/>
+        <a:ext cx="1285903" cy="798415"/>
       </dsp:txXfrm>
     </dsp:sp>
     <dsp:sp modelId="{8303D80B-489E-4226-9FF1-A68A73E3128A}">
@@ -3097,8 +3365,8 @@
       </dsp:nvSpPr>
       <dsp:spPr>
         <a:xfrm>
-          <a:off x="8799578" y="903490"/>
-          <a:ext cx="1558982" cy="989953"/>
+          <a:off x="9106969" y="1162263"/>
+          <a:ext cx="1335583" cy="848095"/>
         </a:xfrm>
         <a:prstGeom prst="roundRect">
           <a:avLst>
@@ -3148,8 +3416,8 @@
       </dsp:nvSpPr>
       <dsp:spPr>
         <a:xfrm>
-          <a:off x="8972798" y="1068049"/>
-          <a:ext cx="1558982" cy="989953"/>
+          <a:off x="9255367" y="1303241"/>
+          <a:ext cx="1335583" cy="848095"/>
         </a:xfrm>
         <a:prstGeom prst="roundRect">
           <a:avLst>
@@ -3191,12 +3459,12 @@
         <a:fontRef idx="minor"/>
       </dsp:style>
       <dsp:txBody>
-        <a:bodyPr spcFirstLastPara="0" vert="horz" wrap="square" lIns="68580" tIns="68580" rIns="68580" bIns="68580" numCol="1" spcCol="1270" anchor="ctr" anchorCtr="0">
+        <a:bodyPr spcFirstLastPara="0" vert="horz" wrap="square" lIns="57150" tIns="57150" rIns="57150" bIns="57150" numCol="1" spcCol="1270" anchor="ctr" anchorCtr="0">
           <a:noAutofit/>
         </a:bodyPr>
         <a:lstStyle/>
         <a:p>
-          <a:pPr marL="0" lvl="0" indent="0" algn="ctr" defTabSz="800100" rtl="1">
+          <a:pPr marL="0" lvl="0" indent="0" algn="ctr" defTabSz="666750" rtl="1">
             <a:lnSpc>
               <a:spcPct val="90000"/>
             </a:lnSpc>
@@ -3209,15 +3477,15 @@
             <a:buNone/>
           </a:pPr>
           <a:r>
-            <a:rPr lang="en-US" sz="1800" kern="1200" dirty="0"/>
+            <a:rPr lang="en-US" sz="1500" kern="1200" dirty="0"/>
             <a:t>row[7]</a:t>
           </a:r>
-          <a:endParaRPr lang="he-IL" sz="1800" kern="1200" dirty="0"/>
+          <a:endParaRPr lang="he-IL" sz="1500" kern="1200" dirty="0"/>
         </a:p>
       </dsp:txBody>
       <dsp:txXfrm>
-        <a:off x="9001793" y="1097044"/>
-        <a:ext cx="1500992" cy="931963"/>
+        <a:off x="9280207" y="1328081"/>
+        <a:ext cx="1285903" cy="798415"/>
       </dsp:txXfrm>
     </dsp:sp>
   </dsp:spTree>
@@ -4983,7 +5251,7 @@
           <a:lstStyle/>
           <a:p>
             <a:fld id="{1160EA64-D806-43AC-9DF2-F8C432F32B4C}" type="datetimeFigureOut">
-              <a:rPr lang="en-US" dirty="0"/>
+              <a:rPr lang="en-US" smtClean="0"/>
               <a:t>5/3/2022</a:t>
             </a:fld>
             <a:endParaRPr lang="en-US" dirty="0"/>
@@ -5025,7 +5293,7 @@
           <a:lstStyle/>
           <a:p>
             <a:fld id="{8A7A6979-0714-4377-B894-6BE4C2D6E202}" type="slidenum">
-              <a:rPr lang="en-US" dirty="0"/>
+              <a:rPr lang="en-US" smtClean="0"/>
               <a:pPr/>
               <a:t>‹#›</a:t>
             </a:fld>
@@ -5034,6 +5302,11 @@
         </p:txBody>
       </p:sp>
     </p:spTree>
+    <p:extLst>
+      <p:ext uri="{BB962C8B-B14F-4D97-AF65-F5344CB8AC3E}">
+        <p14:creationId xmlns:p14="http://schemas.microsoft.com/office/powerpoint/2010/main" val="323787063"/>
+      </p:ext>
+    </p:extLst>
   </p:cSld>
   <p:clrMapOvr>
     <a:overrideClrMapping bg1="dk1" tx1="lt1" bg2="dk2" tx2="lt2" accent1="accent1" accent2="accent2" accent3="accent3" accent4="accent4" accent5="accent5" accent6="accent6" hlink="hlink" folHlink="folHlink"/>
@@ -5149,7 +5422,7 @@
           <a:lstStyle/>
           <a:p>
             <a:fld id="{E9F9C37B-1D36-470B-8223-D6C91242EC14}" type="datetimeFigureOut">
-              <a:rPr lang="en-US" dirty="0"/>
+              <a:rPr lang="en-US" smtClean="0"/>
               <a:t>5/3/2022</a:t>
             </a:fld>
             <a:endParaRPr lang="en-US" dirty="0"/>
@@ -5191,7 +5464,7 @@
           <a:lstStyle/>
           <a:p>
             <a:fld id="{8A7A6979-0714-4377-B894-6BE4C2D6E202}" type="slidenum">
-              <a:rPr lang="en-US" dirty="0"/>
+              <a:rPr lang="en-US" smtClean="0"/>
               <a:t>‹#›</a:t>
             </a:fld>
             <a:endParaRPr lang="en-US" dirty="0"/>
@@ -5199,6 +5472,11 @@
         </p:txBody>
       </p:sp>
     </p:spTree>
+    <p:extLst>
+      <p:ext uri="{BB962C8B-B14F-4D97-AF65-F5344CB8AC3E}">
+        <p14:creationId xmlns:p14="http://schemas.microsoft.com/office/powerpoint/2010/main" val="1964885592"/>
+      </p:ext>
+    </p:extLst>
   </p:cSld>
   <p:clrMapOvr>
     <a:masterClrMapping/>
@@ -5324,7 +5602,7 @@
           <a:lstStyle/>
           <a:p>
             <a:fld id="{67C6F52A-A82B-47A2-A83A-8C4C91F2D59F}" type="datetimeFigureOut">
-              <a:rPr lang="en-US" dirty="0"/>
+              <a:rPr lang="en-US" smtClean="0"/>
               <a:t>5/3/2022</a:t>
             </a:fld>
             <a:endParaRPr lang="en-US" dirty="0"/>
@@ -5366,7 +5644,7 @@
           <a:lstStyle/>
           <a:p>
             <a:fld id="{8A7A6979-0714-4377-B894-6BE4C2D6E202}" type="slidenum">
-              <a:rPr lang="en-US" dirty="0"/>
+              <a:rPr lang="en-US" smtClean="0"/>
               <a:t>‹#›</a:t>
             </a:fld>
             <a:endParaRPr lang="en-US" dirty="0"/>
@@ -5374,6 +5652,11 @@
         </p:txBody>
       </p:sp>
     </p:spTree>
+    <p:extLst>
+      <p:ext uri="{BB962C8B-B14F-4D97-AF65-F5344CB8AC3E}">
+        <p14:creationId xmlns:p14="http://schemas.microsoft.com/office/powerpoint/2010/main" val="246288411"/>
+      </p:ext>
+    </p:extLst>
   </p:cSld>
   <p:clrMapOvr>
     <a:masterClrMapping/>
@@ -5489,7 +5772,7 @@
           <a:lstStyle/>
           <a:p>
             <a:fld id="{F070A7B3-6521-4DCA-87E5-044747A908C1}" type="datetimeFigureOut">
-              <a:rPr lang="en-US" dirty="0"/>
+              <a:rPr lang="en-US" smtClean="0"/>
               <a:t>5/3/2022</a:t>
             </a:fld>
             <a:endParaRPr lang="en-US" dirty="0"/>
@@ -5531,7 +5814,7 @@
           <a:lstStyle/>
           <a:p>
             <a:fld id="{8A7A6979-0714-4377-B894-6BE4C2D6E202}" type="slidenum">
-              <a:rPr lang="en-US" dirty="0"/>
+              <a:rPr lang="en-US" smtClean="0"/>
               <a:pPr/>
               <a:t>‹#›</a:t>
             </a:fld>
@@ -5540,6 +5823,11 @@
         </p:txBody>
       </p:sp>
     </p:spTree>
+    <p:extLst>
+      <p:ext uri="{BB962C8B-B14F-4D97-AF65-F5344CB8AC3E}">
+        <p14:creationId xmlns:p14="http://schemas.microsoft.com/office/powerpoint/2010/main" val="2988311696"/>
+      </p:ext>
+    </p:extLst>
   </p:cSld>
   <p:clrMapOvr>
     <a:masterClrMapping/>
@@ -5753,7 +6041,7 @@
           <a:lstStyle/>
           <a:p>
             <a:fld id="{1160EA64-D806-43AC-9DF2-F8C432F32B4C}" type="datetimeFigureOut">
-              <a:rPr lang="en-US" dirty="0"/>
+              <a:rPr lang="en-US" smtClean="0"/>
               <a:t>5/3/2022</a:t>
             </a:fld>
             <a:endParaRPr lang="en-US" dirty="0"/>
@@ -5795,7 +6083,7 @@
           <a:lstStyle/>
           <a:p>
             <a:fld id="{8A7A6979-0714-4377-B894-6BE4C2D6E202}" type="slidenum">
-              <a:rPr lang="en-US" dirty="0"/>
+              <a:rPr lang="en-US" smtClean="0"/>
               <a:pPr/>
               <a:t>‹#›</a:t>
             </a:fld>
@@ -5804,6 +6092,11 @@
         </p:txBody>
       </p:sp>
     </p:spTree>
+    <p:extLst>
+      <p:ext uri="{BB962C8B-B14F-4D97-AF65-F5344CB8AC3E}">
+        <p14:creationId xmlns:p14="http://schemas.microsoft.com/office/powerpoint/2010/main" val="3447229679"/>
+      </p:ext>
+    </p:extLst>
   </p:cSld>
   <p:clrMapOvr>
     <a:overrideClrMapping bg1="dk1" tx1="lt1" bg2="dk2" tx2="lt2" accent1="accent1" accent2="accent2" accent3="accent3" accent4="accent4" accent5="accent5" accent6="accent6" hlink="hlink" folHlink="folHlink"/>
@@ -5981,7 +6274,7 @@
           <a:lstStyle/>
           <a:p>
             <a:fld id="{AB134690-1557-4C89-A502-4959FE7FAD70}" type="datetimeFigureOut">
-              <a:rPr lang="en-US" dirty="0"/>
+              <a:rPr lang="en-US" smtClean="0"/>
               <a:t>5/3/2022</a:t>
             </a:fld>
             <a:endParaRPr lang="en-US" dirty="0"/>
@@ -6023,7 +6316,7 @@
           <a:lstStyle/>
           <a:p>
             <a:fld id="{8A7A6979-0714-4377-B894-6BE4C2D6E202}" type="slidenum">
-              <a:rPr lang="en-US" dirty="0"/>
+              <a:rPr lang="en-US" smtClean="0"/>
               <a:t>‹#›</a:t>
             </a:fld>
             <a:endParaRPr lang="en-US" dirty="0"/>
@@ -6031,6 +6324,11 @@
         </p:txBody>
       </p:sp>
     </p:spTree>
+    <p:extLst>
+      <p:ext uri="{BB962C8B-B14F-4D97-AF65-F5344CB8AC3E}">
+        <p14:creationId xmlns:p14="http://schemas.microsoft.com/office/powerpoint/2010/main" val="3265156002"/>
+      </p:ext>
+    </p:extLst>
   </p:cSld>
   <p:clrMapOvr>
     <a:masterClrMapping/>
@@ -6335,7 +6633,7 @@
           <a:lstStyle/>
           <a:p>
             <a:fld id="{4F7D4976-E339-4826-83B7-FBD03F55ECF8}" type="datetimeFigureOut">
-              <a:rPr lang="en-US" dirty="0"/>
+              <a:rPr lang="en-US" smtClean="0"/>
               <a:t>5/3/2022</a:t>
             </a:fld>
             <a:endParaRPr lang="en-US" dirty="0"/>
@@ -6377,7 +6675,7 @@
           <a:lstStyle/>
           <a:p>
             <a:fld id="{8A7A6979-0714-4377-B894-6BE4C2D6E202}" type="slidenum">
-              <a:rPr lang="en-US" dirty="0"/>
+              <a:rPr lang="en-US" smtClean="0"/>
               <a:t>‹#›</a:t>
             </a:fld>
             <a:endParaRPr lang="en-US" dirty="0"/>
@@ -6408,6 +6706,11 @@
         </p:txBody>
       </p:sp>
     </p:spTree>
+    <p:extLst>
+      <p:ext uri="{BB962C8B-B14F-4D97-AF65-F5344CB8AC3E}">
+        <p14:creationId xmlns:p14="http://schemas.microsoft.com/office/powerpoint/2010/main" val="1788387694"/>
+      </p:ext>
+    </p:extLst>
   </p:cSld>
   <p:clrMapOvr>
     <a:masterClrMapping/>
@@ -6471,7 +6774,7 @@
           <a:lstStyle/>
           <a:p>
             <a:fld id="{E1037C31-9E7A-4F99-8774-A0E530DE1A42}" type="datetimeFigureOut">
-              <a:rPr lang="en-US" dirty="0"/>
+              <a:rPr lang="en-US" smtClean="0"/>
               <a:t>5/3/2022</a:t>
             </a:fld>
             <a:endParaRPr lang="en-US" dirty="0"/>
@@ -6513,7 +6816,7 @@
           <a:lstStyle/>
           <a:p>
             <a:fld id="{8A7A6979-0714-4377-B894-6BE4C2D6E202}" type="slidenum">
-              <a:rPr lang="en-US" dirty="0"/>
+              <a:rPr lang="en-US" smtClean="0"/>
               <a:t>‹#›</a:t>
             </a:fld>
             <a:endParaRPr lang="en-US" dirty="0"/>
@@ -6521,6 +6824,11 @@
         </p:txBody>
       </p:sp>
     </p:spTree>
+    <p:extLst>
+      <p:ext uri="{BB962C8B-B14F-4D97-AF65-F5344CB8AC3E}">
+        <p14:creationId xmlns:p14="http://schemas.microsoft.com/office/powerpoint/2010/main" val="1456478213"/>
+      </p:ext>
+    </p:extLst>
   </p:cSld>
   <p:clrMapOvr>
     <a:masterClrMapping/>
@@ -6561,7 +6869,7 @@
           <a:lstStyle/>
           <a:p>
             <a:fld id="{C278504F-A551-4DE0-9316-4DCD1D8CC752}" type="datetimeFigureOut">
-              <a:rPr lang="en-US" dirty="0"/>
+              <a:rPr lang="en-US" smtClean="0"/>
               <a:t>5/3/2022</a:t>
             </a:fld>
             <a:endParaRPr lang="en-US" dirty="0"/>
@@ -6603,7 +6911,7 @@
           <a:lstStyle/>
           <a:p>
             <a:fld id="{8A7A6979-0714-4377-B894-6BE4C2D6E202}" type="slidenum">
-              <a:rPr lang="en-US" dirty="0"/>
+              <a:rPr lang="en-US" smtClean="0"/>
               <a:t>‹#›</a:t>
             </a:fld>
             <a:endParaRPr lang="en-US" dirty="0"/>
@@ -6611,6 +6919,11 @@
         </p:txBody>
       </p:sp>
     </p:spTree>
+    <p:extLst>
+      <p:ext uri="{BB962C8B-B14F-4D97-AF65-F5344CB8AC3E}">
+        <p14:creationId xmlns:p14="http://schemas.microsoft.com/office/powerpoint/2010/main" val="2633212456"/>
+      </p:ext>
+    </p:extLst>
   </p:cSld>
   <p:clrMapOvr>
     <a:masterClrMapping/>
@@ -6913,7 +7226,7 @@
           <a:lstStyle/>
           <a:p>
             <a:fld id="{D1BE4249-C0D0-4B06-8692-E8BB871AF643}" type="datetimeFigureOut">
-              <a:rPr lang="en-US" dirty="0"/>
+              <a:rPr lang="en-US" smtClean="0"/>
               <a:t>5/3/2022</a:t>
             </a:fld>
             <a:endParaRPr lang="en-US" dirty="0"/>
@@ -6970,7 +7283,7 @@
           <a:lstStyle/>
           <a:p>
             <a:fld id="{8A7A6979-0714-4377-B894-6BE4C2D6E202}" type="slidenum">
-              <a:rPr lang="en-US" dirty="0"/>
+              <a:rPr lang="en-US" smtClean="0"/>
               <a:t>‹#›</a:t>
             </a:fld>
             <a:endParaRPr lang="en-US" dirty="0"/>
@@ -6978,6 +7291,11 @@
         </p:txBody>
       </p:sp>
     </p:spTree>
+    <p:extLst>
+      <p:ext uri="{BB962C8B-B14F-4D97-AF65-F5344CB8AC3E}">
+        <p14:creationId xmlns:p14="http://schemas.microsoft.com/office/powerpoint/2010/main" val="2951868467"/>
+      </p:ext>
+    </p:extLst>
   </p:cSld>
   <p:clrMapOvr>
     <a:masterClrMapping/>
@@ -7265,7 +7583,7 @@
           </a:lstStyle>
           <a:p>
             <a:fld id="{042B0DB6-F5C7-45FB-8CF3-31B45F9C2DAC}" type="datetimeFigureOut">
-              <a:rPr lang="en-US" dirty="0"/>
+              <a:rPr lang="en-US" smtClean="0"/>
               <a:t>5/3/2022</a:t>
             </a:fld>
             <a:endParaRPr lang="en-US" dirty="0"/>
@@ -7322,7 +7640,7 @@
           <a:lstStyle/>
           <a:p>
             <a:fld id="{8A7A6979-0714-4377-B894-6BE4C2D6E202}" type="slidenum">
-              <a:rPr lang="en-US" dirty="0"/>
+              <a:rPr lang="en-US" smtClean="0"/>
               <a:t>‹#›</a:t>
             </a:fld>
             <a:endParaRPr lang="en-US" dirty="0"/>
@@ -7330,6 +7648,11 @@
         </p:txBody>
       </p:sp>
     </p:spTree>
+    <p:extLst>
+      <p:ext uri="{BB962C8B-B14F-4D97-AF65-F5344CB8AC3E}">
+        <p14:creationId xmlns:p14="http://schemas.microsoft.com/office/powerpoint/2010/main" val="727552305"/>
+      </p:ext>
+    </p:extLst>
   </p:cSld>
   <p:clrMapOvr>
     <a:masterClrMapping/>
@@ -7502,7 +7825,7 @@
           </a:lstStyle>
           <a:p>
             <a:fld id="{1160EA64-D806-43AC-9DF2-F8C432F32B4C}" type="datetimeFigureOut">
-              <a:rPr lang="en-US" dirty="0"/>
+              <a:rPr lang="en-US" smtClean="0"/>
               <a:t>5/3/2022</a:t>
             </a:fld>
             <a:endParaRPr lang="en-US" dirty="0"/>
@@ -7585,7 +7908,7 @@
           </a:lstStyle>
           <a:p>
             <a:fld id="{8A7A6979-0714-4377-B894-6BE4C2D6E202}" type="slidenum">
-              <a:rPr lang="en-US" dirty="0"/>
+              <a:rPr lang="en-US" smtClean="0"/>
               <a:pPr/>
               <a:t>‹#›</a:t>
             </a:fld>
@@ -7594,20 +7917,25 @@
         </p:txBody>
       </p:sp>
     </p:spTree>
+    <p:extLst>
+      <p:ext uri="{BB962C8B-B14F-4D97-AF65-F5344CB8AC3E}">
+        <p14:creationId xmlns:p14="http://schemas.microsoft.com/office/powerpoint/2010/main" val="1605239533"/>
+      </p:ext>
+    </p:extLst>
   </p:cSld>
   <p:clrMap bg1="lt1" tx1="dk1" bg2="lt2" tx2="dk2" accent1="accent1" accent2="accent2" accent3="accent3" accent4="accent4" accent5="accent5" accent6="accent6" hlink="hlink" folHlink="folHlink"/>
   <p:sldLayoutIdLst>
-    <p:sldLayoutId id="2147483697" r:id="rId1"/>
-    <p:sldLayoutId id="2147483698" r:id="rId2"/>
-    <p:sldLayoutId id="2147483699" r:id="rId3"/>
-    <p:sldLayoutId id="2147483700" r:id="rId4"/>
-    <p:sldLayoutId id="2147483701" r:id="rId5"/>
-    <p:sldLayoutId id="2147483702" r:id="rId6"/>
-    <p:sldLayoutId id="2147483703" r:id="rId7"/>
-    <p:sldLayoutId id="2147483704" r:id="rId8"/>
-    <p:sldLayoutId id="2147483705" r:id="rId9"/>
-    <p:sldLayoutId id="2147483706" r:id="rId10"/>
-    <p:sldLayoutId id="2147483707" r:id="rId11"/>
+    <p:sldLayoutId id="2147483745" r:id="rId1"/>
+    <p:sldLayoutId id="2147483746" r:id="rId2"/>
+    <p:sldLayoutId id="2147483747" r:id="rId3"/>
+    <p:sldLayoutId id="2147483748" r:id="rId4"/>
+    <p:sldLayoutId id="2147483749" r:id="rId5"/>
+    <p:sldLayoutId id="2147483750" r:id="rId6"/>
+    <p:sldLayoutId id="2147483751" r:id="rId7"/>
+    <p:sldLayoutId id="2147483752" r:id="rId8"/>
+    <p:sldLayoutId id="2147483753" r:id="rId9"/>
+    <p:sldLayoutId id="2147483754" r:id="rId10"/>
+    <p:sldLayoutId id="2147483755" r:id="rId11"/>
   </p:sldLayoutIdLst>
   <p:hf sldNum="0" hdr="0" ftr="0" dt="0"/>
   <p:txStyles>
@@ -7938,6 +8266,16 @@
 <file path=ppt/slides/slide1.xml><?xml version="1.0" encoding="utf-8"?>
 <p:sld xmlns:a="http://schemas.openxmlformats.org/drawingml/2006/main" xmlns:r="http://schemas.openxmlformats.org/officeDocument/2006/relationships" xmlns:p="http://schemas.openxmlformats.org/presentationml/2006/main">
   <p:cSld>
+    <p:bg>
+      <p:bgPr>
+        <a:solidFill>
+          <a:schemeClr val="bg1">
+            <a:lumMod val="75000"/>
+          </a:schemeClr>
+        </a:solidFill>
+        <a:effectLst/>
+      </p:bgPr>
+    </p:bg>
     <p:spTree>
       <p:nvGrpSpPr>
         <p:cNvPr id="1" name=""/>
@@ -7952,6 +8290,5577 @@
           <a:chExt cx="0" cy="0"/>
         </a:xfrm>
       </p:grpSpPr>
+      <p:pic>
+        <p:nvPicPr>
+          <p:cNvPr id="5" name="תמונה 4">
+            <a:extLst>
+              <a:ext uri="{FF2B5EF4-FFF2-40B4-BE49-F238E27FC236}">
+                <a16:creationId xmlns:a16="http://schemas.microsoft.com/office/drawing/2014/main" id="{F45DDA1C-8043-B912-5552-5C9464EC8398}"/>
+              </a:ext>
+            </a:extLst>
+          </p:cNvPr>
+          <p:cNvPicPr>
+            <a:picLocks noChangeAspect="1"/>
+          </p:cNvPicPr>
+          <p:nvPr/>
+        </p:nvPicPr>
+        <p:blipFill>
+          <a:blip r:embed="rId2"/>
+          <a:stretch>
+            <a:fillRect/>
+          </a:stretch>
+        </p:blipFill>
+        <p:spPr>
+          <a:xfrm>
+            <a:off x="0" y="613142"/>
+            <a:ext cx="12192000" cy="5631715"/>
+          </a:xfrm>
+          <a:prstGeom prst="rect">
+            <a:avLst/>
+          </a:prstGeom>
+        </p:spPr>
+      </p:pic>
+      <p:sp>
+        <p:nvSpPr>
+          <p:cNvPr id="7" name="מלבן: פינות מעוגלות 6">
+            <a:extLst>
+              <a:ext uri="{FF2B5EF4-FFF2-40B4-BE49-F238E27FC236}">
+                <a16:creationId xmlns:a16="http://schemas.microsoft.com/office/drawing/2014/main" id="{9B40696A-0205-ECF0-0BD2-7841899B4300}"/>
+              </a:ext>
+            </a:extLst>
+          </p:cNvPr>
+          <p:cNvSpPr/>
+          <p:nvPr/>
+        </p:nvSpPr>
+        <p:spPr>
+          <a:xfrm>
+            <a:off x="2132401" y="916078"/>
+            <a:ext cx="1551963" cy="746620"/>
+          </a:xfrm>
+          <a:prstGeom prst="roundRect">
+            <a:avLst/>
+          </a:prstGeom>
+        </p:spPr>
+        <p:style>
+          <a:lnRef idx="2">
+            <a:schemeClr val="dk1"/>
+          </a:lnRef>
+          <a:fillRef idx="1">
+            <a:schemeClr val="lt1"/>
+          </a:fillRef>
+          <a:effectRef idx="0">
+            <a:schemeClr val="dk1"/>
+          </a:effectRef>
+          <a:fontRef idx="minor">
+            <a:schemeClr val="dk1"/>
+          </a:fontRef>
+        </p:style>
+        <p:txBody>
+          <a:bodyPr rtlCol="1" anchor="ctr"/>
+          <a:lstStyle/>
+          <a:p>
+            <a:pPr algn="ctr"/>
+            <a:r>
+              <a:rPr lang="en-US" dirty="0"/>
+              <a:t>Header</a:t>
+            </a:r>
+            <a:endParaRPr lang="he-IL" dirty="0"/>
+          </a:p>
+        </p:txBody>
+      </p:sp>
+      <p:cxnSp>
+        <p:nvCxnSpPr>
+          <p:cNvPr id="9" name="מחבר חץ ישר 8">
+            <a:extLst>
+              <a:ext uri="{FF2B5EF4-FFF2-40B4-BE49-F238E27FC236}">
+                <a16:creationId xmlns:a16="http://schemas.microsoft.com/office/drawing/2014/main" id="{C840A39A-E0BF-D4FB-A2F0-D436C436774F}"/>
+              </a:ext>
+            </a:extLst>
+          </p:cNvPr>
+          <p:cNvCxnSpPr>
+            <a:cxnSpLocks/>
+            <a:stCxn id="7" idx="3"/>
+          </p:cNvCxnSpPr>
+          <p:nvPr/>
+        </p:nvCxnSpPr>
+        <p:spPr>
+          <a:xfrm flipV="1">
+            <a:off x="3684364" y="1097280"/>
+            <a:ext cx="452207" cy="192108"/>
+          </a:xfrm>
+          <a:prstGeom prst="straightConnector1">
+            <a:avLst/>
+          </a:prstGeom>
+          <a:ln>
+            <a:tailEnd type="triangle"/>
+          </a:ln>
+        </p:spPr>
+        <p:style>
+          <a:lnRef idx="1">
+            <a:schemeClr val="accent1"/>
+          </a:lnRef>
+          <a:fillRef idx="0">
+            <a:schemeClr val="accent1"/>
+          </a:fillRef>
+          <a:effectRef idx="0">
+            <a:schemeClr val="accent1"/>
+          </a:effectRef>
+          <a:fontRef idx="minor">
+            <a:schemeClr val="tx1"/>
+          </a:fontRef>
+        </p:style>
+      </p:cxnSp>
+      <p:sp>
+        <p:nvSpPr>
+          <p:cNvPr id="14" name="מלבן: פינות מעוגלות 13">
+            <a:extLst>
+              <a:ext uri="{FF2B5EF4-FFF2-40B4-BE49-F238E27FC236}">
+                <a16:creationId xmlns:a16="http://schemas.microsoft.com/office/drawing/2014/main" id="{B52E63AA-7326-D9A7-0943-6818C22512C6}"/>
+              </a:ext>
+            </a:extLst>
+          </p:cNvPr>
+          <p:cNvSpPr/>
+          <p:nvPr/>
+        </p:nvSpPr>
+        <p:spPr>
+          <a:xfrm>
+            <a:off x="1083936" y="2432591"/>
+            <a:ext cx="4077051" cy="370930"/>
+          </a:xfrm>
+          <a:prstGeom prst="roundRect">
+            <a:avLst/>
+          </a:prstGeom>
+        </p:spPr>
+        <p:style>
+          <a:lnRef idx="2">
+            <a:schemeClr val="dk1"/>
+          </a:lnRef>
+          <a:fillRef idx="1">
+            <a:schemeClr val="lt1"/>
+          </a:fillRef>
+          <a:effectRef idx="0">
+            <a:schemeClr val="dk1"/>
+          </a:effectRef>
+          <a:fontRef idx="minor">
+            <a:schemeClr val="dk1"/>
+          </a:fontRef>
+        </p:style>
+        <p:txBody>
+          <a:bodyPr wrap="square" lIns="432000" tIns="0" rIns="36000" bIns="0" rtlCol="1" anchor="ctr">
+            <a:noAutofit/>
+          </a:bodyPr>
+          <a:lstStyle/>
+          <a:p>
+            <a:r>
+              <a:rPr lang="en-US" sz="1400" b="0" dirty="0">
+                <a:solidFill>
+                  <a:srgbClr val="808080"/>
+                </a:solidFill>
+                <a:effectLst/>
+                <a:latin typeface="Consolas" panose="020B0609020204030204" pitchFamily="49" charset="0"/>
+              </a:rPr>
+              <a:t>&lt;</a:t>
+            </a:r>
+            <a:r>
+              <a:rPr lang="en-US" sz="1400" b="0" dirty="0">
+                <a:solidFill>
+                  <a:srgbClr val="569CD6"/>
+                </a:solidFill>
+                <a:effectLst/>
+                <a:latin typeface="Consolas" panose="020B0609020204030204" pitchFamily="49" charset="0"/>
+              </a:rPr>
+              <a:t>a</a:t>
+            </a:r>
+            <a:r>
+              <a:rPr lang="en-US" sz="1400" b="0" dirty="0">
+                <a:solidFill>
+                  <a:srgbClr val="D4D4D4"/>
+                </a:solidFill>
+                <a:effectLst/>
+                <a:latin typeface="Consolas" panose="020B0609020204030204" pitchFamily="49" charset="0"/>
+              </a:rPr>
+              <a:t> </a:t>
+            </a:r>
+            <a:r>
+              <a:rPr lang="en-US" sz="1400" b="0" dirty="0">
+                <a:solidFill>
+                  <a:srgbClr val="9CDCFE"/>
+                </a:solidFill>
+                <a:effectLst/>
+                <a:latin typeface="Consolas" panose="020B0609020204030204" pitchFamily="49" charset="0"/>
+              </a:rPr>
+              <a:t>onclick</a:t>
+            </a:r>
+            <a:r>
+              <a:rPr lang="en-US" sz="1400" b="0" dirty="0">
+                <a:solidFill>
+                  <a:srgbClr val="D4D4D4"/>
+                </a:solidFill>
+                <a:effectLst/>
+                <a:latin typeface="Consolas" panose="020B0609020204030204" pitchFamily="49" charset="0"/>
+              </a:rPr>
+              <a:t>=</a:t>
+            </a:r>
+            <a:r>
+              <a:rPr lang="en-US" sz="1400" b="0" dirty="0">
+                <a:solidFill>
+                  <a:srgbClr val="CE9178"/>
+                </a:solidFill>
+                <a:effectLst/>
+                <a:latin typeface="Consolas" panose="020B0609020204030204" pitchFamily="49" charset="0"/>
+              </a:rPr>
+              <a:t>"</a:t>
+            </a:r>
+            <a:r>
+              <a:rPr lang="en-US" sz="1400" b="0" dirty="0" err="1">
+                <a:solidFill>
+                  <a:srgbClr val="DCDCAA"/>
+                </a:solidFill>
+                <a:effectLst/>
+                <a:latin typeface="Consolas" panose="020B0609020204030204" pitchFamily="49" charset="0"/>
+              </a:rPr>
+              <a:t>initializeGame</a:t>
+            </a:r>
+            <a:r>
+              <a:rPr lang="en-US" sz="1400" b="0" dirty="0">
+                <a:solidFill>
+                  <a:srgbClr val="CE9178"/>
+                </a:solidFill>
+                <a:effectLst/>
+                <a:latin typeface="Consolas" panose="020B0609020204030204" pitchFamily="49" charset="0"/>
+              </a:rPr>
+              <a:t>()“</a:t>
+            </a:r>
+            <a:r>
+              <a:rPr lang="en-US" sz="1400" b="0" dirty="0">
+                <a:solidFill>
+                  <a:srgbClr val="808080"/>
+                </a:solidFill>
+                <a:effectLst/>
+                <a:latin typeface="Consolas" panose="020B0609020204030204" pitchFamily="49" charset="0"/>
+              </a:rPr>
+              <a:t>&gt;&lt;/</a:t>
+            </a:r>
+            <a:r>
+              <a:rPr lang="en-US" sz="1400" b="0" dirty="0">
+                <a:solidFill>
+                  <a:srgbClr val="569CD6"/>
+                </a:solidFill>
+                <a:effectLst/>
+                <a:latin typeface="Consolas" panose="020B0609020204030204" pitchFamily="49" charset="0"/>
+              </a:rPr>
+              <a:t>a</a:t>
+            </a:r>
+            <a:r>
+              <a:rPr lang="en-US" sz="1400" b="0" dirty="0">
+                <a:solidFill>
+                  <a:srgbClr val="808080"/>
+                </a:solidFill>
+                <a:effectLst/>
+                <a:latin typeface="Consolas" panose="020B0609020204030204" pitchFamily="49" charset="0"/>
+              </a:rPr>
+              <a:t>&gt;</a:t>
+            </a:r>
+            <a:endParaRPr lang="en-US" sz="1400" b="0" dirty="0">
+              <a:solidFill>
+                <a:srgbClr val="D4D4D4"/>
+              </a:solidFill>
+              <a:effectLst/>
+              <a:latin typeface="Consolas" panose="020B0609020204030204" pitchFamily="49" charset="0"/>
+            </a:endParaRPr>
+          </a:p>
+        </p:txBody>
+      </p:sp>
+      <p:sp>
+        <p:nvSpPr>
+          <p:cNvPr id="18" name="מלבן: פינות מעוגלות 17">
+            <a:extLst>
+              <a:ext uri="{FF2B5EF4-FFF2-40B4-BE49-F238E27FC236}">
+                <a16:creationId xmlns:a16="http://schemas.microsoft.com/office/drawing/2014/main" id="{4A5706F4-B9AD-DB03-F10C-808C73B2E2F4}"/>
+              </a:ext>
+            </a:extLst>
+          </p:cNvPr>
+          <p:cNvSpPr/>
+          <p:nvPr/>
+        </p:nvSpPr>
+        <p:spPr>
+          <a:xfrm>
+            <a:off x="8734697" y="2803521"/>
+            <a:ext cx="3132000" cy="900000"/>
+          </a:xfrm>
+          <a:prstGeom prst="roundRect">
+            <a:avLst/>
+          </a:prstGeom>
+        </p:spPr>
+        <p:style>
+          <a:lnRef idx="2">
+            <a:schemeClr val="dk1"/>
+          </a:lnRef>
+          <a:fillRef idx="1">
+            <a:schemeClr val="lt1"/>
+          </a:fillRef>
+          <a:effectRef idx="0">
+            <a:schemeClr val="dk1"/>
+          </a:effectRef>
+          <a:fontRef idx="minor">
+            <a:schemeClr val="dk1"/>
+          </a:fontRef>
+        </p:style>
+        <p:txBody>
+          <a:bodyPr wrap="square" lIns="432000" tIns="0" rIns="36000" bIns="0" rtlCol="1" anchor="ctr">
+            <a:noAutofit/>
+          </a:bodyPr>
+          <a:lstStyle/>
+          <a:p>
+            <a:r>
+              <a:rPr lang="en-US" sz="1400" b="0" dirty="0">
+                <a:solidFill>
+                  <a:srgbClr val="808080"/>
+                </a:solidFill>
+                <a:effectLst/>
+                <a:latin typeface="Consolas" panose="020B0609020204030204" pitchFamily="49" charset="0"/>
+              </a:rPr>
+              <a:t>&lt;</a:t>
+            </a:r>
+            <a:r>
+              <a:rPr lang="en-US" sz="1400" b="0" dirty="0">
+                <a:solidFill>
+                  <a:srgbClr val="569CD6"/>
+                </a:solidFill>
+                <a:effectLst/>
+                <a:latin typeface="Consolas" panose="020B0609020204030204" pitchFamily="49" charset="0"/>
+              </a:rPr>
+              <a:t>input</a:t>
+            </a:r>
+            <a:r>
+              <a:rPr lang="en-US" sz="1400" b="0" dirty="0">
+                <a:solidFill>
+                  <a:srgbClr val="D4D4D4"/>
+                </a:solidFill>
+                <a:effectLst/>
+                <a:latin typeface="Consolas" panose="020B0609020204030204" pitchFamily="49" charset="0"/>
+              </a:rPr>
+              <a:t> </a:t>
+            </a:r>
+            <a:r>
+              <a:rPr lang="en-US" sz="1400" b="0" dirty="0">
+                <a:solidFill>
+                  <a:srgbClr val="9CDCFE"/>
+                </a:solidFill>
+                <a:effectLst/>
+                <a:latin typeface="Consolas" panose="020B0609020204030204" pitchFamily="49" charset="0"/>
+              </a:rPr>
+              <a:t>type</a:t>
+            </a:r>
+            <a:r>
+              <a:rPr lang="en-US" sz="1400" b="0" dirty="0">
+                <a:solidFill>
+                  <a:srgbClr val="D4D4D4"/>
+                </a:solidFill>
+                <a:effectLst/>
+                <a:latin typeface="Consolas" panose="020B0609020204030204" pitchFamily="49" charset="0"/>
+              </a:rPr>
+              <a:t>=</a:t>
+            </a:r>
+            <a:r>
+              <a:rPr lang="en-US" sz="1400" b="0" dirty="0">
+                <a:solidFill>
+                  <a:srgbClr val="CE9178"/>
+                </a:solidFill>
+                <a:effectLst/>
+                <a:latin typeface="Consolas" panose="020B0609020204030204" pitchFamily="49" charset="0"/>
+              </a:rPr>
+              <a:t>"checkbox"</a:t>
+            </a:r>
+            <a:r>
+              <a:rPr lang="en-US" sz="1400" b="0" dirty="0">
+                <a:solidFill>
+                  <a:srgbClr val="D4D4D4"/>
+                </a:solidFill>
+                <a:effectLst/>
+                <a:latin typeface="Consolas" panose="020B0609020204030204" pitchFamily="49" charset="0"/>
+              </a:rPr>
+              <a:t> </a:t>
+            </a:r>
+            <a:r>
+              <a:rPr lang="en-US" sz="1400" b="0" dirty="0">
+                <a:solidFill>
+                  <a:srgbClr val="9CDCFE"/>
+                </a:solidFill>
+                <a:effectLst/>
+                <a:latin typeface="Consolas" panose="020B0609020204030204" pitchFamily="49" charset="0"/>
+              </a:rPr>
+              <a:t>id</a:t>
+            </a:r>
+            <a:r>
+              <a:rPr lang="en-US" sz="1400" b="0" dirty="0">
+                <a:solidFill>
+                  <a:srgbClr val="D4D4D4"/>
+                </a:solidFill>
+                <a:effectLst/>
+                <a:latin typeface="Consolas" panose="020B0609020204030204" pitchFamily="49" charset="0"/>
+              </a:rPr>
+              <a:t>=</a:t>
+            </a:r>
+            <a:r>
+              <a:rPr lang="en-US" sz="1400" b="0" dirty="0">
+                <a:solidFill>
+                  <a:srgbClr val="CE9178"/>
+                </a:solidFill>
+                <a:effectLst/>
+                <a:latin typeface="Consolas" panose="020B0609020204030204" pitchFamily="49" charset="0"/>
+              </a:rPr>
+              <a:t>"</a:t>
+            </a:r>
+            <a:r>
+              <a:rPr lang="en-US" sz="1400" b="0" dirty="0" err="1">
+                <a:solidFill>
+                  <a:srgbClr val="CE9178"/>
+                </a:solidFill>
+                <a:effectLst/>
+                <a:latin typeface="Consolas" panose="020B0609020204030204" pitchFamily="49" charset="0"/>
+              </a:rPr>
+              <a:t>comboCantGoBack</a:t>
+            </a:r>
+            <a:r>
+              <a:rPr lang="en-US" sz="1400" b="0" dirty="0">
+                <a:solidFill>
+                  <a:srgbClr val="CE9178"/>
+                </a:solidFill>
+                <a:effectLst/>
+                <a:latin typeface="Consolas" panose="020B0609020204030204" pitchFamily="49" charset="0"/>
+              </a:rPr>
+              <a:t>"</a:t>
+            </a:r>
+            <a:r>
+              <a:rPr lang="en-US" sz="1400" b="0" dirty="0">
+                <a:solidFill>
+                  <a:srgbClr val="D4D4D4"/>
+                </a:solidFill>
+                <a:effectLst/>
+                <a:latin typeface="Consolas" panose="020B0609020204030204" pitchFamily="49" charset="0"/>
+              </a:rPr>
+              <a:t> </a:t>
+            </a:r>
+            <a:r>
+              <a:rPr lang="en-US" sz="1400" b="0" dirty="0">
+                <a:solidFill>
+                  <a:srgbClr val="9CDCFE"/>
+                </a:solidFill>
+                <a:effectLst/>
+                <a:latin typeface="Consolas" panose="020B0609020204030204" pitchFamily="49" charset="0"/>
+              </a:rPr>
+              <a:t>name</a:t>
+            </a:r>
+            <a:r>
+              <a:rPr lang="en-US" sz="1400" b="0" dirty="0">
+                <a:solidFill>
+                  <a:srgbClr val="D4D4D4"/>
+                </a:solidFill>
+                <a:effectLst/>
+                <a:latin typeface="Consolas" panose="020B0609020204030204" pitchFamily="49" charset="0"/>
+              </a:rPr>
+              <a:t>=</a:t>
+            </a:r>
+            <a:r>
+              <a:rPr lang="en-US" sz="1400" b="0" dirty="0">
+                <a:solidFill>
+                  <a:srgbClr val="CE9178"/>
+                </a:solidFill>
+                <a:effectLst/>
+                <a:latin typeface="Consolas" panose="020B0609020204030204" pitchFamily="49" charset="0"/>
+              </a:rPr>
+              <a:t>"</a:t>
+            </a:r>
+            <a:r>
+              <a:rPr lang="en-US" sz="1400" b="0" dirty="0" err="1">
+                <a:solidFill>
+                  <a:srgbClr val="CE9178"/>
+                </a:solidFill>
+                <a:effectLst/>
+                <a:latin typeface="Consolas" panose="020B0609020204030204" pitchFamily="49" charset="0"/>
+              </a:rPr>
+              <a:t>comboCantGoBack</a:t>
+            </a:r>
+            <a:r>
+              <a:rPr lang="en-US" sz="1400" b="0" dirty="0">
+                <a:solidFill>
+                  <a:srgbClr val="CE9178"/>
+                </a:solidFill>
+                <a:effectLst/>
+                <a:latin typeface="Consolas" panose="020B0609020204030204" pitchFamily="49" charset="0"/>
+              </a:rPr>
+              <a:t>"</a:t>
+            </a:r>
+            <a:r>
+              <a:rPr lang="en-US" sz="1400" b="0" dirty="0">
+                <a:solidFill>
+                  <a:srgbClr val="D4D4D4"/>
+                </a:solidFill>
+                <a:effectLst/>
+                <a:latin typeface="Consolas" panose="020B0609020204030204" pitchFamily="49" charset="0"/>
+              </a:rPr>
+              <a:t> </a:t>
+            </a:r>
+            <a:r>
+              <a:rPr lang="en-US" sz="1400" b="0" dirty="0">
+                <a:solidFill>
+                  <a:srgbClr val="808080"/>
+                </a:solidFill>
+                <a:effectLst/>
+                <a:latin typeface="Consolas" panose="020B0609020204030204" pitchFamily="49" charset="0"/>
+              </a:rPr>
+              <a:t>/&gt;</a:t>
+            </a:r>
+            <a:endParaRPr lang="en-US" sz="1400" b="0" dirty="0">
+              <a:solidFill>
+                <a:srgbClr val="D4D4D4"/>
+              </a:solidFill>
+              <a:effectLst/>
+              <a:latin typeface="Consolas" panose="020B0609020204030204" pitchFamily="49" charset="0"/>
+            </a:endParaRPr>
+          </a:p>
+        </p:txBody>
+      </p:sp>
+      <p:cxnSp>
+        <p:nvCxnSpPr>
+          <p:cNvPr id="23" name="מחבר חץ ישר 22">
+            <a:extLst>
+              <a:ext uri="{FF2B5EF4-FFF2-40B4-BE49-F238E27FC236}">
+                <a16:creationId xmlns:a16="http://schemas.microsoft.com/office/drawing/2014/main" id="{9B57E8CD-22D1-9754-55D8-F573C8E3B7B5}"/>
+              </a:ext>
+            </a:extLst>
+          </p:cNvPr>
+          <p:cNvCxnSpPr>
+            <a:stCxn id="14" idx="3"/>
+          </p:cNvCxnSpPr>
+          <p:nvPr/>
+        </p:nvCxnSpPr>
+        <p:spPr>
+          <a:xfrm>
+            <a:off x="5160987" y="2618056"/>
+            <a:ext cx="569253" cy="11933"/>
+          </a:xfrm>
+          <a:prstGeom prst="straightConnector1">
+            <a:avLst/>
+          </a:prstGeom>
+          <a:ln>
+            <a:tailEnd type="triangle"/>
+          </a:ln>
+        </p:spPr>
+        <p:style>
+          <a:lnRef idx="1">
+            <a:schemeClr val="accent1"/>
+          </a:lnRef>
+          <a:fillRef idx="0">
+            <a:schemeClr val="accent1"/>
+          </a:fillRef>
+          <a:effectRef idx="0">
+            <a:schemeClr val="accent1"/>
+          </a:effectRef>
+          <a:fontRef idx="minor">
+            <a:schemeClr val="tx1"/>
+          </a:fontRef>
+        </p:style>
+      </p:cxnSp>
+      <p:sp>
+        <p:nvSpPr>
+          <p:cNvPr id="24" name="מלבן: פינות מעוגלות 23">
+            <a:extLst>
+              <a:ext uri="{FF2B5EF4-FFF2-40B4-BE49-F238E27FC236}">
+                <a16:creationId xmlns:a16="http://schemas.microsoft.com/office/drawing/2014/main" id="{00DDC9BA-6A7B-BAA7-43EA-23200F321370}"/>
+              </a:ext>
+            </a:extLst>
+          </p:cNvPr>
+          <p:cNvSpPr/>
+          <p:nvPr/>
+        </p:nvSpPr>
+        <p:spPr>
+          <a:xfrm>
+            <a:off x="8734697" y="4074189"/>
+            <a:ext cx="3204000" cy="900000"/>
+          </a:xfrm>
+          <a:prstGeom prst="roundRect">
+            <a:avLst/>
+          </a:prstGeom>
+        </p:spPr>
+        <p:style>
+          <a:lnRef idx="2">
+            <a:schemeClr val="dk1"/>
+          </a:lnRef>
+          <a:fillRef idx="1">
+            <a:schemeClr val="lt1"/>
+          </a:fillRef>
+          <a:effectRef idx="0">
+            <a:schemeClr val="dk1"/>
+          </a:effectRef>
+          <a:fontRef idx="minor">
+            <a:schemeClr val="dk1"/>
+          </a:fontRef>
+        </p:style>
+        <p:txBody>
+          <a:bodyPr wrap="square" lIns="432000" tIns="0" rIns="36000" bIns="0" rtlCol="1" anchor="ctr">
+            <a:noAutofit/>
+          </a:bodyPr>
+          <a:lstStyle/>
+          <a:p>
+            <a:r>
+              <a:rPr lang="en-US" sz="1400" b="0" dirty="0">
+                <a:solidFill>
+                  <a:srgbClr val="808080"/>
+                </a:solidFill>
+                <a:effectLst/>
+                <a:latin typeface="Consolas" panose="020B0609020204030204" pitchFamily="49" charset="0"/>
+              </a:rPr>
+              <a:t>&lt;</a:t>
+            </a:r>
+            <a:r>
+              <a:rPr lang="en-US" sz="1400" b="0" dirty="0">
+                <a:solidFill>
+                  <a:srgbClr val="569CD6"/>
+                </a:solidFill>
+                <a:effectLst/>
+                <a:latin typeface="Consolas" panose="020B0609020204030204" pitchFamily="49" charset="0"/>
+              </a:rPr>
+              <a:t>input</a:t>
+            </a:r>
+            <a:r>
+              <a:rPr lang="en-US" sz="1400" b="0" dirty="0">
+                <a:solidFill>
+                  <a:srgbClr val="D4D4D4"/>
+                </a:solidFill>
+                <a:effectLst/>
+                <a:latin typeface="Consolas" panose="020B0609020204030204" pitchFamily="49" charset="0"/>
+              </a:rPr>
+              <a:t> </a:t>
+            </a:r>
+            <a:r>
+              <a:rPr lang="en-US" sz="1400" b="0" dirty="0">
+                <a:solidFill>
+                  <a:srgbClr val="9CDCFE"/>
+                </a:solidFill>
+                <a:effectLst/>
+                <a:latin typeface="Consolas" panose="020B0609020204030204" pitchFamily="49" charset="0"/>
+              </a:rPr>
+              <a:t>type</a:t>
+            </a:r>
+            <a:r>
+              <a:rPr lang="en-US" sz="1400" b="0" dirty="0">
+                <a:solidFill>
+                  <a:srgbClr val="D4D4D4"/>
+                </a:solidFill>
+                <a:effectLst/>
+                <a:latin typeface="Consolas" panose="020B0609020204030204" pitchFamily="49" charset="0"/>
+              </a:rPr>
+              <a:t>=</a:t>
+            </a:r>
+            <a:r>
+              <a:rPr lang="en-US" sz="1400" b="0" dirty="0">
+                <a:solidFill>
+                  <a:srgbClr val="CE9178"/>
+                </a:solidFill>
+                <a:effectLst/>
+                <a:latin typeface="Consolas" panose="020B0609020204030204" pitchFamily="49" charset="0"/>
+              </a:rPr>
+              <a:t>"checkbox"</a:t>
+            </a:r>
+            <a:r>
+              <a:rPr lang="en-US" sz="1400" b="0" dirty="0">
+                <a:solidFill>
+                  <a:srgbClr val="D4D4D4"/>
+                </a:solidFill>
+                <a:effectLst/>
+                <a:latin typeface="Consolas" panose="020B0609020204030204" pitchFamily="49" charset="0"/>
+              </a:rPr>
+              <a:t> </a:t>
+            </a:r>
+            <a:br>
+              <a:rPr lang="en-US" sz="1400" b="0" dirty="0">
+                <a:solidFill>
+                  <a:srgbClr val="D4D4D4"/>
+                </a:solidFill>
+                <a:effectLst/>
+                <a:latin typeface="Consolas" panose="020B0609020204030204" pitchFamily="49" charset="0"/>
+              </a:rPr>
+            </a:br>
+            <a:r>
+              <a:rPr lang="en-US" sz="1400" b="0" dirty="0">
+                <a:solidFill>
+                  <a:srgbClr val="9CDCFE"/>
+                </a:solidFill>
+                <a:effectLst/>
+                <a:latin typeface="Consolas" panose="020B0609020204030204" pitchFamily="49" charset="0"/>
+              </a:rPr>
+              <a:t>id</a:t>
+            </a:r>
+            <a:r>
+              <a:rPr lang="en-US" sz="1400" b="0" dirty="0">
+                <a:solidFill>
+                  <a:srgbClr val="D4D4D4"/>
+                </a:solidFill>
+                <a:effectLst/>
+                <a:latin typeface="Consolas" panose="020B0609020204030204" pitchFamily="49" charset="0"/>
+              </a:rPr>
+              <a:t>= </a:t>
+            </a:r>
+            <a:r>
+              <a:rPr lang="en-US" sz="1400" b="0" dirty="0">
+                <a:solidFill>
+                  <a:srgbClr val="CE9178"/>
+                </a:solidFill>
+                <a:effectLst/>
+                <a:latin typeface="Consolas" panose="020B0609020204030204" pitchFamily="49" charset="0"/>
+              </a:rPr>
+              <a:t>"</a:t>
+            </a:r>
+            <a:r>
+              <a:rPr lang="en-US" sz="1400" b="0" dirty="0" err="1">
+                <a:solidFill>
+                  <a:srgbClr val="CE9178"/>
+                </a:solidFill>
+                <a:effectLst/>
+                <a:latin typeface="Consolas" panose="020B0609020204030204" pitchFamily="49" charset="0"/>
+              </a:rPr>
+              <a:t>queenOnlyOneMove</a:t>
+            </a:r>
+            <a:r>
+              <a:rPr lang="en-US" sz="1400" b="0" dirty="0">
+                <a:solidFill>
+                  <a:srgbClr val="CE9178"/>
+                </a:solidFill>
+                <a:effectLst/>
+                <a:latin typeface="Consolas" panose="020B0609020204030204" pitchFamily="49" charset="0"/>
+              </a:rPr>
+              <a:t>"</a:t>
+            </a:r>
+            <a:r>
+              <a:rPr lang="en-US" sz="1400" b="0" dirty="0">
+                <a:solidFill>
+                  <a:srgbClr val="D4D4D4"/>
+                </a:solidFill>
+                <a:effectLst/>
+                <a:latin typeface="Consolas" panose="020B0609020204030204" pitchFamily="49" charset="0"/>
+              </a:rPr>
+              <a:t> </a:t>
+            </a:r>
+            <a:r>
+              <a:rPr lang="en-US" sz="1400" b="0" dirty="0">
+                <a:solidFill>
+                  <a:srgbClr val="9CDCFE"/>
+                </a:solidFill>
+                <a:effectLst/>
+                <a:latin typeface="Consolas" panose="020B0609020204030204" pitchFamily="49" charset="0"/>
+              </a:rPr>
+              <a:t>name</a:t>
+            </a:r>
+            <a:r>
+              <a:rPr lang="en-US" sz="1400" b="0" dirty="0">
+                <a:solidFill>
+                  <a:srgbClr val="D4D4D4"/>
+                </a:solidFill>
+                <a:effectLst/>
+                <a:latin typeface="Consolas" panose="020B0609020204030204" pitchFamily="49" charset="0"/>
+              </a:rPr>
+              <a:t>=</a:t>
+            </a:r>
+            <a:r>
+              <a:rPr lang="en-US" sz="1400" b="0" dirty="0">
+                <a:solidFill>
+                  <a:srgbClr val="CE9178"/>
+                </a:solidFill>
+                <a:effectLst/>
+                <a:latin typeface="Consolas" panose="020B0609020204030204" pitchFamily="49" charset="0"/>
+              </a:rPr>
+              <a:t>"</a:t>
+            </a:r>
+            <a:r>
+              <a:rPr lang="en-US" sz="1400" b="0" dirty="0" err="1">
+                <a:solidFill>
+                  <a:srgbClr val="CE9178"/>
+                </a:solidFill>
+                <a:effectLst/>
+                <a:latin typeface="Consolas" panose="020B0609020204030204" pitchFamily="49" charset="0"/>
+              </a:rPr>
+              <a:t>queenOnlyOneMove</a:t>
+            </a:r>
+            <a:r>
+              <a:rPr lang="en-US" sz="1400" b="0" dirty="0">
+                <a:solidFill>
+                  <a:srgbClr val="CE9178"/>
+                </a:solidFill>
+                <a:effectLst/>
+                <a:latin typeface="Consolas" panose="020B0609020204030204" pitchFamily="49" charset="0"/>
+              </a:rPr>
+              <a:t>“ </a:t>
+            </a:r>
+            <a:r>
+              <a:rPr lang="en-US" sz="1400" b="0" dirty="0">
+                <a:solidFill>
+                  <a:srgbClr val="808080"/>
+                </a:solidFill>
+                <a:effectLst/>
+                <a:latin typeface="Consolas" panose="020B0609020204030204" pitchFamily="49" charset="0"/>
+              </a:rPr>
+              <a:t>/&gt;</a:t>
+            </a:r>
+            <a:endParaRPr lang="en-US" sz="1400" b="0" dirty="0">
+              <a:solidFill>
+                <a:srgbClr val="D4D4D4"/>
+              </a:solidFill>
+              <a:effectLst/>
+              <a:latin typeface="Consolas" panose="020B0609020204030204" pitchFamily="49" charset="0"/>
+            </a:endParaRPr>
+          </a:p>
+        </p:txBody>
+      </p:sp>
+      <p:cxnSp>
+        <p:nvCxnSpPr>
+          <p:cNvPr id="26" name="מחבר חץ ישר 25">
+            <a:extLst>
+              <a:ext uri="{FF2B5EF4-FFF2-40B4-BE49-F238E27FC236}">
+                <a16:creationId xmlns:a16="http://schemas.microsoft.com/office/drawing/2014/main" id="{7FE2B7AD-1FA1-4B42-8816-6B04C137BC9A}"/>
+              </a:ext>
+            </a:extLst>
+          </p:cNvPr>
+          <p:cNvCxnSpPr>
+            <a:cxnSpLocks/>
+          </p:cNvCxnSpPr>
+          <p:nvPr/>
+        </p:nvCxnSpPr>
+        <p:spPr>
+          <a:xfrm flipH="1">
+            <a:off x="8046720" y="3253521"/>
+            <a:ext cx="687977" cy="459176"/>
+          </a:xfrm>
+          <a:prstGeom prst="straightConnector1">
+            <a:avLst/>
+          </a:prstGeom>
+          <a:ln>
+            <a:tailEnd type="triangle"/>
+          </a:ln>
+        </p:spPr>
+        <p:style>
+          <a:lnRef idx="1">
+            <a:schemeClr val="accent1"/>
+          </a:lnRef>
+          <a:fillRef idx="0">
+            <a:schemeClr val="accent1"/>
+          </a:fillRef>
+          <a:effectRef idx="0">
+            <a:schemeClr val="accent1"/>
+          </a:effectRef>
+          <a:fontRef idx="minor">
+            <a:schemeClr val="tx1"/>
+          </a:fontRef>
+        </p:style>
+      </p:cxnSp>
+      <p:cxnSp>
+        <p:nvCxnSpPr>
+          <p:cNvPr id="28" name="מחבר חץ ישר 27">
+            <a:extLst>
+              <a:ext uri="{FF2B5EF4-FFF2-40B4-BE49-F238E27FC236}">
+                <a16:creationId xmlns:a16="http://schemas.microsoft.com/office/drawing/2014/main" id="{D2E1C1DC-457C-9589-85FE-DF390A4994F2}"/>
+              </a:ext>
+            </a:extLst>
+          </p:cNvPr>
+          <p:cNvCxnSpPr>
+            <a:stCxn id="24" idx="1"/>
+          </p:cNvCxnSpPr>
+          <p:nvPr/>
+        </p:nvCxnSpPr>
+        <p:spPr>
+          <a:xfrm flipH="1" flipV="1">
+            <a:off x="7802880" y="4162697"/>
+            <a:ext cx="931817" cy="361492"/>
+          </a:xfrm>
+          <a:prstGeom prst="straightConnector1">
+            <a:avLst/>
+          </a:prstGeom>
+          <a:ln>
+            <a:tailEnd type="triangle"/>
+          </a:ln>
+        </p:spPr>
+        <p:style>
+          <a:lnRef idx="1">
+            <a:schemeClr val="accent1"/>
+          </a:lnRef>
+          <a:fillRef idx="0">
+            <a:schemeClr val="accent1"/>
+          </a:fillRef>
+          <a:effectRef idx="0">
+            <a:schemeClr val="accent1"/>
+          </a:effectRef>
+          <a:fontRef idx="minor">
+            <a:schemeClr val="tx1"/>
+          </a:fontRef>
+        </p:style>
+      </p:cxnSp>
+    </p:spTree>
+    <p:extLst>
+      <p:ext uri="{BB962C8B-B14F-4D97-AF65-F5344CB8AC3E}">
+        <p14:creationId xmlns:p14="http://schemas.microsoft.com/office/powerpoint/2010/main" val="2201817774"/>
+      </p:ext>
+    </p:extLst>
+  </p:cSld>
+  <p:clrMapOvr>
+    <a:masterClrMapping/>
+  </p:clrMapOvr>
+</p:sld>
+</file>
+
+<file path=ppt/slides/slide2.xml><?xml version="1.0" encoding="utf-8"?>
+<p:sld xmlns:a="http://schemas.openxmlformats.org/drawingml/2006/main" xmlns:r="http://schemas.openxmlformats.org/officeDocument/2006/relationships" xmlns:p="http://schemas.openxmlformats.org/presentationml/2006/main">
+  <p:cSld>
+    <p:bg>
+      <p:bgPr>
+        <a:solidFill>
+          <a:schemeClr val="bg1">
+            <a:lumMod val="75000"/>
+          </a:schemeClr>
+        </a:solidFill>
+        <a:effectLst/>
+      </p:bgPr>
+    </p:bg>
+    <p:spTree>
+      <p:nvGrpSpPr>
+        <p:cNvPr id="1" name=""/>
+        <p:cNvGrpSpPr/>
+        <p:nvPr/>
+      </p:nvGrpSpPr>
+      <p:grpSpPr>
+        <a:xfrm>
+          <a:off x="0" y="0"/>
+          <a:ext cx="0" cy="0"/>
+          <a:chOff x="0" y="0"/>
+          <a:chExt cx="0" cy="0"/>
+        </a:xfrm>
+      </p:grpSpPr>
+      <p:pic>
+        <p:nvPicPr>
+          <p:cNvPr id="3" name="תמונה 2">
+            <a:extLst>
+              <a:ext uri="{FF2B5EF4-FFF2-40B4-BE49-F238E27FC236}">
+                <a16:creationId xmlns:a16="http://schemas.microsoft.com/office/drawing/2014/main" id="{7248758D-1271-7671-6EDD-DF000BB5B9C2}"/>
+              </a:ext>
+            </a:extLst>
+          </p:cNvPr>
+          <p:cNvPicPr>
+            <a:picLocks noChangeAspect="1"/>
+          </p:cNvPicPr>
+          <p:nvPr/>
+        </p:nvPicPr>
+        <p:blipFill>
+          <a:blip r:embed="rId2"/>
+          <a:stretch>
+            <a:fillRect/>
+          </a:stretch>
+        </p:blipFill>
+        <p:spPr>
+          <a:xfrm>
+            <a:off x="0" y="596667"/>
+            <a:ext cx="12192000" cy="5664665"/>
+          </a:xfrm>
+          <a:prstGeom prst="rect">
+            <a:avLst/>
+          </a:prstGeom>
+        </p:spPr>
+      </p:pic>
+      <p:sp>
+        <p:nvSpPr>
+          <p:cNvPr id="7" name="מלבן: פינות מעוגלות 6">
+            <a:extLst>
+              <a:ext uri="{FF2B5EF4-FFF2-40B4-BE49-F238E27FC236}">
+                <a16:creationId xmlns:a16="http://schemas.microsoft.com/office/drawing/2014/main" id="{9B40696A-0205-ECF0-0BD2-7841899B4300}"/>
+              </a:ext>
+            </a:extLst>
+          </p:cNvPr>
+          <p:cNvSpPr/>
+          <p:nvPr/>
+        </p:nvSpPr>
+        <p:spPr>
+          <a:xfrm>
+            <a:off x="1463719" y="1225880"/>
+            <a:ext cx="2275014" cy="773809"/>
+          </a:xfrm>
+          <a:prstGeom prst="roundRect">
+            <a:avLst/>
+          </a:prstGeom>
+        </p:spPr>
+        <p:style>
+          <a:lnRef idx="2">
+            <a:schemeClr val="dk1"/>
+          </a:lnRef>
+          <a:fillRef idx="1">
+            <a:schemeClr val="lt1"/>
+          </a:fillRef>
+          <a:effectRef idx="0">
+            <a:schemeClr val="dk1"/>
+          </a:effectRef>
+          <a:fontRef idx="minor">
+            <a:schemeClr val="dk1"/>
+          </a:fontRef>
+        </p:style>
+        <p:txBody>
+          <a:bodyPr tIns="72000" bIns="72000" rtlCol="1" anchor="ctr">
+            <a:spAutoFit/>
+          </a:bodyPr>
+          <a:lstStyle/>
+          <a:p>
+            <a:pPr algn="ctr"/>
+            <a:r>
+              <a:rPr lang="en-US" b="0" dirty="0">
+                <a:solidFill>
+                  <a:srgbClr val="808080"/>
+                </a:solidFill>
+                <a:effectLst/>
+                <a:latin typeface="Consolas" panose="020B0609020204030204" pitchFamily="49" charset="0"/>
+              </a:rPr>
+              <a:t>&lt;</a:t>
+            </a:r>
+            <a:r>
+              <a:rPr lang="en-US" b="0" dirty="0">
+                <a:solidFill>
+                  <a:srgbClr val="569CD6"/>
+                </a:solidFill>
+                <a:effectLst/>
+                <a:latin typeface="Consolas" panose="020B0609020204030204" pitchFamily="49" charset="0"/>
+              </a:rPr>
+              <a:t>div</a:t>
+            </a:r>
+            <a:r>
+              <a:rPr lang="en-US" b="0" dirty="0">
+                <a:solidFill>
+                  <a:srgbClr val="D4D4D4"/>
+                </a:solidFill>
+                <a:effectLst/>
+                <a:latin typeface="Consolas" panose="020B0609020204030204" pitchFamily="49" charset="0"/>
+              </a:rPr>
+              <a:t> </a:t>
+            </a:r>
+            <a:r>
+              <a:rPr lang="en-US" b="0" dirty="0">
+                <a:solidFill>
+                  <a:srgbClr val="9CDCFE"/>
+                </a:solidFill>
+                <a:effectLst/>
+                <a:latin typeface="Consolas" panose="020B0609020204030204" pitchFamily="49" charset="0"/>
+              </a:rPr>
+              <a:t>id</a:t>
+            </a:r>
+            <a:r>
+              <a:rPr lang="en-US" b="0" dirty="0">
+                <a:solidFill>
+                  <a:srgbClr val="D4D4D4"/>
+                </a:solidFill>
+                <a:effectLst/>
+                <a:latin typeface="Consolas" panose="020B0609020204030204" pitchFamily="49" charset="0"/>
+              </a:rPr>
+              <a:t>=</a:t>
+            </a:r>
+            <a:r>
+              <a:rPr lang="en-US" b="0" dirty="0">
+                <a:solidFill>
+                  <a:srgbClr val="CE9178"/>
+                </a:solidFill>
+                <a:effectLst/>
+                <a:latin typeface="Consolas" panose="020B0609020204030204" pitchFamily="49" charset="0"/>
+              </a:rPr>
+              <a:t>"</a:t>
+            </a:r>
+            <a:r>
+              <a:rPr lang="en-US" b="0" dirty="0" err="1">
+                <a:solidFill>
+                  <a:srgbClr val="CE9178"/>
+                </a:solidFill>
+                <a:effectLst/>
+                <a:latin typeface="Consolas" panose="020B0609020204030204" pitchFamily="49" charset="0"/>
+              </a:rPr>
+              <a:t>gameBoard</a:t>
+            </a:r>
+            <a:r>
+              <a:rPr lang="en-US" b="0" dirty="0">
+                <a:solidFill>
+                  <a:srgbClr val="CE9178"/>
+                </a:solidFill>
+                <a:effectLst/>
+                <a:latin typeface="Consolas" panose="020B0609020204030204" pitchFamily="49" charset="0"/>
+              </a:rPr>
+              <a:t>"</a:t>
+            </a:r>
+            <a:r>
+              <a:rPr lang="en-US" b="0" dirty="0">
+                <a:solidFill>
+                  <a:srgbClr val="808080"/>
+                </a:solidFill>
+                <a:effectLst/>
+                <a:latin typeface="Consolas" panose="020B0609020204030204" pitchFamily="49" charset="0"/>
+              </a:rPr>
+              <a:t>&gt;</a:t>
+            </a:r>
+            <a:endParaRPr lang="en-US" b="0" dirty="0">
+              <a:solidFill>
+                <a:srgbClr val="D4D4D4"/>
+              </a:solidFill>
+              <a:effectLst/>
+              <a:latin typeface="Consolas" panose="020B0609020204030204" pitchFamily="49" charset="0"/>
+            </a:endParaRPr>
+          </a:p>
+        </p:txBody>
+      </p:sp>
+      <p:sp>
+        <p:nvSpPr>
+          <p:cNvPr id="14" name="מלבן: פינות מעוגלות 13">
+            <a:extLst>
+              <a:ext uri="{FF2B5EF4-FFF2-40B4-BE49-F238E27FC236}">
+                <a16:creationId xmlns:a16="http://schemas.microsoft.com/office/drawing/2014/main" id="{B52E63AA-7326-D9A7-0943-6818C22512C6}"/>
+              </a:ext>
+            </a:extLst>
+          </p:cNvPr>
+          <p:cNvSpPr/>
+          <p:nvPr/>
+        </p:nvSpPr>
+        <p:spPr>
+          <a:xfrm>
+            <a:off x="7545696" y="1099576"/>
+            <a:ext cx="4077051" cy="370930"/>
+          </a:xfrm>
+          <a:prstGeom prst="roundRect">
+            <a:avLst/>
+          </a:prstGeom>
+        </p:spPr>
+        <p:style>
+          <a:lnRef idx="2">
+            <a:schemeClr val="dk1"/>
+          </a:lnRef>
+          <a:fillRef idx="1">
+            <a:schemeClr val="lt1"/>
+          </a:fillRef>
+          <a:effectRef idx="0">
+            <a:schemeClr val="dk1"/>
+          </a:effectRef>
+          <a:fontRef idx="minor">
+            <a:schemeClr val="dk1"/>
+          </a:fontRef>
+        </p:style>
+        <p:txBody>
+          <a:bodyPr wrap="square" lIns="432000" tIns="0" rIns="36000" bIns="0" rtlCol="1" anchor="ctr">
+            <a:noAutofit/>
+          </a:bodyPr>
+          <a:lstStyle/>
+          <a:p>
+            <a:r>
+              <a:rPr lang="en-US" sz="1400" b="0" dirty="0">
+                <a:solidFill>
+                  <a:srgbClr val="CE9178"/>
+                </a:solidFill>
+                <a:effectLst/>
+                <a:latin typeface="Consolas" panose="020B0609020204030204" pitchFamily="49" charset="0"/>
+              </a:rPr>
+              <a:t>&lt;h2 id="turn-h" class="black-turn"&gt;</a:t>
+            </a:r>
+            <a:endParaRPr lang="en-US" sz="1400" b="0" dirty="0">
+              <a:solidFill>
+                <a:srgbClr val="D4D4D4"/>
+              </a:solidFill>
+              <a:effectLst/>
+              <a:latin typeface="Consolas" panose="020B0609020204030204" pitchFamily="49" charset="0"/>
+            </a:endParaRPr>
+          </a:p>
+        </p:txBody>
+      </p:sp>
+      <p:sp>
+        <p:nvSpPr>
+          <p:cNvPr id="18" name="מלבן: פינות מעוגלות 17">
+            <a:extLst>
+              <a:ext uri="{FF2B5EF4-FFF2-40B4-BE49-F238E27FC236}">
+                <a16:creationId xmlns:a16="http://schemas.microsoft.com/office/drawing/2014/main" id="{4A5706F4-B9AD-DB03-F10C-808C73B2E2F4}"/>
+              </a:ext>
+            </a:extLst>
+          </p:cNvPr>
+          <p:cNvSpPr/>
+          <p:nvPr/>
+        </p:nvSpPr>
+        <p:spPr>
+          <a:xfrm>
+            <a:off x="8628788" y="1752221"/>
+            <a:ext cx="2112268" cy="692788"/>
+          </a:xfrm>
+          <a:prstGeom prst="roundRect">
+            <a:avLst/>
+          </a:prstGeom>
+        </p:spPr>
+        <p:style>
+          <a:lnRef idx="2">
+            <a:schemeClr val="dk1"/>
+          </a:lnRef>
+          <a:fillRef idx="1">
+            <a:schemeClr val="lt1"/>
+          </a:fillRef>
+          <a:effectRef idx="0">
+            <a:schemeClr val="dk1"/>
+          </a:effectRef>
+          <a:fontRef idx="minor">
+            <a:schemeClr val="dk1"/>
+          </a:fontRef>
+        </p:style>
+        <p:txBody>
+          <a:bodyPr wrap="square" lIns="432000" tIns="0" rIns="36000" bIns="0" rtlCol="1" anchor="ctr">
+            <a:noAutofit/>
+          </a:bodyPr>
+          <a:lstStyle/>
+          <a:p>
+            <a:r>
+              <a:rPr lang="en-US" sz="1400" b="0" dirty="0">
+                <a:solidFill>
+                  <a:srgbClr val="808080"/>
+                </a:solidFill>
+                <a:effectLst/>
+                <a:latin typeface="Consolas" panose="020B0609020204030204" pitchFamily="49" charset="0"/>
+              </a:rPr>
+              <a:t>&lt;table&gt;&lt;/table&gt;</a:t>
+            </a:r>
+            <a:br>
+              <a:rPr lang="en-US" sz="1400" b="0" dirty="0">
+                <a:solidFill>
+                  <a:srgbClr val="808080"/>
+                </a:solidFill>
+                <a:effectLst/>
+                <a:latin typeface="Consolas" panose="020B0609020204030204" pitchFamily="49" charset="0"/>
+              </a:rPr>
+            </a:br>
+            <a:r>
+              <a:rPr lang="en-US" sz="1400" b="0" dirty="0">
+                <a:solidFill>
+                  <a:srgbClr val="808080"/>
+                </a:solidFill>
+                <a:effectLst/>
+                <a:latin typeface="Consolas" panose="020B0609020204030204" pitchFamily="49" charset="0"/>
+              </a:rPr>
+              <a:t>Element</a:t>
+            </a:r>
+            <a:endParaRPr lang="en-US" sz="1400" b="0" dirty="0">
+              <a:solidFill>
+                <a:srgbClr val="D4D4D4"/>
+              </a:solidFill>
+              <a:effectLst/>
+              <a:latin typeface="Consolas" panose="020B0609020204030204" pitchFamily="49" charset="0"/>
+            </a:endParaRPr>
+          </a:p>
+        </p:txBody>
+      </p:sp>
+      <p:sp>
+        <p:nvSpPr>
+          <p:cNvPr id="24" name="מלבן: פינות מעוגלות 23">
+            <a:extLst>
+              <a:ext uri="{FF2B5EF4-FFF2-40B4-BE49-F238E27FC236}">
+                <a16:creationId xmlns:a16="http://schemas.microsoft.com/office/drawing/2014/main" id="{00DDC9BA-6A7B-BAA7-43EA-23200F321370}"/>
+              </a:ext>
+            </a:extLst>
+          </p:cNvPr>
+          <p:cNvSpPr/>
+          <p:nvPr/>
+        </p:nvSpPr>
+        <p:spPr>
+          <a:xfrm>
+            <a:off x="69668" y="3433557"/>
+            <a:ext cx="4606835" cy="632795"/>
+          </a:xfrm>
+          <a:prstGeom prst="roundRect">
+            <a:avLst/>
+          </a:prstGeom>
+        </p:spPr>
+        <p:style>
+          <a:lnRef idx="2">
+            <a:schemeClr val="dk1"/>
+          </a:lnRef>
+          <a:fillRef idx="1">
+            <a:schemeClr val="lt1"/>
+          </a:fillRef>
+          <a:effectRef idx="0">
+            <a:schemeClr val="dk1"/>
+          </a:effectRef>
+          <a:fontRef idx="minor">
+            <a:schemeClr val="dk1"/>
+          </a:fontRef>
+        </p:style>
+        <p:txBody>
+          <a:bodyPr wrap="square" lIns="432000" tIns="0" rIns="36000" bIns="0" rtlCol="1" anchor="ctr">
+            <a:noAutofit/>
+          </a:bodyPr>
+          <a:lstStyle/>
+          <a:p>
+            <a:r>
+              <a:rPr lang="en-US" sz="1400" b="0" dirty="0">
+                <a:solidFill>
+                  <a:srgbClr val="9CDCFE"/>
+                </a:solidFill>
+                <a:effectLst/>
+                <a:latin typeface="Consolas" panose="020B0609020204030204" pitchFamily="49" charset="0"/>
+              </a:rPr>
+              <a:t>Function </a:t>
+            </a:r>
+            <a:r>
+              <a:rPr lang="en-US" sz="1400" b="0" dirty="0" err="1">
+                <a:solidFill>
+                  <a:srgbClr val="9CDCFE"/>
+                </a:solidFill>
+                <a:effectLst/>
+                <a:latin typeface="Consolas" panose="020B0609020204030204" pitchFamily="49" charset="0"/>
+              </a:rPr>
+              <a:t>paintBoard</a:t>
+            </a:r>
+            <a:r>
+              <a:rPr lang="en-US" sz="1400" b="0" dirty="0">
+                <a:solidFill>
+                  <a:srgbClr val="9CDCFE"/>
+                </a:solidFill>
+                <a:effectLst/>
+                <a:latin typeface="Consolas" panose="020B0609020204030204" pitchFamily="49" charset="0"/>
+              </a:rPr>
+              <a:t>() </a:t>
+            </a:r>
+            <a:br>
+              <a:rPr lang="en-US" sz="1400" b="0" dirty="0">
+                <a:solidFill>
+                  <a:srgbClr val="9CDCFE"/>
+                </a:solidFill>
+                <a:effectLst/>
+                <a:latin typeface="Consolas" panose="020B0609020204030204" pitchFamily="49" charset="0"/>
+              </a:rPr>
+            </a:br>
+            <a:r>
+              <a:rPr lang="en-US" sz="1400" b="0" dirty="0" err="1">
+                <a:solidFill>
+                  <a:srgbClr val="9CDCFE"/>
+                </a:solidFill>
+                <a:effectLst/>
+                <a:latin typeface="Consolas" panose="020B0609020204030204" pitchFamily="49" charset="0"/>
+              </a:rPr>
+              <a:t>tdElement</a:t>
+            </a:r>
+            <a:r>
+              <a:rPr lang="en-US" sz="1400" b="0" dirty="0" err="1">
+                <a:solidFill>
+                  <a:srgbClr val="D4D4D4"/>
+                </a:solidFill>
+                <a:effectLst/>
+                <a:latin typeface="Consolas" panose="020B0609020204030204" pitchFamily="49" charset="0"/>
+              </a:rPr>
+              <a:t>.</a:t>
+            </a:r>
+            <a:r>
+              <a:rPr lang="en-US" sz="1400" b="0" dirty="0" err="1">
+                <a:solidFill>
+                  <a:srgbClr val="4FC1FF"/>
+                </a:solidFill>
+                <a:effectLst/>
+                <a:latin typeface="Consolas" panose="020B0609020204030204" pitchFamily="49" charset="0"/>
+              </a:rPr>
+              <a:t>classList</a:t>
+            </a:r>
+            <a:r>
+              <a:rPr lang="en-US" sz="1400" b="0" dirty="0" err="1">
+                <a:solidFill>
+                  <a:srgbClr val="D4D4D4"/>
+                </a:solidFill>
+                <a:effectLst/>
+                <a:latin typeface="Consolas" panose="020B0609020204030204" pitchFamily="49" charset="0"/>
+              </a:rPr>
+              <a:t>.</a:t>
+            </a:r>
+            <a:r>
+              <a:rPr lang="en-US" sz="1400" b="0" dirty="0" err="1">
+                <a:solidFill>
+                  <a:srgbClr val="DCDCAA"/>
+                </a:solidFill>
+                <a:effectLst/>
+                <a:latin typeface="Consolas" panose="020B0609020204030204" pitchFamily="49" charset="0"/>
+              </a:rPr>
+              <a:t>add</a:t>
+            </a:r>
+            <a:r>
+              <a:rPr lang="en-US" sz="1400" b="0" dirty="0">
+                <a:solidFill>
+                  <a:srgbClr val="D4D4D4"/>
+                </a:solidFill>
+                <a:effectLst/>
+                <a:latin typeface="Consolas" panose="020B0609020204030204" pitchFamily="49" charset="0"/>
+              </a:rPr>
+              <a:t>(</a:t>
+            </a:r>
+            <a:r>
+              <a:rPr lang="en-US" sz="1400" b="0" dirty="0">
+                <a:solidFill>
+                  <a:srgbClr val="CE9178"/>
+                </a:solidFill>
+                <a:effectLst/>
+                <a:latin typeface="Consolas" panose="020B0609020204030204" pitchFamily="49" charset="0"/>
+              </a:rPr>
+              <a:t>'dark-cell'</a:t>
+            </a:r>
+            <a:r>
+              <a:rPr lang="en-US" sz="1400" b="0" dirty="0">
+                <a:solidFill>
+                  <a:srgbClr val="D4D4D4"/>
+                </a:solidFill>
+                <a:effectLst/>
+                <a:latin typeface="Consolas" panose="020B0609020204030204" pitchFamily="49" charset="0"/>
+              </a:rPr>
+              <a:t>);</a:t>
+            </a:r>
+          </a:p>
+        </p:txBody>
+      </p:sp>
+      <p:cxnSp>
+        <p:nvCxnSpPr>
+          <p:cNvPr id="26" name="מחבר חץ ישר 25">
+            <a:extLst>
+              <a:ext uri="{FF2B5EF4-FFF2-40B4-BE49-F238E27FC236}">
+                <a16:creationId xmlns:a16="http://schemas.microsoft.com/office/drawing/2014/main" id="{7FE2B7AD-1FA1-4B42-8816-6B04C137BC9A}"/>
+              </a:ext>
+            </a:extLst>
+          </p:cNvPr>
+          <p:cNvCxnSpPr>
+            <a:cxnSpLocks/>
+            <a:stCxn id="18" idx="1"/>
+          </p:cNvCxnSpPr>
+          <p:nvPr/>
+        </p:nvCxnSpPr>
+        <p:spPr>
+          <a:xfrm flipH="1">
+            <a:off x="7802880" y="2098615"/>
+            <a:ext cx="825908" cy="52402"/>
+          </a:xfrm>
+          <a:prstGeom prst="straightConnector1">
+            <a:avLst/>
+          </a:prstGeom>
+          <a:ln w="50800">
+            <a:tailEnd type="triangle"/>
+          </a:ln>
+        </p:spPr>
+        <p:style>
+          <a:lnRef idx="1">
+            <a:schemeClr val="accent1"/>
+          </a:lnRef>
+          <a:fillRef idx="0">
+            <a:schemeClr val="accent1"/>
+          </a:fillRef>
+          <a:effectRef idx="0">
+            <a:schemeClr val="accent1"/>
+          </a:effectRef>
+          <a:fontRef idx="minor">
+            <a:schemeClr val="tx1"/>
+          </a:fontRef>
+        </p:style>
+      </p:cxnSp>
+      <p:cxnSp>
+        <p:nvCxnSpPr>
+          <p:cNvPr id="21" name="מחבר חץ ישר 20">
+            <a:extLst>
+              <a:ext uri="{FF2B5EF4-FFF2-40B4-BE49-F238E27FC236}">
+                <a16:creationId xmlns:a16="http://schemas.microsoft.com/office/drawing/2014/main" id="{190F81BB-597C-8FC5-68F5-9624585BFF7C}"/>
+              </a:ext>
+            </a:extLst>
+          </p:cNvPr>
+          <p:cNvCxnSpPr>
+            <a:cxnSpLocks/>
+            <a:stCxn id="14" idx="1"/>
+          </p:cNvCxnSpPr>
+          <p:nvPr/>
+        </p:nvCxnSpPr>
+        <p:spPr>
+          <a:xfrm flipH="1">
+            <a:off x="6905897" y="1285041"/>
+            <a:ext cx="639799" cy="395713"/>
+          </a:xfrm>
+          <a:prstGeom prst="straightConnector1">
+            <a:avLst/>
+          </a:prstGeom>
+          <a:ln w="50800">
+            <a:tailEnd type="triangle"/>
+          </a:ln>
+        </p:spPr>
+        <p:style>
+          <a:lnRef idx="1">
+            <a:schemeClr val="accent1"/>
+          </a:lnRef>
+          <a:fillRef idx="0">
+            <a:schemeClr val="accent1"/>
+          </a:fillRef>
+          <a:effectRef idx="0">
+            <a:schemeClr val="accent1"/>
+          </a:effectRef>
+          <a:fontRef idx="minor">
+            <a:schemeClr val="tx1"/>
+          </a:fontRef>
+        </p:style>
+      </p:cxnSp>
+      <p:cxnSp>
+        <p:nvCxnSpPr>
+          <p:cNvPr id="25" name="מחבר חץ ישר 24">
+            <a:extLst>
+              <a:ext uri="{FF2B5EF4-FFF2-40B4-BE49-F238E27FC236}">
+                <a16:creationId xmlns:a16="http://schemas.microsoft.com/office/drawing/2014/main" id="{15E0DD30-F239-171E-F7EE-BB3402682F88}"/>
+              </a:ext>
+            </a:extLst>
+          </p:cNvPr>
+          <p:cNvCxnSpPr>
+            <a:cxnSpLocks/>
+          </p:cNvCxnSpPr>
+          <p:nvPr/>
+        </p:nvCxnSpPr>
+        <p:spPr>
+          <a:xfrm flipV="1">
+            <a:off x="3738733" y="1285041"/>
+            <a:ext cx="572010" cy="310866"/>
+          </a:xfrm>
+          <a:prstGeom prst="straightConnector1">
+            <a:avLst/>
+          </a:prstGeom>
+          <a:ln w="50800">
+            <a:tailEnd type="triangle"/>
+          </a:ln>
+        </p:spPr>
+        <p:style>
+          <a:lnRef idx="1">
+            <a:schemeClr val="accent1"/>
+          </a:lnRef>
+          <a:fillRef idx="0">
+            <a:schemeClr val="accent1"/>
+          </a:fillRef>
+          <a:effectRef idx="0">
+            <a:schemeClr val="accent1"/>
+          </a:effectRef>
+          <a:fontRef idx="minor">
+            <a:schemeClr val="tx1"/>
+          </a:fontRef>
+        </p:style>
+      </p:cxnSp>
+      <p:sp>
+        <p:nvSpPr>
+          <p:cNvPr id="33" name="מלבן: פינות מעוגלות 32">
+            <a:extLst>
+              <a:ext uri="{FF2B5EF4-FFF2-40B4-BE49-F238E27FC236}">
+                <a16:creationId xmlns:a16="http://schemas.microsoft.com/office/drawing/2014/main" id="{D8024E34-17C2-6319-8879-AE3131CEB228}"/>
+              </a:ext>
+            </a:extLst>
+          </p:cNvPr>
+          <p:cNvSpPr/>
+          <p:nvPr/>
+        </p:nvSpPr>
+        <p:spPr>
+          <a:xfrm>
+            <a:off x="7293431" y="3419513"/>
+            <a:ext cx="4606835" cy="632795"/>
+          </a:xfrm>
+          <a:prstGeom prst="roundRect">
+            <a:avLst/>
+          </a:prstGeom>
+        </p:spPr>
+        <p:style>
+          <a:lnRef idx="2">
+            <a:schemeClr val="dk1"/>
+          </a:lnRef>
+          <a:fillRef idx="1">
+            <a:schemeClr val="lt1"/>
+          </a:fillRef>
+          <a:effectRef idx="0">
+            <a:schemeClr val="dk1"/>
+          </a:effectRef>
+          <a:fontRef idx="minor">
+            <a:schemeClr val="dk1"/>
+          </a:fontRef>
+        </p:style>
+        <p:txBody>
+          <a:bodyPr wrap="square" lIns="432000" tIns="0" rIns="36000" bIns="0" rtlCol="1" anchor="ctr">
+            <a:noAutofit/>
+          </a:bodyPr>
+          <a:lstStyle/>
+          <a:p>
+            <a:r>
+              <a:rPr lang="en-US" sz="1400" b="0" dirty="0">
+                <a:solidFill>
+                  <a:srgbClr val="9CDCFE"/>
+                </a:solidFill>
+                <a:effectLst/>
+                <a:latin typeface="Consolas" panose="020B0609020204030204" pitchFamily="49" charset="0"/>
+              </a:rPr>
+              <a:t>Function </a:t>
+            </a:r>
+            <a:r>
+              <a:rPr lang="en-US" sz="1400" b="0" dirty="0" err="1">
+                <a:solidFill>
+                  <a:srgbClr val="9CDCFE"/>
+                </a:solidFill>
+                <a:effectLst/>
+                <a:latin typeface="Consolas" panose="020B0609020204030204" pitchFamily="49" charset="0"/>
+              </a:rPr>
+              <a:t>paintBoard</a:t>
+            </a:r>
+            <a:r>
+              <a:rPr lang="en-US" sz="1400" b="0" dirty="0">
+                <a:solidFill>
+                  <a:srgbClr val="9CDCFE"/>
+                </a:solidFill>
+                <a:effectLst/>
+                <a:latin typeface="Consolas" panose="020B0609020204030204" pitchFamily="49" charset="0"/>
+              </a:rPr>
+              <a:t>() </a:t>
+            </a:r>
+            <a:br>
+              <a:rPr lang="en-US" sz="1400" b="0" dirty="0">
+                <a:solidFill>
+                  <a:srgbClr val="9CDCFE"/>
+                </a:solidFill>
+                <a:effectLst/>
+                <a:latin typeface="Consolas" panose="020B0609020204030204" pitchFamily="49" charset="0"/>
+              </a:rPr>
+            </a:br>
+            <a:r>
+              <a:rPr lang="en-US" sz="1400" b="0" dirty="0" err="1">
+                <a:solidFill>
+                  <a:srgbClr val="9CDCFE"/>
+                </a:solidFill>
+                <a:effectLst/>
+                <a:latin typeface="Consolas" panose="020B0609020204030204" pitchFamily="49" charset="0"/>
+              </a:rPr>
+              <a:t>tdElement</a:t>
+            </a:r>
+            <a:r>
+              <a:rPr lang="en-US" sz="1400" b="0" dirty="0" err="1">
+                <a:solidFill>
+                  <a:srgbClr val="D4D4D4"/>
+                </a:solidFill>
+                <a:effectLst/>
+                <a:latin typeface="Consolas" panose="020B0609020204030204" pitchFamily="49" charset="0"/>
+              </a:rPr>
+              <a:t>.</a:t>
+            </a:r>
+            <a:r>
+              <a:rPr lang="en-US" sz="1400" b="0" dirty="0" err="1">
+                <a:solidFill>
+                  <a:srgbClr val="4FC1FF"/>
+                </a:solidFill>
+                <a:effectLst/>
+                <a:latin typeface="Consolas" panose="020B0609020204030204" pitchFamily="49" charset="0"/>
+              </a:rPr>
+              <a:t>classList</a:t>
+            </a:r>
+            <a:r>
+              <a:rPr lang="en-US" sz="1400" b="0" dirty="0" err="1">
+                <a:solidFill>
+                  <a:srgbClr val="D4D4D4"/>
+                </a:solidFill>
+                <a:effectLst/>
+                <a:latin typeface="Consolas" panose="020B0609020204030204" pitchFamily="49" charset="0"/>
+              </a:rPr>
+              <a:t>.</a:t>
+            </a:r>
+            <a:r>
+              <a:rPr lang="en-US" sz="1400" b="0" dirty="0" err="1">
+                <a:solidFill>
+                  <a:srgbClr val="DCDCAA"/>
+                </a:solidFill>
+                <a:effectLst/>
+                <a:latin typeface="Consolas" panose="020B0609020204030204" pitchFamily="49" charset="0"/>
+              </a:rPr>
+              <a:t>add</a:t>
+            </a:r>
+            <a:r>
+              <a:rPr lang="en-US" sz="1400" b="0" dirty="0">
+                <a:solidFill>
+                  <a:srgbClr val="D4D4D4"/>
+                </a:solidFill>
+                <a:effectLst/>
+                <a:latin typeface="Consolas" panose="020B0609020204030204" pitchFamily="49" charset="0"/>
+              </a:rPr>
+              <a:t>(</a:t>
+            </a:r>
+            <a:r>
+              <a:rPr lang="en-US" sz="1400" b="0" dirty="0">
+                <a:solidFill>
+                  <a:srgbClr val="CE9178"/>
+                </a:solidFill>
+                <a:effectLst/>
+                <a:latin typeface="Consolas" panose="020B0609020204030204" pitchFamily="49" charset="0"/>
+              </a:rPr>
+              <a:t>'white-piece'</a:t>
+            </a:r>
+            <a:r>
+              <a:rPr lang="en-US" sz="1400" b="0" dirty="0">
+                <a:solidFill>
+                  <a:srgbClr val="D4D4D4"/>
+                </a:solidFill>
+                <a:effectLst/>
+                <a:latin typeface="Consolas" panose="020B0609020204030204" pitchFamily="49" charset="0"/>
+              </a:rPr>
+              <a:t>);</a:t>
+            </a:r>
+          </a:p>
+        </p:txBody>
+      </p:sp>
+      <p:cxnSp>
+        <p:nvCxnSpPr>
+          <p:cNvPr id="41" name="מחבר חץ ישר 40">
+            <a:extLst>
+              <a:ext uri="{FF2B5EF4-FFF2-40B4-BE49-F238E27FC236}">
+                <a16:creationId xmlns:a16="http://schemas.microsoft.com/office/drawing/2014/main" id="{860DC0D0-C215-4E1B-47CA-8D17003734F5}"/>
+              </a:ext>
+            </a:extLst>
+          </p:cNvPr>
+          <p:cNvCxnSpPr>
+            <a:cxnSpLocks/>
+            <a:stCxn id="24" idx="3"/>
+          </p:cNvCxnSpPr>
+          <p:nvPr/>
+        </p:nvCxnSpPr>
+        <p:spPr>
+          <a:xfrm flipV="1">
+            <a:off x="4676503" y="3749954"/>
+            <a:ext cx="378823" cy="1"/>
+          </a:xfrm>
+          <a:prstGeom prst="straightConnector1">
+            <a:avLst/>
+          </a:prstGeom>
+          <a:ln w="50800">
+            <a:tailEnd type="triangle"/>
+          </a:ln>
+        </p:spPr>
+        <p:style>
+          <a:lnRef idx="1">
+            <a:schemeClr val="accent1"/>
+          </a:lnRef>
+          <a:fillRef idx="0">
+            <a:schemeClr val="accent1"/>
+          </a:fillRef>
+          <a:effectRef idx="0">
+            <a:schemeClr val="accent1"/>
+          </a:effectRef>
+          <a:fontRef idx="minor">
+            <a:schemeClr val="tx1"/>
+          </a:fontRef>
+        </p:style>
+      </p:cxnSp>
+      <p:cxnSp>
+        <p:nvCxnSpPr>
+          <p:cNvPr id="45" name="מחבר חץ ישר 44">
+            <a:extLst>
+              <a:ext uri="{FF2B5EF4-FFF2-40B4-BE49-F238E27FC236}">
+                <a16:creationId xmlns:a16="http://schemas.microsoft.com/office/drawing/2014/main" id="{3714A2BA-59DF-0DA5-2F87-2BA96C00678A}"/>
+              </a:ext>
+            </a:extLst>
+          </p:cNvPr>
+          <p:cNvCxnSpPr>
+            <a:cxnSpLocks/>
+            <a:stCxn id="33" idx="1"/>
+          </p:cNvCxnSpPr>
+          <p:nvPr/>
+        </p:nvCxnSpPr>
+        <p:spPr>
+          <a:xfrm flipH="1" flipV="1">
+            <a:off x="6557554" y="3021874"/>
+            <a:ext cx="735877" cy="714037"/>
+          </a:xfrm>
+          <a:prstGeom prst="straightConnector1">
+            <a:avLst/>
+          </a:prstGeom>
+          <a:ln w="50800">
+            <a:tailEnd type="triangle"/>
+          </a:ln>
+        </p:spPr>
+        <p:style>
+          <a:lnRef idx="1">
+            <a:schemeClr val="accent1"/>
+          </a:lnRef>
+          <a:fillRef idx="0">
+            <a:schemeClr val="accent1"/>
+          </a:fillRef>
+          <a:effectRef idx="0">
+            <a:schemeClr val="accent1"/>
+          </a:effectRef>
+          <a:fontRef idx="minor">
+            <a:schemeClr val="tx1"/>
+          </a:fontRef>
+        </p:style>
+      </p:cxnSp>
+    </p:spTree>
+    <p:extLst>
+      <p:ext uri="{BB962C8B-B14F-4D97-AF65-F5344CB8AC3E}">
+        <p14:creationId xmlns:p14="http://schemas.microsoft.com/office/powerpoint/2010/main" val="3635023873"/>
+      </p:ext>
+    </p:extLst>
+  </p:cSld>
+  <p:clrMapOvr>
+    <a:masterClrMapping/>
+  </p:clrMapOvr>
+</p:sld>
+</file>
+
+<file path=ppt/slides/slide3.xml><?xml version="1.0" encoding="utf-8"?>
+<p:sld xmlns:a="http://schemas.openxmlformats.org/drawingml/2006/main" xmlns:r="http://schemas.openxmlformats.org/officeDocument/2006/relationships" xmlns:p="http://schemas.openxmlformats.org/presentationml/2006/main">
+  <p:cSld>
+    <p:bg>
+      <p:bgPr>
+        <a:solidFill>
+          <a:schemeClr val="bg1">
+            <a:lumMod val="75000"/>
+          </a:schemeClr>
+        </a:solidFill>
+        <a:effectLst/>
+      </p:bgPr>
+    </p:bg>
+    <p:spTree>
+      <p:nvGrpSpPr>
+        <p:cNvPr id="1" name=""/>
+        <p:cNvGrpSpPr/>
+        <p:nvPr/>
+      </p:nvGrpSpPr>
+      <p:grpSpPr>
+        <a:xfrm>
+          <a:off x="0" y="0"/>
+          <a:ext cx="0" cy="0"/>
+          <a:chOff x="0" y="0"/>
+          <a:chExt cx="0" cy="0"/>
+        </a:xfrm>
+      </p:grpSpPr>
+      <p:pic>
+        <p:nvPicPr>
+          <p:cNvPr id="59" name="תמונה 58">
+            <a:extLst>
+              <a:ext uri="{FF2B5EF4-FFF2-40B4-BE49-F238E27FC236}">
+                <a16:creationId xmlns:a16="http://schemas.microsoft.com/office/drawing/2014/main" id="{25ED563B-BD61-1106-8B06-8D6A87BFFC34}"/>
+              </a:ext>
+            </a:extLst>
+          </p:cNvPr>
+          <p:cNvPicPr>
+            <a:picLocks noChangeAspect="1"/>
+          </p:cNvPicPr>
+          <p:nvPr/>
+        </p:nvPicPr>
+        <p:blipFill>
+          <a:blip r:embed="rId2"/>
+          <a:stretch>
+            <a:fillRect/>
+          </a:stretch>
+        </p:blipFill>
+        <p:spPr>
+          <a:xfrm>
+            <a:off x="5653589" y="3716700"/>
+            <a:ext cx="1704697" cy="2504994"/>
+          </a:xfrm>
+          <a:prstGeom prst="rect">
+            <a:avLst/>
+          </a:prstGeom>
+        </p:spPr>
+      </p:pic>
+      <p:pic>
+        <p:nvPicPr>
+          <p:cNvPr id="35" name="תמונה 34">
+            <a:extLst>
+              <a:ext uri="{FF2B5EF4-FFF2-40B4-BE49-F238E27FC236}">
+                <a16:creationId xmlns:a16="http://schemas.microsoft.com/office/drawing/2014/main" id="{37F40291-73B2-ACCF-CE8D-7794CA770048}"/>
+              </a:ext>
+            </a:extLst>
+          </p:cNvPr>
+          <p:cNvPicPr>
+            <a:picLocks noChangeAspect="1"/>
+          </p:cNvPicPr>
+          <p:nvPr/>
+        </p:nvPicPr>
+        <p:blipFill rotWithShape="1">
+          <a:blip r:embed="rId3"/>
+          <a:srcRect t="15969"/>
+          <a:stretch/>
+        </p:blipFill>
+        <p:spPr>
+          <a:xfrm>
+            <a:off x="7670756" y="452471"/>
+            <a:ext cx="3057525" cy="3457676"/>
+          </a:xfrm>
+          <a:prstGeom prst="rect">
+            <a:avLst/>
+          </a:prstGeom>
+        </p:spPr>
+      </p:pic>
+      <p:pic>
+        <p:nvPicPr>
+          <p:cNvPr id="4" name="תמונה 3">
+            <a:extLst>
+              <a:ext uri="{FF2B5EF4-FFF2-40B4-BE49-F238E27FC236}">
+                <a16:creationId xmlns:a16="http://schemas.microsoft.com/office/drawing/2014/main" id="{79C8A939-AA97-9BD1-5A68-7C79F8CE46EB}"/>
+              </a:ext>
+            </a:extLst>
+          </p:cNvPr>
+          <p:cNvPicPr>
+            <a:picLocks noChangeAspect="1"/>
+          </p:cNvPicPr>
+          <p:nvPr/>
+        </p:nvPicPr>
+        <p:blipFill rotWithShape="1">
+          <a:blip r:embed="rId4"/>
+          <a:srcRect r="27051"/>
+          <a:stretch/>
+        </p:blipFill>
+        <p:spPr>
+          <a:xfrm>
+            <a:off x="1441944" y="308163"/>
+            <a:ext cx="3186943" cy="5427421"/>
+          </a:xfrm>
+          <a:prstGeom prst="rect">
+            <a:avLst/>
+          </a:prstGeom>
+        </p:spPr>
+      </p:pic>
+      <p:sp>
+        <p:nvSpPr>
+          <p:cNvPr id="7" name="מלבן: פינות מעוגלות 6">
+            <a:extLst>
+              <a:ext uri="{FF2B5EF4-FFF2-40B4-BE49-F238E27FC236}">
+                <a16:creationId xmlns:a16="http://schemas.microsoft.com/office/drawing/2014/main" id="{9B40696A-0205-ECF0-0BD2-7841899B4300}"/>
+              </a:ext>
+            </a:extLst>
+          </p:cNvPr>
+          <p:cNvSpPr/>
+          <p:nvPr/>
+        </p:nvSpPr>
+        <p:spPr>
+          <a:xfrm>
+            <a:off x="138432" y="5371450"/>
+            <a:ext cx="3562709" cy="1080276"/>
+          </a:xfrm>
+          <a:prstGeom prst="roundRect">
+            <a:avLst/>
+          </a:prstGeom>
+        </p:spPr>
+        <p:style>
+          <a:lnRef idx="2">
+            <a:schemeClr val="dk1"/>
+          </a:lnRef>
+          <a:fillRef idx="1">
+            <a:schemeClr val="lt1"/>
+          </a:fillRef>
+          <a:effectRef idx="0">
+            <a:schemeClr val="dk1"/>
+          </a:effectRef>
+          <a:fontRef idx="minor">
+            <a:schemeClr val="dk1"/>
+          </a:fontRef>
+        </p:style>
+        <p:txBody>
+          <a:bodyPr wrap="square" tIns="72000" bIns="72000" rtlCol="1" anchor="ctr">
+            <a:spAutoFit/>
+          </a:bodyPr>
+          <a:lstStyle/>
+          <a:p>
+            <a:pPr algn="ctr"/>
+            <a:r>
+              <a:rPr lang="en-US" dirty="0">
+                <a:solidFill>
+                  <a:schemeClr val="tx1"/>
+                </a:solidFill>
+                <a:latin typeface="Consolas" panose="020B0609020204030204" pitchFamily="49" charset="0"/>
+              </a:rPr>
+              <a:t>When a cell is clicked:</a:t>
+            </a:r>
+            <a:br>
+              <a:rPr lang="en-US" b="0" dirty="0">
+                <a:solidFill>
+                  <a:schemeClr val="tx1"/>
+                </a:solidFill>
+                <a:effectLst/>
+                <a:latin typeface="Consolas" panose="020B0609020204030204" pitchFamily="49" charset="0"/>
+              </a:rPr>
+            </a:br>
+            <a:r>
+              <a:rPr lang="en-US" b="0" dirty="0">
+                <a:solidFill>
+                  <a:srgbClr val="569CD6"/>
+                </a:solidFill>
+                <a:effectLst/>
+                <a:latin typeface="Consolas" panose="020B0609020204030204" pitchFamily="49" charset="0"/>
+              </a:rPr>
+              <a:t>function</a:t>
+            </a:r>
+            <a:r>
+              <a:rPr lang="en-US" b="0" dirty="0">
+                <a:solidFill>
+                  <a:srgbClr val="D4D4D4"/>
+                </a:solidFill>
+                <a:effectLst/>
+                <a:latin typeface="Consolas" panose="020B0609020204030204" pitchFamily="49" charset="0"/>
+              </a:rPr>
+              <a:t> </a:t>
+            </a:r>
+            <a:r>
+              <a:rPr lang="en-US" b="0" dirty="0" err="1">
+                <a:solidFill>
+                  <a:srgbClr val="DCDCAA"/>
+                </a:solidFill>
+                <a:effectLst/>
+                <a:latin typeface="Consolas" panose="020B0609020204030204" pitchFamily="49" charset="0"/>
+              </a:rPr>
+              <a:t>cellClick</a:t>
+            </a:r>
+            <a:r>
+              <a:rPr lang="en-US" dirty="0">
+                <a:solidFill>
+                  <a:schemeClr val="tx1"/>
+                </a:solidFill>
+                <a:latin typeface="Consolas" panose="020B0609020204030204" pitchFamily="49" charset="0"/>
+              </a:rPr>
+              <a:t>( )</a:t>
+            </a:r>
+            <a:br>
+              <a:rPr lang="en-US" b="0" dirty="0">
+                <a:solidFill>
+                  <a:schemeClr val="tx1"/>
+                </a:solidFill>
+                <a:effectLst/>
+                <a:latin typeface="Consolas" panose="020B0609020204030204" pitchFamily="49" charset="0"/>
+              </a:rPr>
+            </a:br>
+            <a:r>
+              <a:rPr lang="en-US" b="0" dirty="0">
+                <a:solidFill>
+                  <a:schemeClr val="tx1"/>
+                </a:solidFill>
+                <a:effectLst/>
+                <a:latin typeface="Consolas" panose="020B0609020204030204" pitchFamily="49" charset="0"/>
+              </a:rPr>
+              <a:t>Class “selected”</a:t>
+            </a:r>
+          </a:p>
+        </p:txBody>
+      </p:sp>
+      <p:sp>
+        <p:nvSpPr>
+          <p:cNvPr id="18" name="מלבן: פינות מעוגלות 17">
+            <a:extLst>
+              <a:ext uri="{FF2B5EF4-FFF2-40B4-BE49-F238E27FC236}">
+                <a16:creationId xmlns:a16="http://schemas.microsoft.com/office/drawing/2014/main" id="{4A5706F4-B9AD-DB03-F10C-808C73B2E2F4}"/>
+              </a:ext>
+            </a:extLst>
+          </p:cNvPr>
+          <p:cNvSpPr/>
+          <p:nvPr/>
+        </p:nvSpPr>
+        <p:spPr>
+          <a:xfrm>
+            <a:off x="5793705" y="452471"/>
+            <a:ext cx="2043539" cy="796061"/>
+          </a:xfrm>
+          <a:prstGeom prst="roundRect">
+            <a:avLst/>
+          </a:prstGeom>
+        </p:spPr>
+        <p:style>
+          <a:lnRef idx="2">
+            <a:schemeClr val="dk1"/>
+          </a:lnRef>
+          <a:fillRef idx="1">
+            <a:schemeClr val="lt1"/>
+          </a:fillRef>
+          <a:effectRef idx="0">
+            <a:schemeClr val="dk1"/>
+          </a:effectRef>
+          <a:fontRef idx="minor">
+            <a:schemeClr val="dk1"/>
+          </a:fontRef>
+        </p:style>
+        <p:txBody>
+          <a:bodyPr wrap="square" lIns="432000" tIns="0" rIns="36000" bIns="0" rtlCol="1" anchor="ctr">
+            <a:noAutofit/>
+          </a:bodyPr>
+          <a:lstStyle/>
+          <a:p>
+            <a:r>
+              <a:rPr lang="en-US" sz="1400" b="0" dirty="0">
+                <a:solidFill>
+                  <a:schemeClr val="tx1"/>
+                </a:solidFill>
+                <a:effectLst/>
+                <a:latin typeface="Consolas" panose="020B0609020204030204" pitchFamily="49" charset="0"/>
+              </a:rPr>
+              <a:t>Swords mean</a:t>
+            </a:r>
+            <a:br>
+              <a:rPr lang="en-US" sz="1400" b="0" dirty="0">
+                <a:solidFill>
+                  <a:schemeClr val="tx1"/>
+                </a:solidFill>
+                <a:effectLst/>
+                <a:latin typeface="Consolas" panose="020B0609020204030204" pitchFamily="49" charset="0"/>
+              </a:rPr>
+            </a:br>
+            <a:r>
+              <a:rPr lang="en-US" sz="1400" b="0" dirty="0">
+                <a:solidFill>
+                  <a:schemeClr val="tx1"/>
+                </a:solidFill>
+                <a:effectLst/>
+                <a:latin typeface="Consolas" panose="020B0609020204030204" pitchFamily="49" charset="0"/>
+              </a:rPr>
+              <a:t>one of your pieces can eat</a:t>
+            </a:r>
+          </a:p>
+        </p:txBody>
+      </p:sp>
+      <p:cxnSp>
+        <p:nvCxnSpPr>
+          <p:cNvPr id="25" name="מחבר חץ ישר 24">
+            <a:extLst>
+              <a:ext uri="{FF2B5EF4-FFF2-40B4-BE49-F238E27FC236}">
+                <a16:creationId xmlns:a16="http://schemas.microsoft.com/office/drawing/2014/main" id="{15E0DD30-F239-171E-F7EE-BB3402682F88}"/>
+              </a:ext>
+            </a:extLst>
+          </p:cNvPr>
+          <p:cNvCxnSpPr>
+            <a:cxnSpLocks/>
+            <a:stCxn id="18" idx="3"/>
+          </p:cNvCxnSpPr>
+          <p:nvPr/>
+        </p:nvCxnSpPr>
+        <p:spPr>
+          <a:xfrm>
+            <a:off x="7837244" y="850502"/>
+            <a:ext cx="934634" cy="398030"/>
+          </a:xfrm>
+          <a:prstGeom prst="straightConnector1">
+            <a:avLst/>
+          </a:prstGeom>
+          <a:ln w="50800">
+            <a:tailEnd type="triangle"/>
+          </a:ln>
+        </p:spPr>
+        <p:style>
+          <a:lnRef idx="1">
+            <a:schemeClr val="accent1"/>
+          </a:lnRef>
+          <a:fillRef idx="0">
+            <a:schemeClr val="accent1"/>
+          </a:fillRef>
+          <a:effectRef idx="0">
+            <a:schemeClr val="accent1"/>
+          </a:effectRef>
+          <a:fontRef idx="minor">
+            <a:schemeClr val="tx1"/>
+          </a:fontRef>
+        </p:style>
+      </p:cxnSp>
+      <p:cxnSp>
+        <p:nvCxnSpPr>
+          <p:cNvPr id="45" name="מחבר חץ ישר 44">
+            <a:extLst>
+              <a:ext uri="{FF2B5EF4-FFF2-40B4-BE49-F238E27FC236}">
+                <a16:creationId xmlns:a16="http://schemas.microsoft.com/office/drawing/2014/main" id="{3714A2BA-59DF-0DA5-2F87-2BA96C00678A}"/>
+              </a:ext>
+            </a:extLst>
+          </p:cNvPr>
+          <p:cNvCxnSpPr>
+            <a:cxnSpLocks/>
+            <a:stCxn id="42" idx="3"/>
+          </p:cNvCxnSpPr>
+          <p:nvPr/>
+        </p:nvCxnSpPr>
+        <p:spPr>
+          <a:xfrm flipV="1">
+            <a:off x="7532193" y="2112721"/>
+            <a:ext cx="639799" cy="337184"/>
+          </a:xfrm>
+          <a:prstGeom prst="straightConnector1">
+            <a:avLst/>
+          </a:prstGeom>
+          <a:ln w="50800">
+            <a:tailEnd type="triangle"/>
+          </a:ln>
+        </p:spPr>
+        <p:style>
+          <a:lnRef idx="1">
+            <a:schemeClr val="accent1"/>
+          </a:lnRef>
+          <a:fillRef idx="0">
+            <a:schemeClr val="accent1"/>
+          </a:fillRef>
+          <a:effectRef idx="0">
+            <a:schemeClr val="accent1"/>
+          </a:effectRef>
+          <a:fontRef idx="minor">
+            <a:schemeClr val="tx1"/>
+          </a:fontRef>
+        </p:style>
+      </p:cxnSp>
+      <p:cxnSp>
+        <p:nvCxnSpPr>
+          <p:cNvPr id="22" name="מחבר חץ ישר 21">
+            <a:extLst>
+              <a:ext uri="{FF2B5EF4-FFF2-40B4-BE49-F238E27FC236}">
+                <a16:creationId xmlns:a16="http://schemas.microsoft.com/office/drawing/2014/main" id="{2F7B5B80-EB87-3D09-009E-E7A6B3AF47C1}"/>
+              </a:ext>
+            </a:extLst>
+          </p:cNvPr>
+          <p:cNvCxnSpPr>
+            <a:cxnSpLocks/>
+          </p:cNvCxnSpPr>
+          <p:nvPr/>
+        </p:nvCxnSpPr>
+        <p:spPr>
+          <a:xfrm>
+            <a:off x="1976845" y="3309257"/>
+            <a:ext cx="0" cy="474233"/>
+          </a:xfrm>
+          <a:prstGeom prst="straightConnector1">
+            <a:avLst/>
+          </a:prstGeom>
+          <a:ln w="50800">
+            <a:tailEnd type="triangle"/>
+          </a:ln>
+        </p:spPr>
+        <p:style>
+          <a:lnRef idx="1">
+            <a:schemeClr val="accent1"/>
+          </a:lnRef>
+          <a:fillRef idx="0">
+            <a:schemeClr val="accent1"/>
+          </a:fillRef>
+          <a:effectRef idx="0">
+            <a:schemeClr val="accent1"/>
+          </a:effectRef>
+          <a:fontRef idx="minor">
+            <a:schemeClr val="tx1"/>
+          </a:fontRef>
+        </p:style>
+      </p:cxnSp>
+      <p:cxnSp>
+        <p:nvCxnSpPr>
+          <p:cNvPr id="27" name="מחבר חץ ישר 26">
+            <a:extLst>
+              <a:ext uri="{FF2B5EF4-FFF2-40B4-BE49-F238E27FC236}">
+                <a16:creationId xmlns:a16="http://schemas.microsoft.com/office/drawing/2014/main" id="{78EC992B-E32A-4E6B-F4F9-251CC00D4E10}"/>
+              </a:ext>
+            </a:extLst>
+          </p:cNvPr>
+          <p:cNvCxnSpPr>
+            <a:cxnSpLocks/>
+          </p:cNvCxnSpPr>
+          <p:nvPr/>
+        </p:nvCxnSpPr>
+        <p:spPr>
+          <a:xfrm>
+            <a:off x="2691433" y="3117669"/>
+            <a:ext cx="1166464" cy="0"/>
+          </a:xfrm>
+          <a:prstGeom prst="straightConnector1">
+            <a:avLst/>
+          </a:prstGeom>
+          <a:ln w="50800">
+            <a:tailEnd type="triangle"/>
+          </a:ln>
+        </p:spPr>
+        <p:style>
+          <a:lnRef idx="1">
+            <a:schemeClr val="accent1"/>
+          </a:lnRef>
+          <a:fillRef idx="0">
+            <a:schemeClr val="accent1"/>
+          </a:fillRef>
+          <a:effectRef idx="0">
+            <a:schemeClr val="accent1"/>
+          </a:effectRef>
+          <a:fontRef idx="minor">
+            <a:schemeClr val="tx1"/>
+          </a:fontRef>
+        </p:style>
+      </p:cxnSp>
+      <p:cxnSp>
+        <p:nvCxnSpPr>
+          <p:cNvPr id="28" name="מחבר חץ ישר 27">
+            <a:extLst>
+              <a:ext uri="{FF2B5EF4-FFF2-40B4-BE49-F238E27FC236}">
+                <a16:creationId xmlns:a16="http://schemas.microsoft.com/office/drawing/2014/main" id="{0EAC1219-30FE-3F29-01DA-9C7C20AD8C34}"/>
+              </a:ext>
+            </a:extLst>
+          </p:cNvPr>
+          <p:cNvCxnSpPr>
+            <a:cxnSpLocks/>
+          </p:cNvCxnSpPr>
+          <p:nvPr/>
+        </p:nvCxnSpPr>
+        <p:spPr>
+          <a:xfrm flipV="1">
+            <a:off x="2262185" y="4807131"/>
+            <a:ext cx="0" cy="567972"/>
+          </a:xfrm>
+          <a:prstGeom prst="straightConnector1">
+            <a:avLst/>
+          </a:prstGeom>
+          <a:ln w="50800">
+            <a:tailEnd type="triangle"/>
+          </a:ln>
+        </p:spPr>
+        <p:style>
+          <a:lnRef idx="1">
+            <a:schemeClr val="accent1"/>
+          </a:lnRef>
+          <a:fillRef idx="0">
+            <a:schemeClr val="accent1"/>
+          </a:fillRef>
+          <a:effectRef idx="0">
+            <a:schemeClr val="accent1"/>
+          </a:effectRef>
+          <a:fontRef idx="minor">
+            <a:schemeClr val="tx1"/>
+          </a:fontRef>
+        </p:style>
+      </p:cxnSp>
+      <p:sp>
+        <p:nvSpPr>
+          <p:cNvPr id="42" name="מלבן: פינות מעוגלות 41">
+            <a:extLst>
+              <a:ext uri="{FF2B5EF4-FFF2-40B4-BE49-F238E27FC236}">
+                <a16:creationId xmlns:a16="http://schemas.microsoft.com/office/drawing/2014/main" id="{BD7E6BA4-8BBB-5E2F-7396-E425AD5295E8}"/>
+              </a:ext>
+            </a:extLst>
+          </p:cNvPr>
+          <p:cNvSpPr/>
+          <p:nvPr/>
+        </p:nvSpPr>
+        <p:spPr>
+          <a:xfrm>
+            <a:off x="5488654" y="2051874"/>
+            <a:ext cx="2043539" cy="796061"/>
+          </a:xfrm>
+          <a:prstGeom prst="roundRect">
+            <a:avLst/>
+          </a:prstGeom>
+        </p:spPr>
+        <p:style>
+          <a:lnRef idx="2">
+            <a:schemeClr val="dk1"/>
+          </a:lnRef>
+          <a:fillRef idx="1">
+            <a:schemeClr val="lt1"/>
+          </a:fillRef>
+          <a:effectRef idx="0">
+            <a:schemeClr val="dk1"/>
+          </a:effectRef>
+          <a:fontRef idx="minor">
+            <a:schemeClr val="dk1"/>
+          </a:fontRef>
+        </p:style>
+        <p:txBody>
+          <a:bodyPr wrap="square" lIns="432000" tIns="0" rIns="36000" bIns="0" rtlCol="1" anchor="ctr">
+            <a:noAutofit/>
+          </a:bodyPr>
+          <a:lstStyle/>
+          <a:p>
+            <a:r>
+              <a:rPr lang="en-US" sz="1400" dirty="0">
+                <a:solidFill>
+                  <a:schemeClr val="tx1"/>
+                </a:solidFill>
+                <a:latin typeface="Consolas" panose="020B0609020204030204" pitchFamily="49" charset="0"/>
+              </a:rPr>
+              <a:t>Red background means this piece can eat</a:t>
+            </a:r>
+            <a:endParaRPr lang="en-US" sz="1400" b="0" dirty="0">
+              <a:solidFill>
+                <a:schemeClr val="tx1"/>
+              </a:solidFill>
+              <a:effectLst/>
+              <a:latin typeface="Consolas" panose="020B0609020204030204" pitchFamily="49" charset="0"/>
+            </a:endParaRPr>
+          </a:p>
+        </p:txBody>
+      </p:sp>
+      <p:sp>
+        <p:nvSpPr>
+          <p:cNvPr id="46" name="מלבן: פינות מעוגלות 45">
+            <a:extLst>
+              <a:ext uri="{FF2B5EF4-FFF2-40B4-BE49-F238E27FC236}">
+                <a16:creationId xmlns:a16="http://schemas.microsoft.com/office/drawing/2014/main" id="{123DE0D7-361C-B0ED-A601-F09B5866A596}"/>
+              </a:ext>
+            </a:extLst>
+          </p:cNvPr>
+          <p:cNvSpPr/>
+          <p:nvPr/>
+        </p:nvSpPr>
+        <p:spPr>
+          <a:xfrm>
+            <a:off x="9574053" y="2665055"/>
+            <a:ext cx="2308455" cy="1497641"/>
+          </a:xfrm>
+          <a:prstGeom prst="roundRect">
+            <a:avLst/>
+          </a:prstGeom>
+        </p:spPr>
+        <p:style>
+          <a:lnRef idx="2">
+            <a:schemeClr val="dk1"/>
+          </a:lnRef>
+          <a:fillRef idx="1">
+            <a:schemeClr val="lt1"/>
+          </a:fillRef>
+          <a:effectRef idx="0">
+            <a:schemeClr val="dk1"/>
+          </a:effectRef>
+          <a:fontRef idx="minor">
+            <a:schemeClr val="dk1"/>
+          </a:fontRef>
+        </p:style>
+        <p:txBody>
+          <a:bodyPr wrap="square" lIns="432000" tIns="0" rIns="36000" bIns="0" rtlCol="1" anchor="ctr">
+            <a:noAutofit/>
+          </a:bodyPr>
+          <a:lstStyle/>
+          <a:p>
+            <a:r>
+              <a:rPr lang="en-US" sz="1400" dirty="0">
+                <a:solidFill>
+                  <a:schemeClr val="tx1"/>
+                </a:solidFill>
+                <a:latin typeface="Consolas" panose="020B0609020204030204" pitchFamily="49" charset="0"/>
+              </a:rPr>
+              <a:t>If one of your units can eat,</a:t>
+            </a:r>
+            <a:br>
+              <a:rPr lang="en-US" sz="1400" dirty="0">
+                <a:solidFill>
+                  <a:schemeClr val="tx1"/>
+                </a:solidFill>
+                <a:latin typeface="Consolas" panose="020B0609020204030204" pitchFamily="49" charset="0"/>
+              </a:rPr>
+            </a:br>
+            <a:r>
+              <a:rPr lang="en-US" sz="1400" b="0" dirty="0">
+                <a:solidFill>
+                  <a:srgbClr val="569CD6"/>
+                </a:solidFill>
+                <a:effectLst/>
+                <a:latin typeface="Consolas" panose="020B0609020204030204" pitchFamily="49" charset="0"/>
+              </a:rPr>
+              <a:t>function</a:t>
+            </a:r>
+            <a:r>
+              <a:rPr lang="en-US" sz="1400" b="0" dirty="0">
+                <a:solidFill>
+                  <a:srgbClr val="D4D4D4"/>
+                </a:solidFill>
+                <a:effectLst/>
+                <a:latin typeface="Consolas" panose="020B0609020204030204" pitchFamily="49" charset="0"/>
+              </a:rPr>
+              <a:t> </a:t>
+            </a:r>
+            <a:r>
+              <a:rPr lang="en-US" sz="1400" b="0" dirty="0" err="1">
+                <a:solidFill>
+                  <a:srgbClr val="DCDCAA"/>
+                </a:solidFill>
+                <a:effectLst/>
+                <a:latin typeface="Consolas" panose="020B0609020204030204" pitchFamily="49" charset="0"/>
+              </a:rPr>
+              <a:t>getAllMoves</a:t>
+            </a:r>
+            <a:r>
+              <a:rPr lang="en-US" sz="1400" dirty="0">
+                <a:solidFill>
+                  <a:schemeClr val="tx1"/>
+                </a:solidFill>
+                <a:latin typeface="Consolas" panose="020B0609020204030204" pitchFamily="49" charset="0"/>
+              </a:rPr>
+              <a:t>()</a:t>
+            </a:r>
+            <a:br>
+              <a:rPr lang="en-US" sz="1400" dirty="0">
+                <a:solidFill>
+                  <a:schemeClr val="tx1"/>
+                </a:solidFill>
+                <a:latin typeface="Consolas" panose="020B0609020204030204" pitchFamily="49" charset="0"/>
+              </a:rPr>
+            </a:br>
+            <a:r>
+              <a:rPr lang="en-US" sz="1400" dirty="0">
+                <a:solidFill>
+                  <a:schemeClr val="tx1"/>
+                </a:solidFill>
+                <a:latin typeface="Consolas" panose="020B0609020204030204" pitchFamily="49" charset="0"/>
+              </a:rPr>
+              <a:t>only finds eat moves</a:t>
+            </a:r>
+            <a:endParaRPr lang="en-US" sz="1400" b="0" dirty="0">
+              <a:solidFill>
+                <a:schemeClr val="tx1"/>
+              </a:solidFill>
+              <a:effectLst/>
+              <a:latin typeface="Consolas" panose="020B0609020204030204" pitchFamily="49" charset="0"/>
+            </a:endParaRPr>
+          </a:p>
+        </p:txBody>
+      </p:sp>
+      <p:sp>
+        <p:nvSpPr>
+          <p:cNvPr id="49" name="מלבן: פינות מעוגלות 48">
+            <a:extLst>
+              <a:ext uri="{FF2B5EF4-FFF2-40B4-BE49-F238E27FC236}">
+                <a16:creationId xmlns:a16="http://schemas.microsoft.com/office/drawing/2014/main" id="{093F4005-2A31-19A3-E0F5-D75EF30EF3AA}"/>
+              </a:ext>
+            </a:extLst>
+          </p:cNvPr>
+          <p:cNvSpPr/>
+          <p:nvPr/>
+        </p:nvSpPr>
+        <p:spPr>
+          <a:xfrm>
+            <a:off x="7087432" y="5370881"/>
+            <a:ext cx="2308455" cy="837170"/>
+          </a:xfrm>
+          <a:prstGeom prst="roundRect">
+            <a:avLst/>
+          </a:prstGeom>
+        </p:spPr>
+        <p:style>
+          <a:lnRef idx="2">
+            <a:schemeClr val="dk1"/>
+          </a:lnRef>
+          <a:fillRef idx="1">
+            <a:schemeClr val="lt1"/>
+          </a:fillRef>
+          <a:effectRef idx="0">
+            <a:schemeClr val="dk1"/>
+          </a:effectRef>
+          <a:fontRef idx="minor">
+            <a:schemeClr val="dk1"/>
+          </a:fontRef>
+        </p:style>
+        <p:txBody>
+          <a:bodyPr wrap="square" lIns="432000" tIns="0" rIns="36000" bIns="0" rtlCol="1" anchor="ctr">
+            <a:noAutofit/>
+          </a:bodyPr>
+          <a:lstStyle/>
+          <a:p>
+            <a:r>
+              <a:rPr lang="en-US" sz="1400" dirty="0">
+                <a:solidFill>
+                  <a:schemeClr val="tx1"/>
+                </a:solidFill>
+                <a:latin typeface="Consolas" panose="020B0609020204030204" pitchFamily="49" charset="0"/>
+              </a:rPr>
+              <a:t>More than one piece can have a red background</a:t>
+            </a:r>
+            <a:endParaRPr lang="en-US" sz="1400" b="0" dirty="0">
+              <a:solidFill>
+                <a:schemeClr val="tx1"/>
+              </a:solidFill>
+              <a:effectLst/>
+              <a:latin typeface="Consolas" panose="020B0609020204030204" pitchFamily="49" charset="0"/>
+            </a:endParaRPr>
+          </a:p>
+        </p:txBody>
+      </p:sp>
+      <p:sp>
+        <p:nvSpPr>
+          <p:cNvPr id="17" name="מלבן: פינות מעוגלות 16">
+            <a:extLst>
+              <a:ext uri="{FF2B5EF4-FFF2-40B4-BE49-F238E27FC236}">
+                <a16:creationId xmlns:a16="http://schemas.microsoft.com/office/drawing/2014/main" id="{FA8A3743-793E-BAC3-8009-A220D9D2F4F1}"/>
+              </a:ext>
+            </a:extLst>
+          </p:cNvPr>
+          <p:cNvSpPr/>
+          <p:nvPr/>
+        </p:nvSpPr>
+        <p:spPr>
+          <a:xfrm>
+            <a:off x="171770" y="2290413"/>
+            <a:ext cx="2519663" cy="1080276"/>
+          </a:xfrm>
+          <a:prstGeom prst="roundRect">
+            <a:avLst/>
+          </a:prstGeom>
+        </p:spPr>
+        <p:style>
+          <a:lnRef idx="2">
+            <a:schemeClr val="dk1"/>
+          </a:lnRef>
+          <a:fillRef idx="1">
+            <a:schemeClr val="lt1"/>
+          </a:fillRef>
+          <a:effectRef idx="0">
+            <a:schemeClr val="dk1"/>
+          </a:effectRef>
+          <a:fontRef idx="minor">
+            <a:schemeClr val="dk1"/>
+          </a:fontRef>
+        </p:style>
+        <p:txBody>
+          <a:bodyPr wrap="square" tIns="72000" bIns="72000" rtlCol="1" anchor="ctr">
+            <a:spAutoFit/>
+          </a:bodyPr>
+          <a:lstStyle/>
+          <a:p>
+            <a:pPr algn="ctr"/>
+            <a:r>
+              <a:rPr lang="en-US" dirty="0" err="1">
+                <a:solidFill>
+                  <a:srgbClr val="DCDCAA"/>
+                </a:solidFill>
+                <a:latin typeface="Consolas" panose="020B0609020204030204" pitchFamily="49" charset="0"/>
+              </a:rPr>
+              <a:t>showAllOptions</a:t>
+            </a:r>
+            <a:r>
+              <a:rPr lang="en-US" dirty="0">
+                <a:solidFill>
+                  <a:schemeClr val="tx1"/>
+                </a:solidFill>
+                <a:latin typeface="Consolas" panose="020B0609020204030204" pitchFamily="49" charset="0"/>
+              </a:rPr>
+              <a:t>( )</a:t>
+            </a:r>
+            <a:br>
+              <a:rPr lang="en-US" dirty="0">
+                <a:solidFill>
+                  <a:schemeClr val="tx1"/>
+                </a:solidFill>
+                <a:latin typeface="Consolas" panose="020B0609020204030204" pitchFamily="49" charset="0"/>
+              </a:rPr>
+            </a:br>
+            <a:r>
+              <a:rPr lang="en-US" dirty="0">
+                <a:solidFill>
+                  <a:schemeClr val="tx1"/>
+                </a:solidFill>
+                <a:latin typeface="Consolas" panose="020B0609020204030204" pitchFamily="49" charset="0"/>
+              </a:rPr>
+              <a:t>marks with</a:t>
+            </a:r>
+          </a:p>
+          <a:p>
+            <a:pPr algn="ctr"/>
+            <a:r>
+              <a:rPr lang="en-US" dirty="0">
+                <a:solidFill>
+                  <a:schemeClr val="tx1"/>
+                </a:solidFill>
+                <a:latin typeface="Consolas" panose="020B0609020204030204" pitchFamily="49" charset="0"/>
+              </a:rPr>
+              <a:t>class = “option”</a:t>
+            </a:r>
+            <a:endParaRPr lang="en-US" b="0" dirty="0">
+              <a:solidFill>
+                <a:schemeClr val="tx1"/>
+              </a:solidFill>
+              <a:effectLst/>
+              <a:latin typeface="Consolas" panose="020B0609020204030204" pitchFamily="49" charset="0"/>
+            </a:endParaRPr>
+          </a:p>
+        </p:txBody>
+      </p:sp>
+    </p:spTree>
+    <p:extLst>
+      <p:ext uri="{BB962C8B-B14F-4D97-AF65-F5344CB8AC3E}">
+        <p14:creationId xmlns:p14="http://schemas.microsoft.com/office/powerpoint/2010/main" val="4067220722"/>
+      </p:ext>
+    </p:extLst>
+  </p:cSld>
+  <p:clrMapOvr>
+    <a:masterClrMapping/>
+  </p:clrMapOvr>
+  <p:timing>
+    <p:tnLst>
+      <p:par>
+        <p:cTn id="1" dur="indefinite" restart="never" nodeType="tmRoot">
+          <p:childTnLst>
+            <p:seq concurrent="1" nextAc="seek">
+              <p:cTn id="2" dur="indefinite" nodeType="mainSeq">
+                <p:childTnLst>
+                  <p:par>
+                    <p:cTn id="3" fill="hold">
+                      <p:stCondLst>
+                        <p:cond delay="indefinite"/>
+                      </p:stCondLst>
+                      <p:childTnLst>
+                        <p:par>
+                          <p:cTn id="4" fill="hold">
+                            <p:stCondLst>
+                              <p:cond delay="0"/>
+                            </p:stCondLst>
+                            <p:childTnLst>
+                              <p:par>
+                                <p:cTn id="5" presetID="1" presetClass="entr" presetSubtype="0" fill="hold" grpId="0" nodeType="clickEffect">
+                                  <p:stCondLst>
+                                    <p:cond delay="0"/>
+                                  </p:stCondLst>
+                                  <p:childTnLst>
+                                    <p:set>
+                                      <p:cBhvr>
+                                        <p:cTn id="6" dur="1" fill="hold">
+                                          <p:stCondLst>
+                                            <p:cond delay="0"/>
+                                          </p:stCondLst>
+                                        </p:cTn>
+                                        <p:tgtEl>
+                                          <p:spTgt spid="17"/>
+                                        </p:tgtEl>
+                                        <p:attrNameLst>
+                                          <p:attrName>style.visibility</p:attrName>
+                                        </p:attrNameLst>
+                                      </p:cBhvr>
+                                      <p:to>
+                                        <p:strVal val="visible"/>
+                                      </p:to>
+                                    </p:set>
+                                  </p:childTnLst>
+                                </p:cTn>
+                              </p:par>
+                              <p:par>
+                                <p:cTn id="7" presetID="1" presetClass="entr" presetSubtype="0" fill="hold" nodeType="withEffect">
+                                  <p:stCondLst>
+                                    <p:cond delay="0"/>
+                                  </p:stCondLst>
+                                  <p:childTnLst>
+                                    <p:set>
+                                      <p:cBhvr>
+                                        <p:cTn id="8" dur="1" fill="hold">
+                                          <p:stCondLst>
+                                            <p:cond delay="0"/>
+                                          </p:stCondLst>
+                                        </p:cTn>
+                                        <p:tgtEl>
+                                          <p:spTgt spid="22"/>
+                                        </p:tgtEl>
+                                        <p:attrNameLst>
+                                          <p:attrName>style.visibility</p:attrName>
+                                        </p:attrNameLst>
+                                      </p:cBhvr>
+                                      <p:to>
+                                        <p:strVal val="visible"/>
+                                      </p:to>
+                                    </p:set>
+                                  </p:childTnLst>
+                                </p:cTn>
+                              </p:par>
+                              <p:par>
+                                <p:cTn id="9" presetID="1" presetClass="entr" presetSubtype="0" fill="hold" nodeType="withEffect">
+                                  <p:stCondLst>
+                                    <p:cond delay="0"/>
+                                  </p:stCondLst>
+                                  <p:childTnLst>
+                                    <p:set>
+                                      <p:cBhvr>
+                                        <p:cTn id="10" dur="1" fill="hold">
+                                          <p:stCondLst>
+                                            <p:cond delay="0"/>
+                                          </p:stCondLst>
+                                        </p:cTn>
+                                        <p:tgtEl>
+                                          <p:spTgt spid="28"/>
+                                        </p:tgtEl>
+                                        <p:attrNameLst>
+                                          <p:attrName>style.visibility</p:attrName>
+                                        </p:attrNameLst>
+                                      </p:cBhvr>
+                                      <p:to>
+                                        <p:strVal val="visible"/>
+                                      </p:to>
+                                    </p:set>
+                                  </p:childTnLst>
+                                </p:cTn>
+                              </p:par>
+                              <p:par>
+                                <p:cTn id="11" presetID="1" presetClass="entr" presetSubtype="0" fill="hold" grpId="0" nodeType="withEffect">
+                                  <p:stCondLst>
+                                    <p:cond delay="0"/>
+                                  </p:stCondLst>
+                                  <p:childTnLst>
+                                    <p:set>
+                                      <p:cBhvr>
+                                        <p:cTn id="12" dur="1" fill="hold">
+                                          <p:stCondLst>
+                                            <p:cond delay="0"/>
+                                          </p:stCondLst>
+                                        </p:cTn>
+                                        <p:tgtEl>
+                                          <p:spTgt spid="7"/>
+                                        </p:tgtEl>
+                                        <p:attrNameLst>
+                                          <p:attrName>style.visibility</p:attrName>
+                                        </p:attrNameLst>
+                                      </p:cBhvr>
+                                      <p:to>
+                                        <p:strVal val="visible"/>
+                                      </p:to>
+                                    </p:set>
+                                  </p:childTnLst>
+                                </p:cTn>
+                              </p:par>
+                              <p:par>
+                                <p:cTn id="13" presetID="1" presetClass="entr" presetSubtype="0" fill="hold" nodeType="withEffect">
+                                  <p:stCondLst>
+                                    <p:cond delay="0"/>
+                                  </p:stCondLst>
+                                  <p:childTnLst>
+                                    <p:set>
+                                      <p:cBhvr>
+                                        <p:cTn id="14" dur="1" fill="hold">
+                                          <p:stCondLst>
+                                            <p:cond delay="0"/>
+                                          </p:stCondLst>
+                                        </p:cTn>
+                                        <p:tgtEl>
+                                          <p:spTgt spid="27"/>
+                                        </p:tgtEl>
+                                        <p:attrNameLst>
+                                          <p:attrName>style.visibility</p:attrName>
+                                        </p:attrNameLst>
+                                      </p:cBhvr>
+                                      <p:to>
+                                        <p:strVal val="visible"/>
+                                      </p:to>
+                                    </p:set>
+                                  </p:childTnLst>
+                                </p:cTn>
+                              </p:par>
+                            </p:childTnLst>
+                          </p:cTn>
+                        </p:par>
+                      </p:childTnLst>
+                    </p:cTn>
+                  </p:par>
+                  <p:par>
+                    <p:cTn id="15" fill="hold">
+                      <p:stCondLst>
+                        <p:cond delay="indefinite"/>
+                      </p:stCondLst>
+                      <p:childTnLst>
+                        <p:par>
+                          <p:cTn id="16" fill="hold">
+                            <p:stCondLst>
+                              <p:cond delay="0"/>
+                            </p:stCondLst>
+                            <p:childTnLst>
+                              <p:par>
+                                <p:cTn id="17" presetID="1" presetClass="entr" presetSubtype="0" fill="hold" grpId="0" nodeType="clickEffect">
+                                  <p:stCondLst>
+                                    <p:cond delay="0"/>
+                                  </p:stCondLst>
+                                  <p:childTnLst>
+                                    <p:set>
+                                      <p:cBhvr>
+                                        <p:cTn id="18" dur="1" fill="hold">
+                                          <p:stCondLst>
+                                            <p:cond delay="0"/>
+                                          </p:stCondLst>
+                                        </p:cTn>
+                                        <p:tgtEl>
+                                          <p:spTgt spid="42"/>
+                                        </p:tgtEl>
+                                        <p:attrNameLst>
+                                          <p:attrName>style.visibility</p:attrName>
+                                        </p:attrNameLst>
+                                      </p:cBhvr>
+                                      <p:to>
+                                        <p:strVal val="visible"/>
+                                      </p:to>
+                                    </p:set>
+                                  </p:childTnLst>
+                                </p:cTn>
+                              </p:par>
+                              <p:par>
+                                <p:cTn id="19" presetID="1" presetClass="entr" presetSubtype="0" fill="hold" grpId="0" nodeType="withEffect">
+                                  <p:stCondLst>
+                                    <p:cond delay="0"/>
+                                  </p:stCondLst>
+                                  <p:childTnLst>
+                                    <p:set>
+                                      <p:cBhvr>
+                                        <p:cTn id="20" dur="1" fill="hold">
+                                          <p:stCondLst>
+                                            <p:cond delay="0"/>
+                                          </p:stCondLst>
+                                        </p:cTn>
+                                        <p:tgtEl>
+                                          <p:spTgt spid="18"/>
+                                        </p:tgtEl>
+                                        <p:attrNameLst>
+                                          <p:attrName>style.visibility</p:attrName>
+                                        </p:attrNameLst>
+                                      </p:cBhvr>
+                                      <p:to>
+                                        <p:strVal val="visible"/>
+                                      </p:to>
+                                    </p:set>
+                                  </p:childTnLst>
+                                </p:cTn>
+                              </p:par>
+                              <p:par>
+                                <p:cTn id="21" presetID="1" presetClass="entr" presetSubtype="0" fill="hold" nodeType="withEffect">
+                                  <p:stCondLst>
+                                    <p:cond delay="0"/>
+                                  </p:stCondLst>
+                                  <p:childTnLst>
+                                    <p:set>
+                                      <p:cBhvr>
+                                        <p:cTn id="22" dur="1" fill="hold">
+                                          <p:stCondLst>
+                                            <p:cond delay="0"/>
+                                          </p:stCondLst>
+                                        </p:cTn>
+                                        <p:tgtEl>
+                                          <p:spTgt spid="25"/>
+                                        </p:tgtEl>
+                                        <p:attrNameLst>
+                                          <p:attrName>style.visibility</p:attrName>
+                                        </p:attrNameLst>
+                                      </p:cBhvr>
+                                      <p:to>
+                                        <p:strVal val="visible"/>
+                                      </p:to>
+                                    </p:set>
+                                  </p:childTnLst>
+                                </p:cTn>
+                              </p:par>
+                              <p:par>
+                                <p:cTn id="23" presetID="1" presetClass="entr" presetSubtype="0" fill="hold" nodeType="withEffect">
+                                  <p:stCondLst>
+                                    <p:cond delay="0"/>
+                                  </p:stCondLst>
+                                  <p:childTnLst>
+                                    <p:set>
+                                      <p:cBhvr>
+                                        <p:cTn id="24" dur="1" fill="hold">
+                                          <p:stCondLst>
+                                            <p:cond delay="0"/>
+                                          </p:stCondLst>
+                                        </p:cTn>
+                                        <p:tgtEl>
+                                          <p:spTgt spid="45"/>
+                                        </p:tgtEl>
+                                        <p:attrNameLst>
+                                          <p:attrName>style.visibility</p:attrName>
+                                        </p:attrNameLst>
+                                      </p:cBhvr>
+                                      <p:to>
+                                        <p:strVal val="visible"/>
+                                      </p:to>
+                                    </p:set>
+                                  </p:childTnLst>
+                                </p:cTn>
+                              </p:par>
+                              <p:par>
+                                <p:cTn id="25" presetID="1" presetClass="entr" presetSubtype="0" fill="hold" grpId="0" nodeType="withEffect">
+                                  <p:stCondLst>
+                                    <p:cond delay="0"/>
+                                  </p:stCondLst>
+                                  <p:childTnLst>
+                                    <p:set>
+                                      <p:cBhvr>
+                                        <p:cTn id="26" dur="1" fill="hold">
+                                          <p:stCondLst>
+                                            <p:cond delay="0"/>
+                                          </p:stCondLst>
+                                        </p:cTn>
+                                        <p:tgtEl>
+                                          <p:spTgt spid="46"/>
+                                        </p:tgtEl>
+                                        <p:attrNameLst>
+                                          <p:attrName>style.visibility</p:attrName>
+                                        </p:attrNameLst>
+                                      </p:cBhvr>
+                                      <p:to>
+                                        <p:strVal val="visible"/>
+                                      </p:to>
+                                    </p:set>
+                                  </p:childTnLst>
+                                </p:cTn>
+                              </p:par>
+                              <p:par>
+                                <p:cTn id="27" presetID="1" presetClass="entr" presetSubtype="0" fill="hold" nodeType="withEffect">
+                                  <p:stCondLst>
+                                    <p:cond delay="0"/>
+                                  </p:stCondLst>
+                                  <p:childTnLst>
+                                    <p:set>
+                                      <p:cBhvr>
+                                        <p:cTn id="28" dur="1" fill="hold">
+                                          <p:stCondLst>
+                                            <p:cond delay="0"/>
+                                          </p:stCondLst>
+                                        </p:cTn>
+                                        <p:tgtEl>
+                                          <p:spTgt spid="35"/>
+                                        </p:tgtEl>
+                                        <p:attrNameLst>
+                                          <p:attrName>style.visibility</p:attrName>
+                                        </p:attrNameLst>
+                                      </p:cBhvr>
+                                      <p:to>
+                                        <p:strVal val="visible"/>
+                                      </p:to>
+                                    </p:set>
+                                  </p:childTnLst>
+                                </p:cTn>
+                              </p:par>
+                            </p:childTnLst>
+                          </p:cTn>
+                        </p:par>
+                      </p:childTnLst>
+                    </p:cTn>
+                  </p:par>
+                  <p:par>
+                    <p:cTn id="29" fill="hold">
+                      <p:stCondLst>
+                        <p:cond delay="indefinite"/>
+                      </p:stCondLst>
+                      <p:childTnLst>
+                        <p:par>
+                          <p:cTn id="30" fill="hold">
+                            <p:stCondLst>
+                              <p:cond delay="0"/>
+                            </p:stCondLst>
+                            <p:childTnLst>
+                              <p:par>
+                                <p:cTn id="31" presetID="1" presetClass="entr" presetSubtype="0" fill="hold" grpId="0" nodeType="clickEffect">
+                                  <p:stCondLst>
+                                    <p:cond delay="0"/>
+                                  </p:stCondLst>
+                                  <p:childTnLst>
+                                    <p:set>
+                                      <p:cBhvr>
+                                        <p:cTn id="32" dur="1" fill="hold">
+                                          <p:stCondLst>
+                                            <p:cond delay="0"/>
+                                          </p:stCondLst>
+                                        </p:cTn>
+                                        <p:tgtEl>
+                                          <p:spTgt spid="49"/>
+                                        </p:tgtEl>
+                                        <p:attrNameLst>
+                                          <p:attrName>style.visibility</p:attrName>
+                                        </p:attrNameLst>
+                                      </p:cBhvr>
+                                      <p:to>
+                                        <p:strVal val="visible"/>
+                                      </p:to>
+                                    </p:set>
+                                  </p:childTnLst>
+                                </p:cTn>
+                              </p:par>
+                              <p:par>
+                                <p:cTn id="33" presetID="1" presetClass="entr" presetSubtype="0" fill="hold" nodeType="withEffect">
+                                  <p:stCondLst>
+                                    <p:cond delay="0"/>
+                                  </p:stCondLst>
+                                  <p:childTnLst>
+                                    <p:set>
+                                      <p:cBhvr>
+                                        <p:cTn id="34" dur="1" fill="hold">
+                                          <p:stCondLst>
+                                            <p:cond delay="0"/>
+                                          </p:stCondLst>
+                                        </p:cTn>
+                                        <p:tgtEl>
+                                          <p:spTgt spid="59"/>
+                                        </p:tgtEl>
+                                        <p:attrNameLst>
+                                          <p:attrName>style.visibility</p:attrName>
+                                        </p:attrNameLst>
+                                      </p:cBhvr>
+                                      <p:to>
+                                        <p:strVal val="visible"/>
+                                      </p:to>
+                                    </p:set>
+                                  </p:childTnLst>
+                                </p:cTn>
+                              </p:par>
+                            </p:childTnLst>
+                          </p:cTn>
+                        </p:par>
+                      </p:childTnLst>
+                    </p:cTn>
+                  </p:par>
+                </p:childTnLst>
+              </p:cTn>
+              <p:prevCondLst>
+                <p:cond evt="onPrev" delay="0">
+                  <p:tgtEl>
+                    <p:sldTgt/>
+                  </p:tgtEl>
+                </p:cond>
+              </p:prevCondLst>
+              <p:nextCondLst>
+                <p:cond evt="onNext" delay="0">
+                  <p:tgtEl>
+                    <p:sldTgt/>
+                  </p:tgtEl>
+                </p:cond>
+              </p:nextCondLst>
+            </p:seq>
+          </p:childTnLst>
+        </p:cTn>
+      </p:par>
+    </p:tnLst>
+    <p:bldLst>
+      <p:bldP spid="7" grpId="0" animBg="1"/>
+      <p:bldP spid="18" grpId="0" animBg="1"/>
+      <p:bldP spid="42" grpId="0" animBg="1"/>
+      <p:bldP spid="46" grpId="0" animBg="1"/>
+      <p:bldP spid="49" grpId="0" animBg="1"/>
+      <p:bldP spid="17" grpId="0" animBg="1"/>
+    </p:bldLst>
+  </p:timing>
+</p:sld>
+</file>
+
+<file path=ppt/slides/slide4.xml><?xml version="1.0" encoding="utf-8"?>
+<p:sld xmlns:a="http://schemas.openxmlformats.org/drawingml/2006/main" xmlns:r="http://schemas.openxmlformats.org/officeDocument/2006/relationships" xmlns:p="http://schemas.openxmlformats.org/presentationml/2006/main">
+  <p:cSld>
+    <p:bg>
+      <p:bgPr>
+        <a:solidFill>
+          <a:schemeClr val="bg1">
+            <a:lumMod val="75000"/>
+          </a:schemeClr>
+        </a:solidFill>
+        <a:effectLst/>
+      </p:bgPr>
+    </p:bg>
+    <p:spTree>
+      <p:nvGrpSpPr>
+        <p:cNvPr id="1" name=""/>
+        <p:cNvGrpSpPr/>
+        <p:nvPr/>
+      </p:nvGrpSpPr>
+      <p:grpSpPr>
+        <a:xfrm>
+          <a:off x="0" y="0"/>
+          <a:ext cx="0" cy="0"/>
+          <a:chOff x="0" y="0"/>
+          <a:chExt cx="0" cy="0"/>
+        </a:xfrm>
+      </p:grpSpPr>
+      <p:pic>
+        <p:nvPicPr>
+          <p:cNvPr id="3" name="תמונה 2">
+            <a:extLst>
+              <a:ext uri="{FF2B5EF4-FFF2-40B4-BE49-F238E27FC236}">
+                <a16:creationId xmlns:a16="http://schemas.microsoft.com/office/drawing/2014/main" id="{350BBFC2-3C35-6403-6CBE-3CF173F66D7B}"/>
+              </a:ext>
+            </a:extLst>
+          </p:cNvPr>
+          <p:cNvPicPr>
+            <a:picLocks noChangeAspect="1"/>
+          </p:cNvPicPr>
+          <p:nvPr/>
+        </p:nvPicPr>
+        <p:blipFill>
+          <a:blip r:embed="rId2"/>
+          <a:stretch>
+            <a:fillRect/>
+          </a:stretch>
+        </p:blipFill>
+        <p:spPr>
+          <a:xfrm>
+            <a:off x="3956860" y="464511"/>
+            <a:ext cx="5486400" cy="5562600"/>
+          </a:xfrm>
+          <a:prstGeom prst="rect">
+            <a:avLst/>
+          </a:prstGeom>
+        </p:spPr>
+      </p:pic>
+      <p:cxnSp>
+        <p:nvCxnSpPr>
+          <p:cNvPr id="45" name="מחבר חץ ישר 44">
+            <a:extLst>
+              <a:ext uri="{FF2B5EF4-FFF2-40B4-BE49-F238E27FC236}">
+                <a16:creationId xmlns:a16="http://schemas.microsoft.com/office/drawing/2014/main" id="{3714A2BA-59DF-0DA5-2F87-2BA96C00678A}"/>
+              </a:ext>
+            </a:extLst>
+          </p:cNvPr>
+          <p:cNvCxnSpPr>
+            <a:cxnSpLocks/>
+            <a:stCxn id="42" idx="3"/>
+          </p:cNvCxnSpPr>
+          <p:nvPr/>
+        </p:nvCxnSpPr>
+        <p:spPr>
+          <a:xfrm>
+            <a:off x="3504149" y="2686978"/>
+            <a:ext cx="800432" cy="0"/>
+          </a:xfrm>
+          <a:prstGeom prst="straightConnector1">
+            <a:avLst/>
+          </a:prstGeom>
+          <a:ln w="50800">
+            <a:tailEnd type="triangle"/>
+          </a:ln>
+        </p:spPr>
+        <p:style>
+          <a:lnRef idx="1">
+            <a:schemeClr val="accent1"/>
+          </a:lnRef>
+          <a:fillRef idx="0">
+            <a:schemeClr val="accent1"/>
+          </a:fillRef>
+          <a:effectRef idx="0">
+            <a:schemeClr val="accent1"/>
+          </a:effectRef>
+          <a:fontRef idx="minor">
+            <a:schemeClr val="tx1"/>
+          </a:fontRef>
+        </p:style>
+      </p:cxnSp>
+      <p:sp>
+        <p:nvSpPr>
+          <p:cNvPr id="17" name="מלבן: פינות מעוגלות 16">
+            <a:extLst>
+              <a:ext uri="{FF2B5EF4-FFF2-40B4-BE49-F238E27FC236}">
+                <a16:creationId xmlns:a16="http://schemas.microsoft.com/office/drawing/2014/main" id="{FA8A3743-793E-BAC3-8009-A220D9D2F4F1}"/>
+              </a:ext>
+            </a:extLst>
+          </p:cNvPr>
+          <p:cNvSpPr/>
+          <p:nvPr/>
+        </p:nvSpPr>
+        <p:spPr>
+          <a:xfrm>
+            <a:off x="5562553" y="77606"/>
+            <a:ext cx="2275014" cy="773809"/>
+          </a:xfrm>
+          <a:prstGeom prst="roundRect">
+            <a:avLst/>
+          </a:prstGeom>
+        </p:spPr>
+        <p:style>
+          <a:lnRef idx="2">
+            <a:schemeClr val="dk1"/>
+          </a:lnRef>
+          <a:fillRef idx="1">
+            <a:schemeClr val="lt1"/>
+          </a:fillRef>
+          <a:effectRef idx="0">
+            <a:schemeClr val="dk1"/>
+          </a:effectRef>
+          <a:fontRef idx="minor">
+            <a:schemeClr val="dk1"/>
+          </a:fontRef>
+        </p:style>
+        <p:txBody>
+          <a:bodyPr tIns="72000" bIns="72000" rtlCol="1" anchor="ctr">
+            <a:spAutoFit/>
+          </a:bodyPr>
+          <a:lstStyle/>
+          <a:p>
+            <a:r>
+              <a:rPr lang="en-US" dirty="0"/>
+              <a:t>&lt;/div</a:t>
+            </a:r>
+            <a:br>
+              <a:rPr lang="en-US" dirty="0"/>
+            </a:br>
+            <a:r>
+              <a:rPr lang="en-US" dirty="0">
+                <a:solidFill>
+                  <a:schemeClr val="tx1"/>
+                </a:solidFill>
+                <a:latin typeface="Consolas" panose="020B0609020204030204" pitchFamily="49" charset="0"/>
+              </a:rPr>
+              <a:t>id=“white-win”</a:t>
+            </a:r>
+            <a:endParaRPr lang="en-US" b="0" dirty="0">
+              <a:solidFill>
+                <a:schemeClr val="tx1"/>
+              </a:solidFill>
+              <a:effectLst/>
+              <a:latin typeface="Consolas" panose="020B0609020204030204" pitchFamily="49" charset="0"/>
+            </a:endParaRPr>
+          </a:p>
+        </p:txBody>
+      </p:sp>
+      <p:cxnSp>
+        <p:nvCxnSpPr>
+          <p:cNvPr id="28" name="מחבר חץ ישר 27">
+            <a:extLst>
+              <a:ext uri="{FF2B5EF4-FFF2-40B4-BE49-F238E27FC236}">
+                <a16:creationId xmlns:a16="http://schemas.microsoft.com/office/drawing/2014/main" id="{0EAC1219-30FE-3F29-01DA-9C7C20AD8C34}"/>
+              </a:ext>
+            </a:extLst>
+          </p:cNvPr>
+          <p:cNvCxnSpPr>
+            <a:cxnSpLocks/>
+            <a:stCxn id="23" idx="3"/>
+          </p:cNvCxnSpPr>
+          <p:nvPr/>
+        </p:nvCxnSpPr>
+        <p:spPr>
+          <a:xfrm>
+            <a:off x="3926844" y="4534970"/>
+            <a:ext cx="585432" cy="0"/>
+          </a:xfrm>
+          <a:prstGeom prst="straightConnector1">
+            <a:avLst/>
+          </a:prstGeom>
+          <a:ln w="50800">
+            <a:tailEnd type="triangle"/>
+          </a:ln>
+        </p:spPr>
+        <p:style>
+          <a:lnRef idx="1">
+            <a:schemeClr val="accent1"/>
+          </a:lnRef>
+          <a:fillRef idx="0">
+            <a:schemeClr val="accent1"/>
+          </a:fillRef>
+          <a:effectRef idx="0">
+            <a:schemeClr val="accent1"/>
+          </a:effectRef>
+          <a:fontRef idx="minor">
+            <a:schemeClr val="tx1"/>
+          </a:fontRef>
+        </p:style>
+      </p:cxnSp>
+      <p:sp>
+        <p:nvSpPr>
+          <p:cNvPr id="42" name="מלבן: פינות מעוגלות 41">
+            <a:extLst>
+              <a:ext uri="{FF2B5EF4-FFF2-40B4-BE49-F238E27FC236}">
+                <a16:creationId xmlns:a16="http://schemas.microsoft.com/office/drawing/2014/main" id="{BD7E6BA4-8BBB-5E2F-7396-E425AD5295E8}"/>
+              </a:ext>
+            </a:extLst>
+          </p:cNvPr>
+          <p:cNvSpPr/>
+          <p:nvPr/>
+        </p:nvSpPr>
+        <p:spPr>
+          <a:xfrm>
+            <a:off x="1460610" y="2193017"/>
+            <a:ext cx="2043539" cy="987921"/>
+          </a:xfrm>
+          <a:prstGeom prst="roundRect">
+            <a:avLst/>
+          </a:prstGeom>
+        </p:spPr>
+        <p:style>
+          <a:lnRef idx="2">
+            <a:schemeClr val="dk1"/>
+          </a:lnRef>
+          <a:fillRef idx="1">
+            <a:schemeClr val="lt1"/>
+          </a:fillRef>
+          <a:effectRef idx="0">
+            <a:schemeClr val="dk1"/>
+          </a:effectRef>
+          <a:fontRef idx="minor">
+            <a:schemeClr val="dk1"/>
+          </a:fontRef>
+        </p:style>
+        <p:txBody>
+          <a:bodyPr wrap="square" lIns="432000" tIns="0" rIns="36000" bIns="0" rtlCol="1" anchor="ctr">
+            <a:noAutofit/>
+          </a:bodyPr>
+          <a:lstStyle/>
+          <a:p>
+            <a:r>
+              <a:rPr lang="en-US" sz="1400" b="0" dirty="0">
+                <a:solidFill>
+                  <a:srgbClr val="808080"/>
+                </a:solidFill>
+                <a:effectLst/>
+                <a:latin typeface="Consolas" panose="020B0609020204030204" pitchFamily="49" charset="0"/>
+              </a:rPr>
+              <a:t>&lt;</a:t>
+            </a:r>
+            <a:r>
+              <a:rPr lang="en-US" sz="1400" b="0" dirty="0">
+                <a:solidFill>
+                  <a:srgbClr val="569CD6"/>
+                </a:solidFill>
+                <a:effectLst/>
+                <a:latin typeface="Consolas" panose="020B0609020204030204" pitchFamily="49" charset="0"/>
+              </a:rPr>
+              <a:t>p</a:t>
+            </a:r>
+            <a:r>
+              <a:rPr lang="en-US" sz="1400" b="0" dirty="0">
+                <a:solidFill>
+                  <a:srgbClr val="D4D4D4"/>
+                </a:solidFill>
+                <a:effectLst/>
+                <a:latin typeface="Consolas" panose="020B0609020204030204" pitchFamily="49" charset="0"/>
+              </a:rPr>
+              <a:t> </a:t>
+            </a:r>
+            <a:r>
+              <a:rPr lang="en-US" sz="1400" b="0" dirty="0">
+                <a:solidFill>
+                  <a:srgbClr val="9CDCFE"/>
+                </a:solidFill>
+                <a:effectLst/>
+                <a:latin typeface="Consolas" panose="020B0609020204030204" pitchFamily="49" charset="0"/>
+              </a:rPr>
+              <a:t>id</a:t>
+            </a:r>
+            <a:r>
+              <a:rPr lang="en-US" sz="1400" b="0" dirty="0">
+                <a:solidFill>
+                  <a:srgbClr val="D4D4D4"/>
+                </a:solidFill>
+                <a:effectLst/>
+                <a:latin typeface="Consolas" panose="020B0609020204030204" pitchFamily="49" charset="0"/>
+              </a:rPr>
+              <a:t>=</a:t>
+            </a:r>
+            <a:r>
+              <a:rPr lang="en-US" sz="1400" b="0" dirty="0">
+                <a:solidFill>
+                  <a:srgbClr val="CE9178"/>
+                </a:solidFill>
+                <a:effectLst/>
+                <a:latin typeface="Consolas" panose="020B0609020204030204" pitchFamily="49" charset="0"/>
+              </a:rPr>
+              <a:t>"white-win-condition-text"</a:t>
+            </a:r>
+            <a:r>
+              <a:rPr lang="en-US" sz="1400" b="0" dirty="0">
+                <a:solidFill>
+                  <a:srgbClr val="808080"/>
+                </a:solidFill>
+                <a:effectLst/>
+                <a:latin typeface="Consolas" panose="020B0609020204030204" pitchFamily="49" charset="0"/>
+              </a:rPr>
+              <a:t>&gt;</a:t>
+            </a:r>
+            <a:endParaRPr lang="en-US" sz="1400" b="0" dirty="0">
+              <a:solidFill>
+                <a:srgbClr val="D4D4D4"/>
+              </a:solidFill>
+              <a:effectLst/>
+              <a:latin typeface="Consolas" panose="020B0609020204030204" pitchFamily="49" charset="0"/>
+            </a:endParaRPr>
+          </a:p>
+        </p:txBody>
+      </p:sp>
+      <p:sp>
+        <p:nvSpPr>
+          <p:cNvPr id="49" name="מלבן: פינות מעוגלות 48">
+            <a:extLst>
+              <a:ext uri="{FF2B5EF4-FFF2-40B4-BE49-F238E27FC236}">
+                <a16:creationId xmlns:a16="http://schemas.microsoft.com/office/drawing/2014/main" id="{093F4005-2A31-19A3-E0F5-D75EF30EF3AA}"/>
+              </a:ext>
+            </a:extLst>
+          </p:cNvPr>
+          <p:cNvSpPr/>
+          <p:nvPr/>
+        </p:nvSpPr>
+        <p:spPr>
+          <a:xfrm>
+            <a:off x="7717503" y="5332542"/>
+            <a:ext cx="2587167" cy="983927"/>
+          </a:xfrm>
+          <a:prstGeom prst="roundRect">
+            <a:avLst/>
+          </a:prstGeom>
+        </p:spPr>
+        <p:style>
+          <a:lnRef idx="2">
+            <a:schemeClr val="dk1"/>
+          </a:lnRef>
+          <a:fillRef idx="1">
+            <a:schemeClr val="lt1"/>
+          </a:fillRef>
+          <a:effectRef idx="0">
+            <a:schemeClr val="dk1"/>
+          </a:effectRef>
+          <a:fontRef idx="minor">
+            <a:schemeClr val="dk1"/>
+          </a:fontRef>
+        </p:style>
+        <p:txBody>
+          <a:bodyPr wrap="square" lIns="432000" tIns="0" rIns="36000" bIns="0" rtlCol="1" anchor="ctr">
+            <a:noAutofit/>
+          </a:bodyPr>
+          <a:lstStyle/>
+          <a:p>
+            <a:r>
+              <a:rPr lang="en-US" sz="1400" b="0" dirty="0">
+                <a:solidFill>
+                  <a:srgbClr val="569CD6"/>
+                </a:solidFill>
+                <a:effectLst/>
+                <a:latin typeface="Consolas" panose="020B0609020204030204" pitchFamily="49" charset="0"/>
+              </a:rPr>
+              <a:t>function</a:t>
+            </a:r>
+            <a:r>
+              <a:rPr lang="en-US" sz="1400" b="0" dirty="0">
+                <a:solidFill>
+                  <a:srgbClr val="D4D4D4"/>
+                </a:solidFill>
+                <a:effectLst/>
+                <a:latin typeface="Consolas" panose="020B0609020204030204" pitchFamily="49" charset="0"/>
+              </a:rPr>
+              <a:t> </a:t>
+            </a:r>
+            <a:r>
+              <a:rPr lang="en-US" sz="1400" b="0" dirty="0" err="1">
+                <a:solidFill>
+                  <a:srgbClr val="DCDCAA"/>
+                </a:solidFill>
+                <a:effectLst/>
+                <a:latin typeface="Consolas" panose="020B0609020204030204" pitchFamily="49" charset="0"/>
+              </a:rPr>
+              <a:t>cellClick</a:t>
+            </a:r>
+            <a:r>
+              <a:rPr lang="en-US" sz="1400" dirty="0">
+                <a:solidFill>
+                  <a:srgbClr val="D4D4D4"/>
+                </a:solidFill>
+                <a:latin typeface="Consolas" panose="020B0609020204030204" pitchFamily="49" charset="0"/>
+              </a:rPr>
+              <a:t>() </a:t>
+            </a:r>
+            <a:r>
+              <a:rPr lang="en-US" sz="1400" b="0" dirty="0">
+                <a:solidFill>
+                  <a:schemeClr val="tx1"/>
+                </a:solidFill>
+                <a:effectLst/>
+                <a:latin typeface="Consolas" panose="020B0609020204030204" pitchFamily="49" charset="0"/>
+              </a:rPr>
+              <a:t>Is disab</a:t>
+            </a:r>
+            <a:r>
+              <a:rPr lang="en-US" sz="1400" dirty="0">
+                <a:solidFill>
+                  <a:schemeClr val="tx1"/>
+                </a:solidFill>
+                <a:latin typeface="Consolas" panose="020B0609020204030204" pitchFamily="49" charset="0"/>
+              </a:rPr>
+              <a:t>led</a:t>
+            </a:r>
+            <a:endParaRPr lang="en-US" sz="1400" b="0" dirty="0">
+              <a:solidFill>
+                <a:schemeClr val="tx1"/>
+              </a:solidFill>
+              <a:effectLst/>
+              <a:latin typeface="Consolas" panose="020B0609020204030204" pitchFamily="49" charset="0"/>
+            </a:endParaRPr>
+          </a:p>
+        </p:txBody>
+      </p:sp>
+      <p:sp>
+        <p:nvSpPr>
+          <p:cNvPr id="23" name="מלבן: פינות מעוגלות 22">
+            <a:extLst>
+              <a:ext uri="{FF2B5EF4-FFF2-40B4-BE49-F238E27FC236}">
+                <a16:creationId xmlns:a16="http://schemas.microsoft.com/office/drawing/2014/main" id="{3F47AA7F-DB44-9972-0974-FA4AA4B61114}"/>
+              </a:ext>
+            </a:extLst>
+          </p:cNvPr>
+          <p:cNvSpPr/>
+          <p:nvPr/>
+        </p:nvSpPr>
+        <p:spPr>
+          <a:xfrm>
+            <a:off x="693650" y="4127892"/>
+            <a:ext cx="3233194" cy="814155"/>
+          </a:xfrm>
+          <a:prstGeom prst="roundRect">
+            <a:avLst/>
+          </a:prstGeom>
+        </p:spPr>
+        <p:style>
+          <a:lnRef idx="2">
+            <a:schemeClr val="dk1"/>
+          </a:lnRef>
+          <a:fillRef idx="1">
+            <a:schemeClr val="lt1"/>
+          </a:fillRef>
+          <a:effectRef idx="0">
+            <a:schemeClr val="dk1"/>
+          </a:effectRef>
+          <a:fontRef idx="minor">
+            <a:schemeClr val="dk1"/>
+          </a:fontRef>
+        </p:style>
+        <p:txBody>
+          <a:bodyPr wrap="square" lIns="432000" tIns="0" rIns="36000" bIns="0" rtlCol="1" anchor="ctr">
+            <a:noAutofit/>
+          </a:bodyPr>
+          <a:lstStyle/>
+          <a:p>
+            <a:r>
+              <a:rPr lang="en-US" sz="1400" b="0" dirty="0">
+                <a:solidFill>
+                  <a:srgbClr val="808080"/>
+                </a:solidFill>
+                <a:effectLst/>
+                <a:latin typeface="Consolas" panose="020B0609020204030204" pitchFamily="49" charset="0"/>
+              </a:rPr>
+              <a:t>&lt;</a:t>
+            </a:r>
+            <a:r>
+              <a:rPr lang="en-US" sz="1400" b="0" dirty="0">
+                <a:solidFill>
+                  <a:srgbClr val="569CD6"/>
+                </a:solidFill>
+                <a:effectLst/>
+                <a:latin typeface="Consolas" panose="020B0609020204030204" pitchFamily="49" charset="0"/>
+              </a:rPr>
+              <a:t>a</a:t>
+            </a:r>
+            <a:r>
+              <a:rPr lang="en-US" sz="1400" b="0" dirty="0">
+                <a:solidFill>
+                  <a:srgbClr val="D4D4D4"/>
+                </a:solidFill>
+                <a:effectLst/>
+                <a:latin typeface="Consolas" panose="020B0609020204030204" pitchFamily="49" charset="0"/>
+              </a:rPr>
+              <a:t> </a:t>
+            </a:r>
+          </a:p>
+          <a:p>
+            <a:r>
+              <a:rPr lang="en-US" sz="1400" b="0" dirty="0">
+                <a:solidFill>
+                  <a:srgbClr val="9CDCFE"/>
+                </a:solidFill>
+                <a:effectLst/>
+                <a:latin typeface="Consolas" panose="020B0609020204030204" pitchFamily="49" charset="0"/>
+              </a:rPr>
+              <a:t>onclick</a:t>
+            </a:r>
+            <a:r>
+              <a:rPr lang="en-US" sz="1400" b="0" dirty="0">
+                <a:solidFill>
+                  <a:srgbClr val="D4D4D4"/>
+                </a:solidFill>
+                <a:effectLst/>
+                <a:latin typeface="Consolas" panose="020B0609020204030204" pitchFamily="49" charset="0"/>
+              </a:rPr>
+              <a:t>=</a:t>
+            </a:r>
+            <a:r>
+              <a:rPr lang="en-US" sz="1400" b="0" dirty="0">
+                <a:solidFill>
+                  <a:srgbClr val="CE9178"/>
+                </a:solidFill>
+                <a:effectLst/>
+                <a:latin typeface="Consolas" panose="020B0609020204030204" pitchFamily="49" charset="0"/>
+              </a:rPr>
+              <a:t>"</a:t>
+            </a:r>
+            <a:r>
+              <a:rPr lang="en-US" sz="1400" b="0" dirty="0" err="1">
+                <a:solidFill>
+                  <a:srgbClr val="DCDCAA"/>
+                </a:solidFill>
+                <a:effectLst/>
+                <a:latin typeface="Consolas" panose="020B0609020204030204" pitchFamily="49" charset="0"/>
+              </a:rPr>
+              <a:t>initializeGame</a:t>
+            </a:r>
+            <a:r>
+              <a:rPr lang="en-US" sz="1400" b="0" dirty="0">
+                <a:solidFill>
+                  <a:srgbClr val="CE9178"/>
+                </a:solidFill>
+                <a:effectLst/>
+                <a:latin typeface="Consolas" panose="020B0609020204030204" pitchFamily="49" charset="0"/>
+              </a:rPr>
+              <a:t>()“</a:t>
+            </a:r>
+            <a:r>
+              <a:rPr lang="en-US" sz="1400" b="0" dirty="0">
+                <a:solidFill>
+                  <a:srgbClr val="808080"/>
+                </a:solidFill>
+                <a:effectLst/>
+                <a:latin typeface="Consolas" panose="020B0609020204030204" pitchFamily="49" charset="0"/>
+              </a:rPr>
+              <a:t>&gt;</a:t>
+            </a:r>
+          </a:p>
+          <a:p>
+            <a:r>
+              <a:rPr lang="en-US" sz="1400" b="0" dirty="0">
+                <a:solidFill>
+                  <a:srgbClr val="808080"/>
+                </a:solidFill>
+                <a:effectLst/>
+                <a:latin typeface="Consolas" panose="020B0609020204030204" pitchFamily="49" charset="0"/>
+              </a:rPr>
+              <a:t>&lt;/</a:t>
+            </a:r>
+            <a:r>
+              <a:rPr lang="en-US" sz="1400" b="0" dirty="0">
+                <a:solidFill>
+                  <a:srgbClr val="569CD6"/>
+                </a:solidFill>
+                <a:effectLst/>
+                <a:latin typeface="Consolas" panose="020B0609020204030204" pitchFamily="49" charset="0"/>
+              </a:rPr>
+              <a:t>a</a:t>
+            </a:r>
+            <a:r>
+              <a:rPr lang="en-US" sz="1400" b="0" dirty="0">
+                <a:solidFill>
+                  <a:srgbClr val="808080"/>
+                </a:solidFill>
+                <a:effectLst/>
+                <a:latin typeface="Consolas" panose="020B0609020204030204" pitchFamily="49" charset="0"/>
+              </a:rPr>
+              <a:t>&gt;</a:t>
+            </a:r>
+            <a:endParaRPr lang="en-US" sz="1400" b="0" dirty="0">
+              <a:solidFill>
+                <a:srgbClr val="D4D4D4"/>
+              </a:solidFill>
+              <a:effectLst/>
+              <a:latin typeface="Consolas" panose="020B0609020204030204" pitchFamily="49" charset="0"/>
+            </a:endParaRPr>
+          </a:p>
+        </p:txBody>
+      </p:sp>
+      <p:sp>
+        <p:nvSpPr>
+          <p:cNvPr id="36" name="מלבן: פינות מעוגלות 35">
+            <a:extLst>
+              <a:ext uri="{FF2B5EF4-FFF2-40B4-BE49-F238E27FC236}">
+                <a16:creationId xmlns:a16="http://schemas.microsoft.com/office/drawing/2014/main" id="{EEA2F8C0-0C6C-5649-0129-FF616ED08AAB}"/>
+              </a:ext>
+            </a:extLst>
+          </p:cNvPr>
+          <p:cNvSpPr/>
+          <p:nvPr/>
+        </p:nvSpPr>
+        <p:spPr>
+          <a:xfrm>
+            <a:off x="8611427" y="3804807"/>
+            <a:ext cx="3132000" cy="900000"/>
+          </a:xfrm>
+          <a:prstGeom prst="roundRect">
+            <a:avLst/>
+          </a:prstGeom>
+        </p:spPr>
+        <p:style>
+          <a:lnRef idx="2">
+            <a:schemeClr val="dk1"/>
+          </a:lnRef>
+          <a:fillRef idx="1">
+            <a:schemeClr val="lt1"/>
+          </a:fillRef>
+          <a:effectRef idx="0">
+            <a:schemeClr val="dk1"/>
+          </a:effectRef>
+          <a:fontRef idx="minor">
+            <a:schemeClr val="dk1"/>
+          </a:fontRef>
+        </p:style>
+        <p:txBody>
+          <a:bodyPr wrap="square" lIns="432000" tIns="0" rIns="36000" bIns="0" rtlCol="1" anchor="ctr">
+            <a:noAutofit/>
+          </a:bodyPr>
+          <a:lstStyle/>
+          <a:p>
+            <a:r>
+              <a:rPr lang="en-US" sz="1400" b="0" dirty="0">
+                <a:solidFill>
+                  <a:srgbClr val="808080"/>
+                </a:solidFill>
+                <a:effectLst/>
+                <a:latin typeface="Consolas" panose="020B0609020204030204" pitchFamily="49" charset="0"/>
+              </a:rPr>
+              <a:t>&lt;</a:t>
+            </a:r>
+            <a:r>
+              <a:rPr lang="en-US" sz="1400" b="0" dirty="0">
+                <a:solidFill>
+                  <a:srgbClr val="569CD6"/>
+                </a:solidFill>
+                <a:effectLst/>
+                <a:latin typeface="Consolas" panose="020B0609020204030204" pitchFamily="49" charset="0"/>
+              </a:rPr>
+              <a:t>input</a:t>
+            </a:r>
+            <a:r>
+              <a:rPr lang="en-US" sz="1400" b="0" dirty="0">
+                <a:solidFill>
+                  <a:srgbClr val="D4D4D4"/>
+                </a:solidFill>
+                <a:effectLst/>
+                <a:latin typeface="Consolas" panose="020B0609020204030204" pitchFamily="49" charset="0"/>
+              </a:rPr>
+              <a:t> </a:t>
+            </a:r>
+            <a:r>
+              <a:rPr lang="en-US" sz="1400" b="0" dirty="0">
+                <a:solidFill>
+                  <a:srgbClr val="9CDCFE"/>
+                </a:solidFill>
+                <a:effectLst/>
+                <a:latin typeface="Consolas" panose="020B0609020204030204" pitchFamily="49" charset="0"/>
+              </a:rPr>
+              <a:t>type</a:t>
+            </a:r>
+            <a:r>
+              <a:rPr lang="en-US" sz="1400" b="0" dirty="0">
+                <a:solidFill>
+                  <a:srgbClr val="D4D4D4"/>
+                </a:solidFill>
+                <a:effectLst/>
+                <a:latin typeface="Consolas" panose="020B0609020204030204" pitchFamily="49" charset="0"/>
+              </a:rPr>
+              <a:t>=</a:t>
+            </a:r>
+            <a:r>
+              <a:rPr lang="en-US" sz="1400" b="0" dirty="0">
+                <a:solidFill>
+                  <a:srgbClr val="CE9178"/>
+                </a:solidFill>
+                <a:effectLst/>
+                <a:latin typeface="Consolas" panose="020B0609020204030204" pitchFamily="49" charset="0"/>
+              </a:rPr>
+              <a:t>"checkbox"</a:t>
+            </a:r>
+            <a:r>
+              <a:rPr lang="en-US" sz="1400" b="0" dirty="0">
+                <a:solidFill>
+                  <a:srgbClr val="D4D4D4"/>
+                </a:solidFill>
+                <a:effectLst/>
+                <a:latin typeface="Consolas" panose="020B0609020204030204" pitchFamily="49" charset="0"/>
+              </a:rPr>
+              <a:t> </a:t>
+            </a:r>
+            <a:r>
+              <a:rPr lang="en-US" sz="1400" b="0" dirty="0">
+                <a:solidFill>
+                  <a:srgbClr val="9CDCFE"/>
+                </a:solidFill>
+                <a:effectLst/>
+                <a:latin typeface="Consolas" panose="020B0609020204030204" pitchFamily="49" charset="0"/>
+              </a:rPr>
+              <a:t>id</a:t>
+            </a:r>
+            <a:r>
+              <a:rPr lang="en-US" sz="1400" b="0" dirty="0">
+                <a:solidFill>
+                  <a:srgbClr val="D4D4D4"/>
+                </a:solidFill>
+                <a:effectLst/>
+                <a:latin typeface="Consolas" panose="020B0609020204030204" pitchFamily="49" charset="0"/>
+              </a:rPr>
+              <a:t>=</a:t>
+            </a:r>
+            <a:r>
+              <a:rPr lang="en-US" sz="1400" b="0" dirty="0">
+                <a:solidFill>
+                  <a:srgbClr val="CE9178"/>
+                </a:solidFill>
+                <a:effectLst/>
+                <a:latin typeface="Consolas" panose="020B0609020204030204" pitchFamily="49" charset="0"/>
+              </a:rPr>
+              <a:t>"comboCantGoBack1"</a:t>
+            </a:r>
+            <a:r>
+              <a:rPr lang="en-US" sz="1400" b="0" dirty="0">
+                <a:solidFill>
+                  <a:srgbClr val="D4D4D4"/>
+                </a:solidFill>
+                <a:effectLst/>
+                <a:latin typeface="Consolas" panose="020B0609020204030204" pitchFamily="49" charset="0"/>
+              </a:rPr>
+              <a:t> </a:t>
+            </a:r>
+            <a:r>
+              <a:rPr lang="en-US" sz="1400" b="0" dirty="0">
+                <a:solidFill>
+                  <a:srgbClr val="9CDCFE"/>
+                </a:solidFill>
+                <a:effectLst/>
+                <a:latin typeface="Consolas" panose="020B0609020204030204" pitchFamily="49" charset="0"/>
+              </a:rPr>
+              <a:t>name</a:t>
+            </a:r>
+            <a:r>
+              <a:rPr lang="en-US" sz="1400" b="0" dirty="0">
+                <a:solidFill>
+                  <a:srgbClr val="D4D4D4"/>
+                </a:solidFill>
+                <a:effectLst/>
+                <a:latin typeface="Consolas" panose="020B0609020204030204" pitchFamily="49" charset="0"/>
+              </a:rPr>
+              <a:t>=</a:t>
+            </a:r>
+            <a:r>
+              <a:rPr lang="en-US" sz="1400" b="0" dirty="0">
+                <a:solidFill>
+                  <a:srgbClr val="CE9178"/>
+                </a:solidFill>
+                <a:effectLst/>
+                <a:latin typeface="Consolas" panose="020B0609020204030204" pitchFamily="49" charset="0"/>
+              </a:rPr>
+              <a:t>"comboCantGoBack1"</a:t>
+            </a:r>
+            <a:r>
+              <a:rPr lang="en-US" sz="1400" b="0" dirty="0">
+                <a:solidFill>
+                  <a:srgbClr val="D4D4D4"/>
+                </a:solidFill>
+                <a:effectLst/>
+                <a:latin typeface="Consolas" panose="020B0609020204030204" pitchFamily="49" charset="0"/>
+              </a:rPr>
+              <a:t> </a:t>
+            </a:r>
+            <a:r>
+              <a:rPr lang="en-US" sz="1400" b="0" dirty="0">
+                <a:solidFill>
+                  <a:srgbClr val="808080"/>
+                </a:solidFill>
+                <a:effectLst/>
+                <a:latin typeface="Consolas" panose="020B0609020204030204" pitchFamily="49" charset="0"/>
+              </a:rPr>
+              <a:t>/&gt;</a:t>
+            </a:r>
+            <a:endParaRPr lang="en-US" sz="1400" b="0" dirty="0">
+              <a:solidFill>
+                <a:srgbClr val="D4D4D4"/>
+              </a:solidFill>
+              <a:effectLst/>
+              <a:latin typeface="Consolas" panose="020B0609020204030204" pitchFamily="49" charset="0"/>
+            </a:endParaRPr>
+          </a:p>
+        </p:txBody>
+      </p:sp>
+      <p:sp>
+        <p:nvSpPr>
+          <p:cNvPr id="38" name="מלבן: פינות מעוגלות 37">
+            <a:extLst>
+              <a:ext uri="{FF2B5EF4-FFF2-40B4-BE49-F238E27FC236}">
+                <a16:creationId xmlns:a16="http://schemas.microsoft.com/office/drawing/2014/main" id="{68EC978A-585F-3D8D-ECAC-5C4E7D1A2AE5}"/>
+              </a:ext>
+            </a:extLst>
+          </p:cNvPr>
+          <p:cNvSpPr/>
+          <p:nvPr/>
+        </p:nvSpPr>
+        <p:spPr>
+          <a:xfrm>
+            <a:off x="8611427" y="2050931"/>
+            <a:ext cx="3132000" cy="900000"/>
+          </a:xfrm>
+          <a:prstGeom prst="roundRect">
+            <a:avLst/>
+          </a:prstGeom>
+        </p:spPr>
+        <p:style>
+          <a:lnRef idx="2">
+            <a:schemeClr val="dk1"/>
+          </a:lnRef>
+          <a:fillRef idx="1">
+            <a:schemeClr val="lt1"/>
+          </a:fillRef>
+          <a:effectRef idx="0">
+            <a:schemeClr val="dk1"/>
+          </a:effectRef>
+          <a:fontRef idx="minor">
+            <a:schemeClr val="dk1"/>
+          </a:fontRef>
+        </p:style>
+        <p:txBody>
+          <a:bodyPr wrap="square" lIns="432000" tIns="0" rIns="36000" bIns="0" rtlCol="1" anchor="ctr">
+            <a:noAutofit/>
+          </a:bodyPr>
+          <a:lstStyle/>
+          <a:p>
+            <a:r>
+              <a:rPr lang="en-US" sz="1400" b="0" dirty="0">
+                <a:solidFill>
+                  <a:srgbClr val="808080"/>
+                </a:solidFill>
+                <a:effectLst/>
+                <a:latin typeface="Consolas" panose="020B0609020204030204" pitchFamily="49" charset="0"/>
+              </a:rPr>
+              <a:t>&lt;</a:t>
+            </a:r>
+            <a:r>
+              <a:rPr lang="en-US" sz="1400" b="0" dirty="0">
+                <a:solidFill>
+                  <a:srgbClr val="569CD6"/>
+                </a:solidFill>
+                <a:effectLst/>
+                <a:latin typeface="Consolas" panose="020B0609020204030204" pitchFamily="49" charset="0"/>
+              </a:rPr>
+              <a:t>input</a:t>
+            </a:r>
+            <a:r>
+              <a:rPr lang="en-US" sz="1400" b="0" dirty="0">
+                <a:solidFill>
+                  <a:srgbClr val="D4D4D4"/>
+                </a:solidFill>
+                <a:effectLst/>
+                <a:latin typeface="Consolas" panose="020B0609020204030204" pitchFamily="49" charset="0"/>
+              </a:rPr>
+              <a:t> </a:t>
+            </a:r>
+            <a:r>
+              <a:rPr lang="en-US" sz="1400" b="0" dirty="0">
+                <a:solidFill>
+                  <a:srgbClr val="9CDCFE"/>
+                </a:solidFill>
+                <a:effectLst/>
+                <a:latin typeface="Consolas" panose="020B0609020204030204" pitchFamily="49" charset="0"/>
+              </a:rPr>
+              <a:t>type</a:t>
+            </a:r>
+            <a:r>
+              <a:rPr lang="en-US" sz="1400" b="0" dirty="0">
+                <a:solidFill>
+                  <a:srgbClr val="D4D4D4"/>
+                </a:solidFill>
+                <a:effectLst/>
+                <a:latin typeface="Consolas" panose="020B0609020204030204" pitchFamily="49" charset="0"/>
+              </a:rPr>
+              <a:t>=</a:t>
+            </a:r>
+            <a:r>
+              <a:rPr lang="en-US" sz="1400" b="0" dirty="0">
+                <a:solidFill>
+                  <a:srgbClr val="CE9178"/>
+                </a:solidFill>
+                <a:effectLst/>
+                <a:latin typeface="Consolas" panose="020B0609020204030204" pitchFamily="49" charset="0"/>
+              </a:rPr>
+              <a:t>"checkbox"</a:t>
+            </a:r>
+            <a:r>
+              <a:rPr lang="en-US" sz="1400" b="0" dirty="0">
+                <a:solidFill>
+                  <a:srgbClr val="D4D4D4"/>
+                </a:solidFill>
+                <a:effectLst/>
+                <a:latin typeface="Consolas" panose="020B0609020204030204" pitchFamily="49" charset="0"/>
+              </a:rPr>
+              <a:t> </a:t>
+            </a:r>
+            <a:r>
+              <a:rPr lang="en-US" sz="1400" b="0" dirty="0">
+                <a:solidFill>
+                  <a:srgbClr val="9CDCFE"/>
+                </a:solidFill>
+                <a:effectLst/>
+                <a:latin typeface="Consolas" panose="020B0609020204030204" pitchFamily="49" charset="0"/>
+              </a:rPr>
+              <a:t>id</a:t>
+            </a:r>
+            <a:r>
+              <a:rPr lang="en-US" sz="1400" b="0" dirty="0">
+                <a:solidFill>
+                  <a:srgbClr val="D4D4D4"/>
+                </a:solidFill>
+                <a:effectLst/>
+                <a:latin typeface="Consolas" panose="020B0609020204030204" pitchFamily="49" charset="0"/>
+              </a:rPr>
+              <a:t>=</a:t>
+            </a:r>
+            <a:r>
+              <a:rPr lang="en-US" sz="1400" b="0" dirty="0">
+                <a:solidFill>
+                  <a:srgbClr val="CE9178"/>
+                </a:solidFill>
+                <a:effectLst/>
+                <a:latin typeface="Consolas" panose="020B0609020204030204" pitchFamily="49" charset="0"/>
+              </a:rPr>
+              <a:t>"comboCantGoBack2"</a:t>
+            </a:r>
+            <a:r>
+              <a:rPr lang="en-US" sz="1400" b="0" dirty="0">
+                <a:solidFill>
+                  <a:srgbClr val="D4D4D4"/>
+                </a:solidFill>
+                <a:effectLst/>
+                <a:latin typeface="Consolas" panose="020B0609020204030204" pitchFamily="49" charset="0"/>
+              </a:rPr>
+              <a:t> </a:t>
+            </a:r>
+            <a:r>
+              <a:rPr lang="en-US" sz="1400" b="0" dirty="0">
+                <a:solidFill>
+                  <a:srgbClr val="9CDCFE"/>
+                </a:solidFill>
+                <a:effectLst/>
+                <a:latin typeface="Consolas" panose="020B0609020204030204" pitchFamily="49" charset="0"/>
+              </a:rPr>
+              <a:t>name</a:t>
+            </a:r>
+            <a:r>
+              <a:rPr lang="en-US" sz="1400" b="0" dirty="0">
+                <a:solidFill>
+                  <a:srgbClr val="D4D4D4"/>
+                </a:solidFill>
+                <a:effectLst/>
+                <a:latin typeface="Consolas" panose="020B0609020204030204" pitchFamily="49" charset="0"/>
+              </a:rPr>
+              <a:t>=</a:t>
+            </a:r>
+            <a:r>
+              <a:rPr lang="en-US" sz="1400" b="0" dirty="0">
+                <a:solidFill>
+                  <a:srgbClr val="CE9178"/>
+                </a:solidFill>
+                <a:effectLst/>
+                <a:latin typeface="Consolas" panose="020B0609020204030204" pitchFamily="49" charset="0"/>
+              </a:rPr>
+              <a:t>"comboCantGoBack2"</a:t>
+            </a:r>
+            <a:r>
+              <a:rPr lang="en-US" sz="1400" b="0" dirty="0">
+                <a:solidFill>
+                  <a:srgbClr val="D4D4D4"/>
+                </a:solidFill>
+                <a:effectLst/>
+                <a:latin typeface="Consolas" panose="020B0609020204030204" pitchFamily="49" charset="0"/>
+              </a:rPr>
+              <a:t> </a:t>
+            </a:r>
+            <a:r>
+              <a:rPr lang="en-US" sz="1400" b="0" dirty="0">
+                <a:solidFill>
+                  <a:srgbClr val="808080"/>
+                </a:solidFill>
+                <a:effectLst/>
+                <a:latin typeface="Consolas" panose="020B0609020204030204" pitchFamily="49" charset="0"/>
+              </a:rPr>
+              <a:t>/&gt;</a:t>
+            </a:r>
+            <a:endParaRPr lang="en-US" sz="1400" b="0" dirty="0">
+              <a:solidFill>
+                <a:srgbClr val="D4D4D4"/>
+              </a:solidFill>
+              <a:effectLst/>
+              <a:latin typeface="Consolas" panose="020B0609020204030204" pitchFamily="49" charset="0"/>
+            </a:endParaRPr>
+          </a:p>
+        </p:txBody>
+      </p:sp>
+      <p:sp>
+        <p:nvSpPr>
+          <p:cNvPr id="29" name="מלבן: פינות מעוגלות 28">
+            <a:extLst>
+              <a:ext uri="{FF2B5EF4-FFF2-40B4-BE49-F238E27FC236}">
+                <a16:creationId xmlns:a16="http://schemas.microsoft.com/office/drawing/2014/main" id="{70584395-B0E0-81AC-1174-A8DFAE88FD4D}"/>
+              </a:ext>
+            </a:extLst>
+          </p:cNvPr>
+          <p:cNvSpPr/>
+          <p:nvPr/>
+        </p:nvSpPr>
+        <p:spPr>
+          <a:xfrm>
+            <a:off x="9877950" y="2904807"/>
+            <a:ext cx="853440" cy="624840"/>
+          </a:xfrm>
+          <a:prstGeom prst="roundRect">
+            <a:avLst/>
+          </a:prstGeom>
+        </p:spPr>
+        <p:style>
+          <a:lnRef idx="2">
+            <a:schemeClr val="accent1">
+              <a:shade val="50000"/>
+            </a:schemeClr>
+          </a:lnRef>
+          <a:fillRef idx="1">
+            <a:schemeClr val="accent1"/>
+          </a:fillRef>
+          <a:effectRef idx="0">
+            <a:schemeClr val="accent1"/>
+          </a:effectRef>
+          <a:fontRef idx="minor">
+            <a:schemeClr val="lt1"/>
+          </a:fontRef>
+        </p:style>
+        <p:txBody>
+          <a:bodyPr rtlCol="1" anchor="ctr"/>
+          <a:lstStyle/>
+          <a:p>
+            <a:pPr algn="ctr"/>
+            <a:r>
+              <a:rPr lang="en-US" dirty="0"/>
+              <a:t>Show inputs</a:t>
+            </a:r>
+            <a:endParaRPr lang="he-IL" dirty="0"/>
+          </a:p>
+        </p:txBody>
+      </p:sp>
+      <p:cxnSp>
+        <p:nvCxnSpPr>
+          <p:cNvPr id="50" name="מחבר חץ ישר 49">
+            <a:extLst>
+              <a:ext uri="{FF2B5EF4-FFF2-40B4-BE49-F238E27FC236}">
+                <a16:creationId xmlns:a16="http://schemas.microsoft.com/office/drawing/2014/main" id="{7EC13566-F219-5AD3-B58E-6233CE224738}"/>
+              </a:ext>
+            </a:extLst>
+          </p:cNvPr>
+          <p:cNvCxnSpPr>
+            <a:cxnSpLocks/>
+          </p:cNvCxnSpPr>
+          <p:nvPr/>
+        </p:nvCxnSpPr>
+        <p:spPr>
+          <a:xfrm>
+            <a:off x="6700060" y="851415"/>
+            <a:ext cx="0" cy="778977"/>
+          </a:xfrm>
+          <a:prstGeom prst="straightConnector1">
+            <a:avLst/>
+          </a:prstGeom>
+          <a:ln w="50800">
+            <a:tailEnd type="triangle"/>
+          </a:ln>
+        </p:spPr>
+        <p:style>
+          <a:lnRef idx="1">
+            <a:schemeClr val="accent1"/>
+          </a:lnRef>
+          <a:fillRef idx="0">
+            <a:schemeClr val="accent1"/>
+          </a:fillRef>
+          <a:effectRef idx="0">
+            <a:schemeClr val="accent1"/>
+          </a:effectRef>
+          <a:fontRef idx="minor">
+            <a:schemeClr val="tx1"/>
+          </a:fontRef>
+        </p:style>
+      </p:cxnSp>
+    </p:spTree>
+    <p:extLst>
+      <p:ext uri="{BB962C8B-B14F-4D97-AF65-F5344CB8AC3E}">
+        <p14:creationId xmlns:p14="http://schemas.microsoft.com/office/powerpoint/2010/main" val="1121158590"/>
+      </p:ext>
+    </p:extLst>
+  </p:cSld>
+  <p:clrMapOvr>
+    <a:masterClrMapping/>
+  </p:clrMapOvr>
+  <p:timing>
+    <p:tnLst>
+      <p:par>
+        <p:cTn id="1" dur="indefinite" restart="never" nodeType="tmRoot">
+          <p:childTnLst>
+            <p:seq concurrent="1" nextAc="seek">
+              <p:cTn id="2" restart="whenNotActive" fill="hold" evtFilter="cancelBubble" nodeType="interactiveSeq">
+                <p:stCondLst>
+                  <p:cond evt="onClick" delay="0">
+                    <p:tgtEl>
+                      <p:spTgt spid="29"/>
+                    </p:tgtEl>
+                  </p:cond>
+                </p:stCondLst>
+                <p:endSync evt="end" delay="0">
+                  <p:rtn val="all"/>
+                </p:endSync>
+                <p:childTnLst>
+                  <p:par>
+                    <p:cTn id="3" fill="hold">
+                      <p:stCondLst>
+                        <p:cond delay="0"/>
+                      </p:stCondLst>
+                      <p:childTnLst>
+                        <p:par>
+                          <p:cTn id="4" fill="hold">
+                            <p:stCondLst>
+                              <p:cond delay="0"/>
+                            </p:stCondLst>
+                            <p:childTnLst>
+                              <p:par>
+                                <p:cTn id="5" presetID="1" presetClass="entr" presetSubtype="0" fill="hold" grpId="0" nodeType="clickEffect">
+                                  <p:stCondLst>
+                                    <p:cond delay="0"/>
+                                  </p:stCondLst>
+                                  <p:childTnLst>
+                                    <p:set>
+                                      <p:cBhvr>
+                                        <p:cTn id="6" dur="1" fill="hold">
+                                          <p:stCondLst>
+                                            <p:cond delay="0"/>
+                                          </p:stCondLst>
+                                        </p:cTn>
+                                        <p:tgtEl>
+                                          <p:spTgt spid="38"/>
+                                        </p:tgtEl>
+                                        <p:attrNameLst>
+                                          <p:attrName>style.visibility</p:attrName>
+                                        </p:attrNameLst>
+                                      </p:cBhvr>
+                                      <p:to>
+                                        <p:strVal val="visible"/>
+                                      </p:to>
+                                    </p:set>
+                                  </p:childTnLst>
+                                </p:cTn>
+                              </p:par>
+                              <p:par>
+                                <p:cTn id="7" presetID="1" presetClass="entr" presetSubtype="0" fill="hold" grpId="0" nodeType="withEffect">
+                                  <p:stCondLst>
+                                    <p:cond delay="0"/>
+                                  </p:stCondLst>
+                                  <p:childTnLst>
+                                    <p:set>
+                                      <p:cBhvr>
+                                        <p:cTn id="8" dur="1" fill="hold">
+                                          <p:stCondLst>
+                                            <p:cond delay="0"/>
+                                          </p:stCondLst>
+                                        </p:cTn>
+                                        <p:tgtEl>
+                                          <p:spTgt spid="36"/>
+                                        </p:tgtEl>
+                                        <p:attrNameLst>
+                                          <p:attrName>style.visibility</p:attrName>
+                                        </p:attrNameLst>
+                                      </p:cBhvr>
+                                      <p:to>
+                                        <p:strVal val="visible"/>
+                                      </p:to>
+                                    </p:set>
+                                  </p:childTnLst>
+                                </p:cTn>
+                              </p:par>
+                              <p:par>
+                                <p:cTn id="9" presetID="1" presetClass="exit" presetSubtype="0" fill="hold" grpId="0" nodeType="withEffect">
+                                  <p:stCondLst>
+                                    <p:cond delay="0"/>
+                                  </p:stCondLst>
+                                  <p:childTnLst>
+                                    <p:set>
+                                      <p:cBhvr>
+                                        <p:cTn id="10" dur="1" fill="hold">
+                                          <p:stCondLst>
+                                            <p:cond delay="0"/>
+                                          </p:stCondLst>
+                                        </p:cTn>
+                                        <p:tgtEl>
+                                          <p:spTgt spid="29"/>
+                                        </p:tgtEl>
+                                        <p:attrNameLst>
+                                          <p:attrName>style.visibility</p:attrName>
+                                        </p:attrNameLst>
+                                      </p:cBhvr>
+                                      <p:to>
+                                        <p:strVal val="hidden"/>
+                                      </p:to>
+                                    </p:set>
+                                  </p:childTnLst>
+                                </p:cTn>
+                              </p:par>
+                            </p:childTnLst>
+                          </p:cTn>
+                        </p:par>
+                      </p:childTnLst>
+                    </p:cTn>
+                  </p:par>
+                </p:childTnLst>
+              </p:cTn>
+              <p:nextCondLst>
+                <p:cond evt="onClick" delay="0">
+                  <p:tgtEl>
+                    <p:spTgt spid="29"/>
+                  </p:tgtEl>
+                </p:cond>
+              </p:nextCondLst>
+            </p:seq>
+          </p:childTnLst>
+        </p:cTn>
+      </p:par>
+    </p:tnLst>
+    <p:bldLst>
+      <p:bldP spid="36" grpId="0" animBg="1"/>
+      <p:bldP spid="38" grpId="0" animBg="1"/>
+      <p:bldP spid="29" grpId="0" animBg="1"/>
+    </p:bldLst>
+  </p:timing>
+</p:sld>
+</file>
+
+<file path=ppt/slides/slide5.xml><?xml version="1.0" encoding="utf-8"?>
+<p:sld xmlns:a="http://schemas.openxmlformats.org/drawingml/2006/main" xmlns:r="http://schemas.openxmlformats.org/officeDocument/2006/relationships" xmlns:p="http://schemas.openxmlformats.org/presentationml/2006/main">
+  <p:cSld>
+    <p:spTree>
+      <p:nvGrpSpPr>
+        <p:cNvPr id="1" name=""/>
+        <p:cNvGrpSpPr/>
+        <p:nvPr/>
+      </p:nvGrpSpPr>
+      <p:grpSpPr>
+        <a:xfrm>
+          <a:off x="0" y="0"/>
+          <a:ext cx="0" cy="0"/>
+          <a:chOff x="0" y="0"/>
+          <a:chExt cx="0" cy="0"/>
+        </a:xfrm>
+      </p:grpSpPr>
+      <p:pic>
+        <p:nvPicPr>
+          <p:cNvPr id="13" name="תמונה 12">
+            <a:extLst>
+              <a:ext uri="{FF2B5EF4-FFF2-40B4-BE49-F238E27FC236}">
+                <a16:creationId xmlns:a16="http://schemas.microsoft.com/office/drawing/2014/main" id="{D09B6FA2-E031-B608-8A05-8135759681F8}"/>
+              </a:ext>
+            </a:extLst>
+          </p:cNvPr>
+          <p:cNvPicPr>
+            <a:picLocks noChangeAspect="1"/>
+          </p:cNvPicPr>
+          <p:nvPr/>
+        </p:nvPicPr>
+        <p:blipFill rotWithShape="1">
+          <a:blip r:embed="rId2"/>
+          <a:srcRect l="2250" r="31009" b="29007"/>
+          <a:stretch/>
+        </p:blipFill>
+        <p:spPr>
+          <a:xfrm>
+            <a:off x="3630129" y="1064938"/>
+            <a:ext cx="7856473" cy="4728123"/>
+          </a:xfrm>
+          <a:prstGeom prst="rect">
+            <a:avLst/>
+          </a:prstGeom>
+        </p:spPr>
+      </p:pic>
+      <p:sp>
+        <p:nvSpPr>
+          <p:cNvPr id="5" name="תיבת טקסט 4">
+            <a:extLst>
+              <a:ext uri="{FF2B5EF4-FFF2-40B4-BE49-F238E27FC236}">
+                <a16:creationId xmlns:a16="http://schemas.microsoft.com/office/drawing/2014/main" id="{F65C97A1-2046-B642-2615-B13226281A92}"/>
+              </a:ext>
+            </a:extLst>
+          </p:cNvPr>
+          <p:cNvSpPr txBox="1"/>
+          <p:nvPr/>
+        </p:nvSpPr>
+        <p:spPr>
+          <a:xfrm>
+            <a:off x="861591" y="332213"/>
+            <a:ext cx="2297580" cy="523220"/>
+          </a:xfrm>
+          <a:prstGeom prst="rect">
+            <a:avLst/>
+          </a:prstGeom>
+          <a:noFill/>
+        </p:spPr>
+        <p:txBody>
+          <a:bodyPr wrap="square" rtlCol="1">
+            <a:spAutoFit/>
+          </a:bodyPr>
+          <a:lstStyle/>
+          <a:p>
+            <a:r>
+              <a:rPr lang="en-US" sz="2800" u="sng" dirty="0"/>
+              <a:t>File structure</a:t>
+            </a:r>
+            <a:endParaRPr lang="he-IL" sz="2800" u="sng" dirty="0"/>
+          </a:p>
+        </p:txBody>
+      </p:sp>
+      <p:pic>
+        <p:nvPicPr>
+          <p:cNvPr id="8" name="תמונה 7">
+            <a:extLst>
+              <a:ext uri="{FF2B5EF4-FFF2-40B4-BE49-F238E27FC236}">
+                <a16:creationId xmlns:a16="http://schemas.microsoft.com/office/drawing/2014/main" id="{12553ACB-8D30-B703-3588-8B1F479C11B6}"/>
+              </a:ext>
+            </a:extLst>
+          </p:cNvPr>
+          <p:cNvPicPr>
+            <a:picLocks noChangeAspect="1"/>
+          </p:cNvPicPr>
+          <p:nvPr/>
+        </p:nvPicPr>
+        <p:blipFill rotWithShape="1">
+          <a:blip r:embed="rId3"/>
+          <a:srcRect b="52219"/>
+          <a:stretch/>
+        </p:blipFill>
+        <p:spPr>
+          <a:xfrm>
+            <a:off x="485079" y="855433"/>
+            <a:ext cx="2841594" cy="2855955"/>
+          </a:xfrm>
+          <a:prstGeom prst="rect">
+            <a:avLst/>
+          </a:prstGeom>
+        </p:spPr>
+      </p:pic>
+      <p:pic>
+        <p:nvPicPr>
+          <p:cNvPr id="10" name="תמונה 9">
+            <a:extLst>
+              <a:ext uri="{FF2B5EF4-FFF2-40B4-BE49-F238E27FC236}">
+                <a16:creationId xmlns:a16="http://schemas.microsoft.com/office/drawing/2014/main" id="{09FC754B-49E6-7ABB-16F1-A5950F20C88D}"/>
+              </a:ext>
+            </a:extLst>
+          </p:cNvPr>
+          <p:cNvPicPr>
+            <a:picLocks noChangeAspect="1"/>
+          </p:cNvPicPr>
+          <p:nvPr/>
+        </p:nvPicPr>
+        <p:blipFill rotWithShape="1">
+          <a:blip r:embed="rId2"/>
+          <a:srcRect l="2250" r="31009"/>
+          <a:stretch/>
+        </p:blipFill>
+        <p:spPr>
+          <a:xfrm>
+            <a:off x="485079" y="3711388"/>
+            <a:ext cx="2841594" cy="2476500"/>
+          </a:xfrm>
+          <a:prstGeom prst="rect">
+            <a:avLst/>
+          </a:prstGeom>
+        </p:spPr>
+      </p:pic>
+      <p:sp>
+        <p:nvSpPr>
+          <p:cNvPr id="16" name="מלבן: פינות מעוגלות 15">
+            <a:extLst>
+              <a:ext uri="{FF2B5EF4-FFF2-40B4-BE49-F238E27FC236}">
+                <a16:creationId xmlns:a16="http://schemas.microsoft.com/office/drawing/2014/main" id="{816CBC94-4A7D-94D8-ECFE-34112914D4B9}"/>
+              </a:ext>
+            </a:extLst>
+          </p:cNvPr>
+          <p:cNvSpPr/>
+          <p:nvPr/>
+        </p:nvSpPr>
+        <p:spPr>
+          <a:xfrm>
+            <a:off x="8093753" y="3233653"/>
+            <a:ext cx="3652766" cy="550183"/>
+          </a:xfrm>
+          <a:prstGeom prst="roundRect">
+            <a:avLst/>
+          </a:prstGeom>
+          <a:solidFill>
+            <a:srgbClr val="0070C0"/>
+          </a:solidFill>
+        </p:spPr>
+        <p:style>
+          <a:lnRef idx="2">
+            <a:schemeClr val="dk1"/>
+          </a:lnRef>
+          <a:fillRef idx="1">
+            <a:schemeClr val="lt1"/>
+          </a:fillRef>
+          <a:effectRef idx="0">
+            <a:schemeClr val="dk1"/>
+          </a:effectRef>
+          <a:fontRef idx="minor">
+            <a:schemeClr val="dk1"/>
+          </a:fontRef>
+        </p:style>
+        <p:txBody>
+          <a:bodyPr wrap="square" lIns="72000" tIns="0" rIns="72000" bIns="0" rtlCol="1" anchor="ctr">
+            <a:noAutofit/>
+          </a:bodyPr>
+          <a:lstStyle/>
+          <a:p>
+            <a:r>
+              <a:rPr lang="en-US" sz="1400" dirty="0">
+                <a:solidFill>
+                  <a:schemeClr val="bg1"/>
+                </a:solidFill>
+                <a:latin typeface="Consolas" panose="020B0609020204030204" pitchFamily="49" charset="0"/>
+              </a:rPr>
+              <a:t>Called on “play’ button click. calls </a:t>
+            </a:r>
+            <a:r>
+              <a:rPr lang="en-US" sz="1400" dirty="0" err="1">
+                <a:solidFill>
+                  <a:schemeClr val="bg1"/>
+                </a:solidFill>
+                <a:latin typeface="Consolas" panose="020B0609020204030204" pitchFamily="49" charset="0"/>
+              </a:rPr>
+              <a:t>boaredData</a:t>
+            </a:r>
+            <a:r>
+              <a:rPr lang="en-US" sz="1400" dirty="0">
+                <a:solidFill>
+                  <a:schemeClr val="bg1"/>
+                </a:solidFill>
+                <a:latin typeface="Consolas" panose="020B0609020204030204" pitchFamily="49" charset="0"/>
+              </a:rPr>
+              <a:t>() and </a:t>
+            </a:r>
+            <a:r>
+              <a:rPr lang="en-US" sz="1400" dirty="0" err="1">
+                <a:solidFill>
+                  <a:schemeClr val="bg1"/>
+                </a:solidFill>
+                <a:latin typeface="Consolas" panose="020B0609020204030204" pitchFamily="49" charset="0"/>
+              </a:rPr>
+              <a:t>paintboard</a:t>
+            </a:r>
+            <a:r>
+              <a:rPr lang="en-US" sz="1400" dirty="0">
+                <a:solidFill>
+                  <a:schemeClr val="bg1"/>
+                </a:solidFill>
+                <a:latin typeface="Consolas" panose="020B0609020204030204" pitchFamily="49" charset="0"/>
+              </a:rPr>
+              <a:t>()</a:t>
+            </a:r>
+            <a:endParaRPr lang="en-US" sz="1400" b="0" dirty="0">
+              <a:solidFill>
+                <a:schemeClr val="bg1"/>
+              </a:solidFill>
+              <a:effectLst/>
+              <a:latin typeface="Consolas" panose="020B0609020204030204" pitchFamily="49" charset="0"/>
+            </a:endParaRPr>
+          </a:p>
+        </p:txBody>
+      </p:sp>
+      <p:sp>
+        <p:nvSpPr>
+          <p:cNvPr id="19" name="מלבן: פינות מעוגלות 18">
+            <a:extLst>
+              <a:ext uri="{FF2B5EF4-FFF2-40B4-BE49-F238E27FC236}">
+                <a16:creationId xmlns:a16="http://schemas.microsoft.com/office/drawing/2014/main" id="{78CBB8C2-5F56-7B08-4FDA-989EE7817652}"/>
+              </a:ext>
+            </a:extLst>
+          </p:cNvPr>
+          <p:cNvSpPr/>
+          <p:nvPr/>
+        </p:nvSpPr>
+        <p:spPr>
+          <a:xfrm>
+            <a:off x="7273433" y="2526983"/>
+            <a:ext cx="3652766" cy="550183"/>
+          </a:xfrm>
+          <a:prstGeom prst="roundRect">
+            <a:avLst/>
+          </a:prstGeom>
+          <a:solidFill>
+            <a:srgbClr val="0070C0"/>
+          </a:solidFill>
+        </p:spPr>
+        <p:style>
+          <a:lnRef idx="2">
+            <a:schemeClr val="dk1"/>
+          </a:lnRef>
+          <a:fillRef idx="1">
+            <a:schemeClr val="lt1"/>
+          </a:fillRef>
+          <a:effectRef idx="0">
+            <a:schemeClr val="dk1"/>
+          </a:effectRef>
+          <a:fontRef idx="minor">
+            <a:schemeClr val="dk1"/>
+          </a:fontRef>
+        </p:style>
+        <p:txBody>
+          <a:bodyPr wrap="square" lIns="72000" tIns="0" rIns="72000" bIns="0" rtlCol="1" anchor="ctr">
+            <a:noAutofit/>
+          </a:bodyPr>
+          <a:lstStyle/>
+          <a:p>
+            <a:r>
+              <a:rPr lang="en-US" sz="1400" dirty="0">
+                <a:solidFill>
+                  <a:schemeClr val="bg1"/>
+                </a:solidFill>
+                <a:latin typeface="Consolas" panose="020B0609020204030204" pitchFamily="49" charset="0"/>
+              </a:rPr>
+              <a:t>Called when I click on the board</a:t>
+            </a:r>
+            <a:endParaRPr lang="en-US" sz="1400" b="0" dirty="0">
+              <a:solidFill>
+                <a:schemeClr val="bg1"/>
+              </a:solidFill>
+              <a:effectLst/>
+              <a:latin typeface="Consolas" panose="020B0609020204030204" pitchFamily="49" charset="0"/>
+            </a:endParaRPr>
+          </a:p>
+        </p:txBody>
+      </p:sp>
+      <p:sp>
+        <p:nvSpPr>
+          <p:cNvPr id="20" name="מלבן: פינות מעוגלות 19">
+            <a:extLst>
+              <a:ext uri="{FF2B5EF4-FFF2-40B4-BE49-F238E27FC236}">
+                <a16:creationId xmlns:a16="http://schemas.microsoft.com/office/drawing/2014/main" id="{B693498C-C536-2F6D-9D78-AF122511FBA3}"/>
+              </a:ext>
+            </a:extLst>
+          </p:cNvPr>
+          <p:cNvSpPr/>
+          <p:nvPr/>
+        </p:nvSpPr>
+        <p:spPr>
+          <a:xfrm>
+            <a:off x="7273432" y="1776770"/>
+            <a:ext cx="4032889" cy="550183"/>
+          </a:xfrm>
+          <a:prstGeom prst="roundRect">
+            <a:avLst/>
+          </a:prstGeom>
+          <a:solidFill>
+            <a:srgbClr val="0070C0"/>
+          </a:solidFill>
+        </p:spPr>
+        <p:style>
+          <a:lnRef idx="2">
+            <a:schemeClr val="dk1"/>
+          </a:lnRef>
+          <a:fillRef idx="1">
+            <a:schemeClr val="lt1"/>
+          </a:fillRef>
+          <a:effectRef idx="0">
+            <a:schemeClr val="dk1"/>
+          </a:effectRef>
+          <a:fontRef idx="minor">
+            <a:schemeClr val="dk1"/>
+          </a:fontRef>
+        </p:style>
+        <p:txBody>
+          <a:bodyPr wrap="square" lIns="72000" tIns="0" rIns="72000" bIns="0" rtlCol="1" anchor="ctr">
+            <a:noAutofit/>
+          </a:bodyPr>
+          <a:lstStyle/>
+          <a:p>
+            <a:r>
+              <a:rPr lang="en-US" sz="1400" dirty="0">
+                <a:solidFill>
+                  <a:schemeClr val="bg1"/>
+                </a:solidFill>
+                <a:latin typeface="Consolas" panose="020B0609020204030204" pitchFamily="49" charset="0"/>
+              </a:rPr>
+              <a:t>Class to hold </a:t>
+            </a:r>
+            <a:r>
+              <a:rPr lang="en-US" sz="1400" b="0" dirty="0">
+                <a:solidFill>
+                  <a:schemeClr val="bg1"/>
+                </a:solidFill>
+                <a:effectLst/>
+                <a:latin typeface="Consolas" panose="020B0609020204030204" pitchFamily="49" charset="0"/>
+              </a:rPr>
+              <a:t>All the game information</a:t>
+            </a:r>
+          </a:p>
+        </p:txBody>
+      </p:sp>
+      <p:sp>
+        <p:nvSpPr>
+          <p:cNvPr id="22" name="מלבן: פינות מעוגלות 21">
+            <a:extLst>
+              <a:ext uri="{FF2B5EF4-FFF2-40B4-BE49-F238E27FC236}">
+                <a16:creationId xmlns:a16="http://schemas.microsoft.com/office/drawing/2014/main" id="{BFB7C849-F201-E554-1CAA-6FBCAE537F76}"/>
+              </a:ext>
+            </a:extLst>
+          </p:cNvPr>
+          <p:cNvSpPr/>
+          <p:nvPr/>
+        </p:nvSpPr>
+        <p:spPr>
+          <a:xfrm>
+            <a:off x="7273432" y="3945485"/>
+            <a:ext cx="2689170" cy="550183"/>
+          </a:xfrm>
+          <a:prstGeom prst="roundRect">
+            <a:avLst/>
+          </a:prstGeom>
+          <a:solidFill>
+            <a:srgbClr val="0070C0"/>
+          </a:solidFill>
+        </p:spPr>
+        <p:style>
+          <a:lnRef idx="2">
+            <a:schemeClr val="dk1"/>
+          </a:lnRef>
+          <a:fillRef idx="1">
+            <a:schemeClr val="lt1"/>
+          </a:fillRef>
+          <a:effectRef idx="0">
+            <a:schemeClr val="dk1"/>
+          </a:effectRef>
+          <a:fontRef idx="minor">
+            <a:schemeClr val="dk1"/>
+          </a:fontRef>
+        </p:style>
+        <p:txBody>
+          <a:bodyPr wrap="square" lIns="72000" tIns="0" rIns="72000" bIns="0" rtlCol="1" anchor="ctr">
+            <a:noAutofit/>
+          </a:bodyPr>
+          <a:lstStyle/>
+          <a:p>
+            <a:r>
+              <a:rPr lang="en-US" sz="1400" b="0" dirty="0">
+                <a:solidFill>
+                  <a:schemeClr val="bg1"/>
+                </a:solidFill>
+                <a:effectLst/>
+                <a:latin typeface="Consolas" panose="020B0609020204030204" pitchFamily="49" charset="0"/>
+              </a:rPr>
+              <a:t>Return </a:t>
+            </a:r>
+            <a:r>
+              <a:rPr lang="en-US" sz="1400" b="0" dirty="0" err="1">
+                <a:solidFill>
+                  <a:schemeClr val="bg1"/>
+                </a:solidFill>
+                <a:effectLst/>
+                <a:latin typeface="Consolas" panose="020B0609020204030204" pitchFamily="49" charset="0"/>
+              </a:rPr>
+              <a:t>legalMoves</a:t>
+            </a:r>
+            <a:r>
+              <a:rPr lang="en-US" sz="1400" b="0" dirty="0">
+                <a:solidFill>
+                  <a:schemeClr val="bg1"/>
+                </a:solidFill>
+                <a:effectLst/>
+                <a:latin typeface="Consolas" panose="020B0609020204030204" pitchFamily="49" charset="0"/>
+              </a:rPr>
+              <a:t>[ ], and mark the board </a:t>
+            </a:r>
+          </a:p>
+        </p:txBody>
+      </p:sp>
+      <p:sp>
+        <p:nvSpPr>
+          <p:cNvPr id="23" name="מלבן: פינות מעוגלות 22">
+            <a:extLst>
+              <a:ext uri="{FF2B5EF4-FFF2-40B4-BE49-F238E27FC236}">
+                <a16:creationId xmlns:a16="http://schemas.microsoft.com/office/drawing/2014/main" id="{AA8F2DBF-47EE-98B7-E188-498F0ABE140A}"/>
+              </a:ext>
+            </a:extLst>
+          </p:cNvPr>
+          <p:cNvSpPr/>
+          <p:nvPr/>
+        </p:nvSpPr>
+        <p:spPr>
+          <a:xfrm>
+            <a:off x="7273433" y="4624800"/>
+            <a:ext cx="1922816" cy="550183"/>
+          </a:xfrm>
+          <a:prstGeom prst="roundRect">
+            <a:avLst/>
+          </a:prstGeom>
+          <a:solidFill>
+            <a:srgbClr val="0070C0"/>
+          </a:solidFill>
+        </p:spPr>
+        <p:style>
+          <a:lnRef idx="2">
+            <a:schemeClr val="dk1"/>
+          </a:lnRef>
+          <a:fillRef idx="1">
+            <a:schemeClr val="lt1"/>
+          </a:fillRef>
+          <a:effectRef idx="0">
+            <a:schemeClr val="dk1"/>
+          </a:effectRef>
+          <a:fontRef idx="minor">
+            <a:schemeClr val="dk1"/>
+          </a:fontRef>
+        </p:style>
+        <p:txBody>
+          <a:bodyPr wrap="square" lIns="72000" tIns="0" rIns="72000" bIns="0" rtlCol="1" anchor="ctr">
+            <a:noAutofit/>
+          </a:bodyPr>
+          <a:lstStyle/>
+          <a:p>
+            <a:r>
+              <a:rPr lang="en-US" sz="1400" b="0" dirty="0">
+                <a:solidFill>
+                  <a:schemeClr val="bg1"/>
+                </a:solidFill>
+                <a:effectLst/>
+                <a:latin typeface="Consolas" panose="020B0609020204030204" pitchFamily="49" charset="0"/>
+              </a:rPr>
+              <a:t>Creates the table </a:t>
+            </a:r>
+          </a:p>
+        </p:txBody>
+      </p:sp>
+      <p:sp>
+        <p:nvSpPr>
+          <p:cNvPr id="24" name="מלבן: פינות מעוגלות 23">
+            <a:extLst>
+              <a:ext uri="{FF2B5EF4-FFF2-40B4-BE49-F238E27FC236}">
+                <a16:creationId xmlns:a16="http://schemas.microsoft.com/office/drawing/2014/main" id="{42B6B376-51FD-97C8-AE3C-EFACCEB1DF5A}"/>
+              </a:ext>
+            </a:extLst>
+          </p:cNvPr>
+          <p:cNvSpPr/>
+          <p:nvPr/>
+        </p:nvSpPr>
+        <p:spPr>
+          <a:xfrm>
+            <a:off x="7273431" y="5245881"/>
+            <a:ext cx="2689171" cy="550183"/>
+          </a:xfrm>
+          <a:prstGeom prst="roundRect">
+            <a:avLst/>
+          </a:prstGeom>
+          <a:solidFill>
+            <a:srgbClr val="0070C0"/>
+          </a:solidFill>
+        </p:spPr>
+        <p:style>
+          <a:lnRef idx="2">
+            <a:schemeClr val="dk1"/>
+          </a:lnRef>
+          <a:fillRef idx="1">
+            <a:schemeClr val="lt1"/>
+          </a:fillRef>
+          <a:effectRef idx="0">
+            <a:schemeClr val="dk1"/>
+          </a:effectRef>
+          <a:fontRef idx="minor">
+            <a:schemeClr val="dk1"/>
+          </a:fontRef>
+        </p:style>
+        <p:txBody>
+          <a:bodyPr wrap="square" lIns="72000" tIns="0" rIns="72000" bIns="0" rtlCol="1" anchor="ctr">
+            <a:noAutofit/>
+          </a:bodyPr>
+          <a:lstStyle/>
+          <a:p>
+            <a:r>
+              <a:rPr lang="en-US" sz="1400" dirty="0">
+                <a:solidFill>
+                  <a:schemeClr val="bg1"/>
+                </a:solidFill>
+                <a:latin typeface="Consolas" panose="020B0609020204030204" pitchFamily="49" charset="0"/>
+              </a:rPr>
+              <a:t>Called when a player won</a:t>
+            </a:r>
+            <a:endParaRPr lang="en-US" sz="1400" b="0" dirty="0">
+              <a:solidFill>
+                <a:schemeClr val="bg1"/>
+              </a:solidFill>
+              <a:effectLst/>
+              <a:latin typeface="Consolas" panose="020B0609020204030204" pitchFamily="49" charset="0"/>
+            </a:endParaRPr>
+          </a:p>
+        </p:txBody>
+      </p:sp>
+    </p:spTree>
+    <p:extLst>
+      <p:ext uri="{BB962C8B-B14F-4D97-AF65-F5344CB8AC3E}">
+        <p14:creationId xmlns:p14="http://schemas.microsoft.com/office/powerpoint/2010/main" val="592288426"/>
+      </p:ext>
+    </p:extLst>
+  </p:cSld>
+  <p:clrMapOvr>
+    <a:masterClrMapping/>
+  </p:clrMapOvr>
+  <p:timing>
+    <p:tnLst>
+      <p:par>
+        <p:cTn id="1" dur="indefinite" restart="never" nodeType="tmRoot">
+          <p:childTnLst>
+            <p:seq concurrent="1" nextAc="seek">
+              <p:cTn id="2" dur="indefinite" nodeType="mainSeq">
+                <p:childTnLst>
+                  <p:par>
+                    <p:cTn id="3" fill="hold">
+                      <p:stCondLst>
+                        <p:cond delay="indefinite"/>
+                      </p:stCondLst>
+                      <p:childTnLst>
+                        <p:par>
+                          <p:cTn id="4" fill="hold">
+                            <p:stCondLst>
+                              <p:cond delay="0"/>
+                            </p:stCondLst>
+                            <p:childTnLst>
+                              <p:par>
+                                <p:cTn id="5" presetID="1" presetClass="entr" presetSubtype="0" fill="hold" grpId="0" nodeType="clickEffect">
+                                  <p:stCondLst>
+                                    <p:cond delay="0"/>
+                                  </p:stCondLst>
+                                  <p:childTnLst>
+                                    <p:set>
+                                      <p:cBhvr>
+                                        <p:cTn id="6" dur="1" fill="hold">
+                                          <p:stCondLst>
+                                            <p:cond delay="0"/>
+                                          </p:stCondLst>
+                                        </p:cTn>
+                                        <p:tgtEl>
+                                          <p:spTgt spid="23"/>
+                                        </p:tgtEl>
+                                        <p:attrNameLst>
+                                          <p:attrName>style.visibility</p:attrName>
+                                        </p:attrNameLst>
+                                      </p:cBhvr>
+                                      <p:to>
+                                        <p:strVal val="visible"/>
+                                      </p:to>
+                                    </p:set>
+                                  </p:childTnLst>
+                                </p:cTn>
+                              </p:par>
+                              <p:par>
+                                <p:cTn id="7" presetID="1" presetClass="entr" presetSubtype="0" fill="hold" grpId="0" nodeType="withEffect">
+                                  <p:stCondLst>
+                                    <p:cond delay="0"/>
+                                  </p:stCondLst>
+                                  <p:childTnLst>
+                                    <p:set>
+                                      <p:cBhvr>
+                                        <p:cTn id="8" dur="1" fill="hold">
+                                          <p:stCondLst>
+                                            <p:cond delay="0"/>
+                                          </p:stCondLst>
+                                        </p:cTn>
+                                        <p:tgtEl>
+                                          <p:spTgt spid="24"/>
+                                        </p:tgtEl>
+                                        <p:attrNameLst>
+                                          <p:attrName>style.visibility</p:attrName>
+                                        </p:attrNameLst>
+                                      </p:cBhvr>
+                                      <p:to>
+                                        <p:strVal val="visible"/>
+                                      </p:to>
+                                    </p:set>
+                                  </p:childTnLst>
+                                </p:cTn>
+                              </p:par>
+                              <p:par>
+                                <p:cTn id="9" presetID="1" presetClass="entr" presetSubtype="0" fill="hold" grpId="0" nodeType="withEffect">
+                                  <p:stCondLst>
+                                    <p:cond delay="0"/>
+                                  </p:stCondLst>
+                                  <p:childTnLst>
+                                    <p:set>
+                                      <p:cBhvr>
+                                        <p:cTn id="10" dur="1" fill="hold">
+                                          <p:stCondLst>
+                                            <p:cond delay="0"/>
+                                          </p:stCondLst>
+                                        </p:cTn>
+                                        <p:tgtEl>
+                                          <p:spTgt spid="22"/>
+                                        </p:tgtEl>
+                                        <p:attrNameLst>
+                                          <p:attrName>style.visibility</p:attrName>
+                                        </p:attrNameLst>
+                                      </p:cBhvr>
+                                      <p:to>
+                                        <p:strVal val="visible"/>
+                                      </p:to>
+                                    </p:set>
+                                  </p:childTnLst>
+                                </p:cTn>
+                              </p:par>
+                              <p:par>
+                                <p:cTn id="11" presetID="1" presetClass="entr" presetSubtype="0" fill="hold" grpId="0" nodeType="withEffect">
+                                  <p:stCondLst>
+                                    <p:cond delay="0"/>
+                                  </p:stCondLst>
+                                  <p:childTnLst>
+                                    <p:set>
+                                      <p:cBhvr>
+                                        <p:cTn id="12" dur="1" fill="hold">
+                                          <p:stCondLst>
+                                            <p:cond delay="0"/>
+                                          </p:stCondLst>
+                                        </p:cTn>
+                                        <p:tgtEl>
+                                          <p:spTgt spid="16"/>
+                                        </p:tgtEl>
+                                        <p:attrNameLst>
+                                          <p:attrName>style.visibility</p:attrName>
+                                        </p:attrNameLst>
+                                      </p:cBhvr>
+                                      <p:to>
+                                        <p:strVal val="visible"/>
+                                      </p:to>
+                                    </p:set>
+                                  </p:childTnLst>
+                                </p:cTn>
+                              </p:par>
+                              <p:par>
+                                <p:cTn id="13" presetID="1" presetClass="entr" presetSubtype="0" fill="hold" grpId="0" nodeType="withEffect">
+                                  <p:stCondLst>
+                                    <p:cond delay="0"/>
+                                  </p:stCondLst>
+                                  <p:childTnLst>
+                                    <p:set>
+                                      <p:cBhvr>
+                                        <p:cTn id="14" dur="1" fill="hold">
+                                          <p:stCondLst>
+                                            <p:cond delay="0"/>
+                                          </p:stCondLst>
+                                        </p:cTn>
+                                        <p:tgtEl>
+                                          <p:spTgt spid="19"/>
+                                        </p:tgtEl>
+                                        <p:attrNameLst>
+                                          <p:attrName>style.visibility</p:attrName>
+                                        </p:attrNameLst>
+                                      </p:cBhvr>
+                                      <p:to>
+                                        <p:strVal val="visible"/>
+                                      </p:to>
+                                    </p:set>
+                                  </p:childTnLst>
+                                </p:cTn>
+                              </p:par>
+                              <p:par>
+                                <p:cTn id="15" presetID="1" presetClass="entr" presetSubtype="0" fill="hold" grpId="0" nodeType="withEffect">
+                                  <p:stCondLst>
+                                    <p:cond delay="0"/>
+                                  </p:stCondLst>
+                                  <p:childTnLst>
+                                    <p:set>
+                                      <p:cBhvr>
+                                        <p:cTn id="16" dur="1" fill="hold">
+                                          <p:stCondLst>
+                                            <p:cond delay="0"/>
+                                          </p:stCondLst>
+                                        </p:cTn>
+                                        <p:tgtEl>
+                                          <p:spTgt spid="20"/>
+                                        </p:tgtEl>
+                                        <p:attrNameLst>
+                                          <p:attrName>style.visibility</p:attrName>
+                                        </p:attrNameLst>
+                                      </p:cBhvr>
+                                      <p:to>
+                                        <p:strVal val="visible"/>
+                                      </p:to>
+                                    </p:set>
+                                  </p:childTnLst>
+                                </p:cTn>
+                              </p:par>
+                              <p:par>
+                                <p:cTn id="17" presetID="1" presetClass="entr" presetSubtype="0" fill="hold" nodeType="withEffect">
+                                  <p:stCondLst>
+                                    <p:cond delay="0"/>
+                                  </p:stCondLst>
+                                  <p:childTnLst>
+                                    <p:set>
+                                      <p:cBhvr>
+                                        <p:cTn id="18" dur="1" fill="hold">
+                                          <p:stCondLst>
+                                            <p:cond delay="0"/>
+                                          </p:stCondLst>
+                                        </p:cTn>
+                                        <p:tgtEl>
+                                          <p:spTgt spid="13"/>
+                                        </p:tgtEl>
+                                        <p:attrNameLst>
+                                          <p:attrName>style.visibility</p:attrName>
+                                        </p:attrNameLst>
+                                      </p:cBhvr>
+                                      <p:to>
+                                        <p:strVal val="visible"/>
+                                      </p:to>
+                                    </p:set>
+                                  </p:childTnLst>
+                                </p:cTn>
+                              </p:par>
+                            </p:childTnLst>
+                          </p:cTn>
+                        </p:par>
+                      </p:childTnLst>
+                    </p:cTn>
+                  </p:par>
+                </p:childTnLst>
+              </p:cTn>
+              <p:prevCondLst>
+                <p:cond evt="onPrev" delay="0">
+                  <p:tgtEl>
+                    <p:sldTgt/>
+                  </p:tgtEl>
+                </p:cond>
+              </p:prevCondLst>
+              <p:nextCondLst>
+                <p:cond evt="onNext" delay="0">
+                  <p:tgtEl>
+                    <p:sldTgt/>
+                  </p:tgtEl>
+                </p:cond>
+              </p:nextCondLst>
+            </p:seq>
+          </p:childTnLst>
+        </p:cTn>
+      </p:par>
+    </p:tnLst>
+    <p:bldLst>
+      <p:bldP spid="16" grpId="0" animBg="1"/>
+      <p:bldP spid="19" grpId="0" animBg="1"/>
+      <p:bldP spid="20" grpId="0" animBg="1"/>
+      <p:bldP spid="22" grpId="0" animBg="1"/>
+      <p:bldP spid="23" grpId="0" animBg="1"/>
+      <p:bldP spid="24" grpId="0" animBg="1"/>
+    </p:bldLst>
+  </p:timing>
+</p:sld>
+</file>
+
+<file path=ppt/slides/slide6.xml><?xml version="1.0" encoding="utf-8"?>
+<p:sld xmlns:a="http://schemas.openxmlformats.org/drawingml/2006/main" xmlns:r="http://schemas.openxmlformats.org/officeDocument/2006/relationships" xmlns:p="http://schemas.openxmlformats.org/presentationml/2006/main">
+  <p:cSld>
+    <p:bg>
+      <p:bgPr>
+        <a:solidFill>
+          <a:schemeClr val="bg1">
+            <a:lumMod val="95000"/>
+          </a:schemeClr>
+        </a:solidFill>
+        <a:effectLst/>
+      </p:bgPr>
+    </p:bg>
+    <p:spTree>
+      <p:nvGrpSpPr>
+        <p:cNvPr id="1" name=""/>
+        <p:cNvGrpSpPr/>
+        <p:nvPr/>
+      </p:nvGrpSpPr>
+      <p:grpSpPr>
+        <a:xfrm>
+          <a:off x="0" y="0"/>
+          <a:ext cx="0" cy="0"/>
+          <a:chOff x="0" y="0"/>
+          <a:chExt cx="0" cy="0"/>
+        </a:xfrm>
+      </p:grpSpPr>
+      <p:graphicFrame>
+        <p:nvGraphicFramePr>
+          <p:cNvPr id="4" name="דיאגרמה 3">
+            <a:extLst>
+              <a:ext uri="{FF2B5EF4-FFF2-40B4-BE49-F238E27FC236}">
+                <a16:creationId xmlns:a16="http://schemas.microsoft.com/office/drawing/2014/main" id="{3D9C7414-0934-A03C-0320-BFFA1DB2C42B}"/>
+              </a:ext>
+            </a:extLst>
+          </p:cNvPr>
+          <p:cNvGraphicFramePr/>
+          <p:nvPr>
+            <p:extLst>
+              <p:ext uri="{D42A27DB-BD31-4B8C-83A1-F6EECF244321}">
+                <p14:modId xmlns:p14="http://schemas.microsoft.com/office/powerpoint/2010/main" val="3038504682"/>
+              </p:ext>
+            </p:extLst>
+          </p:nvPr>
+        </p:nvGraphicFramePr>
+        <p:xfrm>
+          <a:off x="727969" y="630889"/>
+          <a:ext cx="10932358" cy="5418667"/>
+        </p:xfrm>
+        <a:graphic>
+          <a:graphicData uri="http://schemas.openxmlformats.org/drawingml/2006/diagram">
+            <dgm:relIds xmlns:dgm="http://schemas.openxmlformats.org/drawingml/2006/diagram" xmlns:r="http://schemas.openxmlformats.org/officeDocument/2006/relationships" r:dm="rId2" r:lo="rId3" r:qs="rId4" r:cs="rId5"/>
+          </a:graphicData>
+        </a:graphic>
+      </p:graphicFrame>
+      <p:sp>
+        <p:nvSpPr>
+          <p:cNvPr id="5" name="תיבת טקסט 4">
+            <a:extLst>
+              <a:ext uri="{FF2B5EF4-FFF2-40B4-BE49-F238E27FC236}">
+                <a16:creationId xmlns:a16="http://schemas.microsoft.com/office/drawing/2014/main" id="{F65C97A1-2046-B642-2615-B13226281A92}"/>
+              </a:ext>
+            </a:extLst>
+          </p:cNvPr>
+          <p:cNvSpPr txBox="1"/>
+          <p:nvPr/>
+        </p:nvSpPr>
+        <p:spPr>
+          <a:xfrm>
+            <a:off x="1786740" y="610924"/>
+            <a:ext cx="4407408" cy="523220"/>
+          </a:xfrm>
+          <a:prstGeom prst="rect">
+            <a:avLst/>
+          </a:prstGeom>
+          <a:noFill/>
+        </p:spPr>
+        <p:txBody>
+          <a:bodyPr wrap="square" rtlCol="1">
+            <a:spAutoFit/>
+          </a:bodyPr>
+          <a:lstStyle/>
+          <a:p>
+            <a:r>
+              <a:rPr lang="en-US" sz="2400" u="sng" dirty="0"/>
+              <a:t>Object </a:t>
+            </a:r>
+            <a:r>
+              <a:rPr lang="en-US" sz="2800" u="sng" dirty="0"/>
+              <a:t>data</a:t>
+            </a:r>
+            <a:r>
+              <a:rPr lang="en-US" sz="2400" u="sng" dirty="0"/>
+              <a:t> of class </a:t>
+            </a:r>
+            <a:r>
+              <a:rPr lang="en-US" sz="2400" u="sng" dirty="0" err="1"/>
+              <a:t>BoardData</a:t>
+            </a:r>
+            <a:r>
+              <a:rPr lang="en-US" sz="2400" u="sng" dirty="0"/>
+              <a:t>()</a:t>
+            </a:r>
+            <a:endParaRPr lang="he-IL" sz="2400" u="sng" dirty="0"/>
+          </a:p>
+        </p:txBody>
+      </p:sp>
+      <p:sp>
+        <p:nvSpPr>
+          <p:cNvPr id="6" name="תיבת טקסט 5">
+            <a:extLst>
+              <a:ext uri="{FF2B5EF4-FFF2-40B4-BE49-F238E27FC236}">
+                <a16:creationId xmlns:a16="http://schemas.microsoft.com/office/drawing/2014/main" id="{FD21D578-ABCF-14C3-EF35-9DA9A0FA860F}"/>
+              </a:ext>
+            </a:extLst>
+          </p:cNvPr>
+          <p:cNvSpPr txBox="1"/>
+          <p:nvPr/>
+        </p:nvSpPr>
+        <p:spPr>
+          <a:xfrm>
+            <a:off x="7217357" y="5498862"/>
+            <a:ext cx="1518408" cy="923330"/>
+          </a:xfrm>
+          <a:prstGeom prst="rect">
+            <a:avLst/>
+          </a:prstGeom>
+          <a:noFill/>
+        </p:spPr>
+        <p:txBody>
+          <a:bodyPr wrap="square" rtlCol="1">
+            <a:spAutoFit/>
+          </a:bodyPr>
+          <a:lstStyle/>
+          <a:p>
+            <a:r>
+              <a:rPr lang="en-US" dirty="0"/>
+              <a:t>Can any of</a:t>
+            </a:r>
+            <a:br>
+              <a:rPr lang="en-US" dirty="0"/>
+            </a:br>
+            <a:r>
+              <a:rPr lang="en-US" dirty="0"/>
+              <a:t>my units </a:t>
+            </a:r>
+            <a:br>
+              <a:rPr lang="en-US" dirty="0"/>
+            </a:br>
+            <a:r>
+              <a:rPr lang="en-US" dirty="0"/>
+              <a:t>eat an enemy?</a:t>
+            </a:r>
+          </a:p>
+        </p:txBody>
+      </p:sp>
+      <p:sp>
+        <p:nvSpPr>
+          <p:cNvPr id="7" name="תיבת טקסט 6">
+            <a:extLst>
+              <a:ext uri="{FF2B5EF4-FFF2-40B4-BE49-F238E27FC236}">
+                <a16:creationId xmlns:a16="http://schemas.microsoft.com/office/drawing/2014/main" id="{070C970B-4B04-2862-BB3B-D97FC873B001}"/>
+              </a:ext>
+            </a:extLst>
+          </p:cNvPr>
+          <p:cNvSpPr txBox="1"/>
+          <p:nvPr/>
+        </p:nvSpPr>
+        <p:spPr>
+          <a:xfrm>
+            <a:off x="4146119" y="5580369"/>
+            <a:ext cx="1518408" cy="646331"/>
+          </a:xfrm>
+          <a:prstGeom prst="rect">
+            <a:avLst/>
+          </a:prstGeom>
+          <a:noFill/>
+        </p:spPr>
+        <p:txBody>
+          <a:bodyPr wrap="square" rtlCol="1">
+            <a:spAutoFit/>
+          </a:bodyPr>
+          <a:lstStyle/>
+          <a:p>
+            <a:r>
+              <a:rPr lang="en-US" dirty="0"/>
+              <a:t>Did I just eat an enemy?</a:t>
+            </a:r>
+            <a:endParaRPr lang="he-IL" dirty="0"/>
+          </a:p>
+        </p:txBody>
+      </p:sp>
+      <p:pic>
+        <p:nvPicPr>
+          <p:cNvPr id="14" name="תמונה 13">
+            <a:extLst>
+              <a:ext uri="{FF2B5EF4-FFF2-40B4-BE49-F238E27FC236}">
+                <a16:creationId xmlns:a16="http://schemas.microsoft.com/office/drawing/2014/main" id="{E434A63B-B3DE-7EC7-22D4-5C5DD205F61A}"/>
+              </a:ext>
+            </a:extLst>
+          </p:cNvPr>
+          <p:cNvPicPr>
+            <a:picLocks noChangeAspect="1"/>
+          </p:cNvPicPr>
+          <p:nvPr/>
+        </p:nvPicPr>
+        <p:blipFill>
+          <a:blip r:embed="rId7"/>
+          <a:stretch>
+            <a:fillRect/>
+          </a:stretch>
+        </p:blipFill>
+        <p:spPr>
+          <a:xfrm>
+            <a:off x="7614408" y="897473"/>
+            <a:ext cx="1744381" cy="1489863"/>
+          </a:xfrm>
+          <a:prstGeom prst="rect">
+            <a:avLst/>
+          </a:prstGeom>
+        </p:spPr>
+      </p:pic>
+      <p:sp>
+        <p:nvSpPr>
+          <p:cNvPr id="8" name="תיבת טקסט 7">
+            <a:extLst>
+              <a:ext uri="{FF2B5EF4-FFF2-40B4-BE49-F238E27FC236}">
+                <a16:creationId xmlns:a16="http://schemas.microsoft.com/office/drawing/2014/main" id="{4F2C34AA-FA16-FB4B-5EF6-34E6867D6714}"/>
+              </a:ext>
+            </a:extLst>
+          </p:cNvPr>
+          <p:cNvSpPr txBox="1"/>
+          <p:nvPr/>
+        </p:nvSpPr>
+        <p:spPr>
+          <a:xfrm>
+            <a:off x="820261" y="5552417"/>
+            <a:ext cx="1773028" cy="646331"/>
+          </a:xfrm>
+          <a:prstGeom prst="rect">
+            <a:avLst/>
+          </a:prstGeom>
+          <a:noFill/>
+        </p:spPr>
+        <p:txBody>
+          <a:bodyPr wrap="square" rtlCol="1">
+            <a:spAutoFit/>
+          </a:bodyPr>
+          <a:lstStyle/>
+          <a:p>
+            <a:r>
+              <a:rPr lang="en-US" dirty="0"/>
+              <a:t>Do I have optional moves?</a:t>
+            </a:r>
+            <a:endParaRPr lang="he-IL" dirty="0"/>
+          </a:p>
+        </p:txBody>
+      </p:sp>
+    </p:spTree>
+    <p:extLst>
+      <p:ext uri="{BB962C8B-B14F-4D97-AF65-F5344CB8AC3E}">
+        <p14:creationId xmlns:p14="http://schemas.microsoft.com/office/powerpoint/2010/main" val="3096527022"/>
+      </p:ext>
+    </p:extLst>
+  </p:cSld>
+  <p:clrMapOvr>
+    <a:masterClrMapping/>
+  </p:clrMapOvr>
+</p:sld>
+</file>
+
+<file path=ppt/slides/slide7.xml><?xml version="1.0" encoding="utf-8"?>
+<p:sld xmlns:a="http://schemas.openxmlformats.org/drawingml/2006/main" xmlns:r="http://schemas.openxmlformats.org/officeDocument/2006/relationships" xmlns:p="http://schemas.openxmlformats.org/presentationml/2006/main">
+  <p:cSld>
+    <p:bg>
+      <p:bgPr>
+        <a:solidFill>
+          <a:schemeClr val="bg1">
+            <a:lumMod val="95000"/>
+          </a:schemeClr>
+        </a:solidFill>
+        <a:effectLst/>
+      </p:bgPr>
+    </p:bg>
+    <p:spTree>
+      <p:nvGrpSpPr>
+        <p:cNvPr id="1" name=""/>
+        <p:cNvGrpSpPr/>
+        <p:nvPr/>
+      </p:nvGrpSpPr>
+      <p:grpSpPr>
+        <a:xfrm>
+          <a:off x="0" y="0"/>
+          <a:ext cx="0" cy="0"/>
+          <a:chOff x="0" y="0"/>
+          <a:chExt cx="0" cy="0"/>
+        </a:xfrm>
+      </p:grpSpPr>
+      <p:sp>
+        <p:nvSpPr>
+          <p:cNvPr id="56" name="מלבן: פינות מעוגלות 55">
+            <a:extLst>
+              <a:ext uri="{FF2B5EF4-FFF2-40B4-BE49-F238E27FC236}">
+                <a16:creationId xmlns:a16="http://schemas.microsoft.com/office/drawing/2014/main" id="{695C1800-AA7B-2F48-9F52-46286C66CBBB}"/>
+              </a:ext>
+            </a:extLst>
+          </p:cNvPr>
+          <p:cNvSpPr/>
+          <p:nvPr/>
+        </p:nvSpPr>
+        <p:spPr>
+          <a:xfrm>
+            <a:off x="3595787" y="4841632"/>
+            <a:ext cx="1817296" cy="369334"/>
+          </a:xfrm>
+          <a:prstGeom prst="roundRect">
+            <a:avLst/>
+          </a:prstGeom>
+          <a:solidFill>
+            <a:srgbClr val="00B0F0"/>
+          </a:solidFill>
+        </p:spPr>
+        <p:style>
+          <a:lnRef idx="2">
+            <a:schemeClr val="accent2">
+              <a:shade val="50000"/>
+            </a:schemeClr>
+          </a:lnRef>
+          <a:fillRef idx="1">
+            <a:schemeClr val="accent2"/>
+          </a:fillRef>
+          <a:effectRef idx="0">
+            <a:schemeClr val="accent2"/>
+          </a:effectRef>
+          <a:fontRef idx="minor">
+            <a:schemeClr val="lt1"/>
+          </a:fontRef>
+        </p:style>
+        <p:txBody>
+          <a:bodyPr rtlCol="1" anchor="ctr"/>
+          <a:lstStyle/>
+          <a:p>
+            <a:pPr algn="ctr"/>
+            <a:r>
+              <a:rPr lang="en-US" sz="1600" dirty="0"/>
+              <a:t>Did I Win?</a:t>
+            </a:r>
+            <a:endParaRPr lang="he-IL" sz="1600" dirty="0"/>
+          </a:p>
+        </p:txBody>
+      </p:sp>
       <p:sp>
         <p:nvSpPr>
           <p:cNvPr id="4" name="מלבן: פינות מעוגלות 3">
@@ -8580,8 +14489,8 @@
         </p:nvSpPr>
         <p:spPr>
           <a:xfrm>
-            <a:off x="9240807" y="5715000"/>
-            <a:ext cx="1564353" cy="462701"/>
+            <a:off x="9257189" y="5915688"/>
+            <a:ext cx="1795335" cy="462701"/>
           </a:xfrm>
           <a:prstGeom prst="roundRect">
             <a:avLst/>
@@ -8633,7 +14542,7 @@
         </p:nvSpPr>
         <p:spPr>
           <a:xfrm>
-            <a:off x="4523041" y="5744359"/>
+            <a:off x="4523041" y="6014326"/>
             <a:ext cx="2201664" cy="527124"/>
           </a:xfrm>
           <a:prstGeom prst="roundRect">
@@ -8686,7 +14595,7 @@
         </p:nvSpPr>
         <p:spPr>
           <a:xfrm>
-            <a:off x="3072384" y="4982282"/>
+            <a:off x="3035355" y="5218902"/>
             <a:ext cx="2730481" cy="386033"/>
           </a:xfrm>
           <a:prstGeom prst="roundRect">
@@ -8739,8 +14648,8 @@
         </p:nvSpPr>
         <p:spPr>
           <a:xfrm rot="10800000">
-            <a:off x="6761919" y="5550274"/>
-            <a:ext cx="1216242" cy="596764"/>
+            <a:off x="6761919" y="5544408"/>
+            <a:ext cx="1216242" cy="872597"/>
           </a:xfrm>
           <a:prstGeom prst="bentArrow">
             <a:avLst/>
@@ -8789,8 +14698,8 @@
         </p:nvSpPr>
         <p:spPr>
           <a:xfrm rot="5400000">
-            <a:off x="8427951" y="5334186"/>
-            <a:ext cx="588506" cy="1037206"/>
+            <a:off x="8552926" y="5209211"/>
+            <a:ext cx="338555" cy="1037206"/>
           </a:xfrm>
           <a:prstGeom prst="bentUpArrow">
             <a:avLst/>
@@ -8867,7 +14776,6 @@
               <a:rPr lang="en-US" sz="1600" dirty="0"/>
               <a:t>If the game is on</a:t>
             </a:r>
-            <a:endParaRPr lang="he-IL" sz="1600" dirty="0"/>
           </a:p>
         </p:txBody>
       </p:sp>
@@ -9500,8 +15408,8 @@
         </p:nvSpPr>
         <p:spPr>
           <a:xfrm rot="10800000">
-            <a:off x="5062758" y="4609949"/>
-            <a:ext cx="2104010" cy="347709"/>
+            <a:off x="4400596" y="4609949"/>
+            <a:ext cx="2766172" cy="303822"/>
           </a:xfrm>
           <a:prstGeom prst="bentUpArrow">
             <a:avLst/>
@@ -9700,7 +15608,7 @@
         </p:nvSpPr>
         <p:spPr>
           <a:xfrm>
-            <a:off x="8434437" y="5619185"/>
+            <a:off x="8474289" y="5845049"/>
             <a:ext cx="736849" cy="338554"/>
           </a:xfrm>
           <a:prstGeom prst="rect">
@@ -9832,7 +15740,7 @@
         </p:nvSpPr>
         <p:spPr>
           <a:xfrm>
-            <a:off x="2275258" y="5808367"/>
+            <a:off x="2275258" y="6078334"/>
             <a:ext cx="1817296" cy="369334"/>
           </a:xfrm>
           <a:prstGeom prst="roundRect">
@@ -9885,7 +15793,7 @@
         </p:nvSpPr>
         <p:spPr>
           <a:xfrm rot="5400000">
-            <a:off x="4143348" y="5785953"/>
+            <a:off x="4143348" y="6055920"/>
             <a:ext cx="319596" cy="402577"/>
           </a:xfrm>
           <a:prstGeom prst="downArrow">
@@ -10013,6 +15921,96 @@
           </a:p>
         </p:txBody>
       </p:sp>
+      <p:sp>
+        <p:nvSpPr>
+          <p:cNvPr id="2" name="תיבת טקסט 1">
+            <a:extLst>
+              <a:ext uri="{FF2B5EF4-FFF2-40B4-BE49-F238E27FC236}">
+                <a16:creationId xmlns:a16="http://schemas.microsoft.com/office/drawing/2014/main" id="{4C954332-7B21-964F-B03E-E986A176AD4F}"/>
+              </a:ext>
+            </a:extLst>
+          </p:cNvPr>
+          <p:cNvSpPr txBox="1"/>
+          <p:nvPr/>
+        </p:nvSpPr>
+        <p:spPr>
+          <a:xfrm>
+            <a:off x="9359275" y="4282923"/>
+            <a:ext cx="2340614" cy="646331"/>
+          </a:xfrm>
+          <a:prstGeom prst="rect">
+            <a:avLst/>
+          </a:prstGeom>
+          <a:noFill/>
+        </p:spPr>
+        <p:txBody>
+          <a:bodyPr wrap="square" rtlCol="1">
+            <a:spAutoFit/>
+          </a:bodyPr>
+          <a:lstStyle/>
+          <a:p>
+            <a:pPr algn="ctr"/>
+            <a:r>
+              <a:rPr lang="en-US" dirty="0"/>
+              <a:t>To eat means to capture an enemy  unit</a:t>
+            </a:r>
+            <a:endParaRPr lang="he-IL" dirty="0"/>
+          </a:p>
+        </p:txBody>
+      </p:sp>
+      <p:sp>
+        <p:nvSpPr>
+          <p:cNvPr id="54" name="מלבן: פינות מעוגלות 53">
+            <a:extLst>
+              <a:ext uri="{FF2B5EF4-FFF2-40B4-BE49-F238E27FC236}">
+                <a16:creationId xmlns:a16="http://schemas.microsoft.com/office/drawing/2014/main" id="{30938D4A-2A44-AA65-AE0E-10772F815A6A}"/>
+              </a:ext>
+            </a:extLst>
+          </p:cNvPr>
+          <p:cNvSpPr/>
+          <p:nvPr/>
+        </p:nvSpPr>
+        <p:spPr>
+          <a:xfrm>
+            <a:off x="9235228" y="5544408"/>
+            <a:ext cx="1817296" cy="369334"/>
+          </a:xfrm>
+          <a:prstGeom prst="roundRect">
+            <a:avLst/>
+          </a:prstGeom>
+          <a:solidFill>
+            <a:srgbClr val="00B0F0"/>
+          </a:solidFill>
+        </p:spPr>
+        <p:style>
+          <a:lnRef idx="2">
+            <a:schemeClr val="accent2">
+              <a:shade val="50000"/>
+            </a:schemeClr>
+          </a:lnRef>
+          <a:fillRef idx="1">
+            <a:schemeClr val="accent2"/>
+          </a:fillRef>
+          <a:effectRef idx="0">
+            <a:schemeClr val="accent2"/>
+          </a:effectRef>
+          <a:fontRef idx="minor">
+            <a:schemeClr val="lt1"/>
+          </a:fontRef>
+        </p:style>
+        <p:txBody>
+          <a:bodyPr rtlCol="1" anchor="ctr"/>
+          <a:lstStyle/>
+          <a:p>
+            <a:pPr algn="ctr"/>
+            <a:r>
+              <a:rPr lang="en-US" sz="1600" dirty="0"/>
+              <a:t>Did I Win?</a:t>
+            </a:r>
+            <a:endParaRPr lang="he-IL" sz="1600" dirty="0"/>
+          </a:p>
+        </p:txBody>
+      </p:sp>
     </p:spTree>
     <p:extLst>
       <p:ext uri="{BB962C8B-B14F-4D97-AF65-F5344CB8AC3E}">
@@ -10026,9 +16024,19 @@
 </p:sld>
 </file>
 
-<file path=ppt/slides/slide2.xml><?xml version="1.0" encoding="utf-8"?>
+<file path=ppt/slides/slide8.xml><?xml version="1.0" encoding="utf-8"?>
 <p:sld xmlns:a="http://schemas.openxmlformats.org/drawingml/2006/main" xmlns:r="http://schemas.openxmlformats.org/officeDocument/2006/relationships" xmlns:p="http://schemas.openxmlformats.org/presentationml/2006/main">
   <p:cSld>
+    <p:bg>
+      <p:bgPr>
+        <a:solidFill>
+          <a:schemeClr val="bg1">
+            <a:lumMod val="95000"/>
+          </a:schemeClr>
+        </a:solidFill>
+        <a:effectLst/>
+      </p:bgPr>
+    </p:bg>
     <p:spTree>
       <p:nvGrpSpPr>
         <p:cNvPr id="1" name=""/>
@@ -11787,263 +17795,10 @@
 </p:sld>
 </file>
 
-<file path=ppt/slides/slide3.xml><?xml version="1.0" encoding="utf-8"?>
-<p:sld xmlns:a="http://schemas.openxmlformats.org/drawingml/2006/main" xmlns:r="http://schemas.openxmlformats.org/officeDocument/2006/relationships" xmlns:p="http://schemas.openxmlformats.org/presentationml/2006/main">
-  <p:cSld>
-    <p:spTree>
-      <p:nvGrpSpPr>
-        <p:cNvPr id="1" name=""/>
-        <p:cNvGrpSpPr/>
-        <p:nvPr/>
-      </p:nvGrpSpPr>
-      <p:grpSpPr>
-        <a:xfrm>
-          <a:off x="0" y="0"/>
-          <a:ext cx="0" cy="0"/>
-          <a:chOff x="0" y="0"/>
-          <a:chExt cx="0" cy="0"/>
-        </a:xfrm>
-      </p:grpSpPr>
-      <p:graphicFrame>
-        <p:nvGraphicFramePr>
-          <p:cNvPr id="4" name="דיאגרמה 3">
-            <a:extLst>
-              <a:ext uri="{FF2B5EF4-FFF2-40B4-BE49-F238E27FC236}">
-                <a16:creationId xmlns:a16="http://schemas.microsoft.com/office/drawing/2014/main" id="{3D9C7414-0934-A03C-0320-BFFA1DB2C42B}"/>
-              </a:ext>
-            </a:extLst>
-          </p:cNvPr>
-          <p:cNvGraphicFramePr/>
-          <p:nvPr>
-            <p:extLst>
-              <p:ext uri="{D42A27DB-BD31-4B8C-83A1-F6EECF244321}">
-                <p14:modId xmlns:p14="http://schemas.microsoft.com/office/powerpoint/2010/main" val="942648740"/>
-              </p:ext>
-            </p:extLst>
-          </p:nvPr>
-        </p:nvGraphicFramePr>
-        <p:xfrm>
-          <a:off x="727969" y="630889"/>
-          <a:ext cx="10932358" cy="5418667"/>
-        </p:xfrm>
-        <a:graphic>
-          <a:graphicData uri="http://schemas.openxmlformats.org/drawingml/2006/diagram">
-            <dgm:relIds xmlns:dgm="http://schemas.openxmlformats.org/drawingml/2006/diagram" xmlns:r="http://schemas.openxmlformats.org/officeDocument/2006/relationships" r:dm="rId2" r:lo="rId3" r:qs="rId4" r:cs="rId5"/>
-          </a:graphicData>
-        </a:graphic>
-      </p:graphicFrame>
-      <p:sp>
-        <p:nvSpPr>
-          <p:cNvPr id="5" name="תיבת טקסט 4">
-            <a:extLst>
-              <a:ext uri="{FF2B5EF4-FFF2-40B4-BE49-F238E27FC236}">
-                <a16:creationId xmlns:a16="http://schemas.microsoft.com/office/drawing/2014/main" id="{F65C97A1-2046-B642-2615-B13226281A92}"/>
-              </a:ext>
-            </a:extLst>
-          </p:cNvPr>
-          <p:cNvSpPr txBox="1"/>
-          <p:nvPr/>
-        </p:nvSpPr>
-        <p:spPr>
-          <a:xfrm>
-            <a:off x="1786740" y="610924"/>
-            <a:ext cx="4407408" cy="461665"/>
-          </a:xfrm>
-          <a:prstGeom prst="rect">
-            <a:avLst/>
-          </a:prstGeom>
-          <a:noFill/>
-        </p:spPr>
-        <p:txBody>
-          <a:bodyPr wrap="square" rtlCol="1">
-            <a:spAutoFit/>
-          </a:bodyPr>
-          <a:lstStyle/>
-          <a:p>
-            <a:r>
-              <a:rPr lang="en-US" sz="2400" u="sng" dirty="0"/>
-              <a:t>Object data of class </a:t>
-            </a:r>
-            <a:r>
-              <a:rPr lang="en-US" sz="2400" u="sng" dirty="0" err="1"/>
-              <a:t>BoardData</a:t>
-            </a:r>
-            <a:r>
-              <a:rPr lang="en-US" sz="2400" u="sng" dirty="0"/>
-              <a:t>()</a:t>
-            </a:r>
-            <a:endParaRPr lang="he-IL" sz="2400" u="sng" dirty="0"/>
-          </a:p>
-        </p:txBody>
-      </p:sp>
-      <p:sp>
-        <p:nvSpPr>
-          <p:cNvPr id="2" name="תיבת טקסט 1">
-            <a:extLst>
-              <a:ext uri="{FF2B5EF4-FFF2-40B4-BE49-F238E27FC236}">
-                <a16:creationId xmlns:a16="http://schemas.microsoft.com/office/drawing/2014/main" id="{5266EAAA-66AA-9F09-86B5-BF49944E48C5}"/>
-              </a:ext>
-            </a:extLst>
-          </p:cNvPr>
-          <p:cNvSpPr txBox="1"/>
-          <p:nvPr/>
-        </p:nvSpPr>
-        <p:spPr>
-          <a:xfrm>
-            <a:off x="6096000" y="5633646"/>
-            <a:ext cx="1518408" cy="646331"/>
-          </a:xfrm>
-          <a:prstGeom prst="rect">
-            <a:avLst/>
-          </a:prstGeom>
-          <a:noFill/>
-        </p:spPr>
-        <p:txBody>
-          <a:bodyPr wrap="square" rtlCol="1">
-            <a:spAutoFit/>
-          </a:bodyPr>
-          <a:lstStyle/>
-          <a:p>
-            <a:r>
-              <a:rPr lang="en-US" dirty="0"/>
-              <a:t>Did a player win?</a:t>
-            </a:r>
-            <a:endParaRPr lang="he-IL" dirty="0"/>
-          </a:p>
-        </p:txBody>
-      </p:sp>
-      <p:sp>
-        <p:nvSpPr>
-          <p:cNvPr id="6" name="תיבת טקסט 5">
-            <a:extLst>
-              <a:ext uri="{FF2B5EF4-FFF2-40B4-BE49-F238E27FC236}">
-                <a16:creationId xmlns:a16="http://schemas.microsoft.com/office/drawing/2014/main" id="{FD21D578-ABCF-14C3-EF35-9DA9A0FA860F}"/>
-              </a:ext>
-            </a:extLst>
-          </p:cNvPr>
-          <p:cNvSpPr txBox="1"/>
-          <p:nvPr/>
-        </p:nvSpPr>
-        <p:spPr>
-          <a:xfrm>
-            <a:off x="4460846" y="5587068"/>
-            <a:ext cx="1518408" cy="923330"/>
-          </a:xfrm>
-          <a:prstGeom prst="rect">
-            <a:avLst/>
-          </a:prstGeom>
-          <a:noFill/>
-        </p:spPr>
-        <p:txBody>
-          <a:bodyPr wrap="square" rtlCol="1">
-            <a:spAutoFit/>
-          </a:bodyPr>
-          <a:lstStyle/>
-          <a:p>
-            <a:r>
-              <a:rPr lang="en-US" dirty="0"/>
-              <a:t>Can any of</a:t>
-            </a:r>
-            <a:br>
-              <a:rPr lang="en-US" dirty="0"/>
-            </a:br>
-            <a:r>
-              <a:rPr lang="en-US" dirty="0"/>
-              <a:t>my units </a:t>
-            </a:r>
-            <a:br>
-              <a:rPr lang="en-US" dirty="0"/>
-            </a:br>
-            <a:r>
-              <a:rPr lang="en-US" dirty="0"/>
-              <a:t>eat an enemy?</a:t>
-            </a:r>
-          </a:p>
-        </p:txBody>
-      </p:sp>
-      <p:sp>
-        <p:nvSpPr>
-          <p:cNvPr id="7" name="תיבת טקסט 6">
-            <a:extLst>
-              <a:ext uri="{FF2B5EF4-FFF2-40B4-BE49-F238E27FC236}">
-                <a16:creationId xmlns:a16="http://schemas.microsoft.com/office/drawing/2014/main" id="{070C970B-4B04-2862-BB3B-D97FC873B001}"/>
-              </a:ext>
-            </a:extLst>
-          </p:cNvPr>
-          <p:cNvSpPr txBox="1"/>
-          <p:nvPr/>
-        </p:nvSpPr>
-        <p:spPr>
-          <a:xfrm>
-            <a:off x="2912378" y="5587068"/>
-            <a:ext cx="1518408" cy="646331"/>
-          </a:xfrm>
-          <a:prstGeom prst="rect">
-            <a:avLst/>
-          </a:prstGeom>
-          <a:noFill/>
-        </p:spPr>
-        <p:txBody>
-          <a:bodyPr wrap="square" rtlCol="1">
-            <a:spAutoFit/>
-          </a:bodyPr>
-          <a:lstStyle/>
-          <a:p>
-            <a:r>
-              <a:rPr lang="en-US" dirty="0"/>
-              <a:t>Did I just eat an enemy?</a:t>
-            </a:r>
-            <a:endParaRPr lang="he-IL" dirty="0"/>
-          </a:p>
-        </p:txBody>
-      </p:sp>
-      <p:pic>
-        <p:nvPicPr>
-          <p:cNvPr id="14" name="תמונה 13">
-            <a:extLst>
-              <a:ext uri="{FF2B5EF4-FFF2-40B4-BE49-F238E27FC236}">
-                <a16:creationId xmlns:a16="http://schemas.microsoft.com/office/drawing/2014/main" id="{E434A63B-B3DE-7EC7-22D4-5C5DD205F61A}"/>
-              </a:ext>
-            </a:extLst>
-          </p:cNvPr>
-          <p:cNvPicPr>
-            <a:picLocks noChangeAspect="1"/>
-          </p:cNvPicPr>
-          <p:nvPr/>
-        </p:nvPicPr>
-        <p:blipFill>
-          <a:blip r:embed="rId7"/>
-          <a:stretch>
-            <a:fillRect/>
-          </a:stretch>
-        </p:blipFill>
-        <p:spPr>
-          <a:xfrm>
-            <a:off x="7614408" y="897473"/>
-            <a:ext cx="1744381" cy="1489863"/>
-          </a:xfrm>
-          <a:prstGeom prst="rect">
-            <a:avLst/>
-          </a:prstGeom>
-        </p:spPr>
-      </p:pic>
-    </p:spTree>
-    <p:extLst>
-      <p:ext uri="{BB962C8B-B14F-4D97-AF65-F5344CB8AC3E}">
-        <p14:creationId xmlns:p14="http://schemas.microsoft.com/office/powerpoint/2010/main" val="3096527022"/>
-      </p:ext>
-    </p:extLst>
-  </p:cSld>
-  <p:clrMapOvr>
-    <a:masterClrMapping/>
-  </p:clrMapOvr>
-</p:sld>
-</file>
-
 <file path=ppt/theme/theme1.xml><?xml version="1.0" encoding="utf-8"?>
 <a:theme xmlns:a="http://schemas.openxmlformats.org/drawingml/2006/main" name="חבילה">
   <a:themeElements>
-    <a:clrScheme name="Parcel">
+    <a:clrScheme name="חבילה">
       <a:dk1>
         <a:srgbClr val="000000"/>
       </a:dk1>
@@ -12081,7 +17836,7 @@
         <a:srgbClr val="738F97"/>
       </a:folHlink>
     </a:clrScheme>
-    <a:fontScheme name="Parcel">
+    <a:fontScheme name="חבילה">
       <a:majorFont>
         <a:latin typeface="Gill Sans MT" panose="020B0502020104020203"/>
         <a:ea typeface=""/>
@@ -12157,7 +17912,7 @@
         <a:font script="Geor" typeface="Sylfaen"/>
       </a:minorFont>
     </a:fontScheme>
-    <a:fmtScheme name="Parcel">
+    <a:fmtScheme name="חבילה">
       <a:fillStyleLst>
         <a:solidFill>
           <a:schemeClr val="phClr"/>

--- a/Checkers/images/מצגת קוד.pptx
+++ b/Checkers/images/מצגת קוד.pptx
@@ -1314,7 +1314,7 @@
       </dgm:spPr>
     </dgm:pt>
     <dgm:pt modelId="{479CD954-348B-4C2D-A7FC-68EFAEF598AB}" type="pres">
-      <dgm:prSet presAssocID="{391F10EC-D682-4093-AECC-16D99797BE79}" presName="text" presStyleLbl="fgAcc0" presStyleIdx="0" presStyleCnt="1" custLinFactX="-17307" custLinFactNeighborX="-100000" custLinFactNeighborY="848">
+      <dgm:prSet presAssocID="{391F10EC-D682-4093-AECC-16D99797BE79}" presName="text" presStyleLbl="fgAcc0" presStyleIdx="0" presStyleCnt="1" custScaleX="140500" custLinFactX="-17307" custLinFactNeighborX="-100000" custLinFactNeighborY="848">
         <dgm:presLayoutVars>
           <dgm:chPref val="3"/>
         </dgm:presLayoutVars>
@@ -2241,8 +2241,8 @@
       </dsp:nvSpPr>
       <dsp:spPr>
         <a:xfrm>
-          <a:off x="2341264" y="985460"/>
-          <a:ext cx="1335583" cy="848095"/>
+          <a:off x="2070808" y="985460"/>
+          <a:ext cx="1876495" cy="848095"/>
         </a:xfrm>
         <a:prstGeom prst="roundRect">
           <a:avLst>
@@ -2285,8 +2285,8 @@
       </dsp:nvSpPr>
       <dsp:spPr>
         <a:xfrm>
-          <a:off x="2489662" y="1126438"/>
-          <a:ext cx="1335583" cy="848095"/>
+          <a:off x="2219206" y="1126438"/>
+          <a:ext cx="1876495" cy="848095"/>
         </a:xfrm>
         <a:prstGeom prst="roundRect">
           <a:avLst>
@@ -2349,8 +2349,8 @@
         </a:p>
       </dsp:txBody>
       <dsp:txXfrm>
-        <a:off x="2514502" y="1151278"/>
-        <a:ext cx="1285903" cy="798415"/>
+        <a:off x="2244046" y="1151278"/>
+        <a:ext cx="1826815" cy="798415"/>
       </dsp:txXfrm>
     </dsp:sp>
     <dsp:sp modelId="{238F4B04-DDBE-4D53-98DE-C537B294D7CD}">
@@ -13550,7 +13550,7 @@
           <p:nvPr>
             <p:extLst>
               <p:ext uri="{D42A27DB-BD31-4B8C-83A1-F6EECF244321}">
-                <p14:modId xmlns:p14="http://schemas.microsoft.com/office/powerpoint/2010/main" val="3038504682"/>
+                <p14:modId xmlns:p14="http://schemas.microsoft.com/office/powerpoint/2010/main" val="443854137"/>
               </p:ext>
             </p:extLst>
           </p:nvPr>

--- a/Checkers/images/מצגת קוד.pptx
+++ b/Checkers/images/מצגת קוד.pptx
@@ -10905,7 +10905,7 @@
                 </a:solidFill>
                 <a:latin typeface="Consolas" panose="020B0609020204030204" pitchFamily="49" charset="0"/>
               </a:rPr>
-              <a:t>showAllOptions</a:t>
+              <a:t>getAllOptions</a:t>
             </a:r>
             <a:r>
               <a:rPr lang="en-US" dirty="0">
